--- a/문서자료/03. 최종 발표 제출 자료/프로젝트B 발표 PPT .pptx
+++ b/문서자료/03. 최종 발표 제출 자료/프로젝트B 발표 PPT .pptx
@@ -126,7 +126,7 @@
   </p:defaultTextStyle>
   <p:extLst>
     <p:ext uri="{EFAFB233-063F-42B5-8137-9DF3F51BA10A}">
-      <p15:sldGuideLst xmlns="" xmlns:p15="http://schemas.microsoft.com/office/powerpoint/2012/main"/>
+      <p15:sldGuideLst xmlns:p15="http://schemas.microsoft.com/office/powerpoint/2012/main" xmlns=""/>
     </p:ext>
   </p:extLst>
 </p:presentation>
@@ -2381,6 +2381,788 @@
 </dgm:colorsDef>
 </file>
 
+<file path=ppt/diagrams/colors4.xml><?xml version="1.0" encoding="utf-8"?>
+<dgm:colorsDef xmlns:dgm="http://schemas.openxmlformats.org/drawingml/2006/diagram" xmlns:a="http://schemas.openxmlformats.org/drawingml/2006/main" uniqueId="urn:microsoft.com/office/officeart/2005/8/colors/colorful2">
+  <dgm:title val=""/>
+  <dgm:desc val=""/>
+  <dgm:catLst>
+    <dgm:cat type="colorful" pri="10200"/>
+  </dgm:catLst>
+  <dgm:styleLbl name="node0">
+    <dgm:fillClrLst meth="repeat">
+      <a:schemeClr val="accent1"/>
+    </dgm:fillClrLst>
+    <dgm:linClrLst meth="repeat">
+      <a:schemeClr val="lt1"/>
+    </dgm:linClrLst>
+    <dgm:effectClrLst/>
+    <dgm:txLinClrLst/>
+    <dgm:txFillClrLst/>
+    <dgm:txEffectClrLst/>
+  </dgm:styleLbl>
+  <dgm:styleLbl name="node1">
+    <dgm:fillClrLst>
+      <a:schemeClr val="accent2"/>
+      <a:schemeClr val="accent3"/>
+    </dgm:fillClrLst>
+    <dgm:linClrLst meth="repeat">
+      <a:schemeClr val="lt1"/>
+    </dgm:linClrLst>
+    <dgm:effectClrLst/>
+    <dgm:txLinClrLst/>
+    <dgm:txFillClrLst/>
+    <dgm:txEffectClrLst/>
+  </dgm:styleLbl>
+  <dgm:styleLbl name="alignNode1">
+    <dgm:fillClrLst>
+      <a:schemeClr val="accent2"/>
+      <a:schemeClr val="accent3"/>
+    </dgm:fillClrLst>
+    <dgm:linClrLst>
+      <a:schemeClr val="accent2"/>
+      <a:schemeClr val="accent3"/>
+    </dgm:linClrLst>
+    <dgm:effectClrLst/>
+    <dgm:txLinClrLst/>
+    <dgm:txFillClrLst/>
+    <dgm:txEffectClrLst/>
+  </dgm:styleLbl>
+  <dgm:styleLbl name="lnNode1">
+    <dgm:fillClrLst>
+      <a:schemeClr val="accent2"/>
+      <a:schemeClr val="accent3"/>
+    </dgm:fillClrLst>
+    <dgm:linClrLst meth="repeat">
+      <a:schemeClr val="lt1"/>
+    </dgm:linClrLst>
+    <dgm:effectClrLst/>
+    <dgm:txLinClrLst/>
+    <dgm:txFillClrLst/>
+    <dgm:txEffectClrLst/>
+  </dgm:styleLbl>
+  <dgm:styleLbl name="vennNode1">
+    <dgm:fillClrLst>
+      <a:schemeClr val="accent2">
+        <a:alpha val="50000"/>
+      </a:schemeClr>
+      <a:schemeClr val="accent3">
+        <a:alpha val="50000"/>
+      </a:schemeClr>
+    </dgm:fillClrLst>
+    <dgm:linClrLst meth="repeat">
+      <a:schemeClr val="lt1"/>
+    </dgm:linClrLst>
+    <dgm:effectClrLst/>
+    <dgm:txLinClrLst/>
+    <dgm:txFillClrLst/>
+    <dgm:txEffectClrLst/>
+  </dgm:styleLbl>
+  <dgm:styleLbl name="node2">
+    <dgm:fillClrLst>
+      <a:schemeClr val="accent3"/>
+    </dgm:fillClrLst>
+    <dgm:linClrLst meth="repeat">
+      <a:schemeClr val="lt1"/>
+    </dgm:linClrLst>
+    <dgm:effectClrLst/>
+    <dgm:txLinClrLst/>
+    <dgm:txFillClrLst/>
+    <dgm:txEffectClrLst/>
+  </dgm:styleLbl>
+  <dgm:styleLbl name="node3">
+    <dgm:fillClrLst>
+      <a:schemeClr val="accent4"/>
+    </dgm:fillClrLst>
+    <dgm:linClrLst meth="repeat">
+      <a:schemeClr val="lt1"/>
+    </dgm:linClrLst>
+    <dgm:effectClrLst/>
+    <dgm:txLinClrLst/>
+    <dgm:txFillClrLst/>
+    <dgm:txEffectClrLst/>
+  </dgm:styleLbl>
+  <dgm:styleLbl name="node4">
+    <dgm:fillClrLst>
+      <a:schemeClr val="accent5"/>
+    </dgm:fillClrLst>
+    <dgm:linClrLst meth="repeat">
+      <a:schemeClr val="lt1"/>
+    </dgm:linClrLst>
+    <dgm:effectClrLst/>
+    <dgm:txLinClrLst/>
+    <dgm:txFillClrLst/>
+    <dgm:txEffectClrLst/>
+  </dgm:styleLbl>
+  <dgm:styleLbl name="fgImgPlace1">
+    <dgm:fillClrLst>
+      <a:schemeClr val="accent2">
+        <a:tint val="50000"/>
+      </a:schemeClr>
+      <a:schemeClr val="accent3">
+        <a:tint val="50000"/>
+      </a:schemeClr>
+    </dgm:fillClrLst>
+    <dgm:linClrLst meth="repeat">
+      <a:schemeClr val="lt1"/>
+    </dgm:linClrLst>
+    <dgm:effectClrLst/>
+    <dgm:txLinClrLst/>
+    <dgm:txFillClrLst meth="repeat">
+      <a:schemeClr val="lt1"/>
+    </dgm:txFillClrLst>
+    <dgm:txEffectClrLst/>
+  </dgm:styleLbl>
+  <dgm:styleLbl name="alignImgPlace1">
+    <dgm:fillClrLst>
+      <a:schemeClr val="accent2">
+        <a:tint val="50000"/>
+      </a:schemeClr>
+      <a:schemeClr val="accent3">
+        <a:tint val="20000"/>
+      </a:schemeClr>
+    </dgm:fillClrLst>
+    <dgm:linClrLst meth="repeat">
+      <a:schemeClr val="lt1"/>
+    </dgm:linClrLst>
+    <dgm:effectClrLst/>
+    <dgm:txLinClrLst/>
+    <dgm:txFillClrLst meth="repeat">
+      <a:schemeClr val="lt1"/>
+    </dgm:txFillClrLst>
+    <dgm:txEffectClrLst/>
+  </dgm:styleLbl>
+  <dgm:styleLbl name="bgImgPlace1">
+    <dgm:fillClrLst>
+      <a:schemeClr val="accent2">
+        <a:tint val="50000"/>
+      </a:schemeClr>
+      <a:schemeClr val="accent3">
+        <a:tint val="20000"/>
+      </a:schemeClr>
+    </dgm:fillClrLst>
+    <dgm:linClrLst meth="repeat">
+      <a:schemeClr val="lt1"/>
+    </dgm:linClrLst>
+    <dgm:effectClrLst/>
+    <dgm:txLinClrLst/>
+    <dgm:txFillClrLst meth="repeat">
+      <a:schemeClr val="lt1"/>
+    </dgm:txFillClrLst>
+    <dgm:txEffectClrLst/>
+  </dgm:styleLbl>
+  <dgm:styleLbl name="sibTrans2D1">
+    <dgm:fillClrLst>
+      <a:schemeClr val="accent2"/>
+      <a:schemeClr val="accent3"/>
+    </dgm:fillClrLst>
+    <dgm:linClrLst meth="repeat">
+      <a:schemeClr val="lt1"/>
+    </dgm:linClrLst>
+    <dgm:effectClrLst/>
+    <dgm:txLinClrLst/>
+    <dgm:txFillClrLst/>
+    <dgm:txEffectClrLst/>
+  </dgm:styleLbl>
+  <dgm:styleLbl name="fgSibTrans2D1">
+    <dgm:fillClrLst>
+      <a:schemeClr val="accent2"/>
+      <a:schemeClr val="accent3"/>
+    </dgm:fillClrLst>
+    <dgm:linClrLst meth="repeat">
+      <a:schemeClr val="lt1"/>
+    </dgm:linClrLst>
+    <dgm:effectClrLst/>
+    <dgm:txLinClrLst/>
+    <dgm:txFillClrLst meth="repeat">
+      <a:schemeClr val="lt1"/>
+    </dgm:txFillClrLst>
+    <dgm:txEffectClrLst/>
+  </dgm:styleLbl>
+  <dgm:styleLbl name="bgSibTrans2D1">
+    <dgm:fillClrLst>
+      <a:schemeClr val="accent2"/>
+      <a:schemeClr val="accent3"/>
+    </dgm:fillClrLst>
+    <dgm:linClrLst meth="repeat">
+      <a:schemeClr val="lt1"/>
+    </dgm:linClrLst>
+    <dgm:effectClrLst/>
+    <dgm:txLinClrLst/>
+    <dgm:txFillClrLst meth="repeat">
+      <a:schemeClr val="lt1"/>
+    </dgm:txFillClrLst>
+    <dgm:txEffectClrLst/>
+  </dgm:styleLbl>
+  <dgm:styleLbl name="sibTrans1D1">
+    <dgm:fillClrLst/>
+    <dgm:linClrLst>
+      <a:schemeClr val="accent2"/>
+      <a:schemeClr val="accent3"/>
+    </dgm:linClrLst>
+    <dgm:effectClrLst/>
+    <dgm:txLinClrLst/>
+    <dgm:txFillClrLst meth="repeat">
+      <a:schemeClr val="tx1"/>
+    </dgm:txFillClrLst>
+    <dgm:txEffectClrLst/>
+  </dgm:styleLbl>
+  <dgm:styleLbl name="callout">
+    <dgm:fillClrLst meth="repeat">
+      <a:schemeClr val="accent2"/>
+    </dgm:fillClrLst>
+    <dgm:linClrLst meth="repeat">
+      <a:schemeClr val="accent2">
+        <a:tint val="50000"/>
+      </a:schemeClr>
+    </dgm:linClrLst>
+    <dgm:effectClrLst/>
+    <dgm:txLinClrLst/>
+    <dgm:txFillClrLst meth="repeat">
+      <a:schemeClr val="tx1"/>
+    </dgm:txFillClrLst>
+    <dgm:txEffectClrLst/>
+  </dgm:styleLbl>
+  <dgm:styleLbl name="asst0">
+    <dgm:fillClrLst meth="repeat">
+      <a:schemeClr val="accent2"/>
+    </dgm:fillClrLst>
+    <dgm:linClrLst meth="repeat">
+      <a:schemeClr val="lt1">
+        <a:shade val="80000"/>
+      </a:schemeClr>
+    </dgm:linClrLst>
+    <dgm:effectClrLst/>
+    <dgm:txLinClrLst/>
+    <dgm:txFillClrLst/>
+    <dgm:txEffectClrLst/>
+  </dgm:styleLbl>
+  <dgm:styleLbl name="asst1">
+    <dgm:fillClrLst meth="repeat">
+      <a:schemeClr val="accent3"/>
+    </dgm:fillClrLst>
+    <dgm:linClrLst meth="repeat">
+      <a:schemeClr val="lt1">
+        <a:shade val="80000"/>
+      </a:schemeClr>
+    </dgm:linClrLst>
+    <dgm:effectClrLst/>
+    <dgm:txLinClrLst/>
+    <dgm:txFillClrLst/>
+    <dgm:txEffectClrLst/>
+  </dgm:styleLbl>
+  <dgm:styleLbl name="asst2">
+    <dgm:fillClrLst>
+      <a:schemeClr val="accent4"/>
+    </dgm:fillClrLst>
+    <dgm:linClrLst meth="repeat">
+      <a:schemeClr val="lt1"/>
+    </dgm:linClrLst>
+    <dgm:effectClrLst/>
+    <dgm:txLinClrLst/>
+    <dgm:txFillClrLst/>
+    <dgm:txEffectClrLst/>
+  </dgm:styleLbl>
+  <dgm:styleLbl name="asst3">
+    <dgm:fillClrLst>
+      <a:schemeClr val="accent5"/>
+    </dgm:fillClrLst>
+    <dgm:linClrLst meth="repeat">
+      <a:schemeClr val="lt1"/>
+    </dgm:linClrLst>
+    <dgm:effectClrLst/>
+    <dgm:txLinClrLst/>
+    <dgm:txFillClrLst/>
+    <dgm:txEffectClrLst/>
+  </dgm:styleLbl>
+  <dgm:styleLbl name="asst4">
+    <dgm:fillClrLst>
+      <a:schemeClr val="accent6"/>
+    </dgm:fillClrLst>
+    <dgm:linClrLst meth="repeat">
+      <a:schemeClr val="lt1"/>
+    </dgm:linClrLst>
+    <dgm:effectClrLst/>
+    <dgm:txLinClrLst/>
+    <dgm:txFillClrLst/>
+    <dgm:txEffectClrLst/>
+  </dgm:styleLbl>
+  <dgm:styleLbl name="parChTrans2D1">
+    <dgm:fillClrLst meth="repeat">
+      <a:schemeClr val="accent2"/>
+    </dgm:fillClrLst>
+    <dgm:linClrLst meth="repeat">
+      <a:schemeClr val="lt1"/>
+    </dgm:linClrLst>
+    <dgm:effectClrLst/>
+    <dgm:txLinClrLst/>
+    <dgm:txFillClrLst meth="repeat">
+      <a:schemeClr val="lt1"/>
+    </dgm:txFillClrLst>
+    <dgm:txEffectClrLst/>
+  </dgm:styleLbl>
+  <dgm:styleLbl name="parChTrans2D2">
+    <dgm:fillClrLst meth="repeat">
+      <a:schemeClr val="accent3"/>
+    </dgm:fillClrLst>
+    <dgm:linClrLst meth="repeat">
+      <a:schemeClr val="lt1"/>
+    </dgm:linClrLst>
+    <dgm:effectClrLst/>
+    <dgm:txLinClrLst/>
+    <dgm:txFillClrLst/>
+    <dgm:txEffectClrLst/>
+  </dgm:styleLbl>
+  <dgm:styleLbl name="parChTrans2D3">
+    <dgm:fillClrLst meth="repeat">
+      <a:schemeClr val="accent4"/>
+    </dgm:fillClrLst>
+    <dgm:linClrLst meth="repeat">
+      <a:schemeClr val="lt1"/>
+    </dgm:linClrLst>
+    <dgm:effectClrLst/>
+    <dgm:txLinClrLst/>
+    <dgm:txFillClrLst/>
+    <dgm:txEffectClrLst/>
+  </dgm:styleLbl>
+  <dgm:styleLbl name="parChTrans2D4">
+    <dgm:fillClrLst meth="repeat">
+      <a:schemeClr val="accent5"/>
+    </dgm:fillClrLst>
+    <dgm:linClrLst meth="repeat">
+      <a:schemeClr val="lt1"/>
+    </dgm:linClrLst>
+    <dgm:effectClrLst/>
+    <dgm:txLinClrLst/>
+    <dgm:txFillClrLst meth="repeat">
+      <a:schemeClr val="lt1"/>
+    </dgm:txFillClrLst>
+    <dgm:txEffectClrLst/>
+  </dgm:styleLbl>
+  <dgm:styleLbl name="parChTrans1D1">
+    <dgm:fillClrLst meth="repeat">
+      <a:schemeClr val="accent2"/>
+    </dgm:fillClrLst>
+    <dgm:linClrLst meth="repeat">
+      <a:schemeClr val="accent2"/>
+    </dgm:linClrLst>
+    <dgm:effectClrLst/>
+    <dgm:txLinClrLst/>
+    <dgm:txFillClrLst meth="repeat">
+      <a:schemeClr val="tx1"/>
+    </dgm:txFillClrLst>
+    <dgm:txEffectClrLst/>
+  </dgm:styleLbl>
+  <dgm:styleLbl name="parChTrans1D2">
+    <dgm:fillClrLst meth="repeat">
+      <a:schemeClr val="accent2">
+        <a:tint val="90000"/>
+      </a:schemeClr>
+    </dgm:fillClrLst>
+    <dgm:linClrLst meth="repeat">
+      <a:schemeClr val="accent3"/>
+    </dgm:linClrLst>
+    <dgm:effectClrLst/>
+    <dgm:txLinClrLst/>
+    <dgm:txFillClrLst meth="repeat">
+      <a:schemeClr val="tx1"/>
+    </dgm:txFillClrLst>
+    <dgm:txEffectClrLst/>
+  </dgm:styleLbl>
+  <dgm:styleLbl name="parChTrans1D3">
+    <dgm:fillClrLst meth="repeat">
+      <a:schemeClr val="accent2">
+        <a:tint val="70000"/>
+      </a:schemeClr>
+    </dgm:fillClrLst>
+    <dgm:linClrLst meth="repeat">
+      <a:schemeClr val="accent4"/>
+    </dgm:linClrLst>
+    <dgm:effectClrLst/>
+    <dgm:txLinClrLst/>
+    <dgm:txFillClrLst meth="repeat">
+      <a:schemeClr val="tx1"/>
+    </dgm:txFillClrLst>
+    <dgm:txEffectClrLst/>
+  </dgm:styleLbl>
+  <dgm:styleLbl name="parChTrans1D4">
+    <dgm:fillClrLst meth="repeat">
+      <a:schemeClr val="accent2">
+        <a:tint val="50000"/>
+      </a:schemeClr>
+    </dgm:fillClrLst>
+    <dgm:linClrLst meth="repeat">
+      <a:schemeClr val="accent5"/>
+    </dgm:linClrLst>
+    <dgm:effectClrLst/>
+    <dgm:txLinClrLst/>
+    <dgm:txFillClrLst meth="repeat">
+      <a:schemeClr val="tx1"/>
+    </dgm:txFillClrLst>
+    <dgm:txEffectClrLst/>
+  </dgm:styleLbl>
+  <dgm:styleLbl name="fgAcc1">
+    <dgm:fillClrLst meth="repeat">
+      <a:schemeClr val="lt1">
+        <a:alpha val="90000"/>
+      </a:schemeClr>
+    </dgm:fillClrLst>
+    <dgm:linClrLst>
+      <a:schemeClr val="accent2"/>
+      <a:schemeClr val="accent3"/>
+    </dgm:linClrLst>
+    <dgm:effectClrLst/>
+    <dgm:txLinClrLst/>
+    <dgm:txFillClrLst meth="repeat">
+      <a:schemeClr val="dk1"/>
+    </dgm:txFillClrLst>
+    <dgm:txEffectClrLst/>
+  </dgm:styleLbl>
+  <dgm:styleLbl name="conFgAcc1">
+    <dgm:fillClrLst meth="repeat">
+      <a:schemeClr val="lt1">
+        <a:alpha val="90000"/>
+      </a:schemeClr>
+    </dgm:fillClrLst>
+    <dgm:linClrLst>
+      <a:schemeClr val="accent2"/>
+      <a:schemeClr val="accent3"/>
+    </dgm:linClrLst>
+    <dgm:effectClrLst/>
+    <dgm:txLinClrLst/>
+    <dgm:txFillClrLst meth="repeat">
+      <a:schemeClr val="dk1"/>
+    </dgm:txFillClrLst>
+    <dgm:txEffectClrLst/>
+  </dgm:styleLbl>
+  <dgm:styleLbl name="alignAcc1">
+    <dgm:fillClrLst meth="repeat">
+      <a:schemeClr val="lt1">
+        <a:alpha val="90000"/>
+      </a:schemeClr>
+    </dgm:fillClrLst>
+    <dgm:linClrLst>
+      <a:schemeClr val="accent2"/>
+      <a:schemeClr val="accent3"/>
+    </dgm:linClrLst>
+    <dgm:effectClrLst/>
+    <dgm:txLinClrLst/>
+    <dgm:txFillClrLst meth="repeat">
+      <a:schemeClr val="dk1"/>
+    </dgm:txFillClrLst>
+    <dgm:txEffectClrLst/>
+  </dgm:styleLbl>
+  <dgm:styleLbl name="trAlignAcc1">
+    <dgm:fillClrLst meth="repeat">
+      <a:schemeClr val="lt1">
+        <a:alpha val="40000"/>
+      </a:schemeClr>
+    </dgm:fillClrLst>
+    <dgm:linClrLst meth="repeat">
+      <a:schemeClr val="accent2"/>
+    </dgm:linClrLst>
+    <dgm:effectClrLst/>
+    <dgm:txLinClrLst/>
+    <dgm:txFillClrLst meth="repeat">
+      <a:schemeClr val="dk1"/>
+    </dgm:txFillClrLst>
+    <dgm:txEffectClrLst/>
+  </dgm:styleLbl>
+  <dgm:styleLbl name="bgAcc1">
+    <dgm:fillClrLst meth="repeat">
+      <a:schemeClr val="lt1">
+        <a:alpha val="90000"/>
+      </a:schemeClr>
+    </dgm:fillClrLst>
+    <dgm:linClrLst>
+      <a:schemeClr val="accent2"/>
+      <a:schemeClr val="accent3"/>
+    </dgm:linClrLst>
+    <dgm:effectClrLst/>
+    <dgm:txLinClrLst/>
+    <dgm:txFillClrLst meth="repeat">
+      <a:schemeClr val="dk1"/>
+    </dgm:txFillClrLst>
+    <dgm:txEffectClrLst/>
+  </dgm:styleLbl>
+  <dgm:styleLbl name="solidFgAcc1">
+    <dgm:fillClrLst meth="repeat">
+      <a:schemeClr val="lt1"/>
+    </dgm:fillClrLst>
+    <dgm:linClrLst>
+      <a:schemeClr val="accent2"/>
+      <a:schemeClr val="accent3"/>
+    </dgm:linClrLst>
+    <dgm:effectClrLst/>
+    <dgm:txLinClrLst/>
+    <dgm:txFillClrLst meth="repeat">
+      <a:schemeClr val="dk1"/>
+    </dgm:txFillClrLst>
+    <dgm:txEffectClrLst/>
+  </dgm:styleLbl>
+  <dgm:styleLbl name="solidAlignAcc1">
+    <dgm:fillClrLst meth="repeat">
+      <a:schemeClr val="lt1"/>
+    </dgm:fillClrLst>
+    <dgm:linClrLst>
+      <a:schemeClr val="accent2"/>
+      <a:schemeClr val="accent3"/>
+    </dgm:linClrLst>
+    <dgm:effectClrLst/>
+    <dgm:txLinClrLst/>
+    <dgm:txFillClrLst meth="repeat">
+      <a:schemeClr val="dk1"/>
+    </dgm:txFillClrLst>
+    <dgm:txEffectClrLst/>
+  </dgm:styleLbl>
+  <dgm:styleLbl name="solidBgAcc1">
+    <dgm:fillClrLst meth="repeat">
+      <a:schemeClr val="lt1"/>
+    </dgm:fillClrLst>
+    <dgm:linClrLst>
+      <a:schemeClr val="accent2"/>
+      <a:schemeClr val="accent3"/>
+    </dgm:linClrLst>
+    <dgm:effectClrLst/>
+    <dgm:txLinClrLst/>
+    <dgm:txFillClrLst meth="repeat">
+      <a:schemeClr val="dk1"/>
+    </dgm:txFillClrLst>
+    <dgm:txEffectClrLst/>
+  </dgm:styleLbl>
+  <dgm:styleLbl name="fgAccFollowNode1">
+    <dgm:fillClrLst>
+      <a:schemeClr val="accent2">
+        <a:tint val="40000"/>
+        <a:alpha val="90000"/>
+      </a:schemeClr>
+      <a:schemeClr val="accent3">
+        <a:tint val="40000"/>
+        <a:alpha val="90000"/>
+      </a:schemeClr>
+    </dgm:fillClrLst>
+    <dgm:linClrLst>
+      <a:schemeClr val="accent2">
+        <a:tint val="40000"/>
+        <a:alpha val="90000"/>
+      </a:schemeClr>
+      <a:schemeClr val="accent3">
+        <a:tint val="40000"/>
+        <a:alpha val="90000"/>
+      </a:schemeClr>
+    </dgm:linClrLst>
+    <dgm:effectClrLst/>
+    <dgm:txLinClrLst/>
+    <dgm:txFillClrLst meth="repeat">
+      <a:schemeClr val="dk1"/>
+    </dgm:txFillClrLst>
+    <dgm:txEffectClrLst/>
+  </dgm:styleLbl>
+  <dgm:styleLbl name="alignAccFollowNode1">
+    <dgm:fillClrLst>
+      <a:schemeClr val="accent2">
+        <a:tint val="40000"/>
+        <a:alpha val="90000"/>
+      </a:schemeClr>
+      <a:schemeClr val="accent3">
+        <a:tint val="40000"/>
+        <a:alpha val="90000"/>
+      </a:schemeClr>
+    </dgm:fillClrLst>
+    <dgm:linClrLst>
+      <a:schemeClr val="accent2">
+        <a:tint val="40000"/>
+        <a:alpha val="90000"/>
+      </a:schemeClr>
+      <a:schemeClr val="accent3">
+        <a:tint val="40000"/>
+        <a:alpha val="90000"/>
+      </a:schemeClr>
+    </dgm:linClrLst>
+    <dgm:effectClrLst/>
+    <dgm:txLinClrLst/>
+    <dgm:txFillClrLst meth="repeat">
+      <a:schemeClr val="dk1"/>
+    </dgm:txFillClrLst>
+    <dgm:txEffectClrLst/>
+  </dgm:styleLbl>
+  <dgm:styleLbl name="bgAccFollowNode1">
+    <dgm:fillClrLst>
+      <a:schemeClr val="accent2">
+        <a:tint val="40000"/>
+        <a:alpha val="90000"/>
+      </a:schemeClr>
+      <a:schemeClr val="accent3">
+        <a:tint val="40000"/>
+        <a:alpha val="90000"/>
+      </a:schemeClr>
+    </dgm:fillClrLst>
+    <dgm:linClrLst>
+      <a:schemeClr val="accent2">
+        <a:tint val="40000"/>
+        <a:alpha val="90000"/>
+      </a:schemeClr>
+      <a:schemeClr val="accent3">
+        <a:tint val="40000"/>
+        <a:alpha val="90000"/>
+      </a:schemeClr>
+    </dgm:linClrLst>
+    <dgm:effectClrLst/>
+    <dgm:txLinClrLst/>
+    <dgm:txFillClrLst meth="repeat">
+      <a:schemeClr val="dk1"/>
+    </dgm:txFillClrLst>
+    <dgm:txEffectClrLst/>
+  </dgm:styleLbl>
+  <dgm:styleLbl name="fgAcc0">
+    <dgm:fillClrLst meth="repeat">
+      <a:schemeClr val="lt1">
+        <a:alpha val="90000"/>
+      </a:schemeClr>
+    </dgm:fillClrLst>
+    <dgm:linClrLst>
+      <a:schemeClr val="accent1"/>
+    </dgm:linClrLst>
+    <dgm:effectClrLst/>
+    <dgm:txLinClrLst/>
+    <dgm:txFillClrLst meth="repeat">
+      <a:schemeClr val="dk1"/>
+    </dgm:txFillClrLst>
+    <dgm:txEffectClrLst/>
+  </dgm:styleLbl>
+  <dgm:styleLbl name="fgAcc2">
+    <dgm:fillClrLst meth="repeat">
+      <a:schemeClr val="lt1">
+        <a:alpha val="90000"/>
+      </a:schemeClr>
+    </dgm:fillClrLst>
+    <dgm:linClrLst>
+      <a:schemeClr val="accent3"/>
+    </dgm:linClrLst>
+    <dgm:effectClrLst/>
+    <dgm:txLinClrLst/>
+    <dgm:txFillClrLst meth="repeat">
+      <a:schemeClr val="dk1"/>
+    </dgm:txFillClrLst>
+    <dgm:txEffectClrLst/>
+  </dgm:styleLbl>
+  <dgm:styleLbl name="fgAcc3">
+    <dgm:fillClrLst meth="repeat">
+      <a:schemeClr val="lt1">
+        <a:alpha val="90000"/>
+      </a:schemeClr>
+    </dgm:fillClrLst>
+    <dgm:linClrLst>
+      <a:schemeClr val="accent4"/>
+    </dgm:linClrLst>
+    <dgm:effectClrLst/>
+    <dgm:txLinClrLst/>
+    <dgm:txFillClrLst meth="repeat">
+      <a:schemeClr val="dk1"/>
+    </dgm:txFillClrLst>
+    <dgm:txEffectClrLst/>
+  </dgm:styleLbl>
+  <dgm:styleLbl name="fgAcc4">
+    <dgm:fillClrLst meth="repeat">
+      <a:schemeClr val="lt1">
+        <a:alpha val="90000"/>
+      </a:schemeClr>
+    </dgm:fillClrLst>
+    <dgm:linClrLst>
+      <a:schemeClr val="accent5"/>
+    </dgm:linClrLst>
+    <dgm:effectClrLst/>
+    <dgm:txLinClrLst/>
+    <dgm:txFillClrLst meth="repeat">
+      <a:schemeClr val="dk1"/>
+    </dgm:txFillClrLst>
+    <dgm:txEffectClrLst/>
+  </dgm:styleLbl>
+  <dgm:styleLbl name="bgShp">
+    <dgm:fillClrLst meth="repeat">
+      <a:schemeClr val="accent2">
+        <a:tint val="40000"/>
+      </a:schemeClr>
+    </dgm:fillClrLst>
+    <dgm:linClrLst meth="repeat">
+      <a:schemeClr val="dk1"/>
+    </dgm:linClrLst>
+    <dgm:effectClrLst/>
+    <dgm:txLinClrLst/>
+    <dgm:txFillClrLst meth="repeat">
+      <a:schemeClr val="dk1"/>
+    </dgm:txFillClrLst>
+    <dgm:txEffectClrLst/>
+  </dgm:styleLbl>
+  <dgm:styleLbl name="dkBgShp">
+    <dgm:fillClrLst meth="repeat">
+      <a:schemeClr val="accent2">
+        <a:shade val="90000"/>
+      </a:schemeClr>
+    </dgm:fillClrLst>
+    <dgm:linClrLst meth="repeat">
+      <a:schemeClr val="dk1"/>
+    </dgm:linClrLst>
+    <dgm:effectClrLst/>
+    <dgm:txLinClrLst/>
+    <dgm:txFillClrLst meth="repeat">
+      <a:schemeClr val="lt1"/>
+    </dgm:txFillClrLst>
+    <dgm:txEffectClrLst/>
+  </dgm:styleLbl>
+  <dgm:styleLbl name="trBgShp">
+    <dgm:fillClrLst meth="repeat">
+      <a:schemeClr val="accent2">
+        <a:tint val="50000"/>
+        <a:alpha val="40000"/>
+      </a:schemeClr>
+    </dgm:fillClrLst>
+    <dgm:linClrLst meth="repeat">
+      <a:schemeClr val="accent2"/>
+    </dgm:linClrLst>
+    <dgm:effectClrLst/>
+    <dgm:txLinClrLst/>
+    <dgm:txFillClrLst meth="repeat">
+      <a:schemeClr val="lt1"/>
+    </dgm:txFillClrLst>
+    <dgm:txEffectClrLst/>
+  </dgm:styleLbl>
+  <dgm:styleLbl name="fgShp">
+    <dgm:fillClrLst meth="repeat">
+      <a:schemeClr val="accent2">
+        <a:tint val="40000"/>
+      </a:schemeClr>
+    </dgm:fillClrLst>
+    <dgm:linClrLst meth="repeat">
+      <a:schemeClr val="lt1"/>
+    </dgm:linClrLst>
+    <dgm:effectClrLst/>
+    <dgm:txLinClrLst/>
+    <dgm:txFillClrLst meth="repeat">
+      <a:schemeClr val="dk1"/>
+    </dgm:txFillClrLst>
+    <dgm:txEffectClrLst/>
+  </dgm:styleLbl>
+  <dgm:styleLbl name="revTx">
+    <dgm:fillClrLst meth="repeat">
+      <a:schemeClr val="lt1">
+        <a:alpha val="0"/>
+      </a:schemeClr>
+    </dgm:fillClrLst>
+    <dgm:linClrLst meth="repeat">
+      <a:schemeClr val="dk1">
+        <a:alpha val="0"/>
+      </a:schemeClr>
+    </dgm:linClrLst>
+    <dgm:effectClrLst/>
+    <dgm:txLinClrLst/>
+    <dgm:txFillClrLst meth="repeat">
+      <a:schemeClr val="tx1"/>
+    </dgm:txFillClrLst>
+    <dgm:txEffectClrLst/>
+  </dgm:styleLbl>
+</dgm:colorsDef>
+</file>
+
 <file path=ppt/diagrams/data1.xml><?xml version="1.0" encoding="utf-8"?>
 <dgm:dataModel xmlns:dgm="http://schemas.openxmlformats.org/drawingml/2006/diagram" xmlns:a="http://schemas.openxmlformats.org/drawingml/2006/main">
   <dgm:ptLst>
@@ -2397,7 +3179,7 @@
       </dgm:t>
     </dgm:pt>
     <dgm:pt modelId="{7FEF116D-59A7-4A4E-BB54-0944360609EA}">
-      <dgm:prSet phldrT="[텍스트]"/>
+      <dgm:prSet phldrT="[텍스트]" custT="1"/>
       <dgm:spPr/>
       <dgm:t>
         <a:bodyPr/>
@@ -2405,18 +3187,18 @@
         <a:p>
           <a:pPr latinLnBrk="1"/>
           <a:r>
-            <a:rPr lang="en-US" altLang="ko-KR" b="1" spc="600" dirty="0" smtClean="0">
+            <a:rPr lang="en-US" altLang="ko-KR" sz="1800" b="1" spc="600" dirty="0" smtClean="0">
               <a:effectLst/>
             </a:rPr>
             <a:t>01. </a:t>
           </a:r>
           <a:r>
-            <a:rPr lang="ko-KR" altLang="en-US" b="1" spc="600" dirty="0" smtClean="0">
+            <a:rPr lang="ko-KR" altLang="en-US" sz="1800" b="1" spc="600" dirty="0" smtClean="0">
               <a:effectLst/>
             </a:rPr>
             <a:t>프로젝트 개요 및 목표</a:t>
           </a:r>
-          <a:endParaRPr lang="ko-KR" altLang="en-US" b="1" spc="600" dirty="0">
+          <a:endParaRPr lang="ko-KR" altLang="en-US" sz="1800" b="1" spc="600" dirty="0">
             <a:effectLst/>
           </a:endParaRPr>
         </a:p>
@@ -2430,7 +3212,7 @@
         <a:lstStyle/>
         <a:p>
           <a:pPr latinLnBrk="1"/>
-          <a:endParaRPr lang="ko-KR" altLang="en-US" b="1" spc="600">
+          <a:endParaRPr lang="ko-KR" altLang="en-US" sz="2800" b="1" spc="600">
             <a:effectLst/>
           </a:endParaRPr>
         </a:p>
@@ -2444,14 +3226,14 @@
         <a:lstStyle/>
         <a:p>
           <a:pPr latinLnBrk="1"/>
-          <a:endParaRPr lang="ko-KR" altLang="en-US" b="1" spc="600">
+          <a:endParaRPr lang="ko-KR" altLang="en-US" sz="2800" b="1" spc="600">
             <a:effectLst/>
           </a:endParaRPr>
         </a:p>
       </dgm:t>
     </dgm:pt>
     <dgm:pt modelId="{8B89B797-166B-4BF8-8837-950E06670CD3}">
-      <dgm:prSet/>
+      <dgm:prSet custT="1"/>
       <dgm:spPr/>
       <dgm:t>
         <a:bodyPr/>
@@ -2459,18 +3241,18 @@
         <a:p>
           <a:pPr latinLnBrk="1"/>
           <a:r>
-            <a:rPr lang="en-US" altLang="ko-KR" b="1" spc="600" dirty="0" smtClean="0">
+            <a:rPr lang="en-US" altLang="ko-KR" sz="1800" b="1" spc="600" dirty="0" smtClean="0">
               <a:effectLst/>
             </a:rPr>
             <a:t>02. </a:t>
           </a:r>
           <a:r>
-            <a:rPr lang="ko-KR" altLang="en-US" b="1" spc="600" dirty="0" smtClean="0">
+            <a:rPr lang="ko-KR" altLang="en-US" sz="1800" b="1" spc="600" dirty="0" smtClean="0">
               <a:effectLst/>
             </a:rPr>
             <a:t>프로젝트 수행조직도</a:t>
           </a:r>
-          <a:endParaRPr lang="ko-KR" altLang="en-US" b="1" spc="600" dirty="0">
+          <a:endParaRPr lang="ko-KR" altLang="en-US" sz="1800" b="1" spc="600" dirty="0">
             <a:effectLst/>
           </a:endParaRPr>
         </a:p>
@@ -2484,7 +3266,7 @@
         <a:lstStyle/>
         <a:p>
           <a:pPr latinLnBrk="1"/>
-          <a:endParaRPr lang="ko-KR" altLang="en-US" b="1" spc="600">
+          <a:endParaRPr lang="ko-KR" altLang="en-US" sz="2800" b="1" spc="600">
             <a:effectLst/>
           </a:endParaRPr>
         </a:p>
@@ -2498,14 +3280,14 @@
         <a:lstStyle/>
         <a:p>
           <a:pPr latinLnBrk="1"/>
-          <a:endParaRPr lang="ko-KR" altLang="en-US" b="1" spc="600">
+          <a:endParaRPr lang="ko-KR" altLang="en-US" sz="2800" b="1" spc="600">
             <a:effectLst/>
           </a:endParaRPr>
         </a:p>
       </dgm:t>
     </dgm:pt>
     <dgm:pt modelId="{D1533004-6F33-446A-BD4B-A111A89D26A4}">
-      <dgm:prSet/>
+      <dgm:prSet custT="1"/>
       <dgm:spPr/>
       <dgm:t>
         <a:bodyPr/>
@@ -2513,18 +3295,18 @@
         <a:p>
           <a:pPr latinLnBrk="1"/>
           <a:r>
-            <a:rPr lang="en-US" altLang="ko-KR" b="1" spc="600" dirty="0" smtClean="0">
+            <a:rPr lang="en-US" altLang="ko-KR" sz="1800" b="1" spc="600" dirty="0" smtClean="0">
               <a:effectLst/>
             </a:rPr>
             <a:t>03. </a:t>
           </a:r>
           <a:r>
-            <a:rPr lang="ko-KR" altLang="en-US" b="1" spc="600" dirty="0" smtClean="0">
+            <a:rPr lang="ko-KR" altLang="en-US" sz="1800" b="1" spc="600" dirty="0" smtClean="0">
               <a:effectLst/>
             </a:rPr>
             <a:t>고객 요구사항</a:t>
           </a:r>
-          <a:endParaRPr lang="ko-KR" altLang="en-US" b="1" spc="600" dirty="0">
+          <a:endParaRPr lang="ko-KR" altLang="en-US" sz="1800" b="1" spc="600" dirty="0">
             <a:effectLst/>
           </a:endParaRPr>
         </a:p>
@@ -2538,7 +3320,7 @@
         <a:lstStyle/>
         <a:p>
           <a:pPr latinLnBrk="1"/>
-          <a:endParaRPr lang="ko-KR" altLang="en-US" b="1" spc="600">
+          <a:endParaRPr lang="ko-KR" altLang="en-US" sz="2800" b="1" spc="600">
             <a:effectLst/>
           </a:endParaRPr>
         </a:p>
@@ -2552,14 +3334,14 @@
         <a:lstStyle/>
         <a:p>
           <a:pPr latinLnBrk="1"/>
-          <a:endParaRPr lang="ko-KR" altLang="en-US" b="1" spc="600">
+          <a:endParaRPr lang="ko-KR" altLang="en-US" sz="2800" b="1" spc="600">
             <a:effectLst/>
           </a:endParaRPr>
         </a:p>
       </dgm:t>
     </dgm:pt>
     <dgm:pt modelId="{7FB52917-AA3C-41CA-AFF6-7F21E2C014EA}">
-      <dgm:prSet/>
+      <dgm:prSet custT="1"/>
       <dgm:spPr/>
       <dgm:t>
         <a:bodyPr/>
@@ -2567,18 +3349,18 @@
         <a:p>
           <a:pPr latinLnBrk="1"/>
           <a:r>
-            <a:rPr lang="en-US" altLang="ko-KR" b="1" spc="600" dirty="0" smtClean="0">
+            <a:rPr lang="en-US" altLang="ko-KR" sz="1800" b="1" spc="600" dirty="0" smtClean="0">
               <a:effectLst/>
             </a:rPr>
             <a:t>04. </a:t>
           </a:r>
           <a:r>
-            <a:rPr lang="ko-KR" altLang="en-US" b="1" spc="600" dirty="0" smtClean="0">
+            <a:rPr lang="ko-KR" altLang="en-US" sz="1800" b="1" spc="600" dirty="0" smtClean="0">
               <a:effectLst/>
             </a:rPr>
             <a:t>제작 일정</a:t>
           </a:r>
-          <a:endParaRPr lang="ko-KR" altLang="en-US" b="1" spc="600" dirty="0">
+          <a:endParaRPr lang="ko-KR" altLang="en-US" sz="1800" b="1" spc="600" dirty="0">
             <a:effectLst/>
           </a:endParaRPr>
         </a:p>
@@ -2592,7 +3374,7 @@
         <a:lstStyle/>
         <a:p>
           <a:pPr latinLnBrk="1"/>
-          <a:endParaRPr lang="ko-KR" altLang="en-US" b="1" spc="600">
+          <a:endParaRPr lang="ko-KR" altLang="en-US" sz="2800" b="1" spc="600">
             <a:effectLst/>
           </a:endParaRPr>
         </a:p>
@@ -2606,14 +3388,14 @@
         <a:lstStyle/>
         <a:p>
           <a:pPr latinLnBrk="1"/>
-          <a:endParaRPr lang="ko-KR" altLang="en-US" b="1" spc="600">
+          <a:endParaRPr lang="ko-KR" altLang="en-US" sz="2800" b="1" spc="600">
             <a:effectLst/>
           </a:endParaRPr>
         </a:p>
       </dgm:t>
     </dgm:pt>
     <dgm:pt modelId="{3CA2A7EB-CEEF-4B2F-AB24-2BC778F489D8}">
-      <dgm:prSet/>
+      <dgm:prSet custT="1"/>
       <dgm:spPr/>
       <dgm:t>
         <a:bodyPr/>
@@ -2621,18 +3403,18 @@
         <a:p>
           <a:pPr latinLnBrk="1"/>
           <a:r>
-            <a:rPr lang="en-US" altLang="ko-KR" b="1" spc="600" dirty="0" smtClean="0">
+            <a:rPr lang="en-US" altLang="ko-KR" sz="1800" b="1" spc="600" dirty="0" smtClean="0">
               <a:effectLst/>
             </a:rPr>
             <a:t>05. </a:t>
           </a:r>
           <a:r>
-            <a:rPr lang="ko-KR" altLang="en-US" b="1" spc="600" dirty="0" smtClean="0">
+            <a:rPr lang="ko-KR" altLang="en-US" sz="1800" b="1" spc="600" dirty="0" smtClean="0">
               <a:effectLst/>
             </a:rPr>
             <a:t>프로젝트 구성도</a:t>
           </a:r>
-          <a:endParaRPr lang="ko-KR" altLang="en-US" b="1" spc="600" dirty="0">
+          <a:endParaRPr lang="ko-KR" altLang="en-US" sz="1800" b="1" spc="600" dirty="0">
             <a:effectLst/>
           </a:endParaRPr>
         </a:p>
@@ -2646,7 +3428,7 @@
         <a:lstStyle/>
         <a:p>
           <a:pPr latinLnBrk="1"/>
-          <a:endParaRPr lang="ko-KR" altLang="en-US" b="1" spc="600">
+          <a:endParaRPr lang="ko-KR" altLang="en-US" sz="2800" b="1" spc="600">
             <a:effectLst/>
           </a:endParaRPr>
         </a:p>
@@ -2660,14 +3442,14 @@
         <a:lstStyle/>
         <a:p>
           <a:pPr latinLnBrk="1"/>
-          <a:endParaRPr lang="ko-KR" altLang="en-US" b="1" spc="600">
+          <a:endParaRPr lang="ko-KR" altLang="en-US" sz="2800" b="1" spc="600">
             <a:effectLst/>
           </a:endParaRPr>
         </a:p>
       </dgm:t>
     </dgm:pt>
     <dgm:pt modelId="{EBC37F23-2EDC-4ED5-A219-7F6B97DF780D}">
-      <dgm:prSet/>
+      <dgm:prSet custT="1"/>
       <dgm:spPr/>
       <dgm:t>
         <a:bodyPr/>
@@ -2675,30 +3457,30 @@
         <a:p>
           <a:pPr latinLnBrk="1"/>
           <a:r>
-            <a:rPr lang="en-US" altLang="en-US" b="1" spc="600" dirty="0" smtClean="0">
+            <a:rPr lang="en-US" altLang="en-US" sz="1800" b="1" spc="600" dirty="0" smtClean="0">
               <a:effectLst/>
             </a:rPr>
             <a:t>06. </a:t>
           </a:r>
           <a:r>
-            <a:rPr lang="en-US" altLang="en-US" b="1" spc="600" dirty="0" err="1" smtClean="0">
+            <a:rPr lang="en-US" altLang="en-US" sz="1800" b="1" spc="600" dirty="0" err="1" smtClean="0">
               <a:effectLst/>
             </a:rPr>
             <a:t>GitHub</a:t>
           </a:r>
           <a:r>
-            <a:rPr lang="en-US" altLang="en-US" b="1" spc="600" dirty="0" smtClean="0">
+            <a:rPr lang="en-US" altLang="en-US" sz="1800" b="1" spc="600" dirty="0" smtClean="0">
               <a:effectLst/>
             </a:rPr>
             <a:t> </a:t>
           </a:r>
           <a:r>
-            <a:rPr lang="ko-KR" altLang="en-US" b="1" spc="600" dirty="0" smtClean="0">
+            <a:rPr lang="ko-KR" altLang="en-US" sz="1800" b="1" spc="600" dirty="0" smtClean="0">
               <a:effectLst/>
             </a:rPr>
             <a:t>활용</a:t>
           </a:r>
-          <a:endParaRPr lang="ko-KR" altLang="en-US" b="1" spc="600" dirty="0">
+          <a:endParaRPr lang="ko-KR" altLang="en-US" sz="1800" b="1" spc="600" dirty="0">
             <a:effectLst/>
           </a:endParaRPr>
         </a:p>
@@ -2712,7 +3494,7 @@
         <a:lstStyle/>
         <a:p>
           <a:pPr latinLnBrk="1"/>
-          <a:endParaRPr lang="ko-KR" altLang="en-US" b="1" spc="600">
+          <a:endParaRPr lang="ko-KR" altLang="en-US" sz="2800" b="1" spc="600">
             <a:effectLst/>
           </a:endParaRPr>
         </a:p>
@@ -2726,14 +3508,14 @@
         <a:lstStyle/>
         <a:p>
           <a:pPr latinLnBrk="1"/>
-          <a:endParaRPr lang="ko-KR" altLang="en-US" b="1" spc="600">
+          <a:endParaRPr lang="ko-KR" altLang="en-US" sz="2800" b="1" spc="600">
             <a:effectLst/>
           </a:endParaRPr>
         </a:p>
       </dgm:t>
     </dgm:pt>
     <dgm:pt modelId="{C7811FAD-8F65-49D5-94F5-88DD621C3A5A}">
-      <dgm:prSet/>
+      <dgm:prSet custT="1"/>
       <dgm:spPr/>
       <dgm:t>
         <a:bodyPr/>
@@ -2741,18 +3523,18 @@
         <a:p>
           <a:pPr latinLnBrk="1"/>
           <a:r>
-            <a:rPr lang="en-US" altLang="ko-KR" b="1" spc="600" dirty="0" smtClean="0">
+            <a:rPr lang="en-US" altLang="ko-KR" sz="1800" b="1" spc="600" dirty="0" smtClean="0">
               <a:effectLst/>
             </a:rPr>
             <a:t>07. </a:t>
           </a:r>
           <a:r>
-            <a:rPr lang="ko-KR" altLang="en-US" b="1" spc="600" dirty="0" smtClean="0">
+            <a:rPr lang="ko-KR" altLang="en-US" sz="1800" b="1" spc="600" dirty="0" smtClean="0">
               <a:effectLst/>
             </a:rPr>
             <a:t>화면구성</a:t>
           </a:r>
-          <a:endParaRPr lang="ko-KR" altLang="en-US" b="1" spc="600" dirty="0">
+          <a:endParaRPr lang="ko-KR" altLang="en-US" sz="1800" b="1" spc="600" dirty="0">
             <a:effectLst/>
           </a:endParaRPr>
         </a:p>
@@ -2766,7 +3548,7 @@
         <a:lstStyle/>
         <a:p>
           <a:pPr latinLnBrk="1"/>
-          <a:endParaRPr lang="ko-KR" altLang="en-US" b="1" spc="600">
+          <a:endParaRPr lang="ko-KR" altLang="en-US" sz="2800" b="1" spc="600">
             <a:effectLst/>
           </a:endParaRPr>
         </a:p>
@@ -2780,14 +3562,14 @@
         <a:lstStyle/>
         <a:p>
           <a:pPr latinLnBrk="1"/>
-          <a:endParaRPr lang="ko-KR" altLang="en-US" b="1" spc="600">
+          <a:endParaRPr lang="ko-KR" altLang="en-US" sz="2800" b="1" spc="600">
             <a:effectLst/>
           </a:endParaRPr>
         </a:p>
       </dgm:t>
     </dgm:pt>
     <dgm:pt modelId="{A4C2178A-DE43-47FE-8847-691F03424FD0}">
-      <dgm:prSet/>
+      <dgm:prSet custT="1"/>
       <dgm:spPr/>
       <dgm:t>
         <a:bodyPr/>
@@ -2795,18 +3577,18 @@
         <a:p>
           <a:pPr latinLnBrk="1"/>
           <a:r>
-            <a:rPr lang="en-US" altLang="ko-KR" b="1" spc="600" dirty="0" smtClean="0">
+            <a:rPr lang="en-US" altLang="ko-KR" sz="1800" b="1" spc="600" dirty="0" smtClean="0">
               <a:effectLst/>
             </a:rPr>
             <a:t>08. </a:t>
           </a:r>
           <a:r>
-            <a:rPr lang="ko-KR" altLang="en-US" b="1" spc="600" dirty="0" smtClean="0">
+            <a:rPr lang="ko-KR" altLang="en-US" sz="1800" b="1" spc="600" dirty="0" smtClean="0">
               <a:effectLst/>
             </a:rPr>
             <a:t>시연</a:t>
           </a:r>
-          <a:endParaRPr lang="ko-KR" altLang="en-US" b="1" spc="600" dirty="0">
+          <a:endParaRPr lang="ko-KR" altLang="en-US" sz="1800" b="1" spc="600" dirty="0">
             <a:effectLst/>
           </a:endParaRPr>
         </a:p>
@@ -2820,7 +3602,7 @@
         <a:lstStyle/>
         <a:p>
           <a:pPr latinLnBrk="1"/>
-          <a:endParaRPr lang="ko-KR" altLang="en-US" b="1" spc="600">
+          <a:endParaRPr lang="ko-KR" altLang="en-US" sz="2800" b="1" spc="600">
             <a:effectLst/>
           </a:endParaRPr>
         </a:p>
@@ -2834,14 +3616,14 @@
         <a:lstStyle/>
         <a:p>
           <a:pPr latinLnBrk="1"/>
-          <a:endParaRPr lang="ko-KR" altLang="en-US" b="1" spc="600">
+          <a:endParaRPr lang="ko-KR" altLang="en-US" sz="2800" b="1" spc="600">
             <a:effectLst/>
           </a:endParaRPr>
         </a:p>
       </dgm:t>
     </dgm:pt>
     <dgm:pt modelId="{6AF588EE-7356-401D-A3D2-F76C38B50A56}">
-      <dgm:prSet/>
+      <dgm:prSet custT="1"/>
       <dgm:spPr/>
       <dgm:t>
         <a:bodyPr/>
@@ -2849,18 +3631,18 @@
         <a:p>
           <a:pPr latinLnBrk="1"/>
           <a:r>
-            <a:rPr lang="en-US" altLang="ko-KR" b="1" spc="600" dirty="0" smtClean="0">
+            <a:rPr lang="en-US" altLang="ko-KR" sz="1800" b="1" spc="600" dirty="0" smtClean="0">
               <a:effectLst/>
             </a:rPr>
             <a:t>09. </a:t>
           </a:r>
           <a:r>
-            <a:rPr lang="ko-KR" altLang="en-US" b="1" spc="600" dirty="0" smtClean="0">
+            <a:rPr lang="ko-KR" altLang="en-US" sz="1800" b="1" spc="600" dirty="0" smtClean="0">
               <a:effectLst/>
             </a:rPr>
             <a:t>간단한 소스 설명</a:t>
           </a:r>
-          <a:endParaRPr lang="ko-KR" altLang="en-US" b="1" spc="600" dirty="0">
+          <a:endParaRPr lang="ko-KR" altLang="en-US" sz="1800" b="1" spc="600" dirty="0">
             <a:effectLst/>
           </a:endParaRPr>
         </a:p>
@@ -2874,7 +3656,7 @@
         <a:lstStyle/>
         <a:p>
           <a:pPr latinLnBrk="1"/>
-          <a:endParaRPr lang="ko-KR" altLang="en-US" b="1" spc="600">
+          <a:endParaRPr lang="ko-KR" altLang="en-US" sz="2800" b="1" spc="600">
             <a:effectLst/>
           </a:endParaRPr>
         </a:p>
@@ -2888,14 +3670,14 @@
         <a:lstStyle/>
         <a:p>
           <a:pPr latinLnBrk="1"/>
-          <a:endParaRPr lang="ko-KR" altLang="en-US" b="1" spc="600">
+          <a:endParaRPr lang="ko-KR" altLang="en-US" sz="2800" b="1" spc="600">
             <a:effectLst/>
           </a:endParaRPr>
         </a:p>
       </dgm:t>
     </dgm:pt>
     <dgm:pt modelId="{1AA3499D-859E-4E4E-AC73-BA71FBC63A36}">
-      <dgm:prSet/>
+      <dgm:prSet custT="1"/>
       <dgm:spPr/>
       <dgm:t>
         <a:bodyPr/>
@@ -2903,18 +3685,18 @@
         <a:p>
           <a:pPr latinLnBrk="1"/>
           <a:r>
-            <a:rPr lang="en-US" altLang="en-US" b="1" spc="600" dirty="0" smtClean="0">
+            <a:rPr lang="en-US" altLang="en-US" sz="1800" b="1" spc="600" dirty="0" smtClean="0">
               <a:effectLst/>
             </a:rPr>
             <a:t>10. </a:t>
           </a:r>
           <a:r>
-            <a:rPr lang="en-US" altLang="en-US" b="1" spc="600" dirty="0" err="1" smtClean="0">
+            <a:rPr lang="en-US" altLang="en-US" sz="1800" b="1" spc="600" dirty="0" err="1" smtClean="0">
               <a:effectLst/>
             </a:rPr>
             <a:t>QnA</a:t>
           </a:r>
-          <a:endParaRPr lang="ko-KR" altLang="en-US" b="1" spc="600" dirty="0">
+          <a:endParaRPr lang="ko-KR" altLang="en-US" sz="1800" b="1" spc="600" dirty="0">
             <a:effectLst/>
           </a:endParaRPr>
         </a:p>
@@ -2928,7 +3710,7 @@
         <a:lstStyle/>
         <a:p>
           <a:pPr latinLnBrk="1"/>
-          <a:endParaRPr lang="ko-KR" altLang="en-US" b="1" spc="600">
+          <a:endParaRPr lang="ko-KR" altLang="en-US" sz="2800" b="1" spc="600">
             <a:effectLst/>
           </a:endParaRPr>
         </a:p>
@@ -2942,7 +3724,7 @@
         <a:lstStyle/>
         <a:p>
           <a:pPr latinLnBrk="1"/>
-          <a:endParaRPr lang="ko-KR" altLang="en-US" b="1" spc="600">
+          <a:endParaRPr lang="ko-KR" altLang="en-US" sz="2800" b="1" spc="600">
             <a:effectLst/>
           </a:endParaRPr>
         </a:p>
@@ -2957,6 +3739,14 @@
         </dgm:presLayoutVars>
       </dgm:prSet>
       <dgm:spPr/>
+      <dgm:t>
+        <a:bodyPr/>
+        <a:lstStyle/>
+        <a:p>
+          <a:pPr latinLnBrk="1"/>
+          <a:endParaRPr lang="ko-KR" altLang="en-US"/>
+        </a:p>
+      </dgm:t>
     </dgm:pt>
     <dgm:pt modelId="{D92CC099-478F-4C66-9800-28CBE16103C5}" type="pres">
       <dgm:prSet presAssocID="{7FEF116D-59A7-4A4E-BB54-0944360609EA}" presName="parenttextcomposite" presStyleCnt="0"/>
@@ -2971,6 +3761,14 @@
         </dgm:presLayoutVars>
       </dgm:prSet>
       <dgm:spPr/>
+      <dgm:t>
+        <a:bodyPr/>
+        <a:lstStyle/>
+        <a:p>
+          <a:pPr latinLnBrk="1"/>
+          <a:endParaRPr lang="ko-KR" altLang="en-US"/>
+        </a:p>
+      </dgm:t>
     </dgm:pt>
     <dgm:pt modelId="{E0C6DA99-F3B5-47CA-A205-8FAFD1DA9F6A}" type="pres">
       <dgm:prSet presAssocID="{7FEF116D-59A7-4A4E-BB54-0944360609EA}" presName="parallelogramComposite" presStyleCnt="0"/>
@@ -3021,6 +3819,14 @@
         </dgm:presLayoutVars>
       </dgm:prSet>
       <dgm:spPr/>
+      <dgm:t>
+        <a:bodyPr/>
+        <a:lstStyle/>
+        <a:p>
+          <a:pPr latinLnBrk="1"/>
+          <a:endParaRPr lang="ko-KR" altLang="en-US"/>
+        </a:p>
+      </dgm:t>
     </dgm:pt>
     <dgm:pt modelId="{6C5C7341-B26D-4741-A8A2-E5F89EA5E09B}" type="pres">
       <dgm:prSet presAssocID="{8B89B797-166B-4BF8-8837-950E06670CD3}" presName="parallelogramComposite" presStyleCnt="0"/>
@@ -3071,6 +3877,14 @@
         </dgm:presLayoutVars>
       </dgm:prSet>
       <dgm:spPr/>
+      <dgm:t>
+        <a:bodyPr/>
+        <a:lstStyle/>
+        <a:p>
+          <a:pPr latinLnBrk="1"/>
+          <a:endParaRPr lang="ko-KR" altLang="en-US"/>
+        </a:p>
+      </dgm:t>
     </dgm:pt>
     <dgm:pt modelId="{14B2AB36-DF3B-4A92-AEFF-9629A7EB630F}" type="pres">
       <dgm:prSet presAssocID="{D1533004-6F33-446A-BD4B-A111A89D26A4}" presName="parallelogramComposite" presStyleCnt="0"/>
@@ -3121,6 +3935,14 @@
         </dgm:presLayoutVars>
       </dgm:prSet>
       <dgm:spPr/>
+      <dgm:t>
+        <a:bodyPr/>
+        <a:lstStyle/>
+        <a:p>
+          <a:pPr latinLnBrk="1"/>
+          <a:endParaRPr lang="ko-KR" altLang="en-US"/>
+        </a:p>
+      </dgm:t>
     </dgm:pt>
     <dgm:pt modelId="{7C501C4E-7EAD-4475-A343-43AB5FF1FF3C}" type="pres">
       <dgm:prSet presAssocID="{7FB52917-AA3C-41CA-AFF6-7F21E2C014EA}" presName="parallelogramComposite" presStyleCnt="0"/>
@@ -3171,6 +3993,14 @@
         </dgm:presLayoutVars>
       </dgm:prSet>
       <dgm:spPr/>
+      <dgm:t>
+        <a:bodyPr/>
+        <a:lstStyle/>
+        <a:p>
+          <a:pPr latinLnBrk="1"/>
+          <a:endParaRPr lang="ko-KR" altLang="en-US"/>
+        </a:p>
+      </dgm:t>
     </dgm:pt>
     <dgm:pt modelId="{D3CED88D-C895-4231-9AE3-9448BF20274D}" type="pres">
       <dgm:prSet presAssocID="{3CA2A7EB-CEEF-4B2F-AB24-2BC778F489D8}" presName="parallelogramComposite" presStyleCnt="0"/>
@@ -3221,6 +4051,14 @@
         </dgm:presLayoutVars>
       </dgm:prSet>
       <dgm:spPr/>
+      <dgm:t>
+        <a:bodyPr/>
+        <a:lstStyle/>
+        <a:p>
+          <a:pPr latinLnBrk="1"/>
+          <a:endParaRPr lang="ko-KR" altLang="en-US"/>
+        </a:p>
+      </dgm:t>
     </dgm:pt>
     <dgm:pt modelId="{B8346D61-5B5D-4C3F-83E8-BDC0D8A9CAF9}" type="pres">
       <dgm:prSet presAssocID="{EBC37F23-2EDC-4ED5-A219-7F6B97DF780D}" presName="parallelogramComposite" presStyleCnt="0"/>
@@ -3271,6 +4109,14 @@
         </dgm:presLayoutVars>
       </dgm:prSet>
       <dgm:spPr/>
+      <dgm:t>
+        <a:bodyPr/>
+        <a:lstStyle/>
+        <a:p>
+          <a:pPr latinLnBrk="1"/>
+          <a:endParaRPr lang="ko-KR" altLang="en-US"/>
+        </a:p>
+      </dgm:t>
     </dgm:pt>
     <dgm:pt modelId="{EED49177-7615-4E1C-AF05-96C69EA63B2F}" type="pres">
       <dgm:prSet presAssocID="{C7811FAD-8F65-49D5-94F5-88DD621C3A5A}" presName="parallelogramComposite" presStyleCnt="0"/>
@@ -3321,6 +4167,14 @@
         </dgm:presLayoutVars>
       </dgm:prSet>
       <dgm:spPr/>
+      <dgm:t>
+        <a:bodyPr/>
+        <a:lstStyle/>
+        <a:p>
+          <a:pPr latinLnBrk="1"/>
+          <a:endParaRPr lang="ko-KR" altLang="en-US"/>
+        </a:p>
+      </dgm:t>
     </dgm:pt>
     <dgm:pt modelId="{748031F0-9E74-4BC5-800B-9D5CB2E18E5D}" type="pres">
       <dgm:prSet presAssocID="{A4C2178A-DE43-47FE-8847-691F03424FD0}" presName="parallelogramComposite" presStyleCnt="0"/>
@@ -3371,6 +4225,14 @@
         </dgm:presLayoutVars>
       </dgm:prSet>
       <dgm:spPr/>
+      <dgm:t>
+        <a:bodyPr/>
+        <a:lstStyle/>
+        <a:p>
+          <a:pPr latinLnBrk="1"/>
+          <a:endParaRPr lang="ko-KR" altLang="en-US"/>
+        </a:p>
+      </dgm:t>
     </dgm:pt>
     <dgm:pt modelId="{57DC2402-2D53-4308-AED5-376D08F51DD0}" type="pres">
       <dgm:prSet presAssocID="{6AF588EE-7356-401D-A3D2-F76C38B50A56}" presName="parallelogramComposite" presStyleCnt="0"/>
@@ -3464,27 +4326,27 @@
     </dgm:pt>
   </dgm:ptLst>
   <dgm:cxnLst>
+    <dgm:cxn modelId="{36452785-2CD3-4FED-B137-B74F94E5D676}" type="presOf" srcId="{6AF588EE-7356-401D-A3D2-F76C38B50A56}" destId="{F325AF72-4EE3-4D25-969E-A07995D0BEE9}" srcOrd="0" destOrd="0" presId="urn:microsoft.com/office/officeart/2008/layout/VerticalAccentList"/>
+    <dgm:cxn modelId="{83B77AF0-7654-4C03-82ED-240DF1A31653}" srcId="{2E300E73-A9AD-4352-ACA3-96EA2263F075}" destId="{3CA2A7EB-CEEF-4B2F-AB24-2BC778F489D8}" srcOrd="4" destOrd="0" parTransId="{DCE61AD3-6991-4AD0-99F7-ECA36CDF6E7C}" sibTransId="{D9735A9E-8A11-42DE-9AC1-4DD84287D3AF}"/>
+    <dgm:cxn modelId="{6DB33815-2792-4F23-8491-E1E65EE75AFC}" type="presOf" srcId="{A4C2178A-DE43-47FE-8847-691F03424FD0}" destId="{1CFEDD45-756E-4A98-8EDF-125618FA8B76}" srcOrd="0" destOrd="0" presId="urn:microsoft.com/office/officeart/2008/layout/VerticalAccentList"/>
+    <dgm:cxn modelId="{8ED926C5-EA9F-4233-BA34-1166DB39B5A7}" srcId="{2E300E73-A9AD-4352-ACA3-96EA2263F075}" destId="{6AF588EE-7356-401D-A3D2-F76C38B50A56}" srcOrd="8" destOrd="0" parTransId="{60876FE9-5462-43C4-8641-21C212A54DA5}" sibTransId="{A0621C72-B887-4A2D-AFEE-B23813F1E6C0}"/>
+    <dgm:cxn modelId="{5514CC72-D588-45FF-B00F-EF16D54FB1C2}" srcId="{2E300E73-A9AD-4352-ACA3-96EA2263F075}" destId="{7FB52917-AA3C-41CA-AFF6-7F21E2C014EA}" srcOrd="3" destOrd="0" parTransId="{888B1173-4166-4CF7-B667-7E122E6BA259}" sibTransId="{A1443DBC-EA4A-45CC-98EE-030CD578864D}"/>
+    <dgm:cxn modelId="{D5D97019-D5A2-4BE1-980E-D8F6F9D5AB1E}" type="presOf" srcId="{1AA3499D-859E-4E4E-AC73-BA71FBC63A36}" destId="{516F0CBC-ECB5-4323-BE9D-CBEF1A3AF29A}" srcOrd="0" destOrd="0" presId="urn:microsoft.com/office/officeart/2008/layout/VerticalAccentList"/>
     <dgm:cxn modelId="{07DA3440-7D89-4715-AE53-BC789A8E220D}" srcId="{2E300E73-A9AD-4352-ACA3-96EA2263F075}" destId="{7FEF116D-59A7-4A4E-BB54-0944360609EA}" srcOrd="0" destOrd="0" parTransId="{BF73FAD7-91E9-497D-A24B-F7AED164F778}" sibTransId="{4BDD5ABA-7014-4C85-B8D4-4112B2C73E89}"/>
-    <dgm:cxn modelId="{21BBCBAB-E50F-4AA4-8399-B7EF559412D4}" srcId="{2E300E73-A9AD-4352-ACA3-96EA2263F075}" destId="{8B89B797-166B-4BF8-8837-950E06670CD3}" srcOrd="1" destOrd="0" parTransId="{24443CE1-AD3B-4F34-AB2A-D9B7340802CF}" sibTransId="{26DAC3ED-E3B9-4079-BCC9-F09492A9216E}"/>
+    <dgm:cxn modelId="{972675CF-3E98-474A-9E35-F2F489041539}" type="presOf" srcId="{EBC37F23-2EDC-4ED5-A219-7F6B97DF780D}" destId="{B5841601-D828-431C-BB23-B075789A1C3F}" srcOrd="0" destOrd="0" presId="urn:microsoft.com/office/officeart/2008/layout/VerticalAccentList"/>
+    <dgm:cxn modelId="{47AABB27-773C-48DD-8164-7DA6721A2947}" srcId="{2E300E73-A9AD-4352-ACA3-96EA2263F075}" destId="{A4C2178A-DE43-47FE-8847-691F03424FD0}" srcOrd="7" destOrd="0" parTransId="{0C72A9D3-E2BB-436B-B3EB-BD66AF46B792}" sibTransId="{A32D3495-506F-4F02-82D6-BCBA33B654FB}"/>
+    <dgm:cxn modelId="{9DBDBEC8-4933-41DF-85D0-053727E0B720}" srcId="{2E300E73-A9AD-4352-ACA3-96EA2263F075}" destId="{1AA3499D-859E-4E4E-AC73-BA71FBC63A36}" srcOrd="9" destOrd="0" parTransId="{41249A62-B930-401E-9599-B54FA708AA3B}" sibTransId="{53BDA0B0-4624-474E-AA3A-FE16D0C5A84A}"/>
     <dgm:cxn modelId="{83886361-F073-4F9F-B633-326FBF889590}" type="presOf" srcId="{2E300E73-A9AD-4352-ACA3-96EA2263F075}" destId="{9CB73BD8-1EF1-42F0-8CD5-B27AE212B084}" srcOrd="0" destOrd="0" presId="urn:microsoft.com/office/officeart/2008/layout/VerticalAccentList"/>
-    <dgm:cxn modelId="{5514CC72-D588-45FF-B00F-EF16D54FB1C2}" srcId="{2E300E73-A9AD-4352-ACA3-96EA2263F075}" destId="{7FB52917-AA3C-41CA-AFF6-7F21E2C014EA}" srcOrd="3" destOrd="0" parTransId="{888B1173-4166-4CF7-B667-7E122E6BA259}" sibTransId="{A1443DBC-EA4A-45CC-98EE-030CD578864D}"/>
-    <dgm:cxn modelId="{9AD9430E-4534-464D-AE20-8C284D1AB754}" type="presOf" srcId="{7FB52917-AA3C-41CA-AFF6-7F21E2C014EA}" destId="{2FEAA550-FE51-4CC3-99CC-E3F9771B8DCE}" srcOrd="0" destOrd="0" presId="urn:microsoft.com/office/officeart/2008/layout/VerticalAccentList"/>
-    <dgm:cxn modelId="{36452785-2CD3-4FED-B137-B74F94E5D676}" type="presOf" srcId="{6AF588EE-7356-401D-A3D2-F76C38B50A56}" destId="{F325AF72-4EE3-4D25-969E-A07995D0BEE9}" srcOrd="0" destOrd="0" presId="urn:microsoft.com/office/officeart/2008/layout/VerticalAccentList"/>
     <dgm:cxn modelId="{36822C19-F76F-4374-858D-F1D9B0DEEA05}" srcId="{2E300E73-A9AD-4352-ACA3-96EA2263F075}" destId="{C7811FAD-8F65-49D5-94F5-88DD621C3A5A}" srcOrd="6" destOrd="0" parTransId="{B1BD00FE-D962-4822-886B-EAACC531F652}" sibTransId="{FC2C88CE-66FB-4F72-B2F7-C7B555B14562}"/>
     <dgm:cxn modelId="{52821495-DB0A-41F1-8275-E9543A0DA8CD}" type="presOf" srcId="{3CA2A7EB-CEEF-4B2F-AB24-2BC778F489D8}" destId="{1FFCFFC9-9CA6-41B4-8B52-3A27C45AB560}" srcOrd="0" destOrd="0" presId="urn:microsoft.com/office/officeart/2008/layout/VerticalAccentList"/>
+    <dgm:cxn modelId="{21BBCBAB-E50F-4AA4-8399-B7EF559412D4}" srcId="{2E300E73-A9AD-4352-ACA3-96EA2263F075}" destId="{8B89B797-166B-4BF8-8837-950E06670CD3}" srcOrd="1" destOrd="0" parTransId="{24443CE1-AD3B-4F34-AB2A-D9B7340802CF}" sibTransId="{26DAC3ED-E3B9-4079-BCC9-F09492A9216E}"/>
+    <dgm:cxn modelId="{EDFCBF8E-B4A2-44BF-AA96-944DF748D532}" srcId="{2E300E73-A9AD-4352-ACA3-96EA2263F075}" destId="{D1533004-6F33-446A-BD4B-A111A89D26A4}" srcOrd="2" destOrd="0" parTransId="{197735A0-C77B-4683-9038-D7D732308E31}" sibTransId="{98A811F5-75B2-41BE-B57F-E0310D91F76D}"/>
+    <dgm:cxn modelId="{08B6C067-19D3-4D5D-89AA-7C52D6096CEC}" type="presOf" srcId="{8B89B797-166B-4BF8-8837-950E06670CD3}" destId="{AD881A6E-5622-48A1-B725-389D1663F498}" srcOrd="0" destOrd="0" presId="urn:microsoft.com/office/officeart/2008/layout/VerticalAccentList"/>
+    <dgm:cxn modelId="{9AD9430E-4534-464D-AE20-8C284D1AB754}" type="presOf" srcId="{7FB52917-AA3C-41CA-AFF6-7F21E2C014EA}" destId="{2FEAA550-FE51-4CC3-99CC-E3F9771B8DCE}" srcOrd="0" destOrd="0" presId="urn:microsoft.com/office/officeart/2008/layout/VerticalAccentList"/>
     <dgm:cxn modelId="{5F9A232A-F1C5-4686-A904-ECA90E501360}" type="presOf" srcId="{D1533004-6F33-446A-BD4B-A111A89D26A4}" destId="{72DAE77C-5079-4580-8384-A3539042F041}" srcOrd="0" destOrd="0" presId="urn:microsoft.com/office/officeart/2008/layout/VerticalAccentList"/>
-    <dgm:cxn modelId="{8ED926C5-EA9F-4233-BA34-1166DB39B5A7}" srcId="{2E300E73-A9AD-4352-ACA3-96EA2263F075}" destId="{6AF588EE-7356-401D-A3D2-F76C38B50A56}" srcOrd="8" destOrd="0" parTransId="{60876FE9-5462-43C4-8641-21C212A54DA5}" sibTransId="{A0621C72-B887-4A2D-AFEE-B23813F1E6C0}"/>
+    <dgm:cxn modelId="{AD17A486-1A36-4D29-B6C6-001E765EC903}" srcId="{2E300E73-A9AD-4352-ACA3-96EA2263F075}" destId="{EBC37F23-2EDC-4ED5-A219-7F6B97DF780D}" srcOrd="5" destOrd="0" parTransId="{12DBCBE1-C07C-4B88-851F-376255A2D390}" sibTransId="{9B2D55EE-A642-42BA-8E34-05772F210086}"/>
     <dgm:cxn modelId="{A8D9114D-47BE-40A6-8B4B-368E29DF572D}" type="presOf" srcId="{7FEF116D-59A7-4A4E-BB54-0944360609EA}" destId="{F5822D44-C22B-43E1-9EFF-A6841750AE1B}" srcOrd="0" destOrd="0" presId="urn:microsoft.com/office/officeart/2008/layout/VerticalAccentList"/>
-    <dgm:cxn modelId="{AD17A486-1A36-4D29-B6C6-001E765EC903}" srcId="{2E300E73-A9AD-4352-ACA3-96EA2263F075}" destId="{EBC37F23-2EDC-4ED5-A219-7F6B97DF780D}" srcOrd="5" destOrd="0" parTransId="{12DBCBE1-C07C-4B88-851F-376255A2D390}" sibTransId="{9B2D55EE-A642-42BA-8E34-05772F210086}"/>
-    <dgm:cxn modelId="{08B6C067-19D3-4D5D-89AA-7C52D6096CEC}" type="presOf" srcId="{8B89B797-166B-4BF8-8837-950E06670CD3}" destId="{AD881A6E-5622-48A1-B725-389D1663F498}" srcOrd="0" destOrd="0" presId="urn:microsoft.com/office/officeart/2008/layout/VerticalAccentList"/>
-    <dgm:cxn modelId="{9DBDBEC8-4933-41DF-85D0-053727E0B720}" srcId="{2E300E73-A9AD-4352-ACA3-96EA2263F075}" destId="{1AA3499D-859E-4E4E-AC73-BA71FBC63A36}" srcOrd="9" destOrd="0" parTransId="{41249A62-B930-401E-9599-B54FA708AA3B}" sibTransId="{53BDA0B0-4624-474E-AA3A-FE16D0C5A84A}"/>
-    <dgm:cxn modelId="{47AABB27-773C-48DD-8164-7DA6721A2947}" srcId="{2E300E73-A9AD-4352-ACA3-96EA2263F075}" destId="{A4C2178A-DE43-47FE-8847-691F03424FD0}" srcOrd="7" destOrd="0" parTransId="{0C72A9D3-E2BB-436B-B3EB-BD66AF46B792}" sibTransId="{A32D3495-506F-4F02-82D6-BCBA33B654FB}"/>
-    <dgm:cxn modelId="{D5D97019-D5A2-4BE1-980E-D8F6F9D5AB1E}" type="presOf" srcId="{1AA3499D-859E-4E4E-AC73-BA71FBC63A36}" destId="{516F0CBC-ECB5-4323-BE9D-CBEF1A3AF29A}" srcOrd="0" destOrd="0" presId="urn:microsoft.com/office/officeart/2008/layout/VerticalAccentList"/>
-    <dgm:cxn modelId="{972675CF-3E98-474A-9E35-F2F489041539}" type="presOf" srcId="{EBC37F23-2EDC-4ED5-A219-7F6B97DF780D}" destId="{B5841601-D828-431C-BB23-B075789A1C3F}" srcOrd="0" destOrd="0" presId="urn:microsoft.com/office/officeart/2008/layout/VerticalAccentList"/>
-    <dgm:cxn modelId="{EDFCBF8E-B4A2-44BF-AA96-944DF748D532}" srcId="{2E300E73-A9AD-4352-ACA3-96EA2263F075}" destId="{D1533004-6F33-446A-BD4B-A111A89D26A4}" srcOrd="2" destOrd="0" parTransId="{197735A0-C77B-4683-9038-D7D732308E31}" sibTransId="{98A811F5-75B2-41BE-B57F-E0310D91F76D}"/>
     <dgm:cxn modelId="{D1DE972A-BFBE-4EAE-91F4-EA7832D11720}" type="presOf" srcId="{C7811FAD-8F65-49D5-94F5-88DD621C3A5A}" destId="{A47323B5-2EC1-4E64-B87C-60E29E699163}" srcOrd="0" destOrd="0" presId="urn:microsoft.com/office/officeart/2008/layout/VerticalAccentList"/>
-    <dgm:cxn modelId="{6DB33815-2792-4F23-8491-E1E65EE75AFC}" type="presOf" srcId="{A4C2178A-DE43-47FE-8847-691F03424FD0}" destId="{1CFEDD45-756E-4A98-8EDF-125618FA8B76}" srcOrd="0" destOrd="0" presId="urn:microsoft.com/office/officeart/2008/layout/VerticalAccentList"/>
-    <dgm:cxn modelId="{83B77AF0-7654-4C03-82ED-240DF1A31653}" srcId="{2E300E73-A9AD-4352-ACA3-96EA2263F075}" destId="{3CA2A7EB-CEEF-4B2F-AB24-2BC778F489D8}" srcOrd="4" destOrd="0" parTransId="{DCE61AD3-6991-4AD0-99F7-ECA36CDF6E7C}" sibTransId="{D9735A9E-8A11-42DE-9AC1-4DD84287D3AF}"/>
     <dgm:cxn modelId="{AA150BEE-7317-4AAF-9520-8B126C3397F7}" type="presParOf" srcId="{9CB73BD8-1EF1-42F0-8CD5-B27AE212B084}" destId="{D92CC099-478F-4C66-9800-28CBE16103C5}" srcOrd="0" destOrd="0" presId="urn:microsoft.com/office/officeart/2008/layout/VerticalAccentList"/>
     <dgm:cxn modelId="{28662C2D-223A-427B-A15C-D04DE33B9CFA}" type="presParOf" srcId="{D92CC099-478F-4C66-9800-28CBE16103C5}" destId="{F5822D44-C22B-43E1-9EFF-A6841750AE1B}" srcOrd="0" destOrd="0" presId="urn:microsoft.com/office/officeart/2008/layout/VerticalAccentList"/>
     <dgm:cxn modelId="{960AF433-8CA6-48CD-90D1-EEFF653111D6}" type="presParOf" srcId="{9CB73BD8-1EF1-42F0-8CD5-B27AE212B084}" destId="{E0C6DA99-F3B5-47CA-A205-8FAFD1DA9F6A}" srcOrd="1" destOrd="0" presId="urn:microsoft.com/office/officeart/2008/layout/VerticalAccentList"/>
@@ -3683,6 +4545,14 @@
         </dgm:presLayoutVars>
       </dgm:prSet>
       <dgm:spPr/>
+      <dgm:t>
+        <a:bodyPr/>
+        <a:lstStyle/>
+        <a:p>
+          <a:pPr latinLnBrk="1"/>
+          <a:endParaRPr lang="ko-KR" altLang="en-US"/>
+        </a:p>
+      </dgm:t>
     </dgm:pt>
     <dgm:pt modelId="{D92CC099-478F-4C66-9800-28CBE16103C5}" type="pres">
       <dgm:prSet presAssocID="{7FEF116D-59A7-4A4E-BB54-0944360609EA}" presName="parenttextcomposite" presStyleCnt="0"/>
@@ -3741,8 +4611,8 @@
   </dgm:ptLst>
   <dgm:cxnLst>
     <dgm:cxn modelId="{07DA3440-7D89-4715-AE53-BC789A8E220D}" srcId="{2E300E73-A9AD-4352-ACA3-96EA2263F075}" destId="{7FEF116D-59A7-4A4E-BB54-0944360609EA}" srcOrd="0" destOrd="0" parTransId="{BF73FAD7-91E9-497D-A24B-F7AED164F778}" sibTransId="{4BDD5ABA-7014-4C85-B8D4-4112B2C73E89}"/>
+    <dgm:cxn modelId="{A0E7616C-BE91-4FA4-BF7C-A3822BD36266}" type="presOf" srcId="{2E300E73-A9AD-4352-ACA3-96EA2263F075}" destId="{9CB73BD8-1EF1-42F0-8CD5-B27AE212B084}" srcOrd="0" destOrd="0" presId="urn:microsoft.com/office/officeart/2008/layout/VerticalAccentList"/>
     <dgm:cxn modelId="{C1903A13-C520-4739-858A-285E69B872FB}" type="presOf" srcId="{7FEF116D-59A7-4A4E-BB54-0944360609EA}" destId="{F5822D44-C22B-43E1-9EFF-A6841750AE1B}" srcOrd="0" destOrd="0" presId="urn:microsoft.com/office/officeart/2008/layout/VerticalAccentList"/>
-    <dgm:cxn modelId="{A0E7616C-BE91-4FA4-BF7C-A3822BD36266}" type="presOf" srcId="{2E300E73-A9AD-4352-ACA3-96EA2263F075}" destId="{9CB73BD8-1EF1-42F0-8CD5-B27AE212B084}" srcOrd="0" destOrd="0" presId="urn:microsoft.com/office/officeart/2008/layout/VerticalAccentList"/>
     <dgm:cxn modelId="{CCCA5D23-44DD-43C7-8683-41E1ADE03786}" type="presParOf" srcId="{9CB73BD8-1EF1-42F0-8CD5-B27AE212B084}" destId="{D92CC099-478F-4C66-9800-28CBE16103C5}" srcOrd="0" destOrd="0" presId="urn:microsoft.com/office/officeart/2008/layout/VerticalAccentList"/>
     <dgm:cxn modelId="{1B1DEA20-0BE9-4099-B6C1-D0FAA3093507}" type="presParOf" srcId="{D92CC099-478F-4C66-9800-28CBE16103C5}" destId="{F5822D44-C22B-43E1-9EFF-A6841750AE1B}" srcOrd="0" destOrd="0" presId="urn:microsoft.com/office/officeart/2008/layout/VerticalAccentList"/>
     <dgm:cxn modelId="{26D18412-0FC5-4B15-8282-EC45192EF599}" type="presParOf" srcId="{9CB73BD8-1EF1-42F0-8CD5-B27AE212B084}" destId="{E0C6DA99-F3B5-47CA-A205-8FAFD1DA9F6A}" srcOrd="1" destOrd="0" presId="urn:microsoft.com/office/officeart/2008/layout/VerticalAccentList"/>
@@ -3842,6 +4712,14 @@
         </dgm:presLayoutVars>
       </dgm:prSet>
       <dgm:spPr/>
+      <dgm:t>
+        <a:bodyPr/>
+        <a:lstStyle/>
+        <a:p>
+          <a:pPr latinLnBrk="1"/>
+          <a:endParaRPr lang="ko-KR" altLang="en-US"/>
+        </a:p>
+      </dgm:t>
     </dgm:pt>
     <dgm:pt modelId="{D92CC099-478F-4C66-9800-28CBE16103C5}" type="pres">
       <dgm:prSet presAssocID="{7FEF116D-59A7-4A4E-BB54-0944360609EA}" presName="parenttextcomposite" presStyleCnt="0"/>
@@ -3923,6 +4801,593 @@
 </dgm:dataModel>
 </file>
 
+<file path=ppt/diagrams/data4.xml><?xml version="1.0" encoding="utf-8"?>
+<dgm:dataModel xmlns:dgm="http://schemas.openxmlformats.org/drawingml/2006/diagram" xmlns:a="http://schemas.openxmlformats.org/drawingml/2006/main">
+  <dgm:ptLst>
+    <dgm:pt modelId="{A4A023B5-45BD-4A51-A7EA-D43DF7D91837}" type="doc">
+      <dgm:prSet loTypeId="urn:microsoft.com/office/officeart/2005/8/layout/cycle7" loCatId="cycle" qsTypeId="urn:microsoft.com/office/officeart/2005/8/quickstyle/simple1" qsCatId="simple" csTypeId="urn:microsoft.com/office/officeart/2005/8/colors/colorful2" csCatId="colorful" phldr="1"/>
+      <dgm:spPr/>
+      <dgm:t>
+        <a:bodyPr/>
+        <a:lstStyle/>
+        <a:p>
+          <a:pPr latinLnBrk="1"/>
+          <a:endParaRPr lang="ko-KR" altLang="en-US"/>
+        </a:p>
+      </dgm:t>
+    </dgm:pt>
+    <dgm:pt modelId="{87FB6C62-3F76-436E-BEAA-E06ED8C6EAA8}">
+      <dgm:prSet phldrT="[텍스트]" custT="1"/>
+      <dgm:spPr/>
+      <dgm:t>
+        <a:bodyPr/>
+        <a:lstStyle/>
+        <a:p>
+          <a:pPr algn="ctr" latinLnBrk="1"/>
+          <a:r>
+            <a:rPr lang="ko-KR" altLang="en-US" sz="2000" dirty="0" smtClean="0"/>
+            <a:t>개발</a:t>
+          </a:r>
+          <a:r>
+            <a:rPr lang="en-US" altLang="ko-KR" sz="2000" dirty="0" smtClean="0"/>
+            <a:t>(</a:t>
+          </a:r>
+          <a:r>
+            <a:rPr lang="ko-KR" altLang="en-US" sz="2000" dirty="0" smtClean="0"/>
+            <a:t>구현</a:t>
+          </a:r>
+          <a:r>
+            <a:rPr lang="en-US" altLang="ko-KR" sz="2000" dirty="0" smtClean="0"/>
+            <a:t>)</a:t>
+          </a:r>
+          <a:endParaRPr lang="ko-KR" altLang="en-US" sz="2400" dirty="0"/>
+        </a:p>
+      </dgm:t>
+    </dgm:pt>
+    <dgm:pt modelId="{B4D43625-8D13-456E-B4CD-071BAF9C5904}" type="parTrans" cxnId="{0637090F-484E-4C9E-B78C-0D993762700A}">
+      <dgm:prSet/>
+      <dgm:spPr/>
+      <dgm:t>
+        <a:bodyPr/>
+        <a:lstStyle/>
+        <a:p>
+          <a:pPr latinLnBrk="1"/>
+          <a:endParaRPr lang="ko-KR" altLang="en-US" sz="4800"/>
+        </a:p>
+      </dgm:t>
+    </dgm:pt>
+    <dgm:pt modelId="{34FEB4B4-EEA3-4062-BCCB-07CFD571267A}" type="sibTrans" cxnId="{0637090F-484E-4C9E-B78C-0D993762700A}">
+      <dgm:prSet custT="1"/>
+      <dgm:spPr/>
+      <dgm:t>
+        <a:bodyPr/>
+        <a:lstStyle/>
+        <a:p>
+          <a:pPr latinLnBrk="1"/>
+          <a:endParaRPr lang="ko-KR" altLang="en-US" sz="1600"/>
+        </a:p>
+      </dgm:t>
+    </dgm:pt>
+    <dgm:pt modelId="{F0AF64CB-E4D3-4341-953B-F892BB485F8B}">
+      <dgm:prSet phldrT="[텍스트]" custT="1"/>
+      <dgm:spPr/>
+      <dgm:t>
+        <a:bodyPr/>
+        <a:lstStyle/>
+        <a:p>
+          <a:pPr algn="ctr" latinLnBrk="1"/>
+          <a:r>
+            <a:rPr lang="ko-KR" altLang="en-US" sz="1600" dirty="0" smtClean="0"/>
+            <a:t>송진영</a:t>
+          </a:r>
+          <a:endParaRPr lang="ko-KR" altLang="en-US" sz="1600" dirty="0"/>
+        </a:p>
+      </dgm:t>
+    </dgm:pt>
+    <dgm:pt modelId="{D53C657A-DFC5-4AFD-968D-0D096E4B8777}" type="parTrans" cxnId="{A8685B47-9742-416F-8D13-B9AEA7618B6C}">
+      <dgm:prSet/>
+      <dgm:spPr/>
+      <dgm:t>
+        <a:bodyPr/>
+        <a:lstStyle/>
+        <a:p>
+          <a:pPr latinLnBrk="1"/>
+          <a:endParaRPr lang="ko-KR" altLang="en-US" sz="4800"/>
+        </a:p>
+      </dgm:t>
+    </dgm:pt>
+    <dgm:pt modelId="{3BFE52B6-6608-49B3-9114-D827A5F92FAB}" type="sibTrans" cxnId="{A8685B47-9742-416F-8D13-B9AEA7618B6C}">
+      <dgm:prSet/>
+      <dgm:spPr/>
+      <dgm:t>
+        <a:bodyPr/>
+        <a:lstStyle/>
+        <a:p>
+          <a:pPr latinLnBrk="1"/>
+          <a:endParaRPr lang="ko-KR" altLang="en-US" sz="4800"/>
+        </a:p>
+      </dgm:t>
+    </dgm:pt>
+    <dgm:pt modelId="{7A0D5292-F975-4409-A002-5BE38924A9FE}">
+      <dgm:prSet phldrT="[텍스트]" custT="1"/>
+      <dgm:spPr/>
+      <dgm:t>
+        <a:bodyPr/>
+        <a:lstStyle/>
+        <a:p>
+          <a:pPr algn="ctr" latinLnBrk="1"/>
+          <a:r>
+            <a:rPr lang="ko-KR" altLang="en-US" sz="2000" dirty="0" smtClean="0"/>
+            <a:t>문서작성</a:t>
+          </a:r>
+          <a:endParaRPr lang="en-US" altLang="ko-KR" sz="2000" dirty="0" smtClean="0"/>
+        </a:p>
+        <a:p>
+          <a:pPr algn="ctr" latinLnBrk="1"/>
+          <a:r>
+            <a:rPr lang="en-US" altLang="ko-KR" sz="2000" dirty="0" smtClean="0"/>
+            <a:t>(</a:t>
+          </a:r>
+          <a:r>
+            <a:rPr lang="ko-KR" altLang="en-US" sz="2000" dirty="0" smtClean="0"/>
+            <a:t>기획</a:t>
+          </a:r>
+          <a:r>
+            <a:rPr lang="en-US" altLang="ko-KR" sz="2000" dirty="0" smtClean="0"/>
+            <a:t>)</a:t>
+          </a:r>
+          <a:endParaRPr lang="ko-KR" altLang="en-US" sz="2000" dirty="0"/>
+        </a:p>
+      </dgm:t>
+    </dgm:pt>
+    <dgm:pt modelId="{99A2DD46-D9AA-4C48-8096-63CEB249CE13}" type="parTrans" cxnId="{DD82DF43-9840-4527-A68C-3E5C2D84D4D6}">
+      <dgm:prSet/>
+      <dgm:spPr/>
+      <dgm:t>
+        <a:bodyPr/>
+        <a:lstStyle/>
+        <a:p>
+          <a:pPr latinLnBrk="1"/>
+          <a:endParaRPr lang="ko-KR" altLang="en-US" sz="4800"/>
+        </a:p>
+      </dgm:t>
+    </dgm:pt>
+    <dgm:pt modelId="{210E8A8A-0F49-41B7-99CD-2BE913E6113F}" type="sibTrans" cxnId="{DD82DF43-9840-4527-A68C-3E5C2D84D4D6}">
+      <dgm:prSet custT="1"/>
+      <dgm:spPr/>
+      <dgm:t>
+        <a:bodyPr/>
+        <a:lstStyle/>
+        <a:p>
+          <a:pPr latinLnBrk="1"/>
+          <a:endParaRPr lang="ko-KR" altLang="en-US" sz="1600"/>
+        </a:p>
+      </dgm:t>
+    </dgm:pt>
+    <dgm:pt modelId="{F6010C42-0B53-4660-8928-51F0026430D1}">
+      <dgm:prSet phldrT="[텍스트]" custT="1"/>
+      <dgm:spPr/>
+      <dgm:t>
+        <a:bodyPr/>
+        <a:lstStyle/>
+        <a:p>
+          <a:pPr algn="ctr" latinLnBrk="1"/>
+          <a:r>
+            <a:rPr lang="ko-KR" altLang="en-US" sz="1600" dirty="0" smtClean="0"/>
+            <a:t>송진영</a:t>
+          </a:r>
+          <a:endParaRPr lang="ko-KR" altLang="en-US" sz="1600" dirty="0"/>
+        </a:p>
+      </dgm:t>
+    </dgm:pt>
+    <dgm:pt modelId="{1313C70D-63C3-4D9E-B8D6-76FB38D80A5A}" type="parTrans" cxnId="{370379F0-8778-4E1B-98BF-F86F26172A6A}">
+      <dgm:prSet/>
+      <dgm:spPr/>
+      <dgm:t>
+        <a:bodyPr/>
+        <a:lstStyle/>
+        <a:p>
+          <a:pPr latinLnBrk="1"/>
+          <a:endParaRPr lang="ko-KR" altLang="en-US" sz="4800"/>
+        </a:p>
+      </dgm:t>
+    </dgm:pt>
+    <dgm:pt modelId="{48FAB0F6-6672-4102-AF24-94E09757FFA9}" type="sibTrans" cxnId="{370379F0-8778-4E1B-98BF-F86F26172A6A}">
+      <dgm:prSet/>
+      <dgm:spPr/>
+      <dgm:t>
+        <a:bodyPr/>
+        <a:lstStyle/>
+        <a:p>
+          <a:pPr latinLnBrk="1"/>
+          <a:endParaRPr lang="ko-KR" altLang="en-US" sz="4800"/>
+        </a:p>
+      </dgm:t>
+    </dgm:pt>
+    <dgm:pt modelId="{1E356110-4D73-45AD-AE42-E98D8E4D2660}">
+      <dgm:prSet phldrT="[텍스트]" custT="1"/>
+      <dgm:spPr/>
+      <dgm:t>
+        <a:bodyPr/>
+        <a:lstStyle/>
+        <a:p>
+          <a:pPr algn="ctr" latinLnBrk="1"/>
+          <a:r>
+            <a:rPr lang="ko-KR" altLang="en-US" sz="1600" dirty="0" smtClean="0"/>
+            <a:t>우종훈</a:t>
+          </a:r>
+          <a:endParaRPr lang="en-US" altLang="ko-KR" sz="1600" dirty="0" smtClean="0"/>
+        </a:p>
+      </dgm:t>
+    </dgm:pt>
+    <dgm:pt modelId="{7BCBD18B-6172-4E4C-AD2F-0C48C29969C8}" type="parTrans" cxnId="{6EC53D43-A668-4DCA-8C5E-A612E5B31EC4}">
+      <dgm:prSet/>
+      <dgm:spPr/>
+      <dgm:t>
+        <a:bodyPr/>
+        <a:lstStyle/>
+        <a:p>
+          <a:pPr latinLnBrk="1"/>
+          <a:endParaRPr lang="ko-KR" altLang="en-US"/>
+        </a:p>
+      </dgm:t>
+    </dgm:pt>
+    <dgm:pt modelId="{819AA6CC-FAB6-48EE-89CE-3E64F0C80C18}" type="sibTrans" cxnId="{6EC53D43-A668-4DCA-8C5E-A612E5B31EC4}">
+      <dgm:prSet/>
+      <dgm:spPr/>
+      <dgm:t>
+        <a:bodyPr/>
+        <a:lstStyle/>
+        <a:p>
+          <a:pPr latinLnBrk="1"/>
+          <a:endParaRPr lang="ko-KR" altLang="en-US"/>
+        </a:p>
+      </dgm:t>
+    </dgm:pt>
+    <dgm:pt modelId="{17D5C815-8829-45C6-86EA-DAB97127BB73}">
+      <dgm:prSet phldrT="[텍스트]" custT="1"/>
+      <dgm:spPr/>
+      <dgm:t>
+        <a:bodyPr/>
+        <a:lstStyle/>
+        <a:p>
+          <a:pPr algn="ctr" latinLnBrk="1"/>
+          <a:r>
+            <a:rPr lang="ko-KR" altLang="en-US" sz="1600" dirty="0" smtClean="0"/>
+            <a:t>허선용</a:t>
+          </a:r>
+          <a:endParaRPr lang="ko-KR" altLang="en-US" sz="1600" dirty="0"/>
+        </a:p>
+      </dgm:t>
+    </dgm:pt>
+    <dgm:pt modelId="{78BAE9A0-F690-4953-BAE8-A690CD42D5E0}" type="parTrans" cxnId="{589B8141-0A50-49BA-A919-3CE5D97D63B4}">
+      <dgm:prSet/>
+      <dgm:spPr/>
+      <dgm:t>
+        <a:bodyPr/>
+        <a:lstStyle/>
+        <a:p>
+          <a:pPr latinLnBrk="1"/>
+          <a:endParaRPr lang="ko-KR" altLang="en-US"/>
+        </a:p>
+      </dgm:t>
+    </dgm:pt>
+    <dgm:pt modelId="{768070B2-AA3B-45AA-A184-3833649AB9F0}" type="sibTrans" cxnId="{589B8141-0A50-49BA-A919-3CE5D97D63B4}">
+      <dgm:prSet/>
+      <dgm:spPr/>
+      <dgm:t>
+        <a:bodyPr/>
+        <a:lstStyle/>
+        <a:p>
+          <a:pPr latinLnBrk="1"/>
+          <a:endParaRPr lang="ko-KR" altLang="en-US"/>
+        </a:p>
+      </dgm:t>
+    </dgm:pt>
+    <dgm:pt modelId="{CDC0B33D-1C76-45F1-8975-90FD41A1B8A3}">
+      <dgm:prSet phldrT="[텍스트]" custT="1"/>
+      <dgm:spPr/>
+      <dgm:t>
+        <a:bodyPr/>
+        <a:lstStyle/>
+        <a:p>
+          <a:pPr algn="ctr" latinLnBrk="1"/>
+          <a:r>
+            <a:rPr lang="ko-KR" altLang="en-US" sz="1600" dirty="0" smtClean="0"/>
+            <a:t>곽상우</a:t>
+          </a:r>
+          <a:endParaRPr lang="ko-KR" altLang="en-US" sz="1600" dirty="0"/>
+        </a:p>
+      </dgm:t>
+    </dgm:pt>
+    <dgm:pt modelId="{716AD0D3-26E4-4A13-8D73-BA91C3B69D86}" type="parTrans" cxnId="{ABC79562-BED0-43FE-91C0-A06319874A34}">
+      <dgm:prSet/>
+      <dgm:spPr/>
+      <dgm:t>
+        <a:bodyPr/>
+        <a:lstStyle/>
+        <a:p>
+          <a:pPr latinLnBrk="1"/>
+          <a:endParaRPr lang="ko-KR" altLang="en-US"/>
+        </a:p>
+      </dgm:t>
+    </dgm:pt>
+    <dgm:pt modelId="{AFAE42FC-69B5-464F-A0DC-81EB54C09108}" type="sibTrans" cxnId="{ABC79562-BED0-43FE-91C0-A06319874A34}">
+      <dgm:prSet/>
+      <dgm:spPr/>
+      <dgm:t>
+        <a:bodyPr/>
+        <a:lstStyle/>
+        <a:p>
+          <a:pPr latinLnBrk="1"/>
+          <a:endParaRPr lang="ko-KR" altLang="en-US"/>
+        </a:p>
+      </dgm:t>
+    </dgm:pt>
+    <dgm:pt modelId="{5DA8E35C-E9F2-4034-8B82-EDABE753EC25}">
+      <dgm:prSet phldrT="[텍스트]" custT="1"/>
+      <dgm:spPr/>
+      <dgm:t>
+        <a:bodyPr/>
+        <a:lstStyle/>
+        <a:p>
+          <a:pPr algn="ctr" latinLnBrk="1"/>
+          <a:r>
+            <a:rPr lang="ko-KR" altLang="en-US" sz="1600" dirty="0" smtClean="0"/>
+            <a:t>이수민</a:t>
+          </a:r>
+          <a:endParaRPr lang="ko-KR" altLang="en-US" sz="1600" dirty="0"/>
+        </a:p>
+      </dgm:t>
+    </dgm:pt>
+    <dgm:pt modelId="{AFA9E7B9-1DDD-4B68-8273-600874B5EA86}" type="parTrans" cxnId="{111E3C8A-B747-41EB-B944-C63F96FC7647}">
+      <dgm:prSet/>
+      <dgm:spPr/>
+      <dgm:t>
+        <a:bodyPr/>
+        <a:lstStyle/>
+        <a:p>
+          <a:pPr latinLnBrk="1"/>
+          <a:endParaRPr lang="ko-KR" altLang="en-US"/>
+        </a:p>
+      </dgm:t>
+    </dgm:pt>
+    <dgm:pt modelId="{931B3B5D-1DC5-4A17-8098-4CB43A4DDB31}" type="sibTrans" cxnId="{111E3C8A-B747-41EB-B944-C63F96FC7647}">
+      <dgm:prSet/>
+      <dgm:spPr/>
+      <dgm:t>
+        <a:bodyPr/>
+        <a:lstStyle/>
+        <a:p>
+          <a:pPr latinLnBrk="1"/>
+          <a:endParaRPr lang="ko-KR" altLang="en-US"/>
+        </a:p>
+      </dgm:t>
+    </dgm:pt>
+    <dgm:pt modelId="{6AEEF02C-506B-44CD-909B-56040E099E17}">
+      <dgm:prSet phldrT="[텍스트]" custT="1"/>
+      <dgm:spPr/>
+      <dgm:t>
+        <a:bodyPr/>
+        <a:lstStyle/>
+        <a:p>
+          <a:pPr algn="ctr" latinLnBrk="1"/>
+          <a:r>
+            <a:rPr lang="ko-KR" altLang="en-US" sz="2000" dirty="0" smtClean="0"/>
+            <a:t>화면기능정의</a:t>
+          </a:r>
+          <a:endParaRPr lang="en-US" altLang="ko-KR" sz="2000" dirty="0" smtClean="0"/>
+        </a:p>
+        <a:p>
+          <a:pPr algn="ctr" latinLnBrk="1"/>
+          <a:r>
+            <a:rPr lang="en-US" altLang="ko-KR" sz="2000" dirty="0" smtClean="0"/>
+            <a:t>(</a:t>
+          </a:r>
+          <a:r>
+            <a:rPr lang="ko-KR" altLang="en-US" sz="2000" dirty="0" smtClean="0"/>
+            <a:t>디자인</a:t>
+          </a:r>
+          <a:r>
+            <a:rPr lang="en-US" altLang="ko-KR" sz="2000" dirty="0" smtClean="0"/>
+            <a:t>)</a:t>
+          </a:r>
+          <a:endParaRPr lang="ko-KR" altLang="en-US" dirty="0"/>
+        </a:p>
+      </dgm:t>
+    </dgm:pt>
+    <dgm:pt modelId="{B52D4DA7-ABF6-4F4C-8C86-2E21D62FE7BC}" type="parTrans" cxnId="{DCF0EE5A-CA23-4690-90E5-FC7939799845}">
+      <dgm:prSet/>
+      <dgm:spPr/>
+      <dgm:t>
+        <a:bodyPr/>
+        <a:lstStyle/>
+        <a:p>
+          <a:pPr latinLnBrk="1"/>
+          <a:endParaRPr lang="ko-KR" altLang="en-US"/>
+        </a:p>
+      </dgm:t>
+    </dgm:pt>
+    <dgm:pt modelId="{367D226E-59B1-408F-8974-9C927920B8B4}" type="sibTrans" cxnId="{DCF0EE5A-CA23-4690-90E5-FC7939799845}">
+      <dgm:prSet/>
+      <dgm:spPr/>
+      <dgm:t>
+        <a:bodyPr/>
+        <a:lstStyle/>
+        <a:p>
+          <a:pPr latinLnBrk="1"/>
+          <a:endParaRPr lang="ko-KR" altLang="en-US"/>
+        </a:p>
+      </dgm:t>
+    </dgm:pt>
+    <dgm:pt modelId="{50267C70-63CD-4400-B704-463F9CEF2917}" type="pres">
+      <dgm:prSet presAssocID="{A4A023B5-45BD-4A51-A7EA-D43DF7D91837}" presName="Name0" presStyleCnt="0">
+        <dgm:presLayoutVars>
+          <dgm:dir/>
+          <dgm:resizeHandles val="exact"/>
+        </dgm:presLayoutVars>
+      </dgm:prSet>
+      <dgm:spPr/>
+      <dgm:t>
+        <a:bodyPr/>
+        <a:lstStyle/>
+        <a:p>
+          <a:pPr latinLnBrk="1"/>
+          <a:endParaRPr lang="ko-KR" altLang="en-US"/>
+        </a:p>
+      </dgm:t>
+    </dgm:pt>
+    <dgm:pt modelId="{99E446B0-8C3E-43BA-99F3-955F6FFB0995}" type="pres">
+      <dgm:prSet presAssocID="{87FB6C62-3F76-436E-BEAA-E06ED8C6EAA8}" presName="node" presStyleLbl="node1" presStyleIdx="0" presStyleCnt="3" custScaleX="84314" custScaleY="163396" custRadScaleRad="72922" custRadScaleInc="-6987">
+        <dgm:presLayoutVars>
+          <dgm:bulletEnabled val="1"/>
+        </dgm:presLayoutVars>
+      </dgm:prSet>
+      <dgm:spPr/>
+      <dgm:t>
+        <a:bodyPr/>
+        <a:lstStyle/>
+        <a:p>
+          <a:pPr latinLnBrk="1"/>
+          <a:endParaRPr lang="ko-KR" altLang="en-US"/>
+        </a:p>
+      </dgm:t>
+    </dgm:pt>
+    <dgm:pt modelId="{58B953DD-4F00-4893-8082-F88306B20FF3}" type="pres">
+      <dgm:prSet presAssocID="{34FEB4B4-EEA3-4062-BCCB-07CFD571267A}" presName="sibTrans" presStyleLbl="sibTrans2D1" presStyleIdx="0" presStyleCnt="3"/>
+      <dgm:spPr/>
+      <dgm:t>
+        <a:bodyPr/>
+        <a:lstStyle/>
+        <a:p>
+          <a:pPr latinLnBrk="1"/>
+          <a:endParaRPr lang="ko-KR" altLang="en-US"/>
+        </a:p>
+      </dgm:t>
+    </dgm:pt>
+    <dgm:pt modelId="{415303C9-109B-4B70-B9D3-0FB172FBC08A}" type="pres">
+      <dgm:prSet presAssocID="{34FEB4B4-EEA3-4062-BCCB-07CFD571267A}" presName="connectorText" presStyleLbl="sibTrans2D1" presStyleIdx="0" presStyleCnt="3"/>
+      <dgm:spPr/>
+      <dgm:t>
+        <a:bodyPr/>
+        <a:lstStyle/>
+        <a:p>
+          <a:pPr latinLnBrk="1"/>
+          <a:endParaRPr lang="ko-KR" altLang="en-US"/>
+        </a:p>
+      </dgm:t>
+    </dgm:pt>
+    <dgm:pt modelId="{9D25F31E-9442-4DA2-BA2D-1039DCD74C38}" type="pres">
+      <dgm:prSet presAssocID="{6AEEF02C-506B-44CD-909B-56040E099E17}" presName="node" presStyleLbl="node1" presStyleIdx="1" presStyleCnt="3" custScaleY="126417" custRadScaleRad="88279" custRadScaleInc="-606">
+        <dgm:presLayoutVars>
+          <dgm:bulletEnabled val="1"/>
+        </dgm:presLayoutVars>
+      </dgm:prSet>
+      <dgm:spPr/>
+      <dgm:t>
+        <a:bodyPr/>
+        <a:lstStyle/>
+        <a:p>
+          <a:pPr latinLnBrk="1"/>
+          <a:endParaRPr lang="ko-KR" altLang="en-US"/>
+        </a:p>
+      </dgm:t>
+    </dgm:pt>
+    <dgm:pt modelId="{13E5D9A2-5C7E-4F95-AB0E-5D5C68E0C2B6}" type="pres">
+      <dgm:prSet presAssocID="{367D226E-59B1-408F-8974-9C927920B8B4}" presName="sibTrans" presStyleLbl="sibTrans2D1" presStyleIdx="1" presStyleCnt="3"/>
+      <dgm:spPr/>
+    </dgm:pt>
+    <dgm:pt modelId="{6F97D7E1-ACFB-4334-A189-140320C666FC}" type="pres">
+      <dgm:prSet presAssocID="{367D226E-59B1-408F-8974-9C927920B8B4}" presName="connectorText" presStyleLbl="sibTrans2D1" presStyleIdx="1" presStyleCnt="3"/>
+      <dgm:spPr/>
+    </dgm:pt>
+    <dgm:pt modelId="{591CB5DE-E65C-44BC-B942-189A86F4B4EA}" type="pres">
+      <dgm:prSet presAssocID="{7A0D5292-F975-4409-A002-5BE38924A9FE}" presName="node" presStyleLbl="node1" presStyleIdx="2" presStyleCnt="3" custScaleX="77934" custScaleY="116404" custRadScaleRad="93629" custRadScaleInc="2154">
+        <dgm:presLayoutVars>
+          <dgm:bulletEnabled val="1"/>
+        </dgm:presLayoutVars>
+      </dgm:prSet>
+      <dgm:spPr/>
+      <dgm:t>
+        <a:bodyPr/>
+        <a:lstStyle/>
+        <a:p>
+          <a:pPr latinLnBrk="1"/>
+          <a:endParaRPr lang="ko-KR" altLang="en-US"/>
+        </a:p>
+      </dgm:t>
+    </dgm:pt>
+    <dgm:pt modelId="{C1352968-1869-462A-B37D-5F46AC2B0106}" type="pres">
+      <dgm:prSet presAssocID="{210E8A8A-0F49-41B7-99CD-2BE913E6113F}" presName="sibTrans" presStyleLbl="sibTrans2D1" presStyleIdx="2" presStyleCnt="3"/>
+      <dgm:spPr/>
+      <dgm:t>
+        <a:bodyPr/>
+        <a:lstStyle/>
+        <a:p>
+          <a:pPr latinLnBrk="1"/>
+          <a:endParaRPr lang="ko-KR" altLang="en-US"/>
+        </a:p>
+      </dgm:t>
+    </dgm:pt>
+    <dgm:pt modelId="{B8FB7145-5D68-4CA1-B648-FA330AECD35D}" type="pres">
+      <dgm:prSet presAssocID="{210E8A8A-0F49-41B7-99CD-2BE913E6113F}" presName="connectorText" presStyleLbl="sibTrans2D1" presStyleIdx="2" presStyleCnt="3"/>
+      <dgm:spPr/>
+      <dgm:t>
+        <a:bodyPr/>
+        <a:lstStyle/>
+        <a:p>
+          <a:pPr latinLnBrk="1"/>
+          <a:endParaRPr lang="ko-KR" altLang="en-US"/>
+        </a:p>
+      </dgm:t>
+    </dgm:pt>
+  </dgm:ptLst>
+  <dgm:cxnLst>
+    <dgm:cxn modelId="{F071056E-3C37-405B-A1E2-CD005BA29F65}" type="presOf" srcId="{1E356110-4D73-45AD-AE42-E98D8E4D2660}" destId="{99E446B0-8C3E-43BA-99F3-955F6FFB0995}" srcOrd="0" destOrd="1" presId="urn:microsoft.com/office/officeart/2005/8/layout/cycle7"/>
+    <dgm:cxn modelId="{370379F0-8778-4E1B-98BF-F86F26172A6A}" srcId="{7A0D5292-F975-4409-A002-5BE38924A9FE}" destId="{F6010C42-0B53-4660-8928-51F0026430D1}" srcOrd="0" destOrd="0" parTransId="{1313C70D-63C3-4D9E-B8D6-76FB38D80A5A}" sibTransId="{48FAB0F6-6672-4102-AF24-94E09757FFA9}"/>
+    <dgm:cxn modelId="{111E3C8A-B747-41EB-B944-C63F96FC7647}" srcId="{87FB6C62-3F76-436E-BEAA-E06ED8C6EAA8}" destId="{5DA8E35C-E9F2-4034-8B82-EDABE753EC25}" srcOrd="3" destOrd="0" parTransId="{AFA9E7B9-1DDD-4B68-8273-600874B5EA86}" sibTransId="{931B3B5D-1DC5-4A17-8098-4CB43A4DDB31}"/>
+    <dgm:cxn modelId="{D7AA6096-CE8F-4D93-A594-DF632833F6D0}" type="presOf" srcId="{A4A023B5-45BD-4A51-A7EA-D43DF7D91837}" destId="{50267C70-63CD-4400-B704-463F9CEF2917}" srcOrd="0" destOrd="0" presId="urn:microsoft.com/office/officeart/2005/8/layout/cycle7"/>
+    <dgm:cxn modelId="{DD82DF43-9840-4527-A68C-3E5C2D84D4D6}" srcId="{A4A023B5-45BD-4A51-A7EA-D43DF7D91837}" destId="{7A0D5292-F975-4409-A002-5BE38924A9FE}" srcOrd="2" destOrd="0" parTransId="{99A2DD46-D9AA-4C48-8096-63CEB249CE13}" sibTransId="{210E8A8A-0F49-41B7-99CD-2BE913E6113F}"/>
+    <dgm:cxn modelId="{7DBC74BB-CBB5-414F-940F-0D1CBB5F9EC6}" type="presOf" srcId="{CDC0B33D-1C76-45F1-8975-90FD41A1B8A3}" destId="{99E446B0-8C3E-43BA-99F3-955F6FFB0995}" srcOrd="0" destOrd="3" presId="urn:microsoft.com/office/officeart/2005/8/layout/cycle7"/>
+    <dgm:cxn modelId="{93F5BD39-E82E-4D60-929B-0D11E318CEBA}" type="presOf" srcId="{6AEEF02C-506B-44CD-909B-56040E099E17}" destId="{9D25F31E-9442-4DA2-BA2D-1039DCD74C38}" srcOrd="0" destOrd="0" presId="urn:microsoft.com/office/officeart/2005/8/layout/cycle7"/>
+    <dgm:cxn modelId="{22FD3959-5666-46F1-9BE6-791B949CAD31}" type="presOf" srcId="{367D226E-59B1-408F-8974-9C927920B8B4}" destId="{6F97D7E1-ACFB-4334-A189-140320C666FC}" srcOrd="1" destOrd="0" presId="urn:microsoft.com/office/officeart/2005/8/layout/cycle7"/>
+    <dgm:cxn modelId="{DBFEE4B4-A61C-4B22-AD99-40815C9F5593}" type="presOf" srcId="{34FEB4B4-EEA3-4062-BCCB-07CFD571267A}" destId="{415303C9-109B-4B70-B9D3-0FB172FBC08A}" srcOrd="1" destOrd="0" presId="urn:microsoft.com/office/officeart/2005/8/layout/cycle7"/>
+    <dgm:cxn modelId="{2BE75A50-17A5-4708-92F3-C87A52B66CE0}" type="presOf" srcId="{7A0D5292-F975-4409-A002-5BE38924A9FE}" destId="{591CB5DE-E65C-44BC-B942-189A86F4B4EA}" srcOrd="0" destOrd="0" presId="urn:microsoft.com/office/officeart/2005/8/layout/cycle7"/>
+    <dgm:cxn modelId="{F8DD579A-A2BB-4A0D-B345-06F49653CC42}" type="presOf" srcId="{210E8A8A-0F49-41B7-99CD-2BE913E6113F}" destId="{C1352968-1869-462A-B37D-5F46AC2B0106}" srcOrd="0" destOrd="0" presId="urn:microsoft.com/office/officeart/2005/8/layout/cycle7"/>
+    <dgm:cxn modelId="{80693B2C-A82D-46AE-AA4D-17D78E12190C}" type="presOf" srcId="{87FB6C62-3F76-436E-BEAA-E06ED8C6EAA8}" destId="{99E446B0-8C3E-43BA-99F3-955F6FFB0995}" srcOrd="0" destOrd="0" presId="urn:microsoft.com/office/officeart/2005/8/layout/cycle7"/>
+    <dgm:cxn modelId="{E67BA2FD-0351-479F-B245-927057DFC7F9}" type="presOf" srcId="{5DA8E35C-E9F2-4034-8B82-EDABE753EC25}" destId="{99E446B0-8C3E-43BA-99F3-955F6FFB0995}" srcOrd="0" destOrd="4" presId="urn:microsoft.com/office/officeart/2005/8/layout/cycle7"/>
+    <dgm:cxn modelId="{3FDCEB75-ADA7-40A0-9D8C-7D2BA059F576}" type="presOf" srcId="{367D226E-59B1-408F-8974-9C927920B8B4}" destId="{13E5D9A2-5C7E-4F95-AB0E-5D5C68E0C2B6}" srcOrd="0" destOrd="0" presId="urn:microsoft.com/office/officeart/2005/8/layout/cycle7"/>
+    <dgm:cxn modelId="{A1A0C822-A825-4508-B3A0-E5F1B60B8EF9}" type="presOf" srcId="{34FEB4B4-EEA3-4062-BCCB-07CFD571267A}" destId="{58B953DD-4F00-4893-8082-F88306B20FF3}" srcOrd="0" destOrd="0" presId="urn:microsoft.com/office/officeart/2005/8/layout/cycle7"/>
+    <dgm:cxn modelId="{6EC53D43-A668-4DCA-8C5E-A612E5B31EC4}" srcId="{87FB6C62-3F76-436E-BEAA-E06ED8C6EAA8}" destId="{1E356110-4D73-45AD-AE42-E98D8E4D2660}" srcOrd="0" destOrd="0" parTransId="{7BCBD18B-6172-4E4C-AD2F-0C48C29969C8}" sibTransId="{819AA6CC-FAB6-48EE-89CE-3E64F0C80C18}"/>
+    <dgm:cxn modelId="{0637090F-484E-4C9E-B78C-0D993762700A}" srcId="{A4A023B5-45BD-4A51-A7EA-D43DF7D91837}" destId="{87FB6C62-3F76-436E-BEAA-E06ED8C6EAA8}" srcOrd="0" destOrd="0" parTransId="{B4D43625-8D13-456E-B4CD-071BAF9C5904}" sibTransId="{34FEB4B4-EEA3-4062-BCCB-07CFD571267A}"/>
+    <dgm:cxn modelId="{ABC79562-BED0-43FE-91C0-A06319874A34}" srcId="{87FB6C62-3F76-436E-BEAA-E06ED8C6EAA8}" destId="{CDC0B33D-1C76-45F1-8975-90FD41A1B8A3}" srcOrd="2" destOrd="0" parTransId="{716AD0D3-26E4-4A13-8D73-BA91C3B69D86}" sibTransId="{AFAE42FC-69B5-464F-A0DC-81EB54C09108}"/>
+    <dgm:cxn modelId="{A8685B47-9742-416F-8D13-B9AEA7618B6C}" srcId="{6AEEF02C-506B-44CD-909B-56040E099E17}" destId="{F0AF64CB-E4D3-4341-953B-F892BB485F8B}" srcOrd="0" destOrd="0" parTransId="{D53C657A-DFC5-4AFD-968D-0D096E4B8777}" sibTransId="{3BFE52B6-6608-49B3-9114-D827A5F92FAB}"/>
+    <dgm:cxn modelId="{DCF0EE5A-CA23-4690-90E5-FC7939799845}" srcId="{A4A023B5-45BD-4A51-A7EA-D43DF7D91837}" destId="{6AEEF02C-506B-44CD-909B-56040E099E17}" srcOrd="1" destOrd="0" parTransId="{B52D4DA7-ABF6-4F4C-8C86-2E21D62FE7BC}" sibTransId="{367D226E-59B1-408F-8974-9C927920B8B4}"/>
+    <dgm:cxn modelId="{6B5F8496-3E7E-4C93-ADDB-E5A436D63EED}" type="presOf" srcId="{F0AF64CB-E4D3-4341-953B-F892BB485F8B}" destId="{9D25F31E-9442-4DA2-BA2D-1039DCD74C38}" srcOrd="0" destOrd="1" presId="urn:microsoft.com/office/officeart/2005/8/layout/cycle7"/>
+    <dgm:cxn modelId="{589B8141-0A50-49BA-A919-3CE5D97D63B4}" srcId="{87FB6C62-3F76-436E-BEAA-E06ED8C6EAA8}" destId="{17D5C815-8829-45C6-86EA-DAB97127BB73}" srcOrd="1" destOrd="0" parTransId="{78BAE9A0-F690-4953-BAE8-A690CD42D5E0}" sibTransId="{768070B2-AA3B-45AA-A184-3833649AB9F0}"/>
+    <dgm:cxn modelId="{BE63EF00-3148-434F-AE4F-EA429297E60C}" type="presOf" srcId="{210E8A8A-0F49-41B7-99CD-2BE913E6113F}" destId="{B8FB7145-5D68-4CA1-B648-FA330AECD35D}" srcOrd="1" destOrd="0" presId="urn:microsoft.com/office/officeart/2005/8/layout/cycle7"/>
+    <dgm:cxn modelId="{C112636E-617E-4D79-97B8-976783D2B1AD}" type="presOf" srcId="{17D5C815-8829-45C6-86EA-DAB97127BB73}" destId="{99E446B0-8C3E-43BA-99F3-955F6FFB0995}" srcOrd="0" destOrd="2" presId="urn:microsoft.com/office/officeart/2005/8/layout/cycle7"/>
+    <dgm:cxn modelId="{30D439AA-5BB9-406E-9669-076B17EF52E7}" type="presOf" srcId="{F6010C42-0B53-4660-8928-51F0026430D1}" destId="{591CB5DE-E65C-44BC-B942-189A86F4B4EA}" srcOrd="0" destOrd="1" presId="urn:microsoft.com/office/officeart/2005/8/layout/cycle7"/>
+    <dgm:cxn modelId="{34E9B6AC-D70C-4F94-BBF3-41E26F9A64B6}" type="presParOf" srcId="{50267C70-63CD-4400-B704-463F9CEF2917}" destId="{99E446B0-8C3E-43BA-99F3-955F6FFB0995}" srcOrd="0" destOrd="0" presId="urn:microsoft.com/office/officeart/2005/8/layout/cycle7"/>
+    <dgm:cxn modelId="{EB823643-C8D4-474A-9107-425E9CAAA943}" type="presParOf" srcId="{50267C70-63CD-4400-B704-463F9CEF2917}" destId="{58B953DD-4F00-4893-8082-F88306B20FF3}" srcOrd="1" destOrd="0" presId="urn:microsoft.com/office/officeart/2005/8/layout/cycle7"/>
+    <dgm:cxn modelId="{DB2ABD2F-1DA8-46E4-9E80-CAEBBB8E2814}" type="presParOf" srcId="{58B953DD-4F00-4893-8082-F88306B20FF3}" destId="{415303C9-109B-4B70-B9D3-0FB172FBC08A}" srcOrd="0" destOrd="0" presId="urn:microsoft.com/office/officeart/2005/8/layout/cycle7"/>
+    <dgm:cxn modelId="{C8A93D79-0519-4BB5-9837-4A5B46A9FB70}" type="presParOf" srcId="{50267C70-63CD-4400-B704-463F9CEF2917}" destId="{9D25F31E-9442-4DA2-BA2D-1039DCD74C38}" srcOrd="2" destOrd="0" presId="urn:microsoft.com/office/officeart/2005/8/layout/cycle7"/>
+    <dgm:cxn modelId="{6A01A405-498F-4D6E-BB65-2FC426373290}" type="presParOf" srcId="{50267C70-63CD-4400-B704-463F9CEF2917}" destId="{13E5D9A2-5C7E-4F95-AB0E-5D5C68E0C2B6}" srcOrd="3" destOrd="0" presId="urn:microsoft.com/office/officeart/2005/8/layout/cycle7"/>
+    <dgm:cxn modelId="{AE758731-8143-4F5C-BDE2-41BDE2444CD6}" type="presParOf" srcId="{13E5D9A2-5C7E-4F95-AB0E-5D5C68E0C2B6}" destId="{6F97D7E1-ACFB-4334-A189-140320C666FC}" srcOrd="0" destOrd="0" presId="urn:microsoft.com/office/officeart/2005/8/layout/cycle7"/>
+    <dgm:cxn modelId="{FB50F444-1C10-4E6B-B977-20CD9192339A}" type="presParOf" srcId="{50267C70-63CD-4400-B704-463F9CEF2917}" destId="{591CB5DE-E65C-44BC-B942-189A86F4B4EA}" srcOrd="4" destOrd="0" presId="urn:microsoft.com/office/officeart/2005/8/layout/cycle7"/>
+    <dgm:cxn modelId="{A32A8D63-9A73-4B9B-BAD7-F37B87D575C8}" type="presParOf" srcId="{50267C70-63CD-4400-B704-463F9CEF2917}" destId="{C1352968-1869-462A-B37D-5F46AC2B0106}" srcOrd="5" destOrd="0" presId="urn:microsoft.com/office/officeart/2005/8/layout/cycle7"/>
+    <dgm:cxn modelId="{BEAD4710-3971-4A21-96DD-C4487C91AAEF}" type="presParOf" srcId="{C1352968-1869-462A-B37D-5F46AC2B0106}" destId="{B8FB7145-5D68-4CA1-B648-FA330AECD35D}" srcOrd="0" destOrd="0" presId="urn:microsoft.com/office/officeart/2005/8/layout/cycle7"/>
+  </dgm:cxnLst>
+  <dgm:bg/>
+  <dgm:whole/>
+  <dgm:extLst>
+    <a:ext uri="http://schemas.microsoft.com/office/drawing/2008/diagram">
+      <dsp:dataModelExt xmlns:dsp="http://schemas.microsoft.com/office/drawing/2008/diagram" relId="rId7" minVer="http://schemas.openxmlformats.org/drawingml/2006/diagram"/>
+    </a:ext>
+  </dgm:extLst>
+</dgm:dataModel>
+</file>
+
 <file path=ppt/diagrams/drawing1.xml><?xml version="1.0" encoding="utf-8"?>
 <dsp:drawing xmlns:dgm="http://schemas.openxmlformats.org/drawingml/2006/diagram" xmlns:dsp="http://schemas.microsoft.com/office/drawing/2008/diagram" xmlns:a="http://schemas.openxmlformats.org/drawingml/2006/main">
   <dsp:spTree>
@@ -3963,12 +5428,12 @@
         <a:fontRef idx="minor"/>
       </dsp:style>
       <dsp:txBody>
-        <a:bodyPr spcFirstLastPara="0" vert="horz" wrap="square" lIns="49530" tIns="49530" rIns="49530" bIns="49530" numCol="1" spcCol="1270" anchor="b" anchorCtr="0">
+        <a:bodyPr spcFirstLastPara="0" vert="horz" wrap="square" lIns="68580" tIns="68580" rIns="68580" bIns="68580" numCol="1" spcCol="1270" anchor="b" anchorCtr="0">
           <a:noAutofit/>
         </a:bodyPr>
         <a:lstStyle/>
         <a:p>
-          <a:pPr lvl="0" algn="l" defTabSz="577850" latinLnBrk="1">
+          <a:pPr lvl="0" algn="l" defTabSz="800100" latinLnBrk="1">
             <a:lnSpc>
               <a:spcPct val="90000"/>
             </a:lnSpc>
@@ -3980,18 +5445,18 @@
             </a:spcAft>
           </a:pPr>
           <a:r>
-            <a:rPr lang="en-US" altLang="ko-KR" sz="1300" b="1" kern="1200" spc="600" dirty="0" smtClean="0">
+            <a:rPr lang="en-US" altLang="ko-KR" sz="1800" b="1" kern="1200" spc="600" dirty="0" smtClean="0">
               <a:effectLst/>
             </a:rPr>
             <a:t>01. </a:t>
           </a:r>
           <a:r>
-            <a:rPr lang="ko-KR" altLang="en-US" sz="1300" b="1" kern="1200" spc="600" dirty="0" smtClean="0">
+            <a:rPr lang="ko-KR" altLang="en-US" sz="1800" b="1" kern="1200" spc="600" dirty="0" smtClean="0">
               <a:effectLst/>
             </a:rPr>
             <a:t>프로젝트 개요 및 목표</a:t>
           </a:r>
-          <a:endParaRPr lang="ko-KR" altLang="en-US" sz="1300" b="1" kern="1200" spc="600" dirty="0">
+          <a:endParaRPr lang="ko-KR" altLang="en-US" sz="1800" b="1" kern="1200" spc="600" dirty="0">
             <a:effectLst/>
           </a:endParaRPr>
         </a:p>
@@ -4397,12 +5862,12 @@
         <a:fontRef idx="minor"/>
       </dsp:style>
       <dsp:txBody>
-        <a:bodyPr spcFirstLastPara="0" vert="horz" wrap="square" lIns="49530" tIns="49530" rIns="49530" bIns="49530" numCol="1" spcCol="1270" anchor="b" anchorCtr="0">
+        <a:bodyPr spcFirstLastPara="0" vert="horz" wrap="square" lIns="68580" tIns="68580" rIns="68580" bIns="68580" numCol="1" spcCol="1270" anchor="b" anchorCtr="0">
           <a:noAutofit/>
         </a:bodyPr>
         <a:lstStyle/>
         <a:p>
-          <a:pPr lvl="0" algn="l" defTabSz="577850" latinLnBrk="1">
+          <a:pPr lvl="0" algn="l" defTabSz="800100" latinLnBrk="1">
             <a:lnSpc>
               <a:spcPct val="90000"/>
             </a:lnSpc>
@@ -4414,18 +5879,18 @@
             </a:spcAft>
           </a:pPr>
           <a:r>
-            <a:rPr lang="en-US" altLang="ko-KR" sz="1300" b="1" kern="1200" spc="600" dirty="0" smtClean="0">
+            <a:rPr lang="en-US" altLang="ko-KR" sz="1800" b="1" kern="1200" spc="600" dirty="0" smtClean="0">
               <a:effectLst/>
             </a:rPr>
             <a:t>02. </a:t>
           </a:r>
           <a:r>
-            <a:rPr lang="ko-KR" altLang="en-US" sz="1300" b="1" kern="1200" spc="600" dirty="0" smtClean="0">
+            <a:rPr lang="ko-KR" altLang="en-US" sz="1800" b="1" kern="1200" spc="600" dirty="0" smtClean="0">
               <a:effectLst/>
             </a:rPr>
             <a:t>프로젝트 수행조직도</a:t>
           </a:r>
-          <a:endParaRPr lang="ko-KR" altLang="en-US" sz="1300" b="1" kern="1200" spc="600" dirty="0">
+          <a:endParaRPr lang="ko-KR" altLang="en-US" sz="1800" b="1" kern="1200" spc="600" dirty="0">
             <a:effectLst/>
           </a:endParaRPr>
         </a:p>
@@ -4831,12 +6296,12 @@
         <a:fontRef idx="minor"/>
       </dsp:style>
       <dsp:txBody>
-        <a:bodyPr spcFirstLastPara="0" vert="horz" wrap="square" lIns="49530" tIns="49530" rIns="49530" bIns="49530" numCol="1" spcCol="1270" anchor="b" anchorCtr="0">
+        <a:bodyPr spcFirstLastPara="0" vert="horz" wrap="square" lIns="68580" tIns="68580" rIns="68580" bIns="68580" numCol="1" spcCol="1270" anchor="b" anchorCtr="0">
           <a:noAutofit/>
         </a:bodyPr>
         <a:lstStyle/>
         <a:p>
-          <a:pPr lvl="0" algn="l" defTabSz="577850" latinLnBrk="1">
+          <a:pPr lvl="0" algn="l" defTabSz="800100" latinLnBrk="1">
             <a:lnSpc>
               <a:spcPct val="90000"/>
             </a:lnSpc>
@@ -4848,18 +6313,18 @@
             </a:spcAft>
           </a:pPr>
           <a:r>
-            <a:rPr lang="en-US" altLang="ko-KR" sz="1300" b="1" kern="1200" spc="600" dirty="0" smtClean="0">
+            <a:rPr lang="en-US" altLang="ko-KR" sz="1800" b="1" kern="1200" spc="600" dirty="0" smtClean="0">
               <a:effectLst/>
             </a:rPr>
             <a:t>03. </a:t>
           </a:r>
           <a:r>
-            <a:rPr lang="ko-KR" altLang="en-US" sz="1300" b="1" kern="1200" spc="600" dirty="0" smtClean="0">
+            <a:rPr lang="ko-KR" altLang="en-US" sz="1800" b="1" kern="1200" spc="600" dirty="0" smtClean="0">
               <a:effectLst/>
             </a:rPr>
             <a:t>고객 요구사항</a:t>
           </a:r>
-          <a:endParaRPr lang="ko-KR" altLang="en-US" sz="1300" b="1" kern="1200" spc="600" dirty="0">
+          <a:endParaRPr lang="ko-KR" altLang="en-US" sz="1800" b="1" kern="1200" spc="600" dirty="0">
             <a:effectLst/>
           </a:endParaRPr>
         </a:p>
@@ -5265,12 +6730,12 @@
         <a:fontRef idx="minor"/>
       </dsp:style>
       <dsp:txBody>
-        <a:bodyPr spcFirstLastPara="0" vert="horz" wrap="square" lIns="49530" tIns="49530" rIns="49530" bIns="49530" numCol="1" spcCol="1270" anchor="b" anchorCtr="0">
+        <a:bodyPr spcFirstLastPara="0" vert="horz" wrap="square" lIns="68580" tIns="68580" rIns="68580" bIns="68580" numCol="1" spcCol="1270" anchor="b" anchorCtr="0">
           <a:noAutofit/>
         </a:bodyPr>
         <a:lstStyle/>
         <a:p>
-          <a:pPr lvl="0" algn="l" defTabSz="577850" latinLnBrk="1">
+          <a:pPr lvl="0" algn="l" defTabSz="800100" latinLnBrk="1">
             <a:lnSpc>
               <a:spcPct val="90000"/>
             </a:lnSpc>
@@ -5282,18 +6747,18 @@
             </a:spcAft>
           </a:pPr>
           <a:r>
-            <a:rPr lang="en-US" altLang="ko-KR" sz="1300" b="1" kern="1200" spc="600" dirty="0" smtClean="0">
+            <a:rPr lang="en-US" altLang="ko-KR" sz="1800" b="1" kern="1200" spc="600" dirty="0" smtClean="0">
               <a:effectLst/>
             </a:rPr>
             <a:t>04. </a:t>
           </a:r>
           <a:r>
-            <a:rPr lang="ko-KR" altLang="en-US" sz="1300" b="1" kern="1200" spc="600" dirty="0" smtClean="0">
+            <a:rPr lang="ko-KR" altLang="en-US" sz="1800" b="1" kern="1200" spc="600" dirty="0" smtClean="0">
               <a:effectLst/>
             </a:rPr>
             <a:t>제작 일정</a:t>
           </a:r>
-          <a:endParaRPr lang="ko-KR" altLang="en-US" sz="1300" b="1" kern="1200" spc="600" dirty="0">
+          <a:endParaRPr lang="ko-KR" altLang="en-US" sz="1800" b="1" kern="1200" spc="600" dirty="0">
             <a:effectLst/>
           </a:endParaRPr>
         </a:p>
@@ -5699,12 +7164,12 @@
         <a:fontRef idx="minor"/>
       </dsp:style>
       <dsp:txBody>
-        <a:bodyPr spcFirstLastPara="0" vert="horz" wrap="square" lIns="49530" tIns="49530" rIns="49530" bIns="49530" numCol="1" spcCol="1270" anchor="b" anchorCtr="0">
+        <a:bodyPr spcFirstLastPara="0" vert="horz" wrap="square" lIns="68580" tIns="68580" rIns="68580" bIns="68580" numCol="1" spcCol="1270" anchor="b" anchorCtr="0">
           <a:noAutofit/>
         </a:bodyPr>
         <a:lstStyle/>
         <a:p>
-          <a:pPr lvl="0" algn="l" defTabSz="577850" latinLnBrk="1">
+          <a:pPr lvl="0" algn="l" defTabSz="800100" latinLnBrk="1">
             <a:lnSpc>
               <a:spcPct val="90000"/>
             </a:lnSpc>
@@ -5716,18 +7181,18 @@
             </a:spcAft>
           </a:pPr>
           <a:r>
-            <a:rPr lang="en-US" altLang="ko-KR" sz="1300" b="1" kern="1200" spc="600" dirty="0" smtClean="0">
+            <a:rPr lang="en-US" altLang="ko-KR" sz="1800" b="1" kern="1200" spc="600" dirty="0" smtClean="0">
               <a:effectLst/>
             </a:rPr>
             <a:t>05. </a:t>
           </a:r>
           <a:r>
-            <a:rPr lang="ko-KR" altLang="en-US" sz="1300" b="1" kern="1200" spc="600" dirty="0" smtClean="0">
+            <a:rPr lang="ko-KR" altLang="en-US" sz="1800" b="1" kern="1200" spc="600" dirty="0" smtClean="0">
               <a:effectLst/>
             </a:rPr>
             <a:t>프로젝트 구성도</a:t>
           </a:r>
-          <a:endParaRPr lang="ko-KR" altLang="en-US" sz="1300" b="1" kern="1200" spc="600" dirty="0">
+          <a:endParaRPr lang="ko-KR" altLang="en-US" sz="1800" b="1" kern="1200" spc="600" dirty="0">
             <a:effectLst/>
           </a:endParaRPr>
         </a:p>
@@ -6133,12 +7598,12 @@
         <a:fontRef idx="minor"/>
       </dsp:style>
       <dsp:txBody>
-        <a:bodyPr spcFirstLastPara="0" vert="horz" wrap="square" lIns="49530" tIns="49530" rIns="49530" bIns="49530" numCol="1" spcCol="1270" anchor="b" anchorCtr="0">
+        <a:bodyPr spcFirstLastPara="0" vert="horz" wrap="square" lIns="68580" tIns="68580" rIns="68580" bIns="68580" numCol="1" spcCol="1270" anchor="b" anchorCtr="0">
           <a:noAutofit/>
         </a:bodyPr>
         <a:lstStyle/>
         <a:p>
-          <a:pPr lvl="0" algn="l" defTabSz="577850" latinLnBrk="1">
+          <a:pPr lvl="0" algn="l" defTabSz="800100" latinLnBrk="1">
             <a:lnSpc>
               <a:spcPct val="90000"/>
             </a:lnSpc>
@@ -6150,30 +7615,30 @@
             </a:spcAft>
           </a:pPr>
           <a:r>
-            <a:rPr lang="en-US" altLang="en-US" sz="1300" b="1" kern="1200" spc="600" dirty="0" smtClean="0">
+            <a:rPr lang="en-US" altLang="en-US" sz="1800" b="1" kern="1200" spc="600" dirty="0" smtClean="0">
               <a:effectLst/>
             </a:rPr>
             <a:t>06. </a:t>
           </a:r>
           <a:r>
-            <a:rPr lang="en-US" altLang="en-US" sz="1300" b="1" kern="1200" spc="600" dirty="0" err="1" smtClean="0">
+            <a:rPr lang="en-US" altLang="en-US" sz="1800" b="1" kern="1200" spc="600" dirty="0" err="1" smtClean="0">
               <a:effectLst/>
             </a:rPr>
             <a:t>GitHub</a:t>
           </a:r>
           <a:r>
-            <a:rPr lang="en-US" altLang="en-US" sz="1300" b="1" kern="1200" spc="600" dirty="0" smtClean="0">
+            <a:rPr lang="en-US" altLang="en-US" sz="1800" b="1" kern="1200" spc="600" dirty="0" smtClean="0">
               <a:effectLst/>
             </a:rPr>
             <a:t> </a:t>
           </a:r>
           <a:r>
-            <a:rPr lang="ko-KR" altLang="en-US" sz="1300" b="1" kern="1200" spc="600" dirty="0" smtClean="0">
+            <a:rPr lang="ko-KR" altLang="en-US" sz="1800" b="1" kern="1200" spc="600" dirty="0" smtClean="0">
               <a:effectLst/>
             </a:rPr>
             <a:t>활용</a:t>
           </a:r>
-          <a:endParaRPr lang="ko-KR" altLang="en-US" sz="1300" b="1" kern="1200" spc="600" dirty="0">
+          <a:endParaRPr lang="ko-KR" altLang="en-US" sz="1800" b="1" kern="1200" spc="600" dirty="0">
             <a:effectLst/>
           </a:endParaRPr>
         </a:p>
@@ -6579,12 +8044,12 @@
         <a:fontRef idx="minor"/>
       </dsp:style>
       <dsp:txBody>
-        <a:bodyPr spcFirstLastPara="0" vert="horz" wrap="square" lIns="49530" tIns="49530" rIns="49530" bIns="49530" numCol="1" spcCol="1270" anchor="b" anchorCtr="0">
+        <a:bodyPr spcFirstLastPara="0" vert="horz" wrap="square" lIns="68580" tIns="68580" rIns="68580" bIns="68580" numCol="1" spcCol="1270" anchor="b" anchorCtr="0">
           <a:noAutofit/>
         </a:bodyPr>
         <a:lstStyle/>
         <a:p>
-          <a:pPr lvl="0" algn="l" defTabSz="577850" latinLnBrk="1">
+          <a:pPr lvl="0" algn="l" defTabSz="800100" latinLnBrk="1">
             <a:lnSpc>
               <a:spcPct val="90000"/>
             </a:lnSpc>
@@ -6596,18 +8061,18 @@
             </a:spcAft>
           </a:pPr>
           <a:r>
-            <a:rPr lang="en-US" altLang="ko-KR" sz="1300" b="1" kern="1200" spc="600" dirty="0" smtClean="0">
+            <a:rPr lang="en-US" altLang="ko-KR" sz="1800" b="1" kern="1200" spc="600" dirty="0" smtClean="0">
               <a:effectLst/>
             </a:rPr>
             <a:t>07. </a:t>
           </a:r>
           <a:r>
-            <a:rPr lang="ko-KR" altLang="en-US" sz="1300" b="1" kern="1200" spc="600" dirty="0" smtClean="0">
+            <a:rPr lang="ko-KR" altLang="en-US" sz="1800" b="1" kern="1200" spc="600" dirty="0" smtClean="0">
               <a:effectLst/>
             </a:rPr>
             <a:t>화면구성</a:t>
           </a:r>
-          <a:endParaRPr lang="ko-KR" altLang="en-US" sz="1300" b="1" kern="1200" spc="600" dirty="0">
+          <a:endParaRPr lang="ko-KR" altLang="en-US" sz="1800" b="1" kern="1200" spc="600" dirty="0">
             <a:effectLst/>
           </a:endParaRPr>
         </a:p>
@@ -7013,12 +8478,12 @@
         <a:fontRef idx="minor"/>
       </dsp:style>
       <dsp:txBody>
-        <a:bodyPr spcFirstLastPara="0" vert="horz" wrap="square" lIns="49530" tIns="49530" rIns="49530" bIns="49530" numCol="1" spcCol="1270" anchor="b" anchorCtr="0">
+        <a:bodyPr spcFirstLastPara="0" vert="horz" wrap="square" lIns="68580" tIns="68580" rIns="68580" bIns="68580" numCol="1" spcCol="1270" anchor="b" anchorCtr="0">
           <a:noAutofit/>
         </a:bodyPr>
         <a:lstStyle/>
         <a:p>
-          <a:pPr lvl="0" algn="l" defTabSz="577850" latinLnBrk="1">
+          <a:pPr lvl="0" algn="l" defTabSz="800100" latinLnBrk="1">
             <a:lnSpc>
               <a:spcPct val="90000"/>
             </a:lnSpc>
@@ -7030,18 +8495,18 @@
             </a:spcAft>
           </a:pPr>
           <a:r>
-            <a:rPr lang="en-US" altLang="ko-KR" sz="1300" b="1" kern="1200" spc="600" dirty="0" smtClean="0">
+            <a:rPr lang="en-US" altLang="ko-KR" sz="1800" b="1" kern="1200" spc="600" dirty="0" smtClean="0">
               <a:effectLst/>
             </a:rPr>
             <a:t>08. </a:t>
           </a:r>
           <a:r>
-            <a:rPr lang="ko-KR" altLang="en-US" sz="1300" b="1" kern="1200" spc="600" dirty="0" smtClean="0">
+            <a:rPr lang="ko-KR" altLang="en-US" sz="1800" b="1" kern="1200" spc="600" dirty="0" smtClean="0">
               <a:effectLst/>
             </a:rPr>
             <a:t>시연</a:t>
           </a:r>
-          <a:endParaRPr lang="ko-KR" altLang="en-US" sz="1300" b="1" kern="1200" spc="600" dirty="0">
+          <a:endParaRPr lang="ko-KR" altLang="en-US" sz="1800" b="1" kern="1200" spc="600" dirty="0">
             <a:effectLst/>
           </a:endParaRPr>
         </a:p>
@@ -7447,12 +8912,12 @@
         <a:fontRef idx="minor"/>
       </dsp:style>
       <dsp:txBody>
-        <a:bodyPr spcFirstLastPara="0" vert="horz" wrap="square" lIns="49530" tIns="49530" rIns="49530" bIns="49530" numCol="1" spcCol="1270" anchor="b" anchorCtr="0">
+        <a:bodyPr spcFirstLastPara="0" vert="horz" wrap="square" lIns="68580" tIns="68580" rIns="68580" bIns="68580" numCol="1" spcCol="1270" anchor="b" anchorCtr="0">
           <a:noAutofit/>
         </a:bodyPr>
         <a:lstStyle/>
         <a:p>
-          <a:pPr lvl="0" algn="l" defTabSz="577850" latinLnBrk="1">
+          <a:pPr lvl="0" algn="l" defTabSz="800100" latinLnBrk="1">
             <a:lnSpc>
               <a:spcPct val="90000"/>
             </a:lnSpc>
@@ -7464,18 +8929,18 @@
             </a:spcAft>
           </a:pPr>
           <a:r>
-            <a:rPr lang="en-US" altLang="ko-KR" sz="1300" b="1" kern="1200" spc="600" dirty="0" smtClean="0">
+            <a:rPr lang="en-US" altLang="ko-KR" sz="1800" b="1" kern="1200" spc="600" dirty="0" smtClean="0">
               <a:effectLst/>
             </a:rPr>
             <a:t>09. </a:t>
           </a:r>
           <a:r>
-            <a:rPr lang="ko-KR" altLang="en-US" sz="1300" b="1" kern="1200" spc="600" dirty="0" smtClean="0">
+            <a:rPr lang="ko-KR" altLang="en-US" sz="1800" b="1" kern="1200" spc="600" dirty="0" smtClean="0">
               <a:effectLst/>
             </a:rPr>
             <a:t>간단한 소스 설명</a:t>
           </a:r>
-          <a:endParaRPr lang="ko-KR" altLang="en-US" sz="1300" b="1" kern="1200" spc="600" dirty="0">
+          <a:endParaRPr lang="ko-KR" altLang="en-US" sz="1800" b="1" kern="1200" spc="600" dirty="0">
             <a:effectLst/>
           </a:endParaRPr>
         </a:p>
@@ -7881,12 +9346,12 @@
         <a:fontRef idx="minor"/>
       </dsp:style>
       <dsp:txBody>
-        <a:bodyPr spcFirstLastPara="0" vert="horz" wrap="square" lIns="49530" tIns="49530" rIns="49530" bIns="49530" numCol="1" spcCol="1270" anchor="b" anchorCtr="0">
+        <a:bodyPr spcFirstLastPara="0" vert="horz" wrap="square" lIns="68580" tIns="68580" rIns="68580" bIns="68580" numCol="1" spcCol="1270" anchor="b" anchorCtr="0">
           <a:noAutofit/>
         </a:bodyPr>
         <a:lstStyle/>
         <a:p>
-          <a:pPr lvl="0" algn="l" defTabSz="577850" latinLnBrk="1">
+          <a:pPr lvl="0" algn="l" defTabSz="800100" latinLnBrk="1">
             <a:lnSpc>
               <a:spcPct val="90000"/>
             </a:lnSpc>
@@ -7898,18 +9363,18 @@
             </a:spcAft>
           </a:pPr>
           <a:r>
-            <a:rPr lang="en-US" altLang="en-US" sz="1300" b="1" kern="1200" spc="600" dirty="0" smtClean="0">
+            <a:rPr lang="en-US" altLang="en-US" sz="1800" b="1" kern="1200" spc="600" dirty="0" smtClean="0">
               <a:effectLst/>
             </a:rPr>
             <a:t>10. </a:t>
           </a:r>
           <a:r>
-            <a:rPr lang="en-US" altLang="en-US" sz="1300" b="1" kern="1200" spc="600" dirty="0" err="1" smtClean="0">
+            <a:rPr lang="en-US" altLang="en-US" sz="1800" b="1" kern="1200" spc="600" dirty="0" err="1" smtClean="0">
               <a:effectLst/>
             </a:rPr>
             <a:t>QnA</a:t>
           </a:r>
-          <a:endParaRPr lang="ko-KR" altLang="en-US" sz="1300" b="1" kern="1200" spc="600" dirty="0">
+          <a:endParaRPr lang="ko-KR" altLang="en-US" sz="1800" b="1" kern="1200" spc="600" dirty="0">
             <a:effectLst/>
           </a:endParaRPr>
         </a:p>
@@ -9174,6 +10639,640 @@
           <a:schemeClr val="lt1"/>
         </a:fontRef>
       </dsp:style>
+    </dsp:sp>
+  </dsp:spTree>
+</dsp:drawing>
+</file>
+
+<file path=ppt/diagrams/drawing4.xml><?xml version="1.0" encoding="utf-8"?>
+<dsp:drawing xmlns:dgm="http://schemas.openxmlformats.org/drawingml/2006/diagram" xmlns:dsp="http://schemas.microsoft.com/office/drawing/2008/diagram" xmlns:a="http://schemas.openxmlformats.org/drawingml/2006/main">
+  <dsp:spTree>
+    <dsp:nvGrpSpPr>
+      <dsp:cNvPr id="0" name=""/>
+      <dsp:cNvGrpSpPr/>
+    </dsp:nvGrpSpPr>
+    <dsp:grpSpPr/>
+    <dsp:sp modelId="{99E446B0-8C3E-43BA-99F3-955F6FFB0995}">
+      <dsp:nvSpPr>
+        <dsp:cNvPr id="0" name=""/>
+        <dsp:cNvSpPr/>
+      </dsp:nvSpPr>
+      <dsp:spPr>
+        <a:xfrm>
+          <a:off x="2730198" y="420625"/>
+          <a:ext cx="2388462" cy="2314356"/>
+        </a:xfrm>
+        <a:prstGeom prst="roundRect">
+          <a:avLst>
+            <a:gd name="adj" fmla="val 10000"/>
+          </a:avLst>
+        </a:prstGeom>
+        <a:solidFill>
+          <a:schemeClr val="accent2">
+            <a:hueOff val="0"/>
+            <a:satOff val="0"/>
+            <a:lumOff val="0"/>
+            <a:alphaOff val="0"/>
+          </a:schemeClr>
+        </a:solidFill>
+        <a:ln w="12700" cap="flat" cmpd="sng" algn="ctr">
+          <a:solidFill>
+            <a:schemeClr val="lt1">
+              <a:hueOff val="0"/>
+              <a:satOff val="0"/>
+              <a:lumOff val="0"/>
+              <a:alphaOff val="0"/>
+            </a:schemeClr>
+          </a:solidFill>
+          <a:prstDash val="solid"/>
+          <a:miter lim="800000"/>
+        </a:ln>
+        <a:effectLst/>
+      </dsp:spPr>
+      <dsp:style>
+        <a:lnRef idx="2">
+          <a:scrgbClr r="0" g="0" b="0"/>
+        </a:lnRef>
+        <a:fillRef idx="1">
+          <a:scrgbClr r="0" g="0" b="0"/>
+        </a:fillRef>
+        <a:effectRef idx="0">
+          <a:scrgbClr r="0" g="0" b="0"/>
+        </a:effectRef>
+        <a:fontRef idx="minor">
+          <a:schemeClr val="lt1"/>
+        </a:fontRef>
+      </dsp:style>
+      <dsp:txBody>
+        <a:bodyPr spcFirstLastPara="0" vert="horz" wrap="square" lIns="76200" tIns="76200" rIns="76200" bIns="76200" numCol="1" spcCol="1270" anchor="t" anchorCtr="0">
+          <a:noAutofit/>
+        </a:bodyPr>
+        <a:lstStyle/>
+        <a:p>
+          <a:pPr lvl="0" algn="ctr" defTabSz="889000" latinLnBrk="1">
+            <a:lnSpc>
+              <a:spcPct val="90000"/>
+            </a:lnSpc>
+            <a:spcBef>
+              <a:spcPct val="0"/>
+            </a:spcBef>
+            <a:spcAft>
+              <a:spcPct val="35000"/>
+            </a:spcAft>
+          </a:pPr>
+          <a:r>
+            <a:rPr lang="ko-KR" altLang="en-US" sz="2000" kern="1200" dirty="0" smtClean="0"/>
+            <a:t>개발</a:t>
+          </a:r>
+          <a:r>
+            <a:rPr lang="en-US" altLang="ko-KR" sz="2000" kern="1200" dirty="0" smtClean="0"/>
+            <a:t>(</a:t>
+          </a:r>
+          <a:r>
+            <a:rPr lang="ko-KR" altLang="en-US" sz="2000" kern="1200" dirty="0" smtClean="0"/>
+            <a:t>구현</a:t>
+          </a:r>
+          <a:r>
+            <a:rPr lang="en-US" altLang="ko-KR" sz="2000" kern="1200" dirty="0" smtClean="0"/>
+            <a:t>)</a:t>
+          </a:r>
+          <a:endParaRPr lang="ko-KR" altLang="en-US" sz="2400" kern="1200" dirty="0"/>
+        </a:p>
+        <a:p>
+          <a:pPr marL="171450" lvl="1" indent="-171450" algn="ctr" defTabSz="711200" latinLnBrk="1">
+            <a:lnSpc>
+              <a:spcPct val="90000"/>
+            </a:lnSpc>
+            <a:spcBef>
+              <a:spcPct val="0"/>
+            </a:spcBef>
+            <a:spcAft>
+              <a:spcPct val="15000"/>
+            </a:spcAft>
+            <a:buChar char="••"/>
+          </a:pPr>
+          <a:r>
+            <a:rPr lang="ko-KR" altLang="en-US" sz="1600" kern="1200" dirty="0" smtClean="0"/>
+            <a:t>우종훈</a:t>
+          </a:r>
+          <a:endParaRPr lang="en-US" altLang="ko-KR" sz="1600" kern="1200" dirty="0" smtClean="0"/>
+        </a:p>
+        <a:p>
+          <a:pPr marL="171450" lvl="1" indent="-171450" algn="ctr" defTabSz="711200" latinLnBrk="1">
+            <a:lnSpc>
+              <a:spcPct val="90000"/>
+            </a:lnSpc>
+            <a:spcBef>
+              <a:spcPct val="0"/>
+            </a:spcBef>
+            <a:spcAft>
+              <a:spcPct val="15000"/>
+            </a:spcAft>
+            <a:buChar char="••"/>
+          </a:pPr>
+          <a:r>
+            <a:rPr lang="ko-KR" altLang="en-US" sz="1600" kern="1200" dirty="0" smtClean="0"/>
+            <a:t>허선용</a:t>
+          </a:r>
+          <a:endParaRPr lang="ko-KR" altLang="en-US" sz="1600" kern="1200" dirty="0"/>
+        </a:p>
+        <a:p>
+          <a:pPr marL="171450" lvl="1" indent="-171450" algn="ctr" defTabSz="711200" latinLnBrk="1">
+            <a:lnSpc>
+              <a:spcPct val="90000"/>
+            </a:lnSpc>
+            <a:spcBef>
+              <a:spcPct val="0"/>
+            </a:spcBef>
+            <a:spcAft>
+              <a:spcPct val="15000"/>
+            </a:spcAft>
+            <a:buChar char="••"/>
+          </a:pPr>
+          <a:r>
+            <a:rPr lang="ko-KR" altLang="en-US" sz="1600" kern="1200" dirty="0" smtClean="0"/>
+            <a:t>곽상우</a:t>
+          </a:r>
+          <a:endParaRPr lang="ko-KR" altLang="en-US" sz="1600" kern="1200" dirty="0"/>
+        </a:p>
+        <a:p>
+          <a:pPr marL="171450" lvl="1" indent="-171450" algn="ctr" defTabSz="711200" latinLnBrk="1">
+            <a:lnSpc>
+              <a:spcPct val="90000"/>
+            </a:lnSpc>
+            <a:spcBef>
+              <a:spcPct val="0"/>
+            </a:spcBef>
+            <a:spcAft>
+              <a:spcPct val="15000"/>
+            </a:spcAft>
+            <a:buChar char="••"/>
+          </a:pPr>
+          <a:r>
+            <a:rPr lang="ko-KR" altLang="en-US" sz="1600" kern="1200" dirty="0" smtClean="0"/>
+            <a:t>이수민</a:t>
+          </a:r>
+          <a:endParaRPr lang="ko-KR" altLang="en-US" sz="1600" kern="1200" dirty="0"/>
+        </a:p>
+      </dsp:txBody>
+      <dsp:txXfrm>
+        <a:off x="2797983" y="488410"/>
+        <a:ext cx="2252892" cy="2178786"/>
+      </dsp:txXfrm>
+    </dsp:sp>
+    <dsp:sp modelId="{58B953DD-4F00-4893-8082-F88306B20FF3}">
+      <dsp:nvSpPr>
+        <dsp:cNvPr id="0" name=""/>
+        <dsp:cNvSpPr/>
+      </dsp:nvSpPr>
+      <dsp:spPr>
+        <a:xfrm rot="3288712">
+          <a:off x="4590923" y="3033007"/>
+          <a:ext cx="1068731" cy="495743"/>
+        </a:xfrm>
+        <a:prstGeom prst="leftRightArrow">
+          <a:avLst>
+            <a:gd name="adj1" fmla="val 60000"/>
+            <a:gd name="adj2" fmla="val 50000"/>
+          </a:avLst>
+        </a:prstGeom>
+        <a:solidFill>
+          <a:schemeClr val="accent2">
+            <a:hueOff val="0"/>
+            <a:satOff val="0"/>
+            <a:lumOff val="0"/>
+            <a:alphaOff val="0"/>
+          </a:schemeClr>
+        </a:solidFill>
+        <a:ln>
+          <a:noFill/>
+        </a:ln>
+        <a:effectLst/>
+      </dsp:spPr>
+      <dsp:style>
+        <a:lnRef idx="0">
+          <a:scrgbClr r="0" g="0" b="0"/>
+        </a:lnRef>
+        <a:fillRef idx="1">
+          <a:scrgbClr r="0" g="0" b="0"/>
+        </a:fillRef>
+        <a:effectRef idx="0">
+          <a:scrgbClr r="0" g="0" b="0"/>
+        </a:effectRef>
+        <a:fontRef idx="minor">
+          <a:schemeClr val="lt1"/>
+        </a:fontRef>
+      </dsp:style>
+      <dsp:txBody>
+        <a:bodyPr spcFirstLastPara="0" vert="horz" wrap="square" lIns="0" tIns="0" rIns="0" bIns="0" numCol="1" spcCol="1270" anchor="ctr" anchorCtr="0">
+          <a:noAutofit/>
+        </a:bodyPr>
+        <a:lstStyle/>
+        <a:p>
+          <a:pPr lvl="0" algn="ctr" defTabSz="711200" latinLnBrk="1">
+            <a:lnSpc>
+              <a:spcPct val="90000"/>
+            </a:lnSpc>
+            <a:spcBef>
+              <a:spcPct val="0"/>
+            </a:spcBef>
+            <a:spcAft>
+              <a:spcPct val="35000"/>
+            </a:spcAft>
+          </a:pPr>
+          <a:endParaRPr lang="ko-KR" altLang="en-US" sz="1600" kern="1200"/>
+        </a:p>
+      </dsp:txBody>
+      <dsp:txXfrm>
+        <a:off x="4739646" y="3132156"/>
+        <a:ext cx="771285" cy="297445"/>
+      </dsp:txXfrm>
+    </dsp:sp>
+    <dsp:sp modelId="{9D25F31E-9442-4DA2-BA2D-1039DCD74C38}">
+      <dsp:nvSpPr>
+        <dsp:cNvPr id="0" name=""/>
+        <dsp:cNvSpPr/>
+      </dsp:nvSpPr>
+      <dsp:spPr>
+        <a:xfrm>
+          <a:off x="4725079" y="3826776"/>
+          <a:ext cx="2832818" cy="1790582"/>
+        </a:xfrm>
+        <a:prstGeom prst="roundRect">
+          <a:avLst>
+            <a:gd name="adj" fmla="val 10000"/>
+          </a:avLst>
+        </a:prstGeom>
+        <a:solidFill>
+          <a:schemeClr val="accent2">
+            <a:hueOff val="-727682"/>
+            <a:satOff val="-41964"/>
+            <a:lumOff val="4314"/>
+            <a:alphaOff val="0"/>
+          </a:schemeClr>
+        </a:solidFill>
+        <a:ln w="12700" cap="flat" cmpd="sng" algn="ctr">
+          <a:solidFill>
+            <a:schemeClr val="lt1">
+              <a:hueOff val="0"/>
+              <a:satOff val="0"/>
+              <a:lumOff val="0"/>
+              <a:alphaOff val="0"/>
+            </a:schemeClr>
+          </a:solidFill>
+          <a:prstDash val="solid"/>
+          <a:miter lim="800000"/>
+        </a:ln>
+        <a:effectLst/>
+      </dsp:spPr>
+      <dsp:style>
+        <a:lnRef idx="2">
+          <a:scrgbClr r="0" g="0" b="0"/>
+        </a:lnRef>
+        <a:fillRef idx="1">
+          <a:scrgbClr r="0" g="0" b="0"/>
+        </a:fillRef>
+        <a:effectRef idx="0">
+          <a:scrgbClr r="0" g="0" b="0"/>
+        </a:effectRef>
+        <a:fontRef idx="minor">
+          <a:schemeClr val="lt1"/>
+        </a:fontRef>
+      </dsp:style>
+      <dsp:txBody>
+        <a:bodyPr spcFirstLastPara="0" vert="horz" wrap="square" lIns="76200" tIns="76200" rIns="76200" bIns="76200" numCol="1" spcCol="1270" anchor="t" anchorCtr="0">
+          <a:noAutofit/>
+        </a:bodyPr>
+        <a:lstStyle/>
+        <a:p>
+          <a:pPr lvl="0" algn="ctr" defTabSz="889000" latinLnBrk="1">
+            <a:lnSpc>
+              <a:spcPct val="90000"/>
+            </a:lnSpc>
+            <a:spcBef>
+              <a:spcPct val="0"/>
+            </a:spcBef>
+            <a:spcAft>
+              <a:spcPct val="35000"/>
+            </a:spcAft>
+          </a:pPr>
+          <a:r>
+            <a:rPr lang="ko-KR" altLang="en-US" sz="2000" kern="1200" dirty="0" smtClean="0"/>
+            <a:t>화면기능정의</a:t>
+          </a:r>
+          <a:endParaRPr lang="en-US" altLang="ko-KR" sz="2000" kern="1200" dirty="0" smtClean="0"/>
+        </a:p>
+        <a:p>
+          <a:pPr lvl="0" algn="ctr" defTabSz="889000" latinLnBrk="1">
+            <a:lnSpc>
+              <a:spcPct val="90000"/>
+            </a:lnSpc>
+            <a:spcBef>
+              <a:spcPct val="0"/>
+            </a:spcBef>
+            <a:spcAft>
+              <a:spcPct val="35000"/>
+            </a:spcAft>
+          </a:pPr>
+          <a:r>
+            <a:rPr lang="en-US" altLang="ko-KR" sz="2000" kern="1200" dirty="0" smtClean="0"/>
+            <a:t>(</a:t>
+          </a:r>
+          <a:r>
+            <a:rPr lang="ko-KR" altLang="en-US" sz="2000" kern="1200" dirty="0" smtClean="0"/>
+            <a:t>디자인</a:t>
+          </a:r>
+          <a:r>
+            <a:rPr lang="en-US" altLang="ko-KR" sz="2000" kern="1200" dirty="0" smtClean="0"/>
+            <a:t>)</a:t>
+          </a:r>
+          <a:endParaRPr lang="ko-KR" altLang="en-US" kern="1200" dirty="0"/>
+        </a:p>
+        <a:p>
+          <a:pPr marL="171450" lvl="1" indent="-171450" algn="ctr" defTabSz="711200" latinLnBrk="1">
+            <a:lnSpc>
+              <a:spcPct val="90000"/>
+            </a:lnSpc>
+            <a:spcBef>
+              <a:spcPct val="0"/>
+            </a:spcBef>
+            <a:spcAft>
+              <a:spcPct val="15000"/>
+            </a:spcAft>
+            <a:buChar char="••"/>
+          </a:pPr>
+          <a:r>
+            <a:rPr lang="ko-KR" altLang="en-US" sz="1600" kern="1200" dirty="0" smtClean="0"/>
+            <a:t>송진영</a:t>
+          </a:r>
+          <a:endParaRPr lang="ko-KR" altLang="en-US" sz="1600" kern="1200" dirty="0"/>
+        </a:p>
+      </dsp:txBody>
+      <dsp:txXfrm>
+        <a:off x="4777523" y="3879220"/>
+        <a:ext cx="2727930" cy="1685694"/>
+      </dsp:txXfrm>
+    </dsp:sp>
+    <dsp:sp modelId="{13E5D9A2-5C7E-4F95-AB0E-5D5C68E0C2B6}">
+      <dsp:nvSpPr>
+        <dsp:cNvPr id="0" name=""/>
+        <dsp:cNvSpPr/>
+      </dsp:nvSpPr>
+      <dsp:spPr>
+        <a:xfrm rot="10771428">
+          <a:off x="3305003" y="4493329"/>
+          <a:ext cx="1068731" cy="495743"/>
+        </a:xfrm>
+        <a:prstGeom prst="leftRightArrow">
+          <a:avLst>
+            <a:gd name="adj1" fmla="val 60000"/>
+            <a:gd name="adj2" fmla="val 50000"/>
+          </a:avLst>
+        </a:prstGeom>
+        <a:solidFill>
+          <a:schemeClr val="accent2">
+            <a:hueOff val="-727682"/>
+            <a:satOff val="-41964"/>
+            <a:lumOff val="4314"/>
+            <a:alphaOff val="0"/>
+          </a:schemeClr>
+        </a:solidFill>
+        <a:ln>
+          <a:noFill/>
+        </a:ln>
+        <a:effectLst/>
+      </dsp:spPr>
+      <dsp:style>
+        <a:lnRef idx="0">
+          <a:scrgbClr r="0" g="0" b="0"/>
+        </a:lnRef>
+        <a:fillRef idx="1">
+          <a:scrgbClr r="0" g="0" b="0"/>
+        </a:fillRef>
+        <a:effectRef idx="0">
+          <a:scrgbClr r="0" g="0" b="0"/>
+        </a:effectRef>
+        <a:fontRef idx="minor">
+          <a:schemeClr val="lt1"/>
+        </a:fontRef>
+      </dsp:style>
+      <dsp:txBody>
+        <a:bodyPr spcFirstLastPara="0" vert="horz" wrap="square" lIns="0" tIns="0" rIns="0" bIns="0" numCol="1" spcCol="1270" anchor="ctr" anchorCtr="0">
+          <a:noAutofit/>
+        </a:bodyPr>
+        <a:lstStyle/>
+        <a:p>
+          <a:pPr lvl="0" algn="ctr" defTabSz="622300" latinLnBrk="1">
+            <a:lnSpc>
+              <a:spcPct val="90000"/>
+            </a:lnSpc>
+            <a:spcBef>
+              <a:spcPct val="0"/>
+            </a:spcBef>
+            <a:spcAft>
+              <a:spcPct val="35000"/>
+            </a:spcAft>
+          </a:pPr>
+          <a:endParaRPr lang="ko-KR" altLang="en-US" sz="1400" kern="1200"/>
+        </a:p>
+      </dsp:txBody>
+      <dsp:txXfrm rot="10800000">
+        <a:off x="3453726" y="4592478"/>
+        <a:ext cx="771285" cy="297445"/>
+      </dsp:txXfrm>
+    </dsp:sp>
+    <dsp:sp modelId="{591CB5DE-E65C-44BC-B942-189A86F4B4EA}">
+      <dsp:nvSpPr>
+        <dsp:cNvPr id="0" name=""/>
+        <dsp:cNvSpPr/>
+      </dsp:nvSpPr>
+      <dsp:spPr>
+        <a:xfrm>
+          <a:off x="745930" y="3933359"/>
+          <a:ext cx="2207728" cy="1648757"/>
+        </a:xfrm>
+        <a:prstGeom prst="roundRect">
+          <a:avLst>
+            <a:gd name="adj" fmla="val 10000"/>
+          </a:avLst>
+        </a:prstGeom>
+        <a:solidFill>
+          <a:schemeClr val="accent2">
+            <a:hueOff val="-1455363"/>
+            <a:satOff val="-83928"/>
+            <a:lumOff val="8628"/>
+            <a:alphaOff val="0"/>
+          </a:schemeClr>
+        </a:solidFill>
+        <a:ln w="12700" cap="flat" cmpd="sng" algn="ctr">
+          <a:solidFill>
+            <a:schemeClr val="lt1">
+              <a:hueOff val="0"/>
+              <a:satOff val="0"/>
+              <a:lumOff val="0"/>
+              <a:alphaOff val="0"/>
+            </a:schemeClr>
+          </a:solidFill>
+          <a:prstDash val="solid"/>
+          <a:miter lim="800000"/>
+        </a:ln>
+        <a:effectLst/>
+      </dsp:spPr>
+      <dsp:style>
+        <a:lnRef idx="2">
+          <a:scrgbClr r="0" g="0" b="0"/>
+        </a:lnRef>
+        <a:fillRef idx="1">
+          <a:scrgbClr r="0" g="0" b="0"/>
+        </a:fillRef>
+        <a:effectRef idx="0">
+          <a:scrgbClr r="0" g="0" b="0"/>
+        </a:effectRef>
+        <a:fontRef idx="minor">
+          <a:schemeClr val="lt1"/>
+        </a:fontRef>
+      </dsp:style>
+      <dsp:txBody>
+        <a:bodyPr spcFirstLastPara="0" vert="horz" wrap="square" lIns="76200" tIns="76200" rIns="76200" bIns="76200" numCol="1" spcCol="1270" anchor="t" anchorCtr="0">
+          <a:noAutofit/>
+        </a:bodyPr>
+        <a:lstStyle/>
+        <a:p>
+          <a:pPr lvl="0" algn="ctr" defTabSz="889000" latinLnBrk="1">
+            <a:lnSpc>
+              <a:spcPct val="90000"/>
+            </a:lnSpc>
+            <a:spcBef>
+              <a:spcPct val="0"/>
+            </a:spcBef>
+            <a:spcAft>
+              <a:spcPct val="35000"/>
+            </a:spcAft>
+          </a:pPr>
+          <a:r>
+            <a:rPr lang="ko-KR" altLang="en-US" sz="2000" kern="1200" dirty="0" smtClean="0"/>
+            <a:t>문서작성</a:t>
+          </a:r>
+          <a:endParaRPr lang="en-US" altLang="ko-KR" sz="2000" kern="1200" dirty="0" smtClean="0"/>
+        </a:p>
+        <a:p>
+          <a:pPr lvl="0" algn="ctr" defTabSz="889000" latinLnBrk="1">
+            <a:lnSpc>
+              <a:spcPct val="90000"/>
+            </a:lnSpc>
+            <a:spcBef>
+              <a:spcPct val="0"/>
+            </a:spcBef>
+            <a:spcAft>
+              <a:spcPct val="35000"/>
+            </a:spcAft>
+          </a:pPr>
+          <a:r>
+            <a:rPr lang="en-US" altLang="ko-KR" sz="2000" kern="1200" dirty="0" smtClean="0"/>
+            <a:t>(</a:t>
+          </a:r>
+          <a:r>
+            <a:rPr lang="ko-KR" altLang="en-US" sz="2000" kern="1200" dirty="0" smtClean="0"/>
+            <a:t>기획</a:t>
+          </a:r>
+          <a:r>
+            <a:rPr lang="en-US" altLang="ko-KR" sz="2000" kern="1200" dirty="0" smtClean="0"/>
+            <a:t>)</a:t>
+          </a:r>
+          <a:endParaRPr lang="ko-KR" altLang="en-US" sz="2000" kern="1200" dirty="0"/>
+        </a:p>
+        <a:p>
+          <a:pPr marL="171450" lvl="1" indent="-171450" algn="ctr" defTabSz="711200" latinLnBrk="1">
+            <a:lnSpc>
+              <a:spcPct val="90000"/>
+            </a:lnSpc>
+            <a:spcBef>
+              <a:spcPct val="0"/>
+            </a:spcBef>
+            <a:spcAft>
+              <a:spcPct val="15000"/>
+            </a:spcAft>
+            <a:buChar char="••"/>
+          </a:pPr>
+          <a:r>
+            <a:rPr lang="ko-KR" altLang="en-US" sz="1600" kern="1200" dirty="0" smtClean="0"/>
+            <a:t>송진영</a:t>
+          </a:r>
+          <a:endParaRPr lang="ko-KR" altLang="en-US" sz="1600" kern="1200" dirty="0"/>
+        </a:p>
+      </dsp:txBody>
+      <dsp:txXfrm>
+        <a:off x="794220" y="3981649"/>
+        <a:ext cx="2111148" cy="1552177"/>
+      </dsp:txXfrm>
+    </dsp:sp>
+    <dsp:sp modelId="{C1352968-1869-462A-B37D-5F46AC2B0106}">
+      <dsp:nvSpPr>
+        <dsp:cNvPr id="0" name=""/>
+        <dsp:cNvSpPr/>
+      </dsp:nvSpPr>
+      <dsp:spPr>
+        <a:xfrm rot="18187260">
+          <a:off x="2244184" y="3086298"/>
+          <a:ext cx="1068731" cy="495743"/>
+        </a:xfrm>
+        <a:prstGeom prst="leftRightArrow">
+          <a:avLst>
+            <a:gd name="adj1" fmla="val 60000"/>
+            <a:gd name="adj2" fmla="val 50000"/>
+          </a:avLst>
+        </a:prstGeom>
+        <a:solidFill>
+          <a:schemeClr val="accent2">
+            <a:hueOff val="-1455363"/>
+            <a:satOff val="-83928"/>
+            <a:lumOff val="8628"/>
+            <a:alphaOff val="0"/>
+          </a:schemeClr>
+        </a:solidFill>
+        <a:ln>
+          <a:noFill/>
+        </a:ln>
+        <a:effectLst/>
+      </dsp:spPr>
+      <dsp:style>
+        <a:lnRef idx="0">
+          <a:scrgbClr r="0" g="0" b="0"/>
+        </a:lnRef>
+        <a:fillRef idx="1">
+          <a:scrgbClr r="0" g="0" b="0"/>
+        </a:fillRef>
+        <a:effectRef idx="0">
+          <a:scrgbClr r="0" g="0" b="0"/>
+        </a:effectRef>
+        <a:fontRef idx="minor">
+          <a:schemeClr val="lt1"/>
+        </a:fontRef>
+      </dsp:style>
+      <dsp:txBody>
+        <a:bodyPr spcFirstLastPara="0" vert="horz" wrap="square" lIns="0" tIns="0" rIns="0" bIns="0" numCol="1" spcCol="1270" anchor="ctr" anchorCtr="0">
+          <a:noAutofit/>
+        </a:bodyPr>
+        <a:lstStyle/>
+        <a:p>
+          <a:pPr lvl="0" algn="ctr" defTabSz="711200" latinLnBrk="1">
+            <a:lnSpc>
+              <a:spcPct val="90000"/>
+            </a:lnSpc>
+            <a:spcBef>
+              <a:spcPct val="0"/>
+            </a:spcBef>
+            <a:spcAft>
+              <a:spcPct val="35000"/>
+            </a:spcAft>
+          </a:pPr>
+          <a:endParaRPr lang="ko-KR" altLang="en-US" sz="1600" kern="1200"/>
+        </a:p>
+      </dsp:txBody>
+      <dsp:txXfrm>
+        <a:off x="2392907" y="3185447"/>
+        <a:ext cx="771285" cy="297445"/>
+      </dsp:txXfrm>
     </dsp:sp>
   </dsp:spTree>
 </dsp:drawing>
@@ -10895,6 +12994,194 @@
 </dgm:layoutDef>
 </file>
 
+<file path=ppt/diagrams/layout4.xml><?xml version="1.0" encoding="utf-8"?>
+<dgm:layoutDef xmlns:dgm="http://schemas.openxmlformats.org/drawingml/2006/diagram" xmlns:a="http://schemas.openxmlformats.org/drawingml/2006/main" uniqueId="urn:microsoft.com/office/officeart/2005/8/layout/cycle7">
+  <dgm:title val=""/>
+  <dgm:desc val=""/>
+  <dgm:catLst>
+    <dgm:cat type="cycle" pri="6000"/>
+  </dgm:catLst>
+  <dgm:sampData>
+    <dgm:dataModel>
+      <dgm:ptLst>
+        <dgm:pt modelId="0" type="doc"/>
+        <dgm:pt modelId="1">
+          <dgm:prSet phldr="1"/>
+        </dgm:pt>
+        <dgm:pt modelId="2">
+          <dgm:prSet phldr="1"/>
+        </dgm:pt>
+        <dgm:pt modelId="3">
+          <dgm:prSet phldr="1"/>
+        </dgm:pt>
+      </dgm:ptLst>
+      <dgm:cxnLst>
+        <dgm:cxn modelId="6" srcId="0" destId="1" srcOrd="0" destOrd="0"/>
+        <dgm:cxn modelId="7" srcId="0" destId="2" srcOrd="1" destOrd="0"/>
+        <dgm:cxn modelId="8" srcId="0" destId="3" srcOrd="2" destOrd="0"/>
+      </dgm:cxnLst>
+      <dgm:bg/>
+      <dgm:whole/>
+    </dgm:dataModel>
+  </dgm:sampData>
+  <dgm:styleData>
+    <dgm:dataModel>
+      <dgm:ptLst>
+        <dgm:pt modelId="0" type="doc"/>
+        <dgm:pt modelId="1"/>
+        <dgm:pt modelId="2"/>
+        <dgm:pt modelId="3"/>
+      </dgm:ptLst>
+      <dgm:cxnLst>
+        <dgm:cxn modelId="4" srcId="0" destId="1" srcOrd="0" destOrd="0"/>
+        <dgm:cxn modelId="5" srcId="0" destId="2" srcOrd="1" destOrd="0"/>
+        <dgm:cxn modelId="6" srcId="0" destId="3" srcOrd="2" destOrd="0"/>
+      </dgm:cxnLst>
+      <dgm:bg/>
+      <dgm:whole/>
+    </dgm:dataModel>
+  </dgm:styleData>
+  <dgm:clrData>
+    <dgm:dataModel>
+      <dgm:ptLst>
+        <dgm:pt modelId="0" type="doc"/>
+        <dgm:pt modelId="1"/>
+        <dgm:pt modelId="2"/>
+        <dgm:pt modelId="3"/>
+        <dgm:pt modelId="4"/>
+        <dgm:pt modelId="5"/>
+        <dgm:pt modelId="6"/>
+      </dgm:ptLst>
+      <dgm:cxnLst>
+        <dgm:cxn modelId="7" srcId="0" destId="1" srcOrd="0" destOrd="0"/>
+        <dgm:cxn modelId="8" srcId="0" destId="2" srcOrd="1" destOrd="0"/>
+        <dgm:cxn modelId="9" srcId="0" destId="3" srcOrd="2" destOrd="0"/>
+        <dgm:cxn modelId="10" srcId="0" destId="4" srcOrd="3" destOrd="0"/>
+        <dgm:cxn modelId="11" srcId="0" destId="5" srcOrd="4" destOrd="0"/>
+        <dgm:cxn modelId="12" srcId="0" destId="6" srcOrd="5" destOrd="0"/>
+      </dgm:cxnLst>
+      <dgm:bg/>
+      <dgm:whole/>
+    </dgm:dataModel>
+  </dgm:clrData>
+  <dgm:layoutNode name="Name0">
+    <dgm:varLst>
+      <dgm:dir/>
+      <dgm:resizeHandles val="exact"/>
+    </dgm:varLst>
+    <dgm:choose name="Name1">
+      <dgm:if name="Name2" func="var" arg="dir" op="equ" val="norm">
+        <dgm:alg type="cycle">
+          <dgm:param type="stAng" val="0"/>
+          <dgm:param type="spanAng" val="360"/>
+        </dgm:alg>
+      </dgm:if>
+      <dgm:else name="Name3">
+        <dgm:alg type="cycle">
+          <dgm:param type="stAng" val="0"/>
+          <dgm:param type="spanAng" val="-360"/>
+        </dgm:alg>
+      </dgm:else>
+    </dgm:choose>
+    <dgm:shape xmlns:r="http://schemas.openxmlformats.org/officeDocument/2006/relationships" r:blip="">
+      <dgm:adjLst/>
+    </dgm:shape>
+    <dgm:presOf/>
+    <dgm:constrLst>
+      <dgm:constr type="diam" refType="w"/>
+      <dgm:constr type="w" for="ch" ptType="node" refType="w"/>
+      <dgm:constr type="primFontSz" for="ch" ptType="node" op="equ" val="65"/>
+      <dgm:constr type="w" for="ch" forName="sibTrans" refType="w" refFor="ch" refPtType="node" op="equ" fact="0.35"/>
+      <dgm:constr type="connDist" for="ch" forName="sibTrans" op="equ"/>
+      <dgm:constr type="primFontSz" for="des" forName="connectorText" op="equ" val="55"/>
+      <dgm:constr type="primFontSz" for="des" forName="connectorText" refType="primFontSz" refFor="ch" refPtType="node" op="lte" fact="0.8"/>
+      <dgm:constr type="sibSp" refType="w" refFor="ch" refPtType="node" op="equ" fact="0.65"/>
+    </dgm:constrLst>
+    <dgm:ruleLst/>
+    <dgm:forEach name="nodesForEach" axis="ch" ptType="node">
+      <dgm:layoutNode name="node">
+        <dgm:varLst>
+          <dgm:bulletEnabled val="1"/>
+        </dgm:varLst>
+        <dgm:alg type="tx"/>
+        <dgm:shape xmlns:r="http://schemas.openxmlformats.org/officeDocument/2006/relationships" type="roundRect" r:blip="">
+          <dgm:adjLst>
+            <dgm:adj idx="1" val="0.1"/>
+          </dgm:adjLst>
+        </dgm:shape>
+        <dgm:presOf axis="desOrSelf" ptType="node"/>
+        <dgm:constrLst>
+          <dgm:constr type="h" refType="w" fact="0.5"/>
+          <dgm:constr type="tMarg" refType="primFontSz" fact="0.3"/>
+          <dgm:constr type="bMarg" refType="primFontSz" fact="0.3"/>
+          <dgm:constr type="lMarg" refType="primFontSz" fact="0.3"/>
+          <dgm:constr type="rMarg" refType="primFontSz" fact="0.3"/>
+        </dgm:constrLst>
+        <dgm:ruleLst>
+          <dgm:rule type="primFontSz" val="5" fact="NaN" max="NaN"/>
+        </dgm:ruleLst>
+      </dgm:layoutNode>
+      <dgm:choose name="Name4">
+        <dgm:if name="Name5" axis="par ch" ptType="doc node" func="cnt" op="gt" val="1">
+          <dgm:forEach name="sibTransForEach" axis="followSib" ptType="sibTrans" hideLastTrans="0" cnt="1">
+            <dgm:layoutNode name="sibTrans">
+              <dgm:choose name="Name6">
+                <dgm:if name="Name7" axis="par ch" ptType="doc node" func="posEven" op="equ" val="1">
+                  <dgm:alg type="conn">
+                    <dgm:param type="begPts" val="radial"/>
+                    <dgm:param type="endPts" val="radial"/>
+                    <dgm:param type="begSty" val="arr"/>
+                    <dgm:param type="endSty" val="arr"/>
+                  </dgm:alg>
+                </dgm:if>
+                <dgm:else name="Name8">
+                  <dgm:alg type="conn">
+                    <dgm:param type="begPts" val="auto"/>
+                    <dgm:param type="endPts" val="auto"/>
+                    <dgm:param type="begSty" val="arr"/>
+                    <dgm:param type="endSty" val="arr"/>
+                  </dgm:alg>
+                </dgm:else>
+              </dgm:choose>
+              <dgm:shape xmlns:r="http://schemas.openxmlformats.org/officeDocument/2006/relationships" type="conn" r:blip="">
+                <dgm:adjLst/>
+              </dgm:shape>
+              <dgm:presOf axis="self"/>
+              <dgm:constrLst>
+                <dgm:constr type="h" refType="w" fact="0.5"/>
+                <dgm:constr type="connDist"/>
+                <dgm:constr type="begPad" refType="connDist" fact="0.1"/>
+                <dgm:constr type="endPad" refType="connDist" fact="0.1"/>
+              </dgm:constrLst>
+              <dgm:ruleLst/>
+              <dgm:layoutNode name="connectorText">
+                <dgm:alg type="tx">
+                  <dgm:param type="autoTxRot" val="grav"/>
+                </dgm:alg>
+                <dgm:shape xmlns:r="http://schemas.openxmlformats.org/officeDocument/2006/relationships" type="conn" r:blip="" hideGeom="1">
+                  <dgm:adjLst/>
+                </dgm:shape>
+                <dgm:presOf axis="self"/>
+                <dgm:constrLst>
+                  <dgm:constr type="lMarg"/>
+                  <dgm:constr type="rMarg"/>
+                  <dgm:constr type="tMarg"/>
+                  <dgm:constr type="bMarg"/>
+                </dgm:constrLst>
+                <dgm:ruleLst>
+                  <dgm:rule type="primFontSz" val="5" fact="NaN" max="NaN"/>
+                </dgm:ruleLst>
+              </dgm:layoutNode>
+            </dgm:layoutNode>
+          </dgm:forEach>
+        </dgm:if>
+        <dgm:else name="Name9"/>
+      </dgm:choose>
+    </dgm:forEach>
+  </dgm:layoutNode>
+</dgm:layoutDef>
+</file>
+
 <file path=ppt/diagrams/quickStyle1.xml><?xml version="1.0" encoding="utf-8"?>
 <dgm:styleDef xmlns:dgm="http://schemas.openxmlformats.org/drawingml/2006/diagram" xmlns:a="http://schemas.openxmlformats.org/drawingml/2006/main" uniqueId="urn:microsoft.com/office/officeart/2005/8/quickstyle/simple1">
   <dgm:title val=""/>
@@ -12964,6 +15251,1040 @@
 </file>
 
 <file path=ppt/diagrams/quickStyle3.xml><?xml version="1.0" encoding="utf-8"?>
+<dgm:styleDef xmlns:dgm="http://schemas.openxmlformats.org/drawingml/2006/diagram" xmlns:a="http://schemas.openxmlformats.org/drawingml/2006/main" uniqueId="urn:microsoft.com/office/officeart/2005/8/quickstyle/simple1">
+  <dgm:title val=""/>
+  <dgm:desc val=""/>
+  <dgm:catLst>
+    <dgm:cat type="simple" pri="10100"/>
+  </dgm:catLst>
+  <dgm:scene3d>
+    <a:camera prst="orthographicFront"/>
+    <a:lightRig rig="threePt" dir="t"/>
+  </dgm:scene3d>
+  <dgm:styleLbl name="node0">
+    <dgm:scene3d>
+      <a:camera prst="orthographicFront"/>
+      <a:lightRig rig="threePt" dir="t"/>
+    </dgm:scene3d>
+    <dgm:sp3d/>
+    <dgm:txPr/>
+    <dgm:style>
+      <a:lnRef idx="2">
+        <a:scrgbClr r="0" g="0" b="0"/>
+      </a:lnRef>
+      <a:fillRef idx="1">
+        <a:scrgbClr r="0" g="0" b="0"/>
+      </a:fillRef>
+      <a:effectRef idx="0">
+        <a:scrgbClr r="0" g="0" b="0"/>
+      </a:effectRef>
+      <a:fontRef idx="minor">
+        <a:schemeClr val="lt1"/>
+      </a:fontRef>
+    </dgm:style>
+  </dgm:styleLbl>
+  <dgm:styleLbl name="lnNode1">
+    <dgm:scene3d>
+      <a:camera prst="orthographicFront"/>
+      <a:lightRig rig="threePt" dir="t"/>
+    </dgm:scene3d>
+    <dgm:sp3d/>
+    <dgm:txPr/>
+    <dgm:style>
+      <a:lnRef idx="2">
+        <a:scrgbClr r="0" g="0" b="0"/>
+      </a:lnRef>
+      <a:fillRef idx="1">
+        <a:scrgbClr r="0" g="0" b="0"/>
+      </a:fillRef>
+      <a:effectRef idx="0">
+        <a:scrgbClr r="0" g="0" b="0"/>
+      </a:effectRef>
+      <a:fontRef idx="minor">
+        <a:schemeClr val="lt1"/>
+      </a:fontRef>
+    </dgm:style>
+  </dgm:styleLbl>
+  <dgm:styleLbl name="vennNode1">
+    <dgm:scene3d>
+      <a:camera prst="orthographicFront"/>
+      <a:lightRig rig="threePt" dir="t"/>
+    </dgm:scene3d>
+    <dgm:sp3d/>
+    <dgm:txPr/>
+    <dgm:style>
+      <a:lnRef idx="2">
+        <a:scrgbClr r="0" g="0" b="0"/>
+      </a:lnRef>
+      <a:fillRef idx="1">
+        <a:scrgbClr r="0" g="0" b="0"/>
+      </a:fillRef>
+      <a:effectRef idx="0">
+        <a:scrgbClr r="0" g="0" b="0"/>
+      </a:effectRef>
+      <a:fontRef idx="minor">
+        <a:schemeClr val="tx1"/>
+      </a:fontRef>
+    </dgm:style>
+  </dgm:styleLbl>
+  <dgm:styleLbl name="alignNode1">
+    <dgm:scene3d>
+      <a:camera prst="orthographicFront"/>
+      <a:lightRig rig="threePt" dir="t"/>
+    </dgm:scene3d>
+    <dgm:sp3d/>
+    <dgm:txPr/>
+    <dgm:style>
+      <a:lnRef idx="2">
+        <a:scrgbClr r="0" g="0" b="0"/>
+      </a:lnRef>
+      <a:fillRef idx="1">
+        <a:scrgbClr r="0" g="0" b="0"/>
+      </a:fillRef>
+      <a:effectRef idx="0">
+        <a:scrgbClr r="0" g="0" b="0"/>
+      </a:effectRef>
+      <a:fontRef idx="minor">
+        <a:schemeClr val="lt1"/>
+      </a:fontRef>
+    </dgm:style>
+  </dgm:styleLbl>
+  <dgm:styleLbl name="node1">
+    <dgm:scene3d>
+      <a:camera prst="orthographicFront"/>
+      <a:lightRig rig="threePt" dir="t"/>
+    </dgm:scene3d>
+    <dgm:sp3d/>
+    <dgm:txPr/>
+    <dgm:style>
+      <a:lnRef idx="2">
+        <a:scrgbClr r="0" g="0" b="0"/>
+      </a:lnRef>
+      <a:fillRef idx="1">
+        <a:scrgbClr r="0" g="0" b="0"/>
+      </a:fillRef>
+      <a:effectRef idx="0">
+        <a:scrgbClr r="0" g="0" b="0"/>
+      </a:effectRef>
+      <a:fontRef idx="minor">
+        <a:schemeClr val="lt1"/>
+      </a:fontRef>
+    </dgm:style>
+  </dgm:styleLbl>
+  <dgm:styleLbl name="node2">
+    <dgm:scene3d>
+      <a:camera prst="orthographicFront"/>
+      <a:lightRig rig="threePt" dir="t"/>
+    </dgm:scene3d>
+    <dgm:sp3d/>
+    <dgm:txPr/>
+    <dgm:style>
+      <a:lnRef idx="2">
+        <a:scrgbClr r="0" g="0" b="0"/>
+      </a:lnRef>
+      <a:fillRef idx="1">
+        <a:scrgbClr r="0" g="0" b="0"/>
+      </a:fillRef>
+      <a:effectRef idx="0">
+        <a:scrgbClr r="0" g="0" b="0"/>
+      </a:effectRef>
+      <a:fontRef idx="minor">
+        <a:schemeClr val="lt1"/>
+      </a:fontRef>
+    </dgm:style>
+  </dgm:styleLbl>
+  <dgm:styleLbl name="node3">
+    <dgm:scene3d>
+      <a:camera prst="orthographicFront"/>
+      <a:lightRig rig="threePt" dir="t"/>
+    </dgm:scene3d>
+    <dgm:sp3d/>
+    <dgm:txPr/>
+    <dgm:style>
+      <a:lnRef idx="2">
+        <a:scrgbClr r="0" g="0" b="0"/>
+      </a:lnRef>
+      <a:fillRef idx="1">
+        <a:scrgbClr r="0" g="0" b="0"/>
+      </a:fillRef>
+      <a:effectRef idx="0">
+        <a:scrgbClr r="0" g="0" b="0"/>
+      </a:effectRef>
+      <a:fontRef idx="minor">
+        <a:schemeClr val="lt1"/>
+      </a:fontRef>
+    </dgm:style>
+  </dgm:styleLbl>
+  <dgm:styleLbl name="node4">
+    <dgm:scene3d>
+      <a:camera prst="orthographicFront"/>
+      <a:lightRig rig="threePt" dir="t"/>
+    </dgm:scene3d>
+    <dgm:sp3d/>
+    <dgm:txPr/>
+    <dgm:style>
+      <a:lnRef idx="2">
+        <a:scrgbClr r="0" g="0" b="0"/>
+      </a:lnRef>
+      <a:fillRef idx="1">
+        <a:scrgbClr r="0" g="0" b="0"/>
+      </a:fillRef>
+      <a:effectRef idx="0">
+        <a:scrgbClr r="0" g="0" b="0"/>
+      </a:effectRef>
+      <a:fontRef idx="minor">
+        <a:schemeClr val="lt1"/>
+      </a:fontRef>
+    </dgm:style>
+  </dgm:styleLbl>
+  <dgm:styleLbl name="fgImgPlace1">
+    <dgm:scene3d>
+      <a:camera prst="orthographicFront"/>
+      <a:lightRig rig="threePt" dir="t"/>
+    </dgm:scene3d>
+    <dgm:sp3d/>
+    <dgm:txPr/>
+    <dgm:style>
+      <a:lnRef idx="2">
+        <a:scrgbClr r="0" g="0" b="0"/>
+      </a:lnRef>
+      <a:fillRef idx="1">
+        <a:scrgbClr r="0" g="0" b="0"/>
+      </a:fillRef>
+      <a:effectRef idx="0">
+        <a:scrgbClr r="0" g="0" b="0"/>
+      </a:effectRef>
+      <a:fontRef idx="minor"/>
+    </dgm:style>
+  </dgm:styleLbl>
+  <dgm:styleLbl name="alignImgPlace1">
+    <dgm:scene3d>
+      <a:camera prst="orthographicFront"/>
+      <a:lightRig rig="threePt" dir="t"/>
+    </dgm:scene3d>
+    <dgm:sp3d/>
+    <dgm:txPr/>
+    <dgm:style>
+      <a:lnRef idx="2">
+        <a:scrgbClr r="0" g="0" b="0"/>
+      </a:lnRef>
+      <a:fillRef idx="1">
+        <a:scrgbClr r="0" g="0" b="0"/>
+      </a:fillRef>
+      <a:effectRef idx="0">
+        <a:scrgbClr r="0" g="0" b="0"/>
+      </a:effectRef>
+      <a:fontRef idx="minor"/>
+    </dgm:style>
+  </dgm:styleLbl>
+  <dgm:styleLbl name="bgImgPlace1">
+    <dgm:scene3d>
+      <a:camera prst="orthographicFront"/>
+      <a:lightRig rig="threePt" dir="t"/>
+    </dgm:scene3d>
+    <dgm:sp3d/>
+    <dgm:txPr/>
+    <dgm:style>
+      <a:lnRef idx="2">
+        <a:scrgbClr r="0" g="0" b="0"/>
+      </a:lnRef>
+      <a:fillRef idx="1">
+        <a:scrgbClr r="0" g="0" b="0"/>
+      </a:fillRef>
+      <a:effectRef idx="0">
+        <a:scrgbClr r="0" g="0" b="0"/>
+      </a:effectRef>
+      <a:fontRef idx="minor"/>
+    </dgm:style>
+  </dgm:styleLbl>
+  <dgm:styleLbl name="sibTrans2D1">
+    <dgm:scene3d>
+      <a:camera prst="orthographicFront"/>
+      <a:lightRig rig="threePt" dir="t"/>
+    </dgm:scene3d>
+    <dgm:sp3d/>
+    <dgm:txPr/>
+    <dgm:style>
+      <a:lnRef idx="0">
+        <a:scrgbClr r="0" g="0" b="0"/>
+      </a:lnRef>
+      <a:fillRef idx="1">
+        <a:scrgbClr r="0" g="0" b="0"/>
+      </a:fillRef>
+      <a:effectRef idx="0">
+        <a:scrgbClr r="0" g="0" b="0"/>
+      </a:effectRef>
+      <a:fontRef idx="minor">
+        <a:schemeClr val="lt1"/>
+      </a:fontRef>
+    </dgm:style>
+  </dgm:styleLbl>
+  <dgm:styleLbl name="fgSibTrans2D1">
+    <dgm:scene3d>
+      <a:camera prst="orthographicFront"/>
+      <a:lightRig rig="threePt" dir="t"/>
+    </dgm:scene3d>
+    <dgm:sp3d/>
+    <dgm:txPr/>
+    <dgm:style>
+      <a:lnRef idx="0">
+        <a:scrgbClr r="0" g="0" b="0"/>
+      </a:lnRef>
+      <a:fillRef idx="1">
+        <a:scrgbClr r="0" g="0" b="0"/>
+      </a:fillRef>
+      <a:effectRef idx="0">
+        <a:scrgbClr r="0" g="0" b="0"/>
+      </a:effectRef>
+      <a:fontRef idx="minor">
+        <a:schemeClr val="lt1"/>
+      </a:fontRef>
+    </dgm:style>
+  </dgm:styleLbl>
+  <dgm:styleLbl name="bgSibTrans2D1">
+    <dgm:scene3d>
+      <a:camera prst="orthographicFront"/>
+      <a:lightRig rig="threePt" dir="t"/>
+    </dgm:scene3d>
+    <dgm:sp3d/>
+    <dgm:txPr/>
+    <dgm:style>
+      <a:lnRef idx="0">
+        <a:scrgbClr r="0" g="0" b="0"/>
+      </a:lnRef>
+      <a:fillRef idx="1">
+        <a:scrgbClr r="0" g="0" b="0"/>
+      </a:fillRef>
+      <a:effectRef idx="0">
+        <a:scrgbClr r="0" g="0" b="0"/>
+      </a:effectRef>
+      <a:fontRef idx="minor">
+        <a:schemeClr val="lt1"/>
+      </a:fontRef>
+    </dgm:style>
+  </dgm:styleLbl>
+  <dgm:styleLbl name="sibTrans1D1">
+    <dgm:scene3d>
+      <a:camera prst="orthographicFront"/>
+      <a:lightRig rig="threePt" dir="t"/>
+    </dgm:scene3d>
+    <dgm:sp3d/>
+    <dgm:txPr/>
+    <dgm:style>
+      <a:lnRef idx="1">
+        <a:scrgbClr r="0" g="0" b="0"/>
+      </a:lnRef>
+      <a:fillRef idx="0">
+        <a:scrgbClr r="0" g="0" b="0"/>
+      </a:fillRef>
+      <a:effectRef idx="0">
+        <a:scrgbClr r="0" g="0" b="0"/>
+      </a:effectRef>
+      <a:fontRef idx="minor"/>
+    </dgm:style>
+  </dgm:styleLbl>
+  <dgm:styleLbl name="callout">
+    <dgm:scene3d>
+      <a:camera prst="orthographicFront"/>
+      <a:lightRig rig="threePt" dir="t"/>
+    </dgm:scene3d>
+    <dgm:sp3d/>
+    <dgm:txPr/>
+    <dgm:style>
+      <a:lnRef idx="2">
+        <a:scrgbClr r="0" g="0" b="0"/>
+      </a:lnRef>
+      <a:fillRef idx="1">
+        <a:scrgbClr r="0" g="0" b="0"/>
+      </a:fillRef>
+      <a:effectRef idx="0">
+        <a:scrgbClr r="0" g="0" b="0"/>
+      </a:effectRef>
+      <a:fontRef idx="minor"/>
+    </dgm:style>
+  </dgm:styleLbl>
+  <dgm:styleLbl name="asst0">
+    <dgm:scene3d>
+      <a:camera prst="orthographicFront"/>
+      <a:lightRig rig="threePt" dir="t"/>
+    </dgm:scene3d>
+    <dgm:sp3d/>
+    <dgm:txPr/>
+    <dgm:style>
+      <a:lnRef idx="2">
+        <a:scrgbClr r="0" g="0" b="0"/>
+      </a:lnRef>
+      <a:fillRef idx="1">
+        <a:scrgbClr r="0" g="0" b="0"/>
+      </a:fillRef>
+      <a:effectRef idx="0">
+        <a:scrgbClr r="0" g="0" b="0"/>
+      </a:effectRef>
+      <a:fontRef idx="minor">
+        <a:schemeClr val="lt1"/>
+      </a:fontRef>
+    </dgm:style>
+  </dgm:styleLbl>
+  <dgm:styleLbl name="asst1">
+    <dgm:scene3d>
+      <a:camera prst="orthographicFront"/>
+      <a:lightRig rig="threePt" dir="t"/>
+    </dgm:scene3d>
+    <dgm:sp3d/>
+    <dgm:txPr/>
+    <dgm:style>
+      <a:lnRef idx="2">
+        <a:scrgbClr r="0" g="0" b="0"/>
+      </a:lnRef>
+      <a:fillRef idx="1">
+        <a:scrgbClr r="0" g="0" b="0"/>
+      </a:fillRef>
+      <a:effectRef idx="0">
+        <a:scrgbClr r="0" g="0" b="0"/>
+      </a:effectRef>
+      <a:fontRef idx="minor">
+        <a:schemeClr val="lt1"/>
+      </a:fontRef>
+    </dgm:style>
+  </dgm:styleLbl>
+  <dgm:styleLbl name="asst2">
+    <dgm:scene3d>
+      <a:camera prst="orthographicFront"/>
+      <a:lightRig rig="threePt" dir="t"/>
+    </dgm:scene3d>
+    <dgm:sp3d/>
+    <dgm:txPr/>
+    <dgm:style>
+      <a:lnRef idx="2">
+        <a:scrgbClr r="0" g="0" b="0"/>
+      </a:lnRef>
+      <a:fillRef idx="1">
+        <a:scrgbClr r="0" g="0" b="0"/>
+      </a:fillRef>
+      <a:effectRef idx="0">
+        <a:scrgbClr r="0" g="0" b="0"/>
+      </a:effectRef>
+      <a:fontRef idx="minor">
+        <a:schemeClr val="lt1"/>
+      </a:fontRef>
+    </dgm:style>
+  </dgm:styleLbl>
+  <dgm:styleLbl name="asst3">
+    <dgm:scene3d>
+      <a:camera prst="orthographicFront"/>
+      <a:lightRig rig="threePt" dir="t"/>
+    </dgm:scene3d>
+    <dgm:sp3d/>
+    <dgm:txPr/>
+    <dgm:style>
+      <a:lnRef idx="2">
+        <a:scrgbClr r="0" g="0" b="0"/>
+      </a:lnRef>
+      <a:fillRef idx="1">
+        <a:scrgbClr r="0" g="0" b="0"/>
+      </a:fillRef>
+      <a:effectRef idx="0">
+        <a:scrgbClr r="0" g="0" b="0"/>
+      </a:effectRef>
+      <a:fontRef idx="minor">
+        <a:schemeClr val="lt1"/>
+      </a:fontRef>
+    </dgm:style>
+  </dgm:styleLbl>
+  <dgm:styleLbl name="asst4">
+    <dgm:scene3d>
+      <a:camera prst="orthographicFront"/>
+      <a:lightRig rig="threePt" dir="t"/>
+    </dgm:scene3d>
+    <dgm:sp3d/>
+    <dgm:txPr/>
+    <dgm:style>
+      <a:lnRef idx="2">
+        <a:scrgbClr r="0" g="0" b="0"/>
+      </a:lnRef>
+      <a:fillRef idx="1">
+        <a:scrgbClr r="0" g="0" b="0"/>
+      </a:fillRef>
+      <a:effectRef idx="0">
+        <a:scrgbClr r="0" g="0" b="0"/>
+      </a:effectRef>
+      <a:fontRef idx="minor">
+        <a:schemeClr val="lt1"/>
+      </a:fontRef>
+    </dgm:style>
+  </dgm:styleLbl>
+  <dgm:styleLbl name="parChTrans2D1">
+    <dgm:scene3d>
+      <a:camera prst="orthographicFront"/>
+      <a:lightRig rig="threePt" dir="t"/>
+    </dgm:scene3d>
+    <dgm:sp3d/>
+    <dgm:txPr/>
+    <dgm:style>
+      <a:lnRef idx="2">
+        <a:scrgbClr r="0" g="0" b="0"/>
+      </a:lnRef>
+      <a:fillRef idx="1">
+        <a:scrgbClr r="0" g="0" b="0"/>
+      </a:fillRef>
+      <a:effectRef idx="0">
+        <a:scrgbClr r="0" g="0" b="0"/>
+      </a:effectRef>
+      <a:fontRef idx="minor">
+        <a:schemeClr val="lt1"/>
+      </a:fontRef>
+    </dgm:style>
+  </dgm:styleLbl>
+  <dgm:styleLbl name="parChTrans2D2">
+    <dgm:scene3d>
+      <a:camera prst="orthographicFront"/>
+      <a:lightRig rig="threePt" dir="t"/>
+    </dgm:scene3d>
+    <dgm:sp3d/>
+    <dgm:txPr/>
+    <dgm:style>
+      <a:lnRef idx="2">
+        <a:scrgbClr r="0" g="0" b="0"/>
+      </a:lnRef>
+      <a:fillRef idx="1">
+        <a:scrgbClr r="0" g="0" b="0"/>
+      </a:fillRef>
+      <a:effectRef idx="0">
+        <a:scrgbClr r="0" g="0" b="0"/>
+      </a:effectRef>
+      <a:fontRef idx="minor">
+        <a:schemeClr val="lt1"/>
+      </a:fontRef>
+    </dgm:style>
+  </dgm:styleLbl>
+  <dgm:styleLbl name="parChTrans2D3">
+    <dgm:scene3d>
+      <a:camera prst="orthographicFront"/>
+      <a:lightRig rig="threePt" dir="t"/>
+    </dgm:scene3d>
+    <dgm:sp3d/>
+    <dgm:txPr/>
+    <dgm:style>
+      <a:lnRef idx="2">
+        <a:scrgbClr r="0" g="0" b="0"/>
+      </a:lnRef>
+      <a:fillRef idx="1">
+        <a:scrgbClr r="0" g="0" b="0"/>
+      </a:fillRef>
+      <a:effectRef idx="0">
+        <a:scrgbClr r="0" g="0" b="0"/>
+      </a:effectRef>
+      <a:fontRef idx="minor">
+        <a:schemeClr val="lt1"/>
+      </a:fontRef>
+    </dgm:style>
+  </dgm:styleLbl>
+  <dgm:styleLbl name="parChTrans2D4">
+    <dgm:scene3d>
+      <a:camera prst="orthographicFront"/>
+      <a:lightRig rig="threePt" dir="t"/>
+    </dgm:scene3d>
+    <dgm:sp3d/>
+    <dgm:txPr/>
+    <dgm:style>
+      <a:lnRef idx="2">
+        <a:scrgbClr r="0" g="0" b="0"/>
+      </a:lnRef>
+      <a:fillRef idx="1">
+        <a:scrgbClr r="0" g="0" b="0"/>
+      </a:fillRef>
+      <a:effectRef idx="0">
+        <a:scrgbClr r="0" g="0" b="0"/>
+      </a:effectRef>
+      <a:fontRef idx="minor">
+        <a:schemeClr val="lt1"/>
+      </a:fontRef>
+    </dgm:style>
+  </dgm:styleLbl>
+  <dgm:styleLbl name="parChTrans1D1">
+    <dgm:scene3d>
+      <a:camera prst="orthographicFront"/>
+      <a:lightRig rig="threePt" dir="t"/>
+    </dgm:scene3d>
+    <dgm:sp3d/>
+    <dgm:txPr/>
+    <dgm:style>
+      <a:lnRef idx="2">
+        <a:scrgbClr r="0" g="0" b="0"/>
+      </a:lnRef>
+      <a:fillRef idx="0">
+        <a:scrgbClr r="0" g="0" b="0"/>
+      </a:fillRef>
+      <a:effectRef idx="0">
+        <a:scrgbClr r="0" g="0" b="0"/>
+      </a:effectRef>
+      <a:fontRef idx="minor"/>
+    </dgm:style>
+  </dgm:styleLbl>
+  <dgm:styleLbl name="parChTrans1D2">
+    <dgm:scene3d>
+      <a:camera prst="orthographicFront"/>
+      <a:lightRig rig="threePt" dir="t"/>
+    </dgm:scene3d>
+    <dgm:sp3d/>
+    <dgm:txPr/>
+    <dgm:style>
+      <a:lnRef idx="2">
+        <a:scrgbClr r="0" g="0" b="0"/>
+      </a:lnRef>
+      <a:fillRef idx="0">
+        <a:scrgbClr r="0" g="0" b="0"/>
+      </a:fillRef>
+      <a:effectRef idx="0">
+        <a:scrgbClr r="0" g="0" b="0"/>
+      </a:effectRef>
+      <a:fontRef idx="minor"/>
+    </dgm:style>
+  </dgm:styleLbl>
+  <dgm:styleLbl name="parChTrans1D3">
+    <dgm:scene3d>
+      <a:camera prst="orthographicFront"/>
+      <a:lightRig rig="threePt" dir="t"/>
+    </dgm:scene3d>
+    <dgm:sp3d/>
+    <dgm:txPr/>
+    <dgm:style>
+      <a:lnRef idx="2">
+        <a:scrgbClr r="0" g="0" b="0"/>
+      </a:lnRef>
+      <a:fillRef idx="0">
+        <a:scrgbClr r="0" g="0" b="0"/>
+      </a:fillRef>
+      <a:effectRef idx="0">
+        <a:scrgbClr r="0" g="0" b="0"/>
+      </a:effectRef>
+      <a:fontRef idx="minor"/>
+    </dgm:style>
+  </dgm:styleLbl>
+  <dgm:styleLbl name="parChTrans1D4">
+    <dgm:scene3d>
+      <a:camera prst="orthographicFront"/>
+      <a:lightRig rig="threePt" dir="t"/>
+    </dgm:scene3d>
+    <dgm:sp3d/>
+    <dgm:txPr/>
+    <dgm:style>
+      <a:lnRef idx="2">
+        <a:scrgbClr r="0" g="0" b="0"/>
+      </a:lnRef>
+      <a:fillRef idx="0">
+        <a:scrgbClr r="0" g="0" b="0"/>
+      </a:fillRef>
+      <a:effectRef idx="0">
+        <a:scrgbClr r="0" g="0" b="0"/>
+      </a:effectRef>
+      <a:fontRef idx="minor"/>
+    </dgm:style>
+  </dgm:styleLbl>
+  <dgm:styleLbl name="fgAcc1">
+    <dgm:scene3d>
+      <a:camera prst="orthographicFront"/>
+      <a:lightRig rig="threePt" dir="t"/>
+    </dgm:scene3d>
+    <dgm:sp3d/>
+    <dgm:txPr/>
+    <dgm:style>
+      <a:lnRef idx="2">
+        <a:scrgbClr r="0" g="0" b="0"/>
+      </a:lnRef>
+      <a:fillRef idx="1">
+        <a:scrgbClr r="0" g="0" b="0"/>
+      </a:fillRef>
+      <a:effectRef idx="0">
+        <a:scrgbClr r="0" g="0" b="0"/>
+      </a:effectRef>
+      <a:fontRef idx="minor"/>
+    </dgm:style>
+  </dgm:styleLbl>
+  <dgm:styleLbl name="conFgAcc1">
+    <dgm:scene3d>
+      <a:camera prst="orthographicFront"/>
+      <a:lightRig rig="threePt" dir="t"/>
+    </dgm:scene3d>
+    <dgm:sp3d/>
+    <dgm:txPr/>
+    <dgm:style>
+      <a:lnRef idx="2">
+        <a:scrgbClr r="0" g="0" b="0"/>
+      </a:lnRef>
+      <a:fillRef idx="1">
+        <a:scrgbClr r="0" g="0" b="0"/>
+      </a:fillRef>
+      <a:effectRef idx="0">
+        <a:scrgbClr r="0" g="0" b="0"/>
+      </a:effectRef>
+      <a:fontRef idx="minor"/>
+    </dgm:style>
+  </dgm:styleLbl>
+  <dgm:styleLbl name="alignAcc1">
+    <dgm:scene3d>
+      <a:camera prst="orthographicFront"/>
+      <a:lightRig rig="threePt" dir="t"/>
+    </dgm:scene3d>
+    <dgm:sp3d/>
+    <dgm:txPr/>
+    <dgm:style>
+      <a:lnRef idx="2">
+        <a:scrgbClr r="0" g="0" b="0"/>
+      </a:lnRef>
+      <a:fillRef idx="1">
+        <a:scrgbClr r="0" g="0" b="0"/>
+      </a:fillRef>
+      <a:effectRef idx="0">
+        <a:scrgbClr r="0" g="0" b="0"/>
+      </a:effectRef>
+      <a:fontRef idx="minor"/>
+    </dgm:style>
+  </dgm:styleLbl>
+  <dgm:styleLbl name="trAlignAcc1">
+    <dgm:scene3d>
+      <a:camera prst="orthographicFront"/>
+      <a:lightRig rig="threePt" dir="t"/>
+    </dgm:scene3d>
+    <dgm:sp3d/>
+    <dgm:txPr/>
+    <dgm:style>
+      <a:lnRef idx="1">
+        <a:scrgbClr r="0" g="0" b="0"/>
+      </a:lnRef>
+      <a:fillRef idx="1">
+        <a:scrgbClr r="0" g="0" b="0"/>
+      </a:fillRef>
+      <a:effectRef idx="0">
+        <a:scrgbClr r="0" g="0" b="0"/>
+      </a:effectRef>
+      <a:fontRef idx="minor"/>
+    </dgm:style>
+  </dgm:styleLbl>
+  <dgm:styleLbl name="bgAcc1">
+    <dgm:scene3d>
+      <a:camera prst="orthographicFront"/>
+      <a:lightRig rig="threePt" dir="t"/>
+    </dgm:scene3d>
+    <dgm:sp3d/>
+    <dgm:txPr/>
+    <dgm:style>
+      <a:lnRef idx="2">
+        <a:scrgbClr r="0" g="0" b="0"/>
+      </a:lnRef>
+      <a:fillRef idx="1">
+        <a:scrgbClr r="0" g="0" b="0"/>
+      </a:fillRef>
+      <a:effectRef idx="0">
+        <a:scrgbClr r="0" g="0" b="0"/>
+      </a:effectRef>
+      <a:fontRef idx="minor"/>
+    </dgm:style>
+  </dgm:styleLbl>
+  <dgm:styleLbl name="solidFgAcc1">
+    <dgm:scene3d>
+      <a:camera prst="orthographicFront"/>
+      <a:lightRig rig="threePt" dir="t"/>
+    </dgm:scene3d>
+    <dgm:sp3d/>
+    <dgm:txPr/>
+    <dgm:style>
+      <a:lnRef idx="2">
+        <a:scrgbClr r="0" g="0" b="0"/>
+      </a:lnRef>
+      <a:fillRef idx="1">
+        <a:scrgbClr r="0" g="0" b="0"/>
+      </a:fillRef>
+      <a:effectRef idx="0">
+        <a:scrgbClr r="0" g="0" b="0"/>
+      </a:effectRef>
+      <a:fontRef idx="minor"/>
+    </dgm:style>
+  </dgm:styleLbl>
+  <dgm:styleLbl name="solidAlignAcc1">
+    <dgm:scene3d>
+      <a:camera prst="orthographicFront"/>
+      <a:lightRig rig="threePt" dir="t"/>
+    </dgm:scene3d>
+    <dgm:sp3d/>
+    <dgm:txPr/>
+    <dgm:style>
+      <a:lnRef idx="2">
+        <a:scrgbClr r="0" g="0" b="0"/>
+      </a:lnRef>
+      <a:fillRef idx="1">
+        <a:scrgbClr r="0" g="0" b="0"/>
+      </a:fillRef>
+      <a:effectRef idx="0">
+        <a:scrgbClr r="0" g="0" b="0"/>
+      </a:effectRef>
+      <a:fontRef idx="minor"/>
+    </dgm:style>
+  </dgm:styleLbl>
+  <dgm:styleLbl name="solidBgAcc1">
+    <dgm:scene3d>
+      <a:camera prst="orthographicFront"/>
+      <a:lightRig rig="threePt" dir="t"/>
+    </dgm:scene3d>
+    <dgm:sp3d/>
+    <dgm:txPr/>
+    <dgm:style>
+      <a:lnRef idx="2">
+        <a:scrgbClr r="0" g="0" b="0"/>
+      </a:lnRef>
+      <a:fillRef idx="1">
+        <a:scrgbClr r="0" g="0" b="0"/>
+      </a:fillRef>
+      <a:effectRef idx="0">
+        <a:scrgbClr r="0" g="0" b="0"/>
+      </a:effectRef>
+      <a:fontRef idx="minor"/>
+    </dgm:style>
+  </dgm:styleLbl>
+  <dgm:styleLbl name="fgAccFollowNode1">
+    <dgm:scene3d>
+      <a:camera prst="orthographicFront"/>
+      <a:lightRig rig="threePt" dir="t"/>
+    </dgm:scene3d>
+    <dgm:sp3d/>
+    <dgm:txPr/>
+    <dgm:style>
+      <a:lnRef idx="2">
+        <a:scrgbClr r="0" g="0" b="0"/>
+      </a:lnRef>
+      <a:fillRef idx="1">
+        <a:scrgbClr r="0" g="0" b="0"/>
+      </a:fillRef>
+      <a:effectRef idx="0">
+        <a:scrgbClr r="0" g="0" b="0"/>
+      </a:effectRef>
+      <a:fontRef idx="minor"/>
+    </dgm:style>
+  </dgm:styleLbl>
+  <dgm:styleLbl name="alignAccFollowNode1">
+    <dgm:scene3d>
+      <a:camera prst="orthographicFront"/>
+      <a:lightRig rig="threePt" dir="t"/>
+    </dgm:scene3d>
+    <dgm:sp3d/>
+    <dgm:txPr/>
+    <dgm:style>
+      <a:lnRef idx="2">
+        <a:scrgbClr r="0" g="0" b="0"/>
+      </a:lnRef>
+      <a:fillRef idx="1">
+        <a:scrgbClr r="0" g="0" b="0"/>
+      </a:fillRef>
+      <a:effectRef idx="0">
+        <a:scrgbClr r="0" g="0" b="0"/>
+      </a:effectRef>
+      <a:fontRef idx="minor"/>
+    </dgm:style>
+  </dgm:styleLbl>
+  <dgm:styleLbl name="bgAccFollowNode1">
+    <dgm:scene3d>
+      <a:camera prst="orthographicFront"/>
+      <a:lightRig rig="threePt" dir="t"/>
+    </dgm:scene3d>
+    <dgm:sp3d/>
+    <dgm:txPr/>
+    <dgm:style>
+      <a:lnRef idx="2">
+        <a:scrgbClr r="0" g="0" b="0"/>
+      </a:lnRef>
+      <a:fillRef idx="1">
+        <a:scrgbClr r="0" g="0" b="0"/>
+      </a:fillRef>
+      <a:effectRef idx="0">
+        <a:scrgbClr r="0" g="0" b="0"/>
+      </a:effectRef>
+      <a:fontRef idx="minor"/>
+    </dgm:style>
+  </dgm:styleLbl>
+  <dgm:styleLbl name="fgAcc0">
+    <dgm:scene3d>
+      <a:camera prst="orthographicFront"/>
+      <a:lightRig rig="threePt" dir="t"/>
+    </dgm:scene3d>
+    <dgm:sp3d/>
+    <dgm:txPr/>
+    <dgm:style>
+      <a:lnRef idx="2">
+        <a:scrgbClr r="0" g="0" b="0"/>
+      </a:lnRef>
+      <a:fillRef idx="1">
+        <a:scrgbClr r="0" g="0" b="0"/>
+      </a:fillRef>
+      <a:effectRef idx="0">
+        <a:scrgbClr r="0" g="0" b="0"/>
+      </a:effectRef>
+      <a:fontRef idx="minor"/>
+    </dgm:style>
+  </dgm:styleLbl>
+  <dgm:styleLbl name="fgAcc2">
+    <dgm:scene3d>
+      <a:camera prst="orthographicFront"/>
+      <a:lightRig rig="threePt" dir="t"/>
+    </dgm:scene3d>
+    <dgm:sp3d/>
+    <dgm:txPr/>
+    <dgm:style>
+      <a:lnRef idx="2">
+        <a:scrgbClr r="0" g="0" b="0"/>
+      </a:lnRef>
+      <a:fillRef idx="1">
+        <a:scrgbClr r="0" g="0" b="0"/>
+      </a:fillRef>
+      <a:effectRef idx="0">
+        <a:scrgbClr r="0" g="0" b="0"/>
+      </a:effectRef>
+      <a:fontRef idx="minor"/>
+    </dgm:style>
+  </dgm:styleLbl>
+  <dgm:styleLbl name="fgAcc3">
+    <dgm:scene3d>
+      <a:camera prst="orthographicFront"/>
+      <a:lightRig rig="threePt" dir="t"/>
+    </dgm:scene3d>
+    <dgm:sp3d/>
+    <dgm:txPr/>
+    <dgm:style>
+      <a:lnRef idx="2">
+        <a:scrgbClr r="0" g="0" b="0"/>
+      </a:lnRef>
+      <a:fillRef idx="1">
+        <a:scrgbClr r="0" g="0" b="0"/>
+      </a:fillRef>
+      <a:effectRef idx="0">
+        <a:scrgbClr r="0" g="0" b="0"/>
+      </a:effectRef>
+      <a:fontRef idx="minor"/>
+    </dgm:style>
+  </dgm:styleLbl>
+  <dgm:styleLbl name="fgAcc4">
+    <dgm:scene3d>
+      <a:camera prst="orthographicFront"/>
+      <a:lightRig rig="threePt" dir="t"/>
+    </dgm:scene3d>
+    <dgm:sp3d/>
+    <dgm:txPr/>
+    <dgm:style>
+      <a:lnRef idx="2">
+        <a:scrgbClr r="0" g="0" b="0"/>
+      </a:lnRef>
+      <a:fillRef idx="1">
+        <a:scrgbClr r="0" g="0" b="0"/>
+      </a:fillRef>
+      <a:effectRef idx="0">
+        <a:scrgbClr r="0" g="0" b="0"/>
+      </a:effectRef>
+      <a:fontRef idx="minor"/>
+    </dgm:style>
+  </dgm:styleLbl>
+  <dgm:styleLbl name="bgShp">
+    <dgm:scene3d>
+      <a:camera prst="orthographicFront"/>
+      <a:lightRig rig="threePt" dir="t"/>
+    </dgm:scene3d>
+    <dgm:sp3d/>
+    <dgm:txPr/>
+    <dgm:style>
+      <a:lnRef idx="0">
+        <a:scrgbClr r="0" g="0" b="0"/>
+      </a:lnRef>
+      <a:fillRef idx="1">
+        <a:scrgbClr r="0" g="0" b="0"/>
+      </a:fillRef>
+      <a:effectRef idx="0">
+        <a:scrgbClr r="0" g="0" b="0"/>
+      </a:effectRef>
+      <a:fontRef idx="minor"/>
+    </dgm:style>
+  </dgm:styleLbl>
+  <dgm:styleLbl name="dkBgShp">
+    <dgm:scene3d>
+      <a:camera prst="orthographicFront"/>
+      <a:lightRig rig="threePt" dir="t"/>
+    </dgm:scene3d>
+    <dgm:sp3d/>
+    <dgm:txPr/>
+    <dgm:style>
+      <a:lnRef idx="0">
+        <a:scrgbClr r="0" g="0" b="0"/>
+      </a:lnRef>
+      <a:fillRef idx="1">
+        <a:scrgbClr r="0" g="0" b="0"/>
+      </a:fillRef>
+      <a:effectRef idx="0">
+        <a:scrgbClr r="0" g="0" b="0"/>
+      </a:effectRef>
+      <a:fontRef idx="minor"/>
+    </dgm:style>
+  </dgm:styleLbl>
+  <dgm:styleLbl name="trBgShp">
+    <dgm:scene3d>
+      <a:camera prst="orthographicFront"/>
+      <a:lightRig rig="threePt" dir="t"/>
+    </dgm:scene3d>
+    <dgm:sp3d/>
+    <dgm:txPr/>
+    <dgm:style>
+      <a:lnRef idx="0">
+        <a:scrgbClr r="0" g="0" b="0"/>
+      </a:lnRef>
+      <a:fillRef idx="1">
+        <a:scrgbClr r="0" g="0" b="0"/>
+      </a:fillRef>
+      <a:effectRef idx="0">
+        <a:scrgbClr r="0" g="0" b="0"/>
+      </a:effectRef>
+      <a:fontRef idx="minor"/>
+    </dgm:style>
+  </dgm:styleLbl>
+  <dgm:styleLbl name="fgShp">
+    <dgm:scene3d>
+      <a:camera prst="orthographicFront"/>
+      <a:lightRig rig="threePt" dir="t"/>
+    </dgm:scene3d>
+    <dgm:sp3d/>
+    <dgm:txPr/>
+    <dgm:style>
+      <a:lnRef idx="2">
+        <a:scrgbClr r="0" g="0" b="0"/>
+      </a:lnRef>
+      <a:fillRef idx="1">
+        <a:scrgbClr r="0" g="0" b="0"/>
+      </a:fillRef>
+      <a:effectRef idx="0">
+        <a:scrgbClr r="0" g="0" b="0"/>
+      </a:effectRef>
+      <a:fontRef idx="minor"/>
+    </dgm:style>
+  </dgm:styleLbl>
+  <dgm:styleLbl name="revTx">
+    <dgm:scene3d>
+      <a:camera prst="orthographicFront"/>
+      <a:lightRig rig="threePt" dir="t"/>
+    </dgm:scene3d>
+    <dgm:sp3d/>
+    <dgm:txPr/>
+    <dgm:style>
+      <a:lnRef idx="0">
+        <a:scrgbClr r="0" g="0" b="0"/>
+      </a:lnRef>
+      <a:fillRef idx="0">
+        <a:scrgbClr r="0" g="0" b="0"/>
+      </a:fillRef>
+      <a:effectRef idx="0">
+        <a:scrgbClr r="0" g="0" b="0"/>
+      </a:effectRef>
+      <a:fontRef idx="minor"/>
+    </dgm:style>
+  </dgm:styleLbl>
+</dgm:styleDef>
+</file>
+
+<file path=ppt/diagrams/quickStyle4.xml><?xml version="1.0" encoding="utf-8"?>
 <dgm:styleDef xmlns:dgm="http://schemas.openxmlformats.org/drawingml/2006/diagram" xmlns:a="http://schemas.openxmlformats.org/drawingml/2006/main" uniqueId="urn:microsoft.com/office/officeart/2005/8/quickstyle/simple1">
   <dgm:title val=""/>
   <dgm:desc val=""/>
@@ -16874,7 +20195,7 @@
           <p:cNvPr id="4" name="직사각형 3">
             <a:extLst>
               <a:ext uri="{FF2B5EF4-FFF2-40B4-BE49-F238E27FC236}">
-                <a16:creationId xmlns="" xmlns:a16="http://schemas.microsoft.com/office/drawing/2014/main" id="{827CBD14-205C-455C-BAB0-9D54EBB80528}"/>
+                <a16:creationId xmlns:a16="http://schemas.microsoft.com/office/drawing/2014/main" xmlns="" id="{827CBD14-205C-455C-BAB0-9D54EBB80528}"/>
               </a:ext>
             </a:extLst>
           </p:cNvPr>
@@ -16925,7 +20246,7 @@
           <p:cNvPr id="6" name="직사각형 5">
             <a:extLst>
               <a:ext uri="{FF2B5EF4-FFF2-40B4-BE49-F238E27FC236}">
-                <a16:creationId xmlns="" xmlns:a16="http://schemas.microsoft.com/office/drawing/2014/main" id="{45E0CFFD-1570-4FFE-97E4-F1E07A8D7360}"/>
+                <a16:creationId xmlns:a16="http://schemas.microsoft.com/office/drawing/2014/main" xmlns="" id="{45E0CFFD-1570-4FFE-97E4-F1E07A8D7360}"/>
               </a:ext>
             </a:extLst>
           </p:cNvPr>
@@ -16982,7 +20303,7 @@
           <p:cNvPr id="8" name="TextBox 7">
             <a:extLst>
               <a:ext uri="{FF2B5EF4-FFF2-40B4-BE49-F238E27FC236}">
-                <a16:creationId xmlns="" xmlns:a16="http://schemas.microsoft.com/office/drawing/2014/main" id="{722612CD-3BFF-4C2C-9806-463600493546}"/>
+                <a16:creationId xmlns:a16="http://schemas.microsoft.com/office/drawing/2014/main" xmlns="" id="{722612CD-3BFF-4C2C-9806-463600493546}"/>
               </a:ext>
             </a:extLst>
           </p:cNvPr>
@@ -17025,7 +20346,7 @@
           <p:cNvPr id="9" name="직사각형 8">
             <a:extLst>
               <a:ext uri="{FF2B5EF4-FFF2-40B4-BE49-F238E27FC236}">
-                <a16:creationId xmlns="" xmlns:a16="http://schemas.microsoft.com/office/drawing/2014/main" id="{A6F8CFEF-47C2-4A03-92C9-7296106D053E}"/>
+                <a16:creationId xmlns:a16="http://schemas.microsoft.com/office/drawing/2014/main" xmlns="" id="{A6F8CFEF-47C2-4A03-92C9-7296106D053E}"/>
               </a:ext>
             </a:extLst>
           </p:cNvPr>
@@ -17117,7 +20438,7 @@
           <p:cNvPr id="4" name="직사각형 3">
             <a:extLst>
               <a:ext uri="{FF2B5EF4-FFF2-40B4-BE49-F238E27FC236}">
-                <a16:creationId xmlns="" xmlns:a16="http://schemas.microsoft.com/office/drawing/2014/main" id="{827CBD14-205C-455C-BAB0-9D54EBB80528}"/>
+                <a16:creationId xmlns:a16="http://schemas.microsoft.com/office/drawing/2014/main" xmlns="" id="{827CBD14-205C-455C-BAB0-9D54EBB80528}"/>
               </a:ext>
             </a:extLst>
           </p:cNvPr>
@@ -17279,7 +20600,7 @@
           <p:cNvPr id="8" name="TextBox 7">
             <a:extLst>
               <a:ext uri="{FF2B5EF4-FFF2-40B4-BE49-F238E27FC236}">
-                <a16:creationId xmlns="" xmlns:a16="http://schemas.microsoft.com/office/drawing/2014/main" id="{722612CD-3BFF-4C2C-9806-463600493546}"/>
+                <a16:creationId xmlns:a16="http://schemas.microsoft.com/office/drawing/2014/main" xmlns="" id="{722612CD-3BFF-4C2C-9806-463600493546}"/>
               </a:ext>
             </a:extLst>
           </p:cNvPr>
@@ -17337,7 +20658,7 @@
           <p:cNvPr id="9" name="직사각형 8">
             <a:extLst>
               <a:ext uri="{FF2B5EF4-FFF2-40B4-BE49-F238E27FC236}">
-                <a16:creationId xmlns="" xmlns:a16="http://schemas.microsoft.com/office/drawing/2014/main" id="{A6F8CFEF-47C2-4A03-92C9-7296106D053E}"/>
+                <a16:creationId xmlns:a16="http://schemas.microsoft.com/office/drawing/2014/main" xmlns="" id="{A6F8CFEF-47C2-4A03-92C9-7296106D053E}"/>
               </a:ext>
             </a:extLst>
           </p:cNvPr>
@@ -17470,7 +20791,7 @@
           <p:cNvPr id="4" name="직사각형 3">
             <a:extLst>
               <a:ext uri="{FF2B5EF4-FFF2-40B4-BE49-F238E27FC236}">
-                <a16:creationId xmlns="" xmlns:a16="http://schemas.microsoft.com/office/drawing/2014/main" id="{827CBD14-205C-455C-BAB0-9D54EBB80528}"/>
+                <a16:creationId xmlns:a16="http://schemas.microsoft.com/office/drawing/2014/main" xmlns="" id="{827CBD14-205C-455C-BAB0-9D54EBB80528}"/>
               </a:ext>
             </a:extLst>
           </p:cNvPr>
@@ -17632,7 +20953,7 @@
           <p:cNvPr id="8" name="TextBox 7">
             <a:extLst>
               <a:ext uri="{FF2B5EF4-FFF2-40B4-BE49-F238E27FC236}">
-                <a16:creationId xmlns="" xmlns:a16="http://schemas.microsoft.com/office/drawing/2014/main" id="{722612CD-3BFF-4C2C-9806-463600493546}"/>
+                <a16:creationId xmlns:a16="http://schemas.microsoft.com/office/drawing/2014/main" xmlns="" id="{722612CD-3BFF-4C2C-9806-463600493546}"/>
               </a:ext>
             </a:extLst>
           </p:cNvPr>
@@ -17690,7 +21011,7 @@
           <p:cNvPr id="9" name="직사각형 8">
             <a:extLst>
               <a:ext uri="{FF2B5EF4-FFF2-40B4-BE49-F238E27FC236}">
-                <a16:creationId xmlns="" xmlns:a16="http://schemas.microsoft.com/office/drawing/2014/main" id="{A6F8CFEF-47C2-4A03-92C9-7296106D053E}"/>
+                <a16:creationId xmlns:a16="http://schemas.microsoft.com/office/drawing/2014/main" xmlns="" id="{A6F8CFEF-47C2-4A03-92C9-7296106D053E}"/>
               </a:ext>
             </a:extLst>
           </p:cNvPr>
@@ -17823,7 +21144,7 @@
           <p:cNvPr id="4" name="직사각형 3">
             <a:extLst>
               <a:ext uri="{FF2B5EF4-FFF2-40B4-BE49-F238E27FC236}">
-                <a16:creationId xmlns="" xmlns:a16="http://schemas.microsoft.com/office/drawing/2014/main" id="{827CBD14-205C-455C-BAB0-9D54EBB80528}"/>
+                <a16:creationId xmlns:a16="http://schemas.microsoft.com/office/drawing/2014/main" xmlns="" id="{827CBD14-205C-455C-BAB0-9D54EBB80528}"/>
               </a:ext>
             </a:extLst>
           </p:cNvPr>
@@ -17985,7 +21306,7 @@
           <p:cNvPr id="8" name="TextBox 7">
             <a:extLst>
               <a:ext uri="{FF2B5EF4-FFF2-40B4-BE49-F238E27FC236}">
-                <a16:creationId xmlns="" xmlns:a16="http://schemas.microsoft.com/office/drawing/2014/main" id="{722612CD-3BFF-4C2C-9806-463600493546}"/>
+                <a16:creationId xmlns:a16="http://schemas.microsoft.com/office/drawing/2014/main" xmlns="" id="{722612CD-3BFF-4C2C-9806-463600493546}"/>
               </a:ext>
             </a:extLst>
           </p:cNvPr>
@@ -18115,7 +21436,7 @@
           <p:cNvPr id="4" name="직사각형 3">
             <a:extLst>
               <a:ext uri="{FF2B5EF4-FFF2-40B4-BE49-F238E27FC236}">
-                <a16:creationId xmlns="" xmlns:a16="http://schemas.microsoft.com/office/drawing/2014/main" id="{827CBD14-205C-455C-BAB0-9D54EBB80528}"/>
+                <a16:creationId xmlns:a16="http://schemas.microsoft.com/office/drawing/2014/main" xmlns="" id="{827CBD14-205C-455C-BAB0-9D54EBB80528}"/>
               </a:ext>
             </a:extLst>
           </p:cNvPr>
@@ -18277,7 +21598,7 @@
           <p:cNvPr id="8" name="TextBox 7">
             <a:extLst>
               <a:ext uri="{FF2B5EF4-FFF2-40B4-BE49-F238E27FC236}">
-                <a16:creationId xmlns="" xmlns:a16="http://schemas.microsoft.com/office/drawing/2014/main" id="{722612CD-3BFF-4C2C-9806-463600493546}"/>
+                <a16:creationId xmlns:a16="http://schemas.microsoft.com/office/drawing/2014/main" xmlns="" id="{722612CD-3BFF-4C2C-9806-463600493546}"/>
               </a:ext>
             </a:extLst>
           </p:cNvPr>
@@ -18416,7 +21737,7 @@
           <p:cNvPr id="4" name="직사각형 3">
             <a:extLst>
               <a:ext uri="{FF2B5EF4-FFF2-40B4-BE49-F238E27FC236}">
-                <a16:creationId xmlns="" xmlns:a16="http://schemas.microsoft.com/office/drawing/2014/main" id="{827CBD14-205C-455C-BAB0-9D54EBB80528}"/>
+                <a16:creationId xmlns:a16="http://schemas.microsoft.com/office/drawing/2014/main" xmlns="" id="{827CBD14-205C-455C-BAB0-9D54EBB80528}"/>
               </a:ext>
             </a:extLst>
           </p:cNvPr>
@@ -18467,7 +21788,7 @@
           <p:cNvPr id="8" name="TextBox 7">
             <a:extLst>
               <a:ext uri="{FF2B5EF4-FFF2-40B4-BE49-F238E27FC236}">
-                <a16:creationId xmlns="" xmlns:a16="http://schemas.microsoft.com/office/drawing/2014/main" id="{722612CD-3BFF-4C2C-9806-463600493546}"/>
+                <a16:creationId xmlns:a16="http://schemas.microsoft.com/office/drawing/2014/main" xmlns="" id="{722612CD-3BFF-4C2C-9806-463600493546}"/>
               </a:ext>
             </a:extLst>
           </p:cNvPr>
@@ -18510,7 +21831,7 @@
           <p:cNvPr id="9" name="직사각형 8">
             <a:extLst>
               <a:ext uri="{FF2B5EF4-FFF2-40B4-BE49-F238E27FC236}">
-                <a16:creationId xmlns="" xmlns:a16="http://schemas.microsoft.com/office/drawing/2014/main" id="{A6F8CFEF-47C2-4A03-92C9-7296106D053E}"/>
+                <a16:creationId xmlns:a16="http://schemas.microsoft.com/office/drawing/2014/main" xmlns="" id="{A6F8CFEF-47C2-4A03-92C9-7296106D053E}"/>
               </a:ext>
             </a:extLst>
           </p:cNvPr>
@@ -18562,7 +21883,7 @@
           <p:cNvPr id="5" name="그림 9">
             <a:extLst>
               <a:ext uri="{FF2B5EF4-FFF2-40B4-BE49-F238E27FC236}">
-                <a16:creationId xmlns="" xmlns:a16="http://schemas.microsoft.com/office/drawing/2014/main" id="{5F108894-A2DB-4D18-94BA-C8A2B561CC32}"/>
+                <a16:creationId xmlns:a16="http://schemas.microsoft.com/office/drawing/2014/main" xmlns="" id="{5F108894-A2DB-4D18-94BA-C8A2B561CC32}"/>
               </a:ext>
             </a:extLst>
           </p:cNvPr>
@@ -18632,7 +21953,7 @@
           <p:cNvPr id="4" name="직사각형 3">
             <a:extLst>
               <a:ext uri="{FF2B5EF4-FFF2-40B4-BE49-F238E27FC236}">
-                <a16:creationId xmlns="" xmlns:a16="http://schemas.microsoft.com/office/drawing/2014/main" id="{827CBD14-205C-455C-BAB0-9D54EBB80528}"/>
+                <a16:creationId xmlns:a16="http://schemas.microsoft.com/office/drawing/2014/main" xmlns="" id="{827CBD14-205C-455C-BAB0-9D54EBB80528}"/>
               </a:ext>
             </a:extLst>
           </p:cNvPr>
@@ -18683,7 +22004,7 @@
           <p:cNvPr id="6" name="직사각형 5">
             <a:extLst>
               <a:ext uri="{FF2B5EF4-FFF2-40B4-BE49-F238E27FC236}">
-                <a16:creationId xmlns="" xmlns:a16="http://schemas.microsoft.com/office/drawing/2014/main" id="{45E0CFFD-1570-4FFE-97E4-F1E07A8D7360}"/>
+                <a16:creationId xmlns:a16="http://schemas.microsoft.com/office/drawing/2014/main" xmlns="" id="{45E0CFFD-1570-4FFE-97E4-F1E07A8D7360}"/>
               </a:ext>
             </a:extLst>
           </p:cNvPr>
@@ -18740,7 +22061,7 @@
           <p:cNvPr id="8" name="TextBox 7">
             <a:extLst>
               <a:ext uri="{FF2B5EF4-FFF2-40B4-BE49-F238E27FC236}">
-                <a16:creationId xmlns="" xmlns:a16="http://schemas.microsoft.com/office/drawing/2014/main" id="{722612CD-3BFF-4C2C-9806-463600493546}"/>
+                <a16:creationId xmlns:a16="http://schemas.microsoft.com/office/drawing/2014/main" xmlns="" id="{722612CD-3BFF-4C2C-9806-463600493546}"/>
               </a:ext>
             </a:extLst>
           </p:cNvPr>
@@ -18789,7 +22110,7 @@
           <p:cNvPr id="9" name="직사각형 8">
             <a:extLst>
               <a:ext uri="{FF2B5EF4-FFF2-40B4-BE49-F238E27FC236}">
-                <a16:creationId xmlns="" xmlns:a16="http://schemas.microsoft.com/office/drawing/2014/main" id="{A6F8CFEF-47C2-4A03-92C9-7296106D053E}"/>
+                <a16:creationId xmlns:a16="http://schemas.microsoft.com/office/drawing/2014/main" xmlns="" id="{A6F8CFEF-47C2-4A03-92C9-7296106D053E}"/>
               </a:ext>
             </a:extLst>
           </p:cNvPr>
@@ -18841,7 +22162,7 @@
           <p:cNvPr id="7" name="TextBox 6">
             <a:extLst>
               <a:ext uri="{FF2B5EF4-FFF2-40B4-BE49-F238E27FC236}">
-                <a16:creationId xmlns="" xmlns:a16="http://schemas.microsoft.com/office/drawing/2014/main" id="{18181A22-DD7C-4211-814D-42ABBBA4FA59}"/>
+                <a16:creationId xmlns:a16="http://schemas.microsoft.com/office/drawing/2014/main" xmlns="" id="{18181A22-DD7C-4211-814D-42ABBBA4FA59}"/>
               </a:ext>
             </a:extLst>
           </p:cNvPr>
@@ -18983,7 +22304,7 @@
           <p:cNvPr id="3" name="이등변 삼각형 2">
             <a:extLst>
               <a:ext uri="{FF2B5EF4-FFF2-40B4-BE49-F238E27FC236}">
-                <a16:creationId xmlns="" xmlns:a16="http://schemas.microsoft.com/office/drawing/2014/main" id="{B5C2D509-980A-4925-A6BF-9DDBFC91E477}"/>
+                <a16:creationId xmlns:a16="http://schemas.microsoft.com/office/drawing/2014/main" xmlns="" id="{B5C2D509-980A-4925-A6BF-9DDBFC91E477}"/>
               </a:ext>
             </a:extLst>
           </p:cNvPr>
@@ -19032,7 +22353,7 @@
           <p:cNvPr id="5" name="그림 9">
             <a:extLst>
               <a:ext uri="{FF2B5EF4-FFF2-40B4-BE49-F238E27FC236}">
-                <a16:creationId xmlns="" xmlns:a16="http://schemas.microsoft.com/office/drawing/2014/main" id="{5F108894-A2DB-4D18-94BA-C8A2B561CC32}"/>
+                <a16:creationId xmlns:a16="http://schemas.microsoft.com/office/drawing/2014/main" xmlns="" id="{5F108894-A2DB-4D18-94BA-C8A2B561CC32}"/>
               </a:ext>
             </a:extLst>
           </p:cNvPr>
@@ -19062,7 +22383,7 @@
           <p:cNvPr id="2" name="그림 9" descr="스크린샷이(가) 표시된 사진&#10;&#10;자동 생성된 설명">
             <a:extLst>
               <a:ext uri="{FF2B5EF4-FFF2-40B4-BE49-F238E27FC236}">
-                <a16:creationId xmlns="" xmlns:a16="http://schemas.microsoft.com/office/drawing/2014/main" id="{3B9A686E-7989-4813-B85D-6275A92650ED}"/>
+                <a16:creationId xmlns:a16="http://schemas.microsoft.com/office/drawing/2014/main" xmlns="" id="{3B9A686E-7989-4813-B85D-6275A92650ED}"/>
               </a:ext>
             </a:extLst>
           </p:cNvPr>
@@ -19092,7 +22413,7 @@
           <p:cNvPr id="10" name="그림 10" descr="스크린샷이(가) 표시된 사진&#10;&#10;자동 생성된 설명">
             <a:extLst>
               <a:ext uri="{FF2B5EF4-FFF2-40B4-BE49-F238E27FC236}">
-                <a16:creationId xmlns="" xmlns:a16="http://schemas.microsoft.com/office/drawing/2014/main" id="{F911A9F7-F2DA-4E93-BC15-28FADAFC4F16}"/>
+                <a16:creationId xmlns:a16="http://schemas.microsoft.com/office/drawing/2014/main" xmlns="" id="{F911A9F7-F2DA-4E93-BC15-28FADAFC4F16}"/>
               </a:ext>
             </a:extLst>
           </p:cNvPr>
@@ -19122,7 +22443,7 @@
           <p:cNvPr id="12" name="그림 15">
             <a:extLst>
               <a:ext uri="{FF2B5EF4-FFF2-40B4-BE49-F238E27FC236}">
-                <a16:creationId xmlns="" xmlns:a16="http://schemas.microsoft.com/office/drawing/2014/main" id="{2BF7043A-CCB2-4CD5-9F77-58DC4920804C}"/>
+                <a16:creationId xmlns:a16="http://schemas.microsoft.com/office/drawing/2014/main" xmlns="" id="{2BF7043A-CCB2-4CD5-9F77-58DC4920804C}"/>
               </a:ext>
             </a:extLst>
           </p:cNvPr>
@@ -19185,7 +22506,7 @@
           <p:cNvPr id="4" name="직사각형 3">
             <a:extLst>
               <a:ext uri="{FF2B5EF4-FFF2-40B4-BE49-F238E27FC236}">
-                <a16:creationId xmlns="" xmlns:a16="http://schemas.microsoft.com/office/drawing/2014/main" id="{827CBD14-205C-455C-BAB0-9D54EBB80528}"/>
+                <a16:creationId xmlns:a16="http://schemas.microsoft.com/office/drawing/2014/main" xmlns="" id="{827CBD14-205C-455C-BAB0-9D54EBB80528}"/>
               </a:ext>
             </a:extLst>
           </p:cNvPr>
@@ -19236,7 +22557,7 @@
           <p:cNvPr id="6" name="직사각형 5">
             <a:extLst>
               <a:ext uri="{FF2B5EF4-FFF2-40B4-BE49-F238E27FC236}">
-                <a16:creationId xmlns="" xmlns:a16="http://schemas.microsoft.com/office/drawing/2014/main" id="{45E0CFFD-1570-4FFE-97E4-F1E07A8D7360}"/>
+                <a16:creationId xmlns:a16="http://schemas.microsoft.com/office/drawing/2014/main" xmlns="" id="{45E0CFFD-1570-4FFE-97E4-F1E07A8D7360}"/>
               </a:ext>
             </a:extLst>
           </p:cNvPr>
@@ -19293,7 +22614,7 @@
           <p:cNvPr id="8" name="TextBox 7">
             <a:extLst>
               <a:ext uri="{FF2B5EF4-FFF2-40B4-BE49-F238E27FC236}">
-                <a16:creationId xmlns="" xmlns:a16="http://schemas.microsoft.com/office/drawing/2014/main" id="{722612CD-3BFF-4C2C-9806-463600493546}"/>
+                <a16:creationId xmlns:a16="http://schemas.microsoft.com/office/drawing/2014/main" xmlns="" id="{722612CD-3BFF-4C2C-9806-463600493546}"/>
               </a:ext>
             </a:extLst>
           </p:cNvPr>
@@ -19342,7 +22663,7 @@
           <p:cNvPr id="9" name="직사각형 8">
             <a:extLst>
               <a:ext uri="{FF2B5EF4-FFF2-40B4-BE49-F238E27FC236}">
-                <a16:creationId xmlns="" xmlns:a16="http://schemas.microsoft.com/office/drawing/2014/main" id="{A6F8CFEF-47C2-4A03-92C9-7296106D053E}"/>
+                <a16:creationId xmlns:a16="http://schemas.microsoft.com/office/drawing/2014/main" xmlns="" id="{A6F8CFEF-47C2-4A03-92C9-7296106D053E}"/>
               </a:ext>
             </a:extLst>
           </p:cNvPr>
@@ -19394,7 +22715,7 @@
           <p:cNvPr id="7" name="TextBox 6">
             <a:extLst>
               <a:ext uri="{FF2B5EF4-FFF2-40B4-BE49-F238E27FC236}">
-                <a16:creationId xmlns="" xmlns:a16="http://schemas.microsoft.com/office/drawing/2014/main" id="{18181A22-DD7C-4211-814D-42ABBBA4FA59}"/>
+                <a16:creationId xmlns:a16="http://schemas.microsoft.com/office/drawing/2014/main" xmlns="" id="{18181A22-DD7C-4211-814D-42ABBBA4FA59}"/>
               </a:ext>
             </a:extLst>
           </p:cNvPr>
@@ -19536,7 +22857,7 @@
           <p:cNvPr id="3" name="이등변 삼각형 2">
             <a:extLst>
               <a:ext uri="{FF2B5EF4-FFF2-40B4-BE49-F238E27FC236}">
-                <a16:creationId xmlns="" xmlns:a16="http://schemas.microsoft.com/office/drawing/2014/main" id="{B5C2D509-980A-4925-A6BF-9DDBFC91E477}"/>
+                <a16:creationId xmlns:a16="http://schemas.microsoft.com/office/drawing/2014/main" xmlns="" id="{B5C2D509-980A-4925-A6BF-9DDBFC91E477}"/>
               </a:ext>
             </a:extLst>
           </p:cNvPr>
@@ -19585,7 +22906,7 @@
           <p:cNvPr id="5" name="그림 9">
             <a:extLst>
               <a:ext uri="{FF2B5EF4-FFF2-40B4-BE49-F238E27FC236}">
-                <a16:creationId xmlns="" xmlns:a16="http://schemas.microsoft.com/office/drawing/2014/main" id="{5F108894-A2DB-4D18-94BA-C8A2B561CC32}"/>
+                <a16:creationId xmlns:a16="http://schemas.microsoft.com/office/drawing/2014/main" xmlns="" id="{5F108894-A2DB-4D18-94BA-C8A2B561CC32}"/>
               </a:ext>
             </a:extLst>
           </p:cNvPr>
@@ -19615,7 +22936,7 @@
           <p:cNvPr id="2" name="그림 9" descr="스크린샷이(가) 표시된 사진&#10;&#10;자동 생성된 설명">
             <a:extLst>
               <a:ext uri="{FF2B5EF4-FFF2-40B4-BE49-F238E27FC236}">
-                <a16:creationId xmlns="" xmlns:a16="http://schemas.microsoft.com/office/drawing/2014/main" id="{3B9A686E-7989-4813-B85D-6275A92650ED}"/>
+                <a16:creationId xmlns:a16="http://schemas.microsoft.com/office/drawing/2014/main" xmlns="" id="{3B9A686E-7989-4813-B85D-6275A92650ED}"/>
               </a:ext>
             </a:extLst>
           </p:cNvPr>
@@ -19645,7 +22966,7 @@
           <p:cNvPr id="14" name="그림 10" descr="스크린샷이(가) 표시된 사진&#10;&#10;자동 생성된 설명">
             <a:extLst>
               <a:ext uri="{FF2B5EF4-FFF2-40B4-BE49-F238E27FC236}">
-                <a16:creationId xmlns="" xmlns:a16="http://schemas.microsoft.com/office/drawing/2014/main" id="{98645443-6CEE-42F4-964C-2D889E4BB682}"/>
+                <a16:creationId xmlns:a16="http://schemas.microsoft.com/office/drawing/2014/main" xmlns="" id="{98645443-6CEE-42F4-964C-2D889E4BB682}"/>
               </a:ext>
             </a:extLst>
           </p:cNvPr>
@@ -19675,7 +22996,7 @@
           <p:cNvPr id="15" name="그림 15">
             <a:extLst>
               <a:ext uri="{FF2B5EF4-FFF2-40B4-BE49-F238E27FC236}">
-                <a16:creationId xmlns="" xmlns:a16="http://schemas.microsoft.com/office/drawing/2014/main" id="{5C09D9B1-A8F6-4F1B-9021-03E424E0C0E4}"/>
+                <a16:creationId xmlns:a16="http://schemas.microsoft.com/office/drawing/2014/main" xmlns="" id="{5C09D9B1-A8F6-4F1B-9021-03E424E0C0E4}"/>
               </a:ext>
             </a:extLst>
           </p:cNvPr>
@@ -19738,7 +23059,7 @@
           <p:cNvPr id="4" name="직사각형 3">
             <a:extLst>
               <a:ext uri="{FF2B5EF4-FFF2-40B4-BE49-F238E27FC236}">
-                <a16:creationId xmlns="" xmlns:a16="http://schemas.microsoft.com/office/drawing/2014/main" id="{827CBD14-205C-455C-BAB0-9D54EBB80528}"/>
+                <a16:creationId xmlns:a16="http://schemas.microsoft.com/office/drawing/2014/main" xmlns="" id="{827CBD14-205C-455C-BAB0-9D54EBB80528}"/>
               </a:ext>
             </a:extLst>
           </p:cNvPr>
@@ -19789,7 +23110,7 @@
           <p:cNvPr id="6" name="직사각형 5">
             <a:extLst>
               <a:ext uri="{FF2B5EF4-FFF2-40B4-BE49-F238E27FC236}">
-                <a16:creationId xmlns="" xmlns:a16="http://schemas.microsoft.com/office/drawing/2014/main" id="{45E0CFFD-1570-4FFE-97E4-F1E07A8D7360}"/>
+                <a16:creationId xmlns:a16="http://schemas.microsoft.com/office/drawing/2014/main" xmlns="" id="{45E0CFFD-1570-4FFE-97E4-F1E07A8D7360}"/>
               </a:ext>
             </a:extLst>
           </p:cNvPr>
@@ -19846,7 +23167,7 @@
           <p:cNvPr id="8" name="TextBox 7">
             <a:extLst>
               <a:ext uri="{FF2B5EF4-FFF2-40B4-BE49-F238E27FC236}">
-                <a16:creationId xmlns="" xmlns:a16="http://schemas.microsoft.com/office/drawing/2014/main" id="{722612CD-3BFF-4C2C-9806-463600493546}"/>
+                <a16:creationId xmlns:a16="http://schemas.microsoft.com/office/drawing/2014/main" xmlns="" id="{722612CD-3BFF-4C2C-9806-463600493546}"/>
               </a:ext>
             </a:extLst>
           </p:cNvPr>
@@ -19895,7 +23216,7 @@
           <p:cNvPr id="9" name="직사각형 8">
             <a:extLst>
               <a:ext uri="{FF2B5EF4-FFF2-40B4-BE49-F238E27FC236}">
-                <a16:creationId xmlns="" xmlns:a16="http://schemas.microsoft.com/office/drawing/2014/main" id="{A6F8CFEF-47C2-4A03-92C9-7296106D053E}"/>
+                <a16:creationId xmlns:a16="http://schemas.microsoft.com/office/drawing/2014/main" xmlns="" id="{A6F8CFEF-47C2-4A03-92C9-7296106D053E}"/>
               </a:ext>
             </a:extLst>
           </p:cNvPr>
@@ -19947,7 +23268,7 @@
           <p:cNvPr id="7" name="TextBox 6">
             <a:extLst>
               <a:ext uri="{FF2B5EF4-FFF2-40B4-BE49-F238E27FC236}">
-                <a16:creationId xmlns="" xmlns:a16="http://schemas.microsoft.com/office/drawing/2014/main" id="{18181A22-DD7C-4211-814D-42ABBBA4FA59}"/>
+                <a16:creationId xmlns:a16="http://schemas.microsoft.com/office/drawing/2014/main" xmlns="" id="{18181A22-DD7C-4211-814D-42ABBBA4FA59}"/>
               </a:ext>
             </a:extLst>
           </p:cNvPr>
@@ -20108,7 +23429,7 @@
           <p:cNvPr id="3" name="이등변 삼각형 2">
             <a:extLst>
               <a:ext uri="{FF2B5EF4-FFF2-40B4-BE49-F238E27FC236}">
-                <a16:creationId xmlns="" xmlns:a16="http://schemas.microsoft.com/office/drawing/2014/main" id="{B5C2D509-980A-4925-A6BF-9DDBFC91E477}"/>
+                <a16:creationId xmlns:a16="http://schemas.microsoft.com/office/drawing/2014/main" xmlns="" id="{B5C2D509-980A-4925-A6BF-9DDBFC91E477}"/>
               </a:ext>
             </a:extLst>
           </p:cNvPr>
@@ -20157,7 +23478,7 @@
           <p:cNvPr id="5" name="그림 9">
             <a:extLst>
               <a:ext uri="{FF2B5EF4-FFF2-40B4-BE49-F238E27FC236}">
-                <a16:creationId xmlns="" xmlns:a16="http://schemas.microsoft.com/office/drawing/2014/main" id="{5F108894-A2DB-4D18-94BA-C8A2B561CC32}"/>
+                <a16:creationId xmlns:a16="http://schemas.microsoft.com/office/drawing/2014/main" xmlns="" id="{5F108894-A2DB-4D18-94BA-C8A2B561CC32}"/>
               </a:ext>
             </a:extLst>
           </p:cNvPr>
@@ -20187,7 +23508,7 @@
           <p:cNvPr id="2" name="그림 9" descr="스크린샷이(가) 표시된 사진&#10;&#10;자동 생성된 설명">
             <a:extLst>
               <a:ext uri="{FF2B5EF4-FFF2-40B4-BE49-F238E27FC236}">
-                <a16:creationId xmlns="" xmlns:a16="http://schemas.microsoft.com/office/drawing/2014/main" id="{3B9A686E-7989-4813-B85D-6275A92650ED}"/>
+                <a16:creationId xmlns:a16="http://schemas.microsoft.com/office/drawing/2014/main" xmlns="" id="{3B9A686E-7989-4813-B85D-6275A92650ED}"/>
               </a:ext>
             </a:extLst>
           </p:cNvPr>
@@ -20217,7 +23538,7 @@
           <p:cNvPr id="14" name="그림 10" descr="스크린샷이(가) 표시된 사진&#10;&#10;자동 생성된 설명">
             <a:extLst>
               <a:ext uri="{FF2B5EF4-FFF2-40B4-BE49-F238E27FC236}">
-                <a16:creationId xmlns="" xmlns:a16="http://schemas.microsoft.com/office/drawing/2014/main" id="{98645443-6CEE-42F4-964C-2D889E4BB682}"/>
+                <a16:creationId xmlns:a16="http://schemas.microsoft.com/office/drawing/2014/main" xmlns="" id="{98645443-6CEE-42F4-964C-2D889E4BB682}"/>
               </a:ext>
             </a:extLst>
           </p:cNvPr>
@@ -20247,7 +23568,7 @@
           <p:cNvPr id="15" name="그림 15">
             <a:extLst>
               <a:ext uri="{FF2B5EF4-FFF2-40B4-BE49-F238E27FC236}">
-                <a16:creationId xmlns="" xmlns:a16="http://schemas.microsoft.com/office/drawing/2014/main" id="{5C09D9B1-A8F6-4F1B-9021-03E424E0C0E4}"/>
+                <a16:creationId xmlns:a16="http://schemas.microsoft.com/office/drawing/2014/main" xmlns="" id="{5C09D9B1-A8F6-4F1B-9021-03E424E0C0E4}"/>
               </a:ext>
             </a:extLst>
           </p:cNvPr>
@@ -20277,7 +23598,7 @@
           <p:cNvPr id="10" name="그림 10" descr="텍스트이(가) 표시된 사진&#10;&#10;자동 생성된 설명">
             <a:extLst>
               <a:ext uri="{FF2B5EF4-FFF2-40B4-BE49-F238E27FC236}">
-                <a16:creationId xmlns="" xmlns:a16="http://schemas.microsoft.com/office/drawing/2014/main" id="{35E9DE28-F711-4612-9812-552A581C0C8A}"/>
+                <a16:creationId xmlns:a16="http://schemas.microsoft.com/office/drawing/2014/main" xmlns="" id="{35E9DE28-F711-4612-9812-552A581C0C8A}"/>
               </a:ext>
             </a:extLst>
           </p:cNvPr>
@@ -20340,7 +23661,7 @@
           <p:cNvPr id="4" name="직사각형 3">
             <a:extLst>
               <a:ext uri="{FF2B5EF4-FFF2-40B4-BE49-F238E27FC236}">
-                <a16:creationId xmlns="" xmlns:a16="http://schemas.microsoft.com/office/drawing/2014/main" id="{827CBD14-205C-455C-BAB0-9D54EBB80528}"/>
+                <a16:creationId xmlns:a16="http://schemas.microsoft.com/office/drawing/2014/main" xmlns="" id="{827CBD14-205C-455C-BAB0-9D54EBB80528}"/>
               </a:ext>
             </a:extLst>
           </p:cNvPr>
@@ -20391,7 +23712,7 @@
           <p:cNvPr id="6" name="직사각형 5">
             <a:extLst>
               <a:ext uri="{FF2B5EF4-FFF2-40B4-BE49-F238E27FC236}">
-                <a16:creationId xmlns="" xmlns:a16="http://schemas.microsoft.com/office/drawing/2014/main" id="{45E0CFFD-1570-4FFE-97E4-F1E07A8D7360}"/>
+                <a16:creationId xmlns:a16="http://schemas.microsoft.com/office/drawing/2014/main" xmlns="" id="{45E0CFFD-1570-4FFE-97E4-F1E07A8D7360}"/>
               </a:ext>
             </a:extLst>
           </p:cNvPr>
@@ -20448,7 +23769,7 @@
           <p:cNvPr id="8" name="TextBox 7">
             <a:extLst>
               <a:ext uri="{FF2B5EF4-FFF2-40B4-BE49-F238E27FC236}">
-                <a16:creationId xmlns="" xmlns:a16="http://schemas.microsoft.com/office/drawing/2014/main" id="{722612CD-3BFF-4C2C-9806-463600493546}"/>
+                <a16:creationId xmlns:a16="http://schemas.microsoft.com/office/drawing/2014/main" xmlns="" id="{722612CD-3BFF-4C2C-9806-463600493546}"/>
               </a:ext>
             </a:extLst>
           </p:cNvPr>
@@ -20497,7 +23818,7 @@
           <p:cNvPr id="9" name="직사각형 8">
             <a:extLst>
               <a:ext uri="{FF2B5EF4-FFF2-40B4-BE49-F238E27FC236}">
-                <a16:creationId xmlns="" xmlns:a16="http://schemas.microsoft.com/office/drawing/2014/main" id="{A6F8CFEF-47C2-4A03-92C9-7296106D053E}"/>
+                <a16:creationId xmlns:a16="http://schemas.microsoft.com/office/drawing/2014/main" xmlns="" id="{A6F8CFEF-47C2-4A03-92C9-7296106D053E}"/>
               </a:ext>
             </a:extLst>
           </p:cNvPr>
@@ -20549,7 +23870,7 @@
           <p:cNvPr id="7" name="TextBox 6">
             <a:extLst>
               <a:ext uri="{FF2B5EF4-FFF2-40B4-BE49-F238E27FC236}">
-                <a16:creationId xmlns="" xmlns:a16="http://schemas.microsoft.com/office/drawing/2014/main" id="{18181A22-DD7C-4211-814D-42ABBBA4FA59}"/>
+                <a16:creationId xmlns:a16="http://schemas.microsoft.com/office/drawing/2014/main" xmlns="" id="{18181A22-DD7C-4211-814D-42ABBBA4FA59}"/>
               </a:ext>
             </a:extLst>
           </p:cNvPr>
@@ -20710,7 +24031,7 @@
           <p:cNvPr id="3" name="이등변 삼각형 2">
             <a:extLst>
               <a:ext uri="{FF2B5EF4-FFF2-40B4-BE49-F238E27FC236}">
-                <a16:creationId xmlns="" xmlns:a16="http://schemas.microsoft.com/office/drawing/2014/main" id="{B5C2D509-980A-4925-A6BF-9DDBFC91E477}"/>
+                <a16:creationId xmlns:a16="http://schemas.microsoft.com/office/drawing/2014/main" xmlns="" id="{B5C2D509-980A-4925-A6BF-9DDBFC91E477}"/>
               </a:ext>
             </a:extLst>
           </p:cNvPr>
@@ -20759,7 +24080,7 @@
           <p:cNvPr id="5" name="그림 9">
             <a:extLst>
               <a:ext uri="{FF2B5EF4-FFF2-40B4-BE49-F238E27FC236}">
-                <a16:creationId xmlns="" xmlns:a16="http://schemas.microsoft.com/office/drawing/2014/main" id="{5F108894-A2DB-4D18-94BA-C8A2B561CC32}"/>
+                <a16:creationId xmlns:a16="http://schemas.microsoft.com/office/drawing/2014/main" xmlns="" id="{5F108894-A2DB-4D18-94BA-C8A2B561CC32}"/>
               </a:ext>
             </a:extLst>
           </p:cNvPr>
@@ -20789,7 +24110,7 @@
           <p:cNvPr id="2" name="그림 9" descr="스크린샷이(가) 표시된 사진&#10;&#10;자동 생성된 설명">
             <a:extLst>
               <a:ext uri="{FF2B5EF4-FFF2-40B4-BE49-F238E27FC236}">
-                <a16:creationId xmlns="" xmlns:a16="http://schemas.microsoft.com/office/drawing/2014/main" id="{3B9A686E-7989-4813-B85D-6275A92650ED}"/>
+                <a16:creationId xmlns:a16="http://schemas.microsoft.com/office/drawing/2014/main" xmlns="" id="{3B9A686E-7989-4813-B85D-6275A92650ED}"/>
               </a:ext>
             </a:extLst>
           </p:cNvPr>
@@ -20819,7 +24140,7 @@
           <p:cNvPr id="14" name="그림 10" descr="스크린샷이(가) 표시된 사진&#10;&#10;자동 생성된 설명">
             <a:extLst>
               <a:ext uri="{FF2B5EF4-FFF2-40B4-BE49-F238E27FC236}">
-                <a16:creationId xmlns="" xmlns:a16="http://schemas.microsoft.com/office/drawing/2014/main" id="{98645443-6CEE-42F4-964C-2D889E4BB682}"/>
+                <a16:creationId xmlns:a16="http://schemas.microsoft.com/office/drawing/2014/main" xmlns="" id="{98645443-6CEE-42F4-964C-2D889E4BB682}"/>
               </a:ext>
             </a:extLst>
           </p:cNvPr>
@@ -20849,7 +24170,7 @@
           <p:cNvPr id="15" name="그림 15">
             <a:extLst>
               <a:ext uri="{FF2B5EF4-FFF2-40B4-BE49-F238E27FC236}">
-                <a16:creationId xmlns="" xmlns:a16="http://schemas.microsoft.com/office/drawing/2014/main" id="{5C09D9B1-A8F6-4F1B-9021-03E424E0C0E4}"/>
+                <a16:creationId xmlns:a16="http://schemas.microsoft.com/office/drawing/2014/main" xmlns="" id="{5C09D9B1-A8F6-4F1B-9021-03E424E0C0E4}"/>
               </a:ext>
             </a:extLst>
           </p:cNvPr>
@@ -20879,7 +24200,7 @@
           <p:cNvPr id="10" name="그림 10" descr="텍스트이(가) 표시된 사진&#10;&#10;자동 생성된 설명">
             <a:extLst>
               <a:ext uri="{FF2B5EF4-FFF2-40B4-BE49-F238E27FC236}">
-                <a16:creationId xmlns="" xmlns:a16="http://schemas.microsoft.com/office/drawing/2014/main" id="{35E9DE28-F711-4612-9812-552A581C0C8A}"/>
+                <a16:creationId xmlns:a16="http://schemas.microsoft.com/office/drawing/2014/main" xmlns="" id="{35E9DE28-F711-4612-9812-552A581C0C8A}"/>
               </a:ext>
             </a:extLst>
           </p:cNvPr>
@@ -20909,7 +24230,7 @@
           <p:cNvPr id="11" name="그림 11" descr="스크린샷이(가) 표시된 사진&#10;&#10;자동 생성된 설명">
             <a:extLst>
               <a:ext uri="{FF2B5EF4-FFF2-40B4-BE49-F238E27FC236}">
-                <a16:creationId xmlns="" xmlns:a16="http://schemas.microsoft.com/office/drawing/2014/main" id="{8EC5999F-43C2-4951-82F0-CF5A45D74302}"/>
+                <a16:creationId xmlns:a16="http://schemas.microsoft.com/office/drawing/2014/main" xmlns="" id="{8EC5999F-43C2-4951-82F0-CF5A45D74302}"/>
               </a:ext>
             </a:extLst>
           </p:cNvPr>
@@ -20972,7 +24293,7 @@
           <p:cNvPr id="4" name="직사각형 3">
             <a:extLst>
               <a:ext uri="{FF2B5EF4-FFF2-40B4-BE49-F238E27FC236}">
-                <a16:creationId xmlns="" xmlns:a16="http://schemas.microsoft.com/office/drawing/2014/main" id="{827CBD14-205C-455C-BAB0-9D54EBB80528}"/>
+                <a16:creationId xmlns:a16="http://schemas.microsoft.com/office/drawing/2014/main" xmlns="" id="{827CBD14-205C-455C-BAB0-9D54EBB80528}"/>
               </a:ext>
             </a:extLst>
           </p:cNvPr>
@@ -21023,7 +24344,7 @@
           <p:cNvPr id="6" name="직사각형 5">
             <a:extLst>
               <a:ext uri="{FF2B5EF4-FFF2-40B4-BE49-F238E27FC236}">
-                <a16:creationId xmlns="" xmlns:a16="http://schemas.microsoft.com/office/drawing/2014/main" id="{45E0CFFD-1570-4FFE-97E4-F1E07A8D7360}"/>
+                <a16:creationId xmlns:a16="http://schemas.microsoft.com/office/drawing/2014/main" xmlns="" id="{45E0CFFD-1570-4FFE-97E4-F1E07A8D7360}"/>
               </a:ext>
             </a:extLst>
           </p:cNvPr>
@@ -21080,7 +24401,7 @@
           <p:cNvPr id="8" name="TextBox 7">
             <a:extLst>
               <a:ext uri="{FF2B5EF4-FFF2-40B4-BE49-F238E27FC236}">
-                <a16:creationId xmlns="" xmlns:a16="http://schemas.microsoft.com/office/drawing/2014/main" id="{722612CD-3BFF-4C2C-9806-463600493546}"/>
+                <a16:creationId xmlns:a16="http://schemas.microsoft.com/office/drawing/2014/main" xmlns="" id="{722612CD-3BFF-4C2C-9806-463600493546}"/>
               </a:ext>
             </a:extLst>
           </p:cNvPr>
@@ -21129,7 +24450,7 @@
           <p:cNvPr id="9" name="직사각형 8">
             <a:extLst>
               <a:ext uri="{FF2B5EF4-FFF2-40B4-BE49-F238E27FC236}">
-                <a16:creationId xmlns="" xmlns:a16="http://schemas.microsoft.com/office/drawing/2014/main" id="{A6F8CFEF-47C2-4A03-92C9-7296106D053E}"/>
+                <a16:creationId xmlns:a16="http://schemas.microsoft.com/office/drawing/2014/main" xmlns="" id="{A6F8CFEF-47C2-4A03-92C9-7296106D053E}"/>
               </a:ext>
             </a:extLst>
           </p:cNvPr>
@@ -21181,7 +24502,7 @@
           <p:cNvPr id="7" name="TextBox 6">
             <a:extLst>
               <a:ext uri="{FF2B5EF4-FFF2-40B4-BE49-F238E27FC236}">
-                <a16:creationId xmlns="" xmlns:a16="http://schemas.microsoft.com/office/drawing/2014/main" id="{18181A22-DD7C-4211-814D-42ABBBA4FA59}"/>
+                <a16:creationId xmlns:a16="http://schemas.microsoft.com/office/drawing/2014/main" xmlns="" id="{18181A22-DD7C-4211-814D-42ABBBA4FA59}"/>
               </a:ext>
             </a:extLst>
           </p:cNvPr>
@@ -21342,7 +24663,7 @@
           <p:cNvPr id="3" name="이등변 삼각형 2">
             <a:extLst>
               <a:ext uri="{FF2B5EF4-FFF2-40B4-BE49-F238E27FC236}">
-                <a16:creationId xmlns="" xmlns:a16="http://schemas.microsoft.com/office/drawing/2014/main" id="{B5C2D509-980A-4925-A6BF-9DDBFC91E477}"/>
+                <a16:creationId xmlns:a16="http://schemas.microsoft.com/office/drawing/2014/main" xmlns="" id="{B5C2D509-980A-4925-A6BF-9DDBFC91E477}"/>
               </a:ext>
             </a:extLst>
           </p:cNvPr>
@@ -21391,7 +24712,7 @@
           <p:cNvPr id="5" name="그림 9">
             <a:extLst>
               <a:ext uri="{FF2B5EF4-FFF2-40B4-BE49-F238E27FC236}">
-                <a16:creationId xmlns="" xmlns:a16="http://schemas.microsoft.com/office/drawing/2014/main" id="{5F108894-A2DB-4D18-94BA-C8A2B561CC32}"/>
+                <a16:creationId xmlns:a16="http://schemas.microsoft.com/office/drawing/2014/main" xmlns="" id="{5F108894-A2DB-4D18-94BA-C8A2B561CC32}"/>
               </a:ext>
             </a:extLst>
           </p:cNvPr>
@@ -21421,7 +24742,7 @@
           <p:cNvPr id="2" name="그림 9" descr="스크린샷이(가) 표시된 사진&#10;&#10;자동 생성된 설명">
             <a:extLst>
               <a:ext uri="{FF2B5EF4-FFF2-40B4-BE49-F238E27FC236}">
-                <a16:creationId xmlns="" xmlns:a16="http://schemas.microsoft.com/office/drawing/2014/main" id="{3B9A686E-7989-4813-B85D-6275A92650ED}"/>
+                <a16:creationId xmlns:a16="http://schemas.microsoft.com/office/drawing/2014/main" xmlns="" id="{3B9A686E-7989-4813-B85D-6275A92650ED}"/>
               </a:ext>
             </a:extLst>
           </p:cNvPr>
@@ -21451,7 +24772,7 @@
           <p:cNvPr id="14" name="그림 10" descr="스크린샷이(가) 표시된 사진&#10;&#10;자동 생성된 설명">
             <a:extLst>
               <a:ext uri="{FF2B5EF4-FFF2-40B4-BE49-F238E27FC236}">
-                <a16:creationId xmlns="" xmlns:a16="http://schemas.microsoft.com/office/drawing/2014/main" id="{98645443-6CEE-42F4-964C-2D889E4BB682}"/>
+                <a16:creationId xmlns:a16="http://schemas.microsoft.com/office/drawing/2014/main" xmlns="" id="{98645443-6CEE-42F4-964C-2D889E4BB682}"/>
               </a:ext>
             </a:extLst>
           </p:cNvPr>
@@ -21481,7 +24802,7 @@
           <p:cNvPr id="15" name="그림 15">
             <a:extLst>
               <a:ext uri="{FF2B5EF4-FFF2-40B4-BE49-F238E27FC236}">
-                <a16:creationId xmlns="" xmlns:a16="http://schemas.microsoft.com/office/drawing/2014/main" id="{5C09D9B1-A8F6-4F1B-9021-03E424E0C0E4}"/>
+                <a16:creationId xmlns:a16="http://schemas.microsoft.com/office/drawing/2014/main" xmlns="" id="{5C09D9B1-A8F6-4F1B-9021-03E424E0C0E4}"/>
               </a:ext>
             </a:extLst>
           </p:cNvPr>
@@ -21511,7 +24832,7 @@
           <p:cNvPr id="10" name="그림 10" descr="텍스트이(가) 표시된 사진&#10;&#10;자동 생성된 설명">
             <a:extLst>
               <a:ext uri="{FF2B5EF4-FFF2-40B4-BE49-F238E27FC236}">
-                <a16:creationId xmlns="" xmlns:a16="http://schemas.microsoft.com/office/drawing/2014/main" id="{35E9DE28-F711-4612-9812-552A581C0C8A}"/>
+                <a16:creationId xmlns:a16="http://schemas.microsoft.com/office/drawing/2014/main" xmlns="" id="{35E9DE28-F711-4612-9812-552A581C0C8A}"/>
               </a:ext>
             </a:extLst>
           </p:cNvPr>
@@ -21541,7 +24862,7 @@
           <p:cNvPr id="11" name="그림 11" descr="스크린샷이(가) 표시된 사진&#10;&#10;자동 생성된 설명">
             <a:extLst>
               <a:ext uri="{FF2B5EF4-FFF2-40B4-BE49-F238E27FC236}">
-                <a16:creationId xmlns="" xmlns:a16="http://schemas.microsoft.com/office/drawing/2014/main" id="{8EC5999F-43C2-4951-82F0-CF5A45D74302}"/>
+                <a16:creationId xmlns:a16="http://schemas.microsoft.com/office/drawing/2014/main" xmlns="" id="{8EC5999F-43C2-4951-82F0-CF5A45D74302}"/>
               </a:ext>
             </a:extLst>
           </p:cNvPr>
@@ -21571,7 +24892,7 @@
           <p:cNvPr id="12" name="그림 12" descr="스크린샷이(가) 표시된 사진&#10;&#10;자동 생성된 설명">
             <a:extLst>
               <a:ext uri="{FF2B5EF4-FFF2-40B4-BE49-F238E27FC236}">
-                <a16:creationId xmlns="" xmlns:a16="http://schemas.microsoft.com/office/drawing/2014/main" id="{22F2BE1C-0045-4C9B-8B44-03BB9B54F81A}"/>
+                <a16:creationId xmlns:a16="http://schemas.microsoft.com/office/drawing/2014/main" xmlns="" id="{22F2BE1C-0045-4C9B-8B44-03BB9B54F81A}"/>
               </a:ext>
             </a:extLst>
           </p:cNvPr>
@@ -21634,7 +24955,7 @@
           <p:cNvPr id="4" name="직사각형 3">
             <a:extLst>
               <a:ext uri="{FF2B5EF4-FFF2-40B4-BE49-F238E27FC236}">
-                <a16:creationId xmlns="" xmlns:a16="http://schemas.microsoft.com/office/drawing/2014/main" id="{827CBD14-205C-455C-BAB0-9D54EBB80528}"/>
+                <a16:creationId xmlns:a16="http://schemas.microsoft.com/office/drawing/2014/main" xmlns="" id="{827CBD14-205C-455C-BAB0-9D54EBB80528}"/>
               </a:ext>
             </a:extLst>
           </p:cNvPr>
@@ -21796,7 +25117,7 @@
           <p:cNvPr id="8" name="TextBox 7">
             <a:extLst>
               <a:ext uri="{FF2B5EF4-FFF2-40B4-BE49-F238E27FC236}">
-                <a16:creationId xmlns="" xmlns:a16="http://schemas.microsoft.com/office/drawing/2014/main" id="{722612CD-3BFF-4C2C-9806-463600493546}"/>
+                <a16:creationId xmlns:a16="http://schemas.microsoft.com/office/drawing/2014/main" xmlns="" id="{722612CD-3BFF-4C2C-9806-463600493546}"/>
               </a:ext>
             </a:extLst>
           </p:cNvPr>
@@ -21845,7 +25166,7 @@
           <p:cNvPr id="9" name="직사각형 8">
             <a:extLst>
               <a:ext uri="{FF2B5EF4-FFF2-40B4-BE49-F238E27FC236}">
-                <a16:creationId xmlns="" xmlns:a16="http://schemas.microsoft.com/office/drawing/2014/main" id="{A6F8CFEF-47C2-4A03-92C9-7296106D053E}"/>
+                <a16:creationId xmlns:a16="http://schemas.microsoft.com/office/drawing/2014/main" xmlns="" id="{A6F8CFEF-47C2-4A03-92C9-7296106D053E}"/>
               </a:ext>
             </a:extLst>
           </p:cNvPr>
@@ -21940,7 +25261,7 @@
           <p:nvPr>
             <p:extLst>
               <p:ext uri="{D42A27DB-BD31-4B8C-83A1-F6EECF244321}">
-                <p14:modId xmlns:p14="http://schemas.microsoft.com/office/powerpoint/2010/main" val="3796059762"/>
+                <p14:modId xmlns:p14="http://schemas.microsoft.com/office/powerpoint/2010/main" val="285035485"/>
               </p:ext>
             </p:extLst>
           </p:nvPr>
@@ -22000,7 +25321,7 @@
           <p:cNvPr id="4" name="직사각형 3">
             <a:extLst>
               <a:ext uri="{FF2B5EF4-FFF2-40B4-BE49-F238E27FC236}">
-                <a16:creationId xmlns="" xmlns:a16="http://schemas.microsoft.com/office/drawing/2014/main" id="{827CBD14-205C-455C-BAB0-9D54EBB80528}"/>
+                <a16:creationId xmlns:a16="http://schemas.microsoft.com/office/drawing/2014/main" xmlns="" id="{827CBD14-205C-455C-BAB0-9D54EBB80528}"/>
               </a:ext>
             </a:extLst>
           </p:cNvPr>
@@ -22051,7 +25372,7 @@
           <p:cNvPr id="6" name="직사각형 5">
             <a:extLst>
               <a:ext uri="{FF2B5EF4-FFF2-40B4-BE49-F238E27FC236}">
-                <a16:creationId xmlns="" xmlns:a16="http://schemas.microsoft.com/office/drawing/2014/main" id="{45E0CFFD-1570-4FFE-97E4-F1E07A8D7360}"/>
+                <a16:creationId xmlns:a16="http://schemas.microsoft.com/office/drawing/2014/main" xmlns="" id="{45E0CFFD-1570-4FFE-97E4-F1E07A8D7360}"/>
               </a:ext>
             </a:extLst>
           </p:cNvPr>
@@ -22108,7 +25429,7 @@
           <p:cNvPr id="8" name="TextBox 7">
             <a:extLst>
               <a:ext uri="{FF2B5EF4-FFF2-40B4-BE49-F238E27FC236}">
-                <a16:creationId xmlns="" xmlns:a16="http://schemas.microsoft.com/office/drawing/2014/main" id="{722612CD-3BFF-4C2C-9806-463600493546}"/>
+                <a16:creationId xmlns:a16="http://schemas.microsoft.com/office/drawing/2014/main" xmlns="" id="{722612CD-3BFF-4C2C-9806-463600493546}"/>
               </a:ext>
             </a:extLst>
           </p:cNvPr>
@@ -22157,7 +25478,7 @@
           <p:cNvPr id="9" name="직사각형 8">
             <a:extLst>
               <a:ext uri="{FF2B5EF4-FFF2-40B4-BE49-F238E27FC236}">
-                <a16:creationId xmlns="" xmlns:a16="http://schemas.microsoft.com/office/drawing/2014/main" id="{A6F8CFEF-47C2-4A03-92C9-7296106D053E}"/>
+                <a16:creationId xmlns:a16="http://schemas.microsoft.com/office/drawing/2014/main" xmlns="" id="{A6F8CFEF-47C2-4A03-92C9-7296106D053E}"/>
               </a:ext>
             </a:extLst>
           </p:cNvPr>
@@ -22209,7 +25530,7 @@
           <p:cNvPr id="7" name="TextBox 6">
             <a:extLst>
               <a:ext uri="{FF2B5EF4-FFF2-40B4-BE49-F238E27FC236}">
-                <a16:creationId xmlns="" xmlns:a16="http://schemas.microsoft.com/office/drawing/2014/main" id="{18181A22-DD7C-4211-814D-42ABBBA4FA59}"/>
+                <a16:creationId xmlns:a16="http://schemas.microsoft.com/office/drawing/2014/main" xmlns="" id="{18181A22-DD7C-4211-814D-42ABBBA4FA59}"/>
               </a:ext>
             </a:extLst>
           </p:cNvPr>
@@ -22370,7 +25691,7 @@
           <p:cNvPr id="3" name="이등변 삼각형 2">
             <a:extLst>
               <a:ext uri="{FF2B5EF4-FFF2-40B4-BE49-F238E27FC236}">
-                <a16:creationId xmlns="" xmlns:a16="http://schemas.microsoft.com/office/drawing/2014/main" id="{B5C2D509-980A-4925-A6BF-9DDBFC91E477}"/>
+                <a16:creationId xmlns:a16="http://schemas.microsoft.com/office/drawing/2014/main" xmlns="" id="{B5C2D509-980A-4925-A6BF-9DDBFC91E477}"/>
               </a:ext>
             </a:extLst>
           </p:cNvPr>
@@ -22419,7 +25740,7 @@
           <p:cNvPr id="5" name="그림 9">
             <a:extLst>
               <a:ext uri="{FF2B5EF4-FFF2-40B4-BE49-F238E27FC236}">
-                <a16:creationId xmlns="" xmlns:a16="http://schemas.microsoft.com/office/drawing/2014/main" id="{5F108894-A2DB-4D18-94BA-C8A2B561CC32}"/>
+                <a16:creationId xmlns:a16="http://schemas.microsoft.com/office/drawing/2014/main" xmlns="" id="{5F108894-A2DB-4D18-94BA-C8A2B561CC32}"/>
               </a:ext>
             </a:extLst>
           </p:cNvPr>
@@ -22449,7 +25770,7 @@
           <p:cNvPr id="2" name="그림 9" descr="스크린샷이(가) 표시된 사진&#10;&#10;자동 생성된 설명">
             <a:extLst>
               <a:ext uri="{FF2B5EF4-FFF2-40B4-BE49-F238E27FC236}">
-                <a16:creationId xmlns="" xmlns:a16="http://schemas.microsoft.com/office/drawing/2014/main" id="{3B9A686E-7989-4813-B85D-6275A92650ED}"/>
+                <a16:creationId xmlns:a16="http://schemas.microsoft.com/office/drawing/2014/main" xmlns="" id="{3B9A686E-7989-4813-B85D-6275A92650ED}"/>
               </a:ext>
             </a:extLst>
           </p:cNvPr>
@@ -22479,7 +25800,7 @@
           <p:cNvPr id="14" name="그림 10" descr="스크린샷이(가) 표시된 사진&#10;&#10;자동 생성된 설명">
             <a:extLst>
               <a:ext uri="{FF2B5EF4-FFF2-40B4-BE49-F238E27FC236}">
-                <a16:creationId xmlns="" xmlns:a16="http://schemas.microsoft.com/office/drawing/2014/main" id="{98645443-6CEE-42F4-964C-2D889E4BB682}"/>
+                <a16:creationId xmlns:a16="http://schemas.microsoft.com/office/drawing/2014/main" xmlns="" id="{98645443-6CEE-42F4-964C-2D889E4BB682}"/>
               </a:ext>
             </a:extLst>
           </p:cNvPr>
@@ -22509,7 +25830,7 @@
           <p:cNvPr id="15" name="그림 15">
             <a:extLst>
               <a:ext uri="{FF2B5EF4-FFF2-40B4-BE49-F238E27FC236}">
-                <a16:creationId xmlns="" xmlns:a16="http://schemas.microsoft.com/office/drawing/2014/main" id="{5C09D9B1-A8F6-4F1B-9021-03E424E0C0E4}"/>
+                <a16:creationId xmlns:a16="http://schemas.microsoft.com/office/drawing/2014/main" xmlns="" id="{5C09D9B1-A8F6-4F1B-9021-03E424E0C0E4}"/>
               </a:ext>
             </a:extLst>
           </p:cNvPr>
@@ -22539,7 +25860,7 @@
           <p:cNvPr id="10" name="그림 10" descr="텍스트이(가) 표시된 사진&#10;&#10;자동 생성된 설명">
             <a:extLst>
               <a:ext uri="{FF2B5EF4-FFF2-40B4-BE49-F238E27FC236}">
-                <a16:creationId xmlns="" xmlns:a16="http://schemas.microsoft.com/office/drawing/2014/main" id="{35E9DE28-F711-4612-9812-552A581C0C8A}"/>
+                <a16:creationId xmlns:a16="http://schemas.microsoft.com/office/drawing/2014/main" xmlns="" id="{35E9DE28-F711-4612-9812-552A581C0C8A}"/>
               </a:ext>
             </a:extLst>
           </p:cNvPr>
@@ -22569,7 +25890,7 @@
           <p:cNvPr id="11" name="그림 11" descr="스크린샷이(가) 표시된 사진&#10;&#10;자동 생성된 설명">
             <a:extLst>
               <a:ext uri="{FF2B5EF4-FFF2-40B4-BE49-F238E27FC236}">
-                <a16:creationId xmlns="" xmlns:a16="http://schemas.microsoft.com/office/drawing/2014/main" id="{8EC5999F-43C2-4951-82F0-CF5A45D74302}"/>
+                <a16:creationId xmlns:a16="http://schemas.microsoft.com/office/drawing/2014/main" xmlns="" id="{8EC5999F-43C2-4951-82F0-CF5A45D74302}"/>
               </a:ext>
             </a:extLst>
           </p:cNvPr>
@@ -22599,7 +25920,7 @@
           <p:cNvPr id="12" name="그림 12" descr="스크린샷이(가) 표시된 사진&#10;&#10;자동 생성된 설명">
             <a:extLst>
               <a:ext uri="{FF2B5EF4-FFF2-40B4-BE49-F238E27FC236}">
-                <a16:creationId xmlns="" xmlns:a16="http://schemas.microsoft.com/office/drawing/2014/main" id="{22F2BE1C-0045-4C9B-8B44-03BB9B54F81A}"/>
+                <a16:creationId xmlns:a16="http://schemas.microsoft.com/office/drawing/2014/main" xmlns="" id="{22F2BE1C-0045-4C9B-8B44-03BB9B54F81A}"/>
               </a:ext>
             </a:extLst>
           </p:cNvPr>
@@ -22629,7 +25950,7 @@
           <p:cNvPr id="13" name="그림 15" descr="스크린샷이(가) 표시된 사진&#10;&#10;자동 생성된 설명">
             <a:extLst>
               <a:ext uri="{FF2B5EF4-FFF2-40B4-BE49-F238E27FC236}">
-                <a16:creationId xmlns="" xmlns:a16="http://schemas.microsoft.com/office/drawing/2014/main" id="{71443292-F5FA-439A-935A-503B1EF9B008}"/>
+                <a16:creationId xmlns:a16="http://schemas.microsoft.com/office/drawing/2014/main" xmlns="" id="{71443292-F5FA-439A-935A-503B1EF9B008}"/>
               </a:ext>
             </a:extLst>
           </p:cNvPr>
@@ -22692,7 +26013,7 @@
           <p:cNvPr id="4" name="직사각형 3">
             <a:extLst>
               <a:ext uri="{FF2B5EF4-FFF2-40B4-BE49-F238E27FC236}">
-                <a16:creationId xmlns="" xmlns:a16="http://schemas.microsoft.com/office/drawing/2014/main" id="{827CBD14-205C-455C-BAB0-9D54EBB80528}"/>
+                <a16:creationId xmlns:a16="http://schemas.microsoft.com/office/drawing/2014/main" xmlns="" id="{827CBD14-205C-455C-BAB0-9D54EBB80528}"/>
               </a:ext>
             </a:extLst>
           </p:cNvPr>
@@ -22743,7 +26064,7 @@
           <p:cNvPr id="6" name="직사각형 5">
             <a:extLst>
               <a:ext uri="{FF2B5EF4-FFF2-40B4-BE49-F238E27FC236}">
-                <a16:creationId xmlns="" xmlns:a16="http://schemas.microsoft.com/office/drawing/2014/main" id="{45E0CFFD-1570-4FFE-97E4-F1E07A8D7360}"/>
+                <a16:creationId xmlns:a16="http://schemas.microsoft.com/office/drawing/2014/main" xmlns="" id="{45E0CFFD-1570-4FFE-97E4-F1E07A8D7360}"/>
               </a:ext>
             </a:extLst>
           </p:cNvPr>
@@ -22800,7 +26121,7 @@
           <p:cNvPr id="8" name="TextBox 7">
             <a:extLst>
               <a:ext uri="{FF2B5EF4-FFF2-40B4-BE49-F238E27FC236}">
-                <a16:creationId xmlns="" xmlns:a16="http://schemas.microsoft.com/office/drawing/2014/main" id="{722612CD-3BFF-4C2C-9806-463600493546}"/>
+                <a16:creationId xmlns:a16="http://schemas.microsoft.com/office/drawing/2014/main" xmlns="" id="{722612CD-3BFF-4C2C-9806-463600493546}"/>
               </a:ext>
             </a:extLst>
           </p:cNvPr>
@@ -22849,7 +26170,7 @@
           <p:cNvPr id="9" name="직사각형 8">
             <a:extLst>
               <a:ext uri="{FF2B5EF4-FFF2-40B4-BE49-F238E27FC236}">
-                <a16:creationId xmlns="" xmlns:a16="http://schemas.microsoft.com/office/drawing/2014/main" id="{A6F8CFEF-47C2-4A03-92C9-7296106D053E}"/>
+                <a16:creationId xmlns:a16="http://schemas.microsoft.com/office/drawing/2014/main" xmlns="" id="{A6F8CFEF-47C2-4A03-92C9-7296106D053E}"/>
               </a:ext>
             </a:extLst>
           </p:cNvPr>
@@ -22901,7 +26222,7 @@
           <p:cNvPr id="7" name="TextBox 6">
             <a:extLst>
               <a:ext uri="{FF2B5EF4-FFF2-40B4-BE49-F238E27FC236}">
-                <a16:creationId xmlns="" xmlns:a16="http://schemas.microsoft.com/office/drawing/2014/main" id="{18181A22-DD7C-4211-814D-42ABBBA4FA59}"/>
+                <a16:creationId xmlns:a16="http://schemas.microsoft.com/office/drawing/2014/main" xmlns="" id="{18181A22-DD7C-4211-814D-42ABBBA4FA59}"/>
               </a:ext>
             </a:extLst>
           </p:cNvPr>
@@ -23062,7 +26383,7 @@
           <p:cNvPr id="3" name="이등변 삼각형 2">
             <a:extLst>
               <a:ext uri="{FF2B5EF4-FFF2-40B4-BE49-F238E27FC236}">
-                <a16:creationId xmlns="" xmlns:a16="http://schemas.microsoft.com/office/drawing/2014/main" id="{B5C2D509-980A-4925-A6BF-9DDBFC91E477}"/>
+                <a16:creationId xmlns:a16="http://schemas.microsoft.com/office/drawing/2014/main" xmlns="" id="{B5C2D509-980A-4925-A6BF-9DDBFC91E477}"/>
               </a:ext>
             </a:extLst>
           </p:cNvPr>
@@ -23111,7 +26432,7 @@
           <p:cNvPr id="5" name="그림 9">
             <a:extLst>
               <a:ext uri="{FF2B5EF4-FFF2-40B4-BE49-F238E27FC236}">
-                <a16:creationId xmlns="" xmlns:a16="http://schemas.microsoft.com/office/drawing/2014/main" id="{5F108894-A2DB-4D18-94BA-C8A2B561CC32}"/>
+                <a16:creationId xmlns:a16="http://schemas.microsoft.com/office/drawing/2014/main" xmlns="" id="{5F108894-A2DB-4D18-94BA-C8A2B561CC32}"/>
               </a:ext>
             </a:extLst>
           </p:cNvPr>
@@ -23141,7 +26462,7 @@
           <p:cNvPr id="2" name="그림 9" descr="스크린샷이(가) 표시된 사진&#10;&#10;자동 생성된 설명">
             <a:extLst>
               <a:ext uri="{FF2B5EF4-FFF2-40B4-BE49-F238E27FC236}">
-                <a16:creationId xmlns="" xmlns:a16="http://schemas.microsoft.com/office/drawing/2014/main" id="{3B9A686E-7989-4813-B85D-6275A92650ED}"/>
+                <a16:creationId xmlns:a16="http://schemas.microsoft.com/office/drawing/2014/main" xmlns="" id="{3B9A686E-7989-4813-B85D-6275A92650ED}"/>
               </a:ext>
             </a:extLst>
           </p:cNvPr>
@@ -23171,7 +26492,7 @@
           <p:cNvPr id="12" name="그림 12" descr="스크린샷이(가) 표시된 사진&#10;&#10;자동 생성된 설명">
             <a:extLst>
               <a:ext uri="{FF2B5EF4-FFF2-40B4-BE49-F238E27FC236}">
-                <a16:creationId xmlns="" xmlns:a16="http://schemas.microsoft.com/office/drawing/2014/main" id="{22F2BE1C-0045-4C9B-8B44-03BB9B54F81A}"/>
+                <a16:creationId xmlns:a16="http://schemas.microsoft.com/office/drawing/2014/main" xmlns="" id="{22F2BE1C-0045-4C9B-8B44-03BB9B54F81A}"/>
               </a:ext>
             </a:extLst>
           </p:cNvPr>
@@ -23201,7 +26522,7 @@
           <p:cNvPr id="16" name="그림 16" descr="스크린샷이(가) 표시된 사진&#10;&#10;자동 생성된 설명">
             <a:extLst>
               <a:ext uri="{FF2B5EF4-FFF2-40B4-BE49-F238E27FC236}">
-                <a16:creationId xmlns="" xmlns:a16="http://schemas.microsoft.com/office/drawing/2014/main" id="{B67B527F-CAC3-40AA-99D1-AFBFDAF8B11B}"/>
+                <a16:creationId xmlns:a16="http://schemas.microsoft.com/office/drawing/2014/main" xmlns="" id="{B67B527F-CAC3-40AA-99D1-AFBFDAF8B11B}"/>
               </a:ext>
             </a:extLst>
           </p:cNvPr>
@@ -23264,7 +26585,7 @@
           <p:cNvPr id="4" name="직사각형 3">
             <a:extLst>
               <a:ext uri="{FF2B5EF4-FFF2-40B4-BE49-F238E27FC236}">
-                <a16:creationId xmlns="" xmlns:a16="http://schemas.microsoft.com/office/drawing/2014/main" id="{827CBD14-205C-455C-BAB0-9D54EBB80528}"/>
+                <a16:creationId xmlns:a16="http://schemas.microsoft.com/office/drawing/2014/main" xmlns="" id="{827CBD14-205C-455C-BAB0-9D54EBB80528}"/>
               </a:ext>
             </a:extLst>
           </p:cNvPr>
@@ -23426,7 +26747,7 @@
           <p:cNvPr id="8" name="TextBox 7">
             <a:extLst>
               <a:ext uri="{FF2B5EF4-FFF2-40B4-BE49-F238E27FC236}">
-                <a16:creationId xmlns="" xmlns:a16="http://schemas.microsoft.com/office/drawing/2014/main" id="{722612CD-3BFF-4C2C-9806-463600493546}"/>
+                <a16:creationId xmlns:a16="http://schemas.microsoft.com/office/drawing/2014/main" xmlns="" id="{722612CD-3BFF-4C2C-9806-463600493546}"/>
               </a:ext>
             </a:extLst>
           </p:cNvPr>
@@ -23484,7 +26805,7 @@
           <p:cNvPr id="9" name="직사각형 8">
             <a:extLst>
               <a:ext uri="{FF2B5EF4-FFF2-40B4-BE49-F238E27FC236}">
-                <a16:creationId xmlns="" xmlns:a16="http://schemas.microsoft.com/office/drawing/2014/main" id="{A6F8CFEF-47C2-4A03-92C9-7296106D053E}"/>
+                <a16:creationId xmlns:a16="http://schemas.microsoft.com/office/drawing/2014/main" xmlns="" id="{A6F8CFEF-47C2-4A03-92C9-7296106D053E}"/>
               </a:ext>
             </a:extLst>
           </p:cNvPr>
@@ -23625,7 +26946,7 @@
         <p:spPr>
           <a:xfrm>
             <a:off x="2143125" y="2657475"/>
-            <a:ext cx="8172450" cy="581026"/>
+            <a:ext cx="8172450" cy="685800"/>
           </a:xfrm>
           <a:prstGeom prst="roundRect">
             <a:avLst/>
@@ -23723,6 +27044,200 @@
           </a:p>
         </p:txBody>
       </p:sp>
+      <p:sp>
+        <p:nvSpPr>
+          <p:cNvPr id="12" name="모서리가 둥근 직사각형 11"/>
+          <p:cNvSpPr/>
+          <p:nvPr/>
+        </p:nvSpPr>
+        <p:spPr>
+          <a:xfrm>
+            <a:off x="2143125" y="4876799"/>
+            <a:ext cx="8172450" cy="904875"/>
+          </a:xfrm>
+          <a:prstGeom prst="roundRect">
+            <a:avLst/>
+          </a:prstGeom>
+          <a:solidFill>
+            <a:schemeClr val="bg1">
+              <a:lumMod val="95000"/>
+            </a:schemeClr>
+          </a:solidFill>
+          <a:ln>
+            <a:noFill/>
+          </a:ln>
+        </p:spPr>
+        <p:style>
+          <a:lnRef idx="2">
+            <a:schemeClr val="accent1">
+              <a:shade val="50000"/>
+            </a:schemeClr>
+          </a:lnRef>
+          <a:fillRef idx="1">
+            <a:schemeClr val="accent1"/>
+          </a:fillRef>
+          <a:effectRef idx="0">
+            <a:schemeClr val="accent1"/>
+          </a:effectRef>
+          <a:fontRef idx="minor">
+            <a:schemeClr val="lt1"/>
+          </a:fontRef>
+        </p:style>
+        <p:txBody>
+          <a:bodyPr rtlCol="0" anchor="ctr"/>
+          <a:lstStyle/>
+          <a:p>
+            <a:r>
+              <a:rPr lang="ko-KR" altLang="en-US" dirty="0" smtClean="0">
+                <a:solidFill>
+                  <a:schemeClr val="tx1"/>
+                </a:solidFill>
+              </a:rPr>
+              <a:t>프로그래밍 언어 </a:t>
+            </a:r>
+            <a:r>
+              <a:rPr lang="en-US" altLang="ko-KR" dirty="0" smtClean="0">
+                <a:solidFill>
+                  <a:schemeClr val="tx1"/>
+                </a:solidFill>
+              </a:rPr>
+              <a:t>C#</a:t>
+            </a:r>
+            <a:r>
+              <a:rPr lang="ko-KR" altLang="en-US" dirty="0" smtClean="0">
+                <a:solidFill>
+                  <a:schemeClr val="tx1"/>
+                </a:solidFill>
+              </a:rPr>
+              <a:t>과 </a:t>
+            </a:r>
+            <a:r>
+              <a:rPr lang="en-US" altLang="ko-KR" dirty="0" smtClean="0">
+                <a:solidFill>
+                  <a:schemeClr val="tx1"/>
+                </a:solidFill>
+              </a:rPr>
+              <a:t>DB SQL </a:t>
+            </a:r>
+            <a:r>
+              <a:rPr lang="ko-KR" altLang="en-US" dirty="0" smtClean="0">
+                <a:solidFill>
+                  <a:schemeClr val="tx1"/>
+                </a:solidFill>
+              </a:rPr>
+              <a:t>강의를 듣고 배운 것을 </a:t>
+            </a:r>
+            <a:r>
+              <a:rPr lang="ko-KR" altLang="en-US" dirty="0" smtClean="0">
+                <a:solidFill>
+                  <a:schemeClr val="tx1"/>
+                </a:solidFill>
+              </a:rPr>
+              <a:t>활용하여</a:t>
+            </a:r>
+            <a:endParaRPr lang="en-US" altLang="ko-KR" dirty="0">
+              <a:solidFill>
+                <a:schemeClr val="tx1"/>
+              </a:solidFill>
+            </a:endParaRPr>
+          </a:p>
+          <a:p>
+            <a:r>
+              <a:rPr lang="ko-KR" altLang="en-US" dirty="0" smtClean="0">
+                <a:solidFill>
+                  <a:schemeClr val="tx1"/>
+                </a:solidFill>
+              </a:rPr>
+              <a:t>테이블</a:t>
+            </a:r>
+            <a:r>
+              <a:rPr lang="en-US" altLang="ko-KR" dirty="0" smtClean="0">
+                <a:solidFill>
+                  <a:schemeClr val="tx1"/>
+                </a:solidFill>
+              </a:rPr>
+              <a:t>, </a:t>
+            </a:r>
+            <a:r>
+              <a:rPr lang="ko-KR" altLang="en-US" dirty="0" smtClean="0">
+                <a:solidFill>
+                  <a:schemeClr val="tx1"/>
+                </a:solidFill>
+              </a:rPr>
+              <a:t>프로시저</a:t>
+            </a:r>
+            <a:r>
+              <a:rPr lang="en-US" altLang="ko-KR" dirty="0" smtClean="0">
+                <a:solidFill>
+                  <a:schemeClr val="tx1"/>
+                </a:solidFill>
+              </a:rPr>
+              <a:t>, </a:t>
+            </a:r>
+            <a:r>
+              <a:rPr lang="ko-KR" altLang="en-US" dirty="0" smtClean="0">
+                <a:solidFill>
+                  <a:schemeClr val="tx1"/>
+                </a:solidFill>
+              </a:rPr>
+              <a:t>시퀀스 조회와  </a:t>
+            </a:r>
+            <a:r>
+              <a:rPr lang="en-US" altLang="ko-KR" dirty="0" smtClean="0">
+                <a:solidFill>
+                  <a:schemeClr val="tx1"/>
+                </a:solidFill>
+              </a:rPr>
+              <a:t>DML</a:t>
+            </a:r>
+            <a:r>
+              <a:rPr lang="ko-KR" altLang="en-US" dirty="0" smtClean="0">
+                <a:solidFill>
+                  <a:schemeClr val="tx1"/>
+                </a:solidFill>
+              </a:rPr>
+              <a:t>구문이 동작하는 </a:t>
+            </a:r>
+            <a:r>
+              <a:rPr lang="en-US" altLang="ko-KR" dirty="0" smtClean="0">
+                <a:solidFill>
+                  <a:schemeClr val="tx1"/>
+                </a:solidFill>
+              </a:rPr>
+              <a:t>Application</a:t>
+            </a:r>
+            <a:r>
+              <a:rPr lang="ko-KR" altLang="en-US" dirty="0" smtClean="0">
+                <a:solidFill>
+                  <a:schemeClr val="tx1"/>
+                </a:solidFill>
+              </a:rPr>
+              <a:t>을 만든다</a:t>
+            </a:r>
+            <a:r>
+              <a:rPr lang="en-US" altLang="ko-KR" dirty="0" smtClean="0">
+                <a:solidFill>
+                  <a:schemeClr val="tx1"/>
+                </a:solidFill>
+              </a:rPr>
+              <a:t>.</a:t>
+            </a:r>
+            <a:r>
+              <a:rPr lang="ko-KR" altLang="en-US" dirty="0" smtClean="0">
+                <a:solidFill>
+                  <a:schemeClr val="tx1"/>
+                </a:solidFill>
+              </a:rPr>
+              <a:t> </a:t>
+            </a:r>
+            <a:endParaRPr lang="ko-KR" altLang="en-US" dirty="0">
+              <a:solidFill>
+                <a:schemeClr val="tx1"/>
+              </a:solidFill>
+            </a:endParaRPr>
+          </a:p>
+        </p:txBody>
+      </p:sp>
     </p:spTree>
     <p:extLst>
       <p:ext uri="{BB962C8B-B14F-4D97-AF65-F5344CB8AC3E}">
@@ -23768,7 +27283,7 @@
           <p:cNvPr id="4" name="직사각형 3">
             <a:extLst>
               <a:ext uri="{FF2B5EF4-FFF2-40B4-BE49-F238E27FC236}">
-                <a16:creationId xmlns="" xmlns:a16="http://schemas.microsoft.com/office/drawing/2014/main" id="{827CBD14-205C-455C-BAB0-9D54EBB80528}"/>
+                <a16:creationId xmlns:a16="http://schemas.microsoft.com/office/drawing/2014/main" xmlns="" id="{827CBD14-205C-455C-BAB0-9D54EBB80528}"/>
               </a:ext>
             </a:extLst>
           </p:cNvPr>
@@ -23930,7 +27445,7 @@
           <p:cNvPr id="8" name="TextBox 7">
             <a:extLst>
               <a:ext uri="{FF2B5EF4-FFF2-40B4-BE49-F238E27FC236}">
-                <a16:creationId xmlns="" xmlns:a16="http://schemas.microsoft.com/office/drawing/2014/main" id="{722612CD-3BFF-4C2C-9806-463600493546}"/>
+                <a16:creationId xmlns:a16="http://schemas.microsoft.com/office/drawing/2014/main" xmlns="" id="{722612CD-3BFF-4C2C-9806-463600493546}"/>
               </a:ext>
             </a:extLst>
           </p:cNvPr>
@@ -23988,7 +27503,7 @@
           <p:cNvPr id="9" name="직사각형 8">
             <a:extLst>
               <a:ext uri="{FF2B5EF4-FFF2-40B4-BE49-F238E27FC236}">
-                <a16:creationId xmlns="" xmlns:a16="http://schemas.microsoft.com/office/drawing/2014/main" id="{A6F8CFEF-47C2-4A03-92C9-7296106D053E}"/>
+                <a16:creationId xmlns:a16="http://schemas.microsoft.com/office/drawing/2014/main" xmlns="" id="{A6F8CFEF-47C2-4A03-92C9-7296106D053E}"/>
               </a:ext>
             </a:extLst>
           </p:cNvPr>
@@ -24076,6 +27591,28 @@
           </a:extLst>
         </p:spPr>
       </p:pic>
+      <p:graphicFrame>
+        <p:nvGraphicFramePr>
+          <p:cNvPr id="10" name="다이어그램 9"/>
+          <p:cNvGraphicFramePr/>
+          <p:nvPr>
+            <p:extLst>
+              <p:ext uri="{D42A27DB-BD31-4B8C-83A1-F6EECF244321}">
+                <p14:modId xmlns:p14="http://schemas.microsoft.com/office/powerpoint/2010/main" val="2739672964"/>
+              </p:ext>
+            </p:extLst>
+          </p:nvPr>
+        </p:nvGraphicFramePr>
+        <p:xfrm>
+          <a:off x="2789917" y="1010105"/>
+          <a:ext cx="8136904" cy="5472608"/>
+        </p:xfrm>
+        <a:graphic>
+          <a:graphicData uri="http://schemas.openxmlformats.org/drawingml/2006/diagram">
+            <dgm:relIds xmlns:dgm="http://schemas.openxmlformats.org/drawingml/2006/diagram" xmlns:r="http://schemas.openxmlformats.org/officeDocument/2006/relationships" r:dm="rId3" r:lo="rId4" r:qs="rId5" r:cs="rId6"/>
+          </a:graphicData>
+        </a:graphic>
+      </p:graphicFrame>
     </p:spTree>
     <p:extLst>
       <p:ext uri="{BB962C8B-B14F-4D97-AF65-F5344CB8AC3E}">
@@ -24121,7 +27658,7 @@
           <p:cNvPr id="4" name="직사각형 3">
             <a:extLst>
               <a:ext uri="{FF2B5EF4-FFF2-40B4-BE49-F238E27FC236}">
-                <a16:creationId xmlns="" xmlns:a16="http://schemas.microsoft.com/office/drawing/2014/main" id="{827CBD14-205C-455C-BAB0-9D54EBB80528}"/>
+                <a16:creationId xmlns:a16="http://schemas.microsoft.com/office/drawing/2014/main" xmlns="" id="{827CBD14-205C-455C-BAB0-9D54EBB80528}"/>
               </a:ext>
             </a:extLst>
           </p:cNvPr>
@@ -24283,7 +27820,7 @@
           <p:cNvPr id="8" name="TextBox 7">
             <a:extLst>
               <a:ext uri="{FF2B5EF4-FFF2-40B4-BE49-F238E27FC236}">
-                <a16:creationId xmlns="" xmlns:a16="http://schemas.microsoft.com/office/drawing/2014/main" id="{722612CD-3BFF-4C2C-9806-463600493546}"/>
+                <a16:creationId xmlns:a16="http://schemas.microsoft.com/office/drawing/2014/main" xmlns="" id="{722612CD-3BFF-4C2C-9806-463600493546}"/>
               </a:ext>
             </a:extLst>
           </p:cNvPr>
@@ -24341,7 +27878,7 @@
           <p:cNvPr id="9" name="직사각형 8">
             <a:extLst>
               <a:ext uri="{FF2B5EF4-FFF2-40B4-BE49-F238E27FC236}">
-                <a16:creationId xmlns="" xmlns:a16="http://schemas.microsoft.com/office/drawing/2014/main" id="{A6F8CFEF-47C2-4A03-92C9-7296106D053E}"/>
+                <a16:creationId xmlns:a16="http://schemas.microsoft.com/office/drawing/2014/main" xmlns="" id="{A6F8CFEF-47C2-4A03-92C9-7296106D053E}"/>
               </a:ext>
             </a:extLst>
           </p:cNvPr>
@@ -24429,6 +27966,105 @@
           </a:extLst>
         </p:spPr>
       </p:pic>
+      <p:pic>
+        <p:nvPicPr>
+          <p:cNvPr id="1026" name="Picture 2" descr="https://lh3.googleusercontent.com/1-tZawk5RB3R32Jjmqnm7D16VPXPW-69iYYaCYVFa0RlA2X0yzRMEouXzqdGwDf9IC1VWVYZiY542WLgmLBXxoXWjvpFbOy_PBDedLdYAAIoOHXlNPxGrchWqdi0-xZSylNlouY"/>
+          <p:cNvPicPr>
+            <a:picLocks noChangeAspect="1" noChangeArrowheads="1"/>
+          </p:cNvPicPr>
+          <p:nvPr/>
+        </p:nvPicPr>
+        <p:blipFill>
+          <a:blip r:embed="rId3">
+            <a:extLst>
+              <a:ext uri="{28A0092B-C50C-407E-A947-70E740481C1C}">
+                <a14:useLocalDpi xmlns:a14="http://schemas.microsoft.com/office/drawing/2010/main" val="0"/>
+              </a:ext>
+            </a:extLst>
+          </a:blip>
+          <a:srcRect/>
+          <a:stretch>
+            <a:fillRect/>
+          </a:stretch>
+        </p:blipFill>
+        <p:spPr bwMode="auto">
+          <a:xfrm>
+            <a:off x="2209799" y="1227649"/>
+            <a:ext cx="4780373" cy="2572826"/>
+          </a:xfrm>
+          <a:prstGeom prst="rect">
+            <a:avLst/>
+          </a:prstGeom>
+          <a:solidFill>
+            <a:srgbClr val="FFFFFF">
+              <a:shade val="85000"/>
+            </a:srgbClr>
+          </a:solidFill>
+          <a:ln w="88900" cap="sq">
+            <a:noFill/>
+            <a:miter lim="800000"/>
+          </a:ln>
+          <a:effectLst>
+            <a:outerShdw blurRad="55000" dist="18000" dir="5400000" algn="tl" rotWithShape="0">
+              <a:srgbClr val="000000">
+                <a:alpha val="40000"/>
+              </a:srgbClr>
+            </a:outerShdw>
+            <a:softEdge rad="12700"/>
+          </a:effectLst>
+          <a:scene3d>
+            <a:camera prst="orthographicFront"/>
+            <a:lightRig rig="twoPt" dir="t">
+              <a:rot lat="0" lon="0" rev="7200000"/>
+            </a:lightRig>
+          </a:scene3d>
+          <a:sp3d>
+            <a:bevelT w="25400" h="19050"/>
+            <a:contourClr>
+              <a:srgbClr val="FFFFFF"/>
+            </a:contourClr>
+          </a:sp3d>
+          <a:extLst>
+            <a:ext uri="{909E8E84-426E-40DD-AFC4-6F175D3DCCD1}">
+              <a14:hiddenFill xmlns:a14="http://schemas.microsoft.com/office/drawing/2010/main">
+                <a:solidFill>
+                  <a:srgbClr val="FFFFFF"/>
+                </a:solidFill>
+              </a14:hiddenFill>
+            </a:ext>
+          </a:extLst>
+        </p:spPr>
+      </p:pic>
+      <p:pic>
+        <p:nvPicPr>
+          <p:cNvPr id="10" name="그림 9" descr="스크린샷이(가) 표시된 사진&#10;&#10;자동 생성된 설명">
+            <a:extLst>
+              <a:ext uri="{FF2B5EF4-FFF2-40B4-BE49-F238E27FC236}">
+                <a16:creationId xmlns:a16="http://schemas.microsoft.com/office/drawing/2014/main" xmlns="" id="{3B9A686E-7989-4813-B85D-6275A92650ED}"/>
+              </a:ext>
+            </a:extLst>
+          </p:cNvPr>
+          <p:cNvPicPr>
+            <a:picLocks noChangeAspect="1"/>
+          </p:cNvPicPr>
+          <p:nvPr/>
+        </p:nvPicPr>
+        <p:blipFill>
+          <a:blip r:embed="rId4"/>
+          <a:stretch>
+            <a:fillRect/>
+          </a:stretch>
+        </p:blipFill>
+        <p:spPr>
+          <a:xfrm>
+            <a:off x="7094946" y="3113599"/>
+            <a:ext cx="4982753" cy="3387875"/>
+          </a:xfrm>
+          <a:prstGeom prst="rect">
+            <a:avLst/>
+          </a:prstGeom>
+        </p:spPr>
+      </p:pic>
     </p:spTree>
     <p:extLst>
       <p:ext uri="{BB962C8B-B14F-4D97-AF65-F5344CB8AC3E}">
@@ -24474,7 +28110,7 @@
           <p:cNvPr id="4" name="직사각형 3">
             <a:extLst>
               <a:ext uri="{FF2B5EF4-FFF2-40B4-BE49-F238E27FC236}">
-                <a16:creationId xmlns="" xmlns:a16="http://schemas.microsoft.com/office/drawing/2014/main" id="{827CBD14-205C-455C-BAB0-9D54EBB80528}"/>
+                <a16:creationId xmlns:a16="http://schemas.microsoft.com/office/drawing/2014/main" xmlns="" id="{827CBD14-205C-455C-BAB0-9D54EBB80528}"/>
               </a:ext>
             </a:extLst>
           </p:cNvPr>
@@ -24636,7 +28272,7 @@
           <p:cNvPr id="8" name="TextBox 7">
             <a:extLst>
               <a:ext uri="{FF2B5EF4-FFF2-40B4-BE49-F238E27FC236}">
-                <a16:creationId xmlns="" xmlns:a16="http://schemas.microsoft.com/office/drawing/2014/main" id="{722612CD-3BFF-4C2C-9806-463600493546}"/>
+                <a16:creationId xmlns:a16="http://schemas.microsoft.com/office/drawing/2014/main" xmlns="" id="{722612CD-3BFF-4C2C-9806-463600493546}"/>
               </a:ext>
             </a:extLst>
           </p:cNvPr>
@@ -24694,7 +28330,7 @@
           <p:cNvPr id="9" name="직사각형 8">
             <a:extLst>
               <a:ext uri="{FF2B5EF4-FFF2-40B4-BE49-F238E27FC236}">
-                <a16:creationId xmlns="" xmlns:a16="http://schemas.microsoft.com/office/drawing/2014/main" id="{A6F8CFEF-47C2-4A03-92C9-7296106D053E}"/>
+                <a16:creationId xmlns:a16="http://schemas.microsoft.com/office/drawing/2014/main" xmlns="" id="{A6F8CFEF-47C2-4A03-92C9-7296106D053E}"/>
               </a:ext>
             </a:extLst>
           </p:cNvPr>
@@ -24827,7 +28463,7 @@
           <p:cNvPr id="4" name="직사각형 3">
             <a:extLst>
               <a:ext uri="{FF2B5EF4-FFF2-40B4-BE49-F238E27FC236}">
-                <a16:creationId xmlns="" xmlns:a16="http://schemas.microsoft.com/office/drawing/2014/main" id="{827CBD14-205C-455C-BAB0-9D54EBB80528}"/>
+                <a16:creationId xmlns:a16="http://schemas.microsoft.com/office/drawing/2014/main" xmlns="" id="{827CBD14-205C-455C-BAB0-9D54EBB80528}"/>
               </a:ext>
             </a:extLst>
           </p:cNvPr>
@@ -24989,7 +28625,7 @@
           <p:cNvPr id="8" name="TextBox 7">
             <a:extLst>
               <a:ext uri="{FF2B5EF4-FFF2-40B4-BE49-F238E27FC236}">
-                <a16:creationId xmlns="" xmlns:a16="http://schemas.microsoft.com/office/drawing/2014/main" id="{722612CD-3BFF-4C2C-9806-463600493546}"/>
+                <a16:creationId xmlns:a16="http://schemas.microsoft.com/office/drawing/2014/main" xmlns="" id="{722612CD-3BFF-4C2C-9806-463600493546}"/>
               </a:ext>
             </a:extLst>
           </p:cNvPr>
@@ -25047,7 +28683,7 @@
           <p:cNvPr id="9" name="직사각형 8">
             <a:extLst>
               <a:ext uri="{FF2B5EF4-FFF2-40B4-BE49-F238E27FC236}">
-                <a16:creationId xmlns="" xmlns:a16="http://schemas.microsoft.com/office/drawing/2014/main" id="{A6F8CFEF-47C2-4A03-92C9-7296106D053E}"/>
+                <a16:creationId xmlns:a16="http://schemas.microsoft.com/office/drawing/2014/main" xmlns="" id="{A6F8CFEF-47C2-4A03-92C9-7296106D053E}"/>
               </a:ext>
             </a:extLst>
           </p:cNvPr>
@@ -25180,7 +28816,7 @@
           <p:cNvPr id="4" name="직사각형 3">
             <a:extLst>
               <a:ext uri="{FF2B5EF4-FFF2-40B4-BE49-F238E27FC236}">
-                <a16:creationId xmlns="" xmlns:a16="http://schemas.microsoft.com/office/drawing/2014/main" id="{827CBD14-205C-455C-BAB0-9D54EBB80528}"/>
+                <a16:creationId xmlns:a16="http://schemas.microsoft.com/office/drawing/2014/main" xmlns="" id="{827CBD14-205C-455C-BAB0-9D54EBB80528}"/>
               </a:ext>
             </a:extLst>
           </p:cNvPr>
@@ -25342,7 +28978,7 @@
           <p:cNvPr id="8" name="TextBox 7">
             <a:extLst>
               <a:ext uri="{FF2B5EF4-FFF2-40B4-BE49-F238E27FC236}">
-                <a16:creationId xmlns="" xmlns:a16="http://schemas.microsoft.com/office/drawing/2014/main" id="{722612CD-3BFF-4C2C-9806-463600493546}"/>
+                <a16:creationId xmlns:a16="http://schemas.microsoft.com/office/drawing/2014/main" xmlns="" id="{722612CD-3BFF-4C2C-9806-463600493546}"/>
               </a:ext>
             </a:extLst>
           </p:cNvPr>
@@ -25418,7 +29054,7 @@
           <p:cNvPr id="9" name="직사각형 8">
             <a:extLst>
               <a:ext uri="{FF2B5EF4-FFF2-40B4-BE49-F238E27FC236}">
-                <a16:creationId xmlns="" xmlns:a16="http://schemas.microsoft.com/office/drawing/2014/main" id="{A6F8CFEF-47C2-4A03-92C9-7296106D053E}"/>
+                <a16:creationId xmlns:a16="http://schemas.microsoft.com/office/drawing/2014/main" xmlns="" id="{A6F8CFEF-47C2-4A03-92C9-7296106D053E}"/>
               </a:ext>
             </a:extLst>
           </p:cNvPr>
@@ -25551,7 +29187,7 @@
           <p:cNvPr id="4" name="직사각형 3">
             <a:extLst>
               <a:ext uri="{FF2B5EF4-FFF2-40B4-BE49-F238E27FC236}">
-                <a16:creationId xmlns="" xmlns:a16="http://schemas.microsoft.com/office/drawing/2014/main" id="{827CBD14-205C-455C-BAB0-9D54EBB80528}"/>
+                <a16:creationId xmlns:a16="http://schemas.microsoft.com/office/drawing/2014/main" xmlns="" id="{827CBD14-205C-455C-BAB0-9D54EBB80528}"/>
               </a:ext>
             </a:extLst>
           </p:cNvPr>
@@ -25713,7 +29349,7 @@
           <p:cNvPr id="8" name="TextBox 7">
             <a:extLst>
               <a:ext uri="{FF2B5EF4-FFF2-40B4-BE49-F238E27FC236}">
-                <a16:creationId xmlns="" xmlns:a16="http://schemas.microsoft.com/office/drawing/2014/main" id="{722612CD-3BFF-4C2C-9806-463600493546}"/>
+                <a16:creationId xmlns:a16="http://schemas.microsoft.com/office/drawing/2014/main" xmlns="" id="{722612CD-3BFF-4C2C-9806-463600493546}"/>
               </a:ext>
             </a:extLst>
           </p:cNvPr>
@@ -25771,7 +29407,7 @@
           <p:cNvPr id="9" name="직사각형 8">
             <a:extLst>
               <a:ext uri="{FF2B5EF4-FFF2-40B4-BE49-F238E27FC236}">
-                <a16:creationId xmlns="" xmlns:a16="http://schemas.microsoft.com/office/drawing/2014/main" id="{A6F8CFEF-47C2-4A03-92C9-7296106D053E}"/>
+                <a16:creationId xmlns:a16="http://schemas.microsoft.com/office/drawing/2014/main" xmlns="" id="{A6F8CFEF-47C2-4A03-92C9-7296106D053E}"/>
               </a:ext>
             </a:extLst>
           </p:cNvPr>
@@ -26137,7 +29773,7 @@
   <a:extraClrSchemeLst/>
   <a:extLst>
     <a:ext uri="{05A4C25C-085E-4340-85A3-A5531E510DB2}">
-      <thm15:themeFamily xmlns="" xmlns:thm15="http://schemas.microsoft.com/office/thememl/2012/main" name="Office Theme" id="{62F939B6-93AF-4DB8-9C6B-D6C7DFDC589F}" vid="{4A3C46E8-61CC-4603-A589-7422A47A8E4A}"/>
+      <thm15:themeFamily xmlns:thm15="http://schemas.microsoft.com/office/thememl/2012/main" xmlns="" name="Office Theme" id="{62F939B6-93AF-4DB8-9C6B-D6C7DFDC589F}" vid="{4A3C46E8-61CC-4603-A589-7422A47A8E4A}"/>
     </a:ext>
   </a:extLst>
 </a:theme>

--- a/문서자료/03. 최종 발표 제출 자료/프로젝트B 발표 PPT .pptx
+++ b/문서자료/03. 최종 발표 제출 자료/프로젝트B 발표 PPT .pptx
@@ -18,14 +18,6 @@
     <p:sldId id="275" r:id="rId12"/>
     <p:sldId id="276" r:id="rId13"/>
     <p:sldId id="277" r:id="rId14"/>
-    <p:sldId id="258" r:id="rId15"/>
-    <p:sldId id="259" r:id="rId16"/>
-    <p:sldId id="260" r:id="rId17"/>
-    <p:sldId id="261" r:id="rId18"/>
-    <p:sldId id="262" r:id="rId19"/>
-    <p:sldId id="263" r:id="rId20"/>
-    <p:sldId id="264" r:id="rId21"/>
-    <p:sldId id="265" r:id="rId22"/>
   </p:sldIdLst>
   <p:sldSz cx="12192000" cy="6858000"/>
   <p:notesSz cx="6858000" cy="9144000"/>
@@ -5296,10 +5288,26 @@
     <dgm:pt modelId="{13E5D9A2-5C7E-4F95-AB0E-5D5C68E0C2B6}" type="pres">
       <dgm:prSet presAssocID="{367D226E-59B1-408F-8974-9C927920B8B4}" presName="sibTrans" presStyleLbl="sibTrans2D1" presStyleIdx="1" presStyleCnt="3"/>
       <dgm:spPr/>
+      <dgm:t>
+        <a:bodyPr/>
+        <a:lstStyle/>
+        <a:p>
+          <a:pPr latinLnBrk="1"/>
+          <a:endParaRPr lang="ko-KR" altLang="en-US"/>
+        </a:p>
+      </dgm:t>
     </dgm:pt>
     <dgm:pt modelId="{6F97D7E1-ACFB-4334-A189-140320C666FC}" type="pres">
       <dgm:prSet presAssocID="{367D226E-59B1-408F-8974-9C927920B8B4}" presName="connectorText" presStyleLbl="sibTrans2D1" presStyleIdx="1" presStyleCnt="3"/>
       <dgm:spPr/>
+      <dgm:t>
+        <a:bodyPr/>
+        <a:lstStyle/>
+        <a:p>
+          <a:pPr latinLnBrk="1"/>
+          <a:endParaRPr lang="ko-KR" altLang="en-US"/>
+        </a:p>
+      </dgm:t>
     </dgm:pt>
     <dgm:pt modelId="{591CB5DE-E65C-44BC-B942-189A86F4B4EA}" type="pres">
       <dgm:prSet presAssocID="{7A0D5292-F975-4409-A002-5BE38924A9FE}" presName="node" presStyleLbl="node1" presStyleIdx="2" presStyleCnt="3" custScaleX="77934" custScaleY="116404" custRadScaleRad="93629" custRadScaleInc="2154">
@@ -5343,31 +5351,31 @@
     </dgm:pt>
   </dgm:ptLst>
   <dgm:cxnLst>
-    <dgm:cxn modelId="{F071056E-3C37-405B-A1E2-CD005BA29F65}" type="presOf" srcId="{1E356110-4D73-45AD-AE42-E98D8E4D2660}" destId="{99E446B0-8C3E-43BA-99F3-955F6FFB0995}" srcOrd="0" destOrd="1" presId="urn:microsoft.com/office/officeart/2005/8/layout/cycle7"/>
+    <dgm:cxn modelId="{E67BA2FD-0351-479F-B245-927057DFC7F9}" type="presOf" srcId="{5DA8E35C-E9F2-4034-8B82-EDABE753EC25}" destId="{99E446B0-8C3E-43BA-99F3-955F6FFB0995}" srcOrd="0" destOrd="4" presId="urn:microsoft.com/office/officeart/2005/8/layout/cycle7"/>
     <dgm:cxn modelId="{370379F0-8778-4E1B-98BF-F86F26172A6A}" srcId="{7A0D5292-F975-4409-A002-5BE38924A9FE}" destId="{F6010C42-0B53-4660-8928-51F0026430D1}" srcOrd="0" destOrd="0" parTransId="{1313C70D-63C3-4D9E-B8D6-76FB38D80A5A}" sibTransId="{48FAB0F6-6672-4102-AF24-94E09757FFA9}"/>
     <dgm:cxn modelId="{111E3C8A-B747-41EB-B944-C63F96FC7647}" srcId="{87FB6C62-3F76-436E-BEAA-E06ED8C6EAA8}" destId="{5DA8E35C-E9F2-4034-8B82-EDABE753EC25}" srcOrd="3" destOrd="0" parTransId="{AFA9E7B9-1DDD-4B68-8273-600874B5EA86}" sibTransId="{931B3B5D-1DC5-4A17-8098-4CB43A4DDB31}"/>
-    <dgm:cxn modelId="{D7AA6096-CE8F-4D93-A594-DF632833F6D0}" type="presOf" srcId="{A4A023B5-45BD-4A51-A7EA-D43DF7D91837}" destId="{50267C70-63CD-4400-B704-463F9CEF2917}" srcOrd="0" destOrd="0" presId="urn:microsoft.com/office/officeart/2005/8/layout/cycle7"/>
+    <dgm:cxn modelId="{ABC79562-BED0-43FE-91C0-A06319874A34}" srcId="{87FB6C62-3F76-436E-BEAA-E06ED8C6EAA8}" destId="{CDC0B33D-1C76-45F1-8975-90FD41A1B8A3}" srcOrd="2" destOrd="0" parTransId="{716AD0D3-26E4-4A13-8D73-BA91C3B69D86}" sibTransId="{AFAE42FC-69B5-464F-A0DC-81EB54C09108}"/>
+    <dgm:cxn modelId="{30D439AA-5BB9-406E-9669-076B17EF52E7}" type="presOf" srcId="{F6010C42-0B53-4660-8928-51F0026430D1}" destId="{591CB5DE-E65C-44BC-B942-189A86F4B4EA}" srcOrd="0" destOrd="1" presId="urn:microsoft.com/office/officeart/2005/8/layout/cycle7"/>
+    <dgm:cxn modelId="{2BE75A50-17A5-4708-92F3-C87A52B66CE0}" type="presOf" srcId="{7A0D5292-F975-4409-A002-5BE38924A9FE}" destId="{591CB5DE-E65C-44BC-B942-189A86F4B4EA}" srcOrd="0" destOrd="0" presId="urn:microsoft.com/office/officeart/2005/8/layout/cycle7"/>
     <dgm:cxn modelId="{DD82DF43-9840-4527-A68C-3E5C2D84D4D6}" srcId="{A4A023B5-45BD-4A51-A7EA-D43DF7D91837}" destId="{7A0D5292-F975-4409-A002-5BE38924A9FE}" srcOrd="2" destOrd="0" parTransId="{99A2DD46-D9AA-4C48-8096-63CEB249CE13}" sibTransId="{210E8A8A-0F49-41B7-99CD-2BE913E6113F}"/>
     <dgm:cxn modelId="{7DBC74BB-CBB5-414F-940F-0D1CBB5F9EC6}" type="presOf" srcId="{CDC0B33D-1C76-45F1-8975-90FD41A1B8A3}" destId="{99E446B0-8C3E-43BA-99F3-955F6FFB0995}" srcOrd="0" destOrd="3" presId="urn:microsoft.com/office/officeart/2005/8/layout/cycle7"/>
+    <dgm:cxn modelId="{F071056E-3C37-405B-A1E2-CD005BA29F65}" type="presOf" srcId="{1E356110-4D73-45AD-AE42-E98D8E4D2660}" destId="{99E446B0-8C3E-43BA-99F3-955F6FFB0995}" srcOrd="0" destOrd="1" presId="urn:microsoft.com/office/officeart/2005/8/layout/cycle7"/>
+    <dgm:cxn modelId="{80693B2C-A82D-46AE-AA4D-17D78E12190C}" type="presOf" srcId="{87FB6C62-3F76-436E-BEAA-E06ED8C6EAA8}" destId="{99E446B0-8C3E-43BA-99F3-955F6FFB0995}" srcOrd="0" destOrd="0" presId="urn:microsoft.com/office/officeart/2005/8/layout/cycle7"/>
+    <dgm:cxn modelId="{6B5F8496-3E7E-4C93-ADDB-E5A436D63EED}" type="presOf" srcId="{F0AF64CB-E4D3-4341-953B-F892BB485F8B}" destId="{9D25F31E-9442-4DA2-BA2D-1039DCD74C38}" srcOrd="0" destOrd="1" presId="urn:microsoft.com/office/officeart/2005/8/layout/cycle7"/>
+    <dgm:cxn modelId="{A1A0C822-A825-4508-B3A0-E5F1B60B8EF9}" type="presOf" srcId="{34FEB4B4-EEA3-4062-BCCB-07CFD571267A}" destId="{58B953DD-4F00-4893-8082-F88306B20FF3}" srcOrd="0" destOrd="0" presId="urn:microsoft.com/office/officeart/2005/8/layout/cycle7"/>
+    <dgm:cxn modelId="{DCF0EE5A-CA23-4690-90E5-FC7939799845}" srcId="{A4A023B5-45BD-4A51-A7EA-D43DF7D91837}" destId="{6AEEF02C-506B-44CD-909B-56040E099E17}" srcOrd="1" destOrd="0" parTransId="{B52D4DA7-ABF6-4F4C-8C86-2E21D62FE7BC}" sibTransId="{367D226E-59B1-408F-8974-9C927920B8B4}"/>
+    <dgm:cxn modelId="{DBFEE4B4-A61C-4B22-AD99-40815C9F5593}" type="presOf" srcId="{34FEB4B4-EEA3-4062-BCCB-07CFD571267A}" destId="{415303C9-109B-4B70-B9D3-0FB172FBC08A}" srcOrd="1" destOrd="0" presId="urn:microsoft.com/office/officeart/2005/8/layout/cycle7"/>
+    <dgm:cxn modelId="{3FDCEB75-ADA7-40A0-9D8C-7D2BA059F576}" type="presOf" srcId="{367D226E-59B1-408F-8974-9C927920B8B4}" destId="{13E5D9A2-5C7E-4F95-AB0E-5D5C68E0C2B6}" srcOrd="0" destOrd="0" presId="urn:microsoft.com/office/officeart/2005/8/layout/cycle7"/>
+    <dgm:cxn modelId="{589B8141-0A50-49BA-A919-3CE5D97D63B4}" srcId="{87FB6C62-3F76-436E-BEAA-E06ED8C6EAA8}" destId="{17D5C815-8829-45C6-86EA-DAB97127BB73}" srcOrd="1" destOrd="0" parTransId="{78BAE9A0-F690-4953-BAE8-A690CD42D5E0}" sibTransId="{768070B2-AA3B-45AA-A184-3833649AB9F0}"/>
+    <dgm:cxn modelId="{6EC53D43-A668-4DCA-8C5E-A612E5B31EC4}" srcId="{87FB6C62-3F76-436E-BEAA-E06ED8C6EAA8}" destId="{1E356110-4D73-45AD-AE42-E98D8E4D2660}" srcOrd="0" destOrd="0" parTransId="{7BCBD18B-6172-4E4C-AD2F-0C48C29969C8}" sibTransId="{819AA6CC-FAB6-48EE-89CE-3E64F0C80C18}"/>
+    <dgm:cxn modelId="{22FD3959-5666-46F1-9BE6-791B949CAD31}" type="presOf" srcId="{367D226E-59B1-408F-8974-9C927920B8B4}" destId="{6F97D7E1-ACFB-4334-A189-140320C666FC}" srcOrd="1" destOrd="0" presId="urn:microsoft.com/office/officeart/2005/8/layout/cycle7"/>
+    <dgm:cxn modelId="{C112636E-617E-4D79-97B8-976783D2B1AD}" type="presOf" srcId="{17D5C815-8829-45C6-86EA-DAB97127BB73}" destId="{99E446B0-8C3E-43BA-99F3-955F6FFB0995}" srcOrd="0" destOrd="2" presId="urn:microsoft.com/office/officeart/2005/8/layout/cycle7"/>
+    <dgm:cxn modelId="{BE63EF00-3148-434F-AE4F-EA429297E60C}" type="presOf" srcId="{210E8A8A-0F49-41B7-99CD-2BE913E6113F}" destId="{B8FB7145-5D68-4CA1-B648-FA330AECD35D}" srcOrd="1" destOrd="0" presId="urn:microsoft.com/office/officeart/2005/8/layout/cycle7"/>
+    <dgm:cxn modelId="{A8685B47-9742-416F-8D13-B9AEA7618B6C}" srcId="{6AEEF02C-506B-44CD-909B-56040E099E17}" destId="{F0AF64CB-E4D3-4341-953B-F892BB485F8B}" srcOrd="0" destOrd="0" parTransId="{D53C657A-DFC5-4AFD-968D-0D096E4B8777}" sibTransId="{3BFE52B6-6608-49B3-9114-D827A5F92FAB}"/>
+    <dgm:cxn modelId="{D7AA6096-CE8F-4D93-A594-DF632833F6D0}" type="presOf" srcId="{A4A023B5-45BD-4A51-A7EA-D43DF7D91837}" destId="{50267C70-63CD-4400-B704-463F9CEF2917}" srcOrd="0" destOrd="0" presId="urn:microsoft.com/office/officeart/2005/8/layout/cycle7"/>
+    <dgm:cxn modelId="{0637090F-484E-4C9E-B78C-0D993762700A}" srcId="{A4A023B5-45BD-4A51-A7EA-D43DF7D91837}" destId="{87FB6C62-3F76-436E-BEAA-E06ED8C6EAA8}" srcOrd="0" destOrd="0" parTransId="{B4D43625-8D13-456E-B4CD-071BAF9C5904}" sibTransId="{34FEB4B4-EEA3-4062-BCCB-07CFD571267A}"/>
+    <dgm:cxn modelId="{F8DD579A-A2BB-4A0D-B345-06F49653CC42}" type="presOf" srcId="{210E8A8A-0F49-41B7-99CD-2BE913E6113F}" destId="{C1352968-1869-462A-B37D-5F46AC2B0106}" srcOrd="0" destOrd="0" presId="urn:microsoft.com/office/officeart/2005/8/layout/cycle7"/>
     <dgm:cxn modelId="{93F5BD39-E82E-4D60-929B-0D11E318CEBA}" type="presOf" srcId="{6AEEF02C-506B-44CD-909B-56040E099E17}" destId="{9D25F31E-9442-4DA2-BA2D-1039DCD74C38}" srcOrd="0" destOrd="0" presId="urn:microsoft.com/office/officeart/2005/8/layout/cycle7"/>
-    <dgm:cxn modelId="{22FD3959-5666-46F1-9BE6-791B949CAD31}" type="presOf" srcId="{367D226E-59B1-408F-8974-9C927920B8B4}" destId="{6F97D7E1-ACFB-4334-A189-140320C666FC}" srcOrd="1" destOrd="0" presId="urn:microsoft.com/office/officeart/2005/8/layout/cycle7"/>
-    <dgm:cxn modelId="{DBFEE4B4-A61C-4B22-AD99-40815C9F5593}" type="presOf" srcId="{34FEB4B4-EEA3-4062-BCCB-07CFD571267A}" destId="{415303C9-109B-4B70-B9D3-0FB172FBC08A}" srcOrd="1" destOrd="0" presId="urn:microsoft.com/office/officeart/2005/8/layout/cycle7"/>
-    <dgm:cxn modelId="{2BE75A50-17A5-4708-92F3-C87A52B66CE0}" type="presOf" srcId="{7A0D5292-F975-4409-A002-5BE38924A9FE}" destId="{591CB5DE-E65C-44BC-B942-189A86F4B4EA}" srcOrd="0" destOrd="0" presId="urn:microsoft.com/office/officeart/2005/8/layout/cycle7"/>
-    <dgm:cxn modelId="{F8DD579A-A2BB-4A0D-B345-06F49653CC42}" type="presOf" srcId="{210E8A8A-0F49-41B7-99CD-2BE913E6113F}" destId="{C1352968-1869-462A-B37D-5F46AC2B0106}" srcOrd="0" destOrd="0" presId="urn:microsoft.com/office/officeart/2005/8/layout/cycle7"/>
-    <dgm:cxn modelId="{80693B2C-A82D-46AE-AA4D-17D78E12190C}" type="presOf" srcId="{87FB6C62-3F76-436E-BEAA-E06ED8C6EAA8}" destId="{99E446B0-8C3E-43BA-99F3-955F6FFB0995}" srcOrd="0" destOrd="0" presId="urn:microsoft.com/office/officeart/2005/8/layout/cycle7"/>
-    <dgm:cxn modelId="{E67BA2FD-0351-479F-B245-927057DFC7F9}" type="presOf" srcId="{5DA8E35C-E9F2-4034-8B82-EDABE753EC25}" destId="{99E446B0-8C3E-43BA-99F3-955F6FFB0995}" srcOrd="0" destOrd="4" presId="urn:microsoft.com/office/officeart/2005/8/layout/cycle7"/>
-    <dgm:cxn modelId="{3FDCEB75-ADA7-40A0-9D8C-7D2BA059F576}" type="presOf" srcId="{367D226E-59B1-408F-8974-9C927920B8B4}" destId="{13E5D9A2-5C7E-4F95-AB0E-5D5C68E0C2B6}" srcOrd="0" destOrd="0" presId="urn:microsoft.com/office/officeart/2005/8/layout/cycle7"/>
-    <dgm:cxn modelId="{A1A0C822-A825-4508-B3A0-E5F1B60B8EF9}" type="presOf" srcId="{34FEB4B4-EEA3-4062-BCCB-07CFD571267A}" destId="{58B953DD-4F00-4893-8082-F88306B20FF3}" srcOrd="0" destOrd="0" presId="urn:microsoft.com/office/officeart/2005/8/layout/cycle7"/>
-    <dgm:cxn modelId="{6EC53D43-A668-4DCA-8C5E-A612E5B31EC4}" srcId="{87FB6C62-3F76-436E-BEAA-E06ED8C6EAA8}" destId="{1E356110-4D73-45AD-AE42-E98D8E4D2660}" srcOrd="0" destOrd="0" parTransId="{7BCBD18B-6172-4E4C-AD2F-0C48C29969C8}" sibTransId="{819AA6CC-FAB6-48EE-89CE-3E64F0C80C18}"/>
-    <dgm:cxn modelId="{0637090F-484E-4C9E-B78C-0D993762700A}" srcId="{A4A023B5-45BD-4A51-A7EA-D43DF7D91837}" destId="{87FB6C62-3F76-436E-BEAA-E06ED8C6EAA8}" srcOrd="0" destOrd="0" parTransId="{B4D43625-8D13-456E-B4CD-071BAF9C5904}" sibTransId="{34FEB4B4-EEA3-4062-BCCB-07CFD571267A}"/>
-    <dgm:cxn modelId="{ABC79562-BED0-43FE-91C0-A06319874A34}" srcId="{87FB6C62-3F76-436E-BEAA-E06ED8C6EAA8}" destId="{CDC0B33D-1C76-45F1-8975-90FD41A1B8A3}" srcOrd="2" destOrd="0" parTransId="{716AD0D3-26E4-4A13-8D73-BA91C3B69D86}" sibTransId="{AFAE42FC-69B5-464F-A0DC-81EB54C09108}"/>
-    <dgm:cxn modelId="{A8685B47-9742-416F-8D13-B9AEA7618B6C}" srcId="{6AEEF02C-506B-44CD-909B-56040E099E17}" destId="{F0AF64CB-E4D3-4341-953B-F892BB485F8B}" srcOrd="0" destOrd="0" parTransId="{D53C657A-DFC5-4AFD-968D-0D096E4B8777}" sibTransId="{3BFE52B6-6608-49B3-9114-D827A5F92FAB}"/>
-    <dgm:cxn modelId="{DCF0EE5A-CA23-4690-90E5-FC7939799845}" srcId="{A4A023B5-45BD-4A51-A7EA-D43DF7D91837}" destId="{6AEEF02C-506B-44CD-909B-56040E099E17}" srcOrd="1" destOrd="0" parTransId="{B52D4DA7-ABF6-4F4C-8C86-2E21D62FE7BC}" sibTransId="{367D226E-59B1-408F-8974-9C927920B8B4}"/>
-    <dgm:cxn modelId="{6B5F8496-3E7E-4C93-ADDB-E5A436D63EED}" type="presOf" srcId="{F0AF64CB-E4D3-4341-953B-F892BB485F8B}" destId="{9D25F31E-9442-4DA2-BA2D-1039DCD74C38}" srcOrd="0" destOrd="1" presId="urn:microsoft.com/office/officeart/2005/8/layout/cycle7"/>
-    <dgm:cxn modelId="{589B8141-0A50-49BA-A919-3CE5D97D63B4}" srcId="{87FB6C62-3F76-436E-BEAA-E06ED8C6EAA8}" destId="{17D5C815-8829-45C6-86EA-DAB97127BB73}" srcOrd="1" destOrd="0" parTransId="{78BAE9A0-F690-4953-BAE8-A690CD42D5E0}" sibTransId="{768070B2-AA3B-45AA-A184-3833649AB9F0}"/>
-    <dgm:cxn modelId="{BE63EF00-3148-434F-AE4F-EA429297E60C}" type="presOf" srcId="{210E8A8A-0F49-41B7-99CD-2BE913E6113F}" destId="{B8FB7145-5D68-4CA1-B648-FA330AECD35D}" srcOrd="1" destOrd="0" presId="urn:microsoft.com/office/officeart/2005/8/layout/cycle7"/>
-    <dgm:cxn modelId="{C112636E-617E-4D79-97B8-976783D2B1AD}" type="presOf" srcId="{17D5C815-8829-45C6-86EA-DAB97127BB73}" destId="{99E446B0-8C3E-43BA-99F3-955F6FFB0995}" srcOrd="0" destOrd="2" presId="urn:microsoft.com/office/officeart/2005/8/layout/cycle7"/>
-    <dgm:cxn modelId="{30D439AA-5BB9-406E-9669-076B17EF52E7}" type="presOf" srcId="{F6010C42-0B53-4660-8928-51F0026430D1}" destId="{591CB5DE-E65C-44BC-B942-189A86F4B4EA}" srcOrd="0" destOrd="1" presId="urn:microsoft.com/office/officeart/2005/8/layout/cycle7"/>
     <dgm:cxn modelId="{34E9B6AC-D70C-4F94-BBF3-41E26F9A64B6}" type="presParOf" srcId="{50267C70-63CD-4400-B704-463F9CEF2917}" destId="{99E446B0-8C3E-43BA-99F3-955F6FFB0995}" srcOrd="0" destOrd="0" presId="urn:microsoft.com/office/officeart/2005/8/layout/cycle7"/>
     <dgm:cxn modelId="{EB823643-C8D4-474A-9107-425E9CAAA943}" type="presParOf" srcId="{50267C70-63CD-4400-B704-463F9CEF2917}" destId="{58B953DD-4F00-4893-8082-F88306B20FF3}" srcOrd="1" destOrd="0" presId="urn:microsoft.com/office/officeart/2005/8/layout/cycle7"/>
     <dgm:cxn modelId="{DB2ABD2F-1DA8-46E4-9E80-CAEBBB8E2814}" type="presParOf" srcId="{58B953DD-4F00-4893-8082-F88306B20FF3}" destId="{415303C9-109B-4B70-B9D3-0FB172FBC08A}" srcOrd="0" destOrd="0" presId="urn:microsoft.com/office/officeart/2005/8/layout/cycle7"/>
@@ -20393,6 +20401,127 @@
           </a:p>
         </p:txBody>
       </p:sp>
+      <p:sp>
+        <p:nvSpPr>
+          <p:cNvPr id="7" name="TextBox 6">
+            <a:extLst>
+              <a:ext uri="{FF2B5EF4-FFF2-40B4-BE49-F238E27FC236}">
+                <a16:creationId xmlns:a16="http://schemas.microsoft.com/office/drawing/2014/main" xmlns="" id="{722612CD-3BFF-4C2C-9806-463600493546}"/>
+              </a:ext>
+            </a:extLst>
+          </p:cNvPr>
+          <p:cNvSpPr txBox="1"/>
+          <p:nvPr/>
+        </p:nvSpPr>
+        <p:spPr>
+          <a:xfrm>
+            <a:off x="6096000" y="3982739"/>
+            <a:ext cx="5775777" cy="461665"/>
+          </a:xfrm>
+          <a:prstGeom prst="rect">
+            <a:avLst/>
+          </a:prstGeom>
+          <a:noFill/>
+        </p:spPr>
+        <p:txBody>
+          <a:bodyPr rot="0" spcFirstLastPara="0" vertOverflow="overflow" horzOverflow="overflow" vert="horz" wrap="square" lIns="91440" tIns="45720" rIns="91440" bIns="45720" numCol="1" spcCol="0" rtlCol="0" fromWordArt="0" anchor="t" anchorCtr="0" forceAA="0" compatLnSpc="1">
+            <a:prstTxWarp prst="textNoShape">
+              <a:avLst/>
+            </a:prstTxWarp>
+            <a:spAutoFit/>
+          </a:bodyPr>
+          <a:lstStyle/>
+          <a:p>
+            <a:r>
+              <a:rPr lang="ko-KR" altLang="en-US" sz="2400" dirty="0" smtClean="0">
+                <a:solidFill>
+                  <a:schemeClr val="bg1"/>
+                </a:solidFill>
+                <a:ea typeface="맑은 고딕"/>
+              </a:rPr>
+              <a:t>우종훈</a:t>
+            </a:r>
+            <a:r>
+              <a:rPr lang="en-US" altLang="ko-KR" sz="2400" dirty="0" smtClean="0">
+                <a:solidFill>
+                  <a:schemeClr val="bg1"/>
+                </a:solidFill>
+                <a:ea typeface="맑은 고딕"/>
+              </a:rPr>
+              <a:t>, </a:t>
+            </a:r>
+            <a:r>
+              <a:rPr lang="ko-KR" altLang="en-US" sz="2400" dirty="0" smtClean="0">
+                <a:solidFill>
+                  <a:schemeClr val="bg1"/>
+                </a:solidFill>
+                <a:ea typeface="맑은 고딕"/>
+              </a:rPr>
+              <a:t>허선용</a:t>
+            </a:r>
+            <a:r>
+              <a:rPr lang="en-US" altLang="ko-KR" sz="2400" dirty="0" smtClean="0">
+                <a:solidFill>
+                  <a:schemeClr val="bg1"/>
+                </a:solidFill>
+                <a:ea typeface="맑은 고딕"/>
+              </a:rPr>
+              <a:t>, </a:t>
+            </a:r>
+            <a:r>
+              <a:rPr lang="ko-KR" altLang="en-US" sz="2400" dirty="0" smtClean="0">
+                <a:solidFill>
+                  <a:schemeClr val="bg1"/>
+                </a:solidFill>
+                <a:ea typeface="맑은 고딕"/>
+              </a:rPr>
+              <a:t>송진영</a:t>
+            </a:r>
+            <a:r>
+              <a:rPr lang="en-US" altLang="ko-KR" sz="2400" dirty="0" smtClean="0">
+                <a:solidFill>
+                  <a:schemeClr val="bg1"/>
+                </a:solidFill>
+                <a:ea typeface="맑은 고딕"/>
+              </a:rPr>
+              <a:t>, </a:t>
+            </a:r>
+            <a:r>
+              <a:rPr lang="ko-KR" altLang="en-US" sz="2400" dirty="0" smtClean="0">
+                <a:solidFill>
+                  <a:schemeClr val="bg1"/>
+                </a:solidFill>
+                <a:ea typeface="맑은 고딕"/>
+              </a:rPr>
+              <a:t>곽상우</a:t>
+            </a:r>
+            <a:r>
+              <a:rPr lang="en-US" altLang="ko-KR" sz="2400" dirty="0" smtClean="0">
+                <a:solidFill>
+                  <a:schemeClr val="bg1"/>
+                </a:solidFill>
+                <a:ea typeface="맑은 고딕"/>
+              </a:rPr>
+              <a:t>, </a:t>
+            </a:r>
+            <a:r>
+              <a:rPr lang="ko-KR" altLang="en-US" sz="2400" dirty="0" smtClean="0">
+                <a:solidFill>
+                  <a:schemeClr val="bg1"/>
+                </a:solidFill>
+                <a:ea typeface="맑은 고딕"/>
+              </a:rPr>
+              <a:t>이수민</a:t>
+            </a:r>
+            <a:endParaRPr lang="ko-KR" altLang="en-US" sz="2400" dirty="0">
+              <a:solidFill>
+                <a:schemeClr val="bg1"/>
+              </a:solidFill>
+              <a:ea typeface="맑은 고딕"/>
+            </a:endParaRPr>
+          </a:p>
+        </p:txBody>
+      </p:sp>
     </p:spTree>
     <p:extLst>
       <p:ext uri="{BB962C8B-B14F-4D97-AF65-F5344CB8AC3E}">
@@ -21715,3224 +21844,6 @@
 </p:sld>
 </file>
 
-<file path=ppt/slides/slide14.xml><?xml version="1.0" encoding="utf-8"?>
-<p:sld xmlns:a="http://schemas.openxmlformats.org/drawingml/2006/main" xmlns:r="http://schemas.openxmlformats.org/officeDocument/2006/relationships" xmlns:p="http://schemas.openxmlformats.org/presentationml/2006/main">
-  <p:cSld>
-    <p:spTree>
-      <p:nvGrpSpPr>
-        <p:cNvPr id="1" name=""/>
-        <p:cNvGrpSpPr/>
-        <p:nvPr/>
-      </p:nvGrpSpPr>
-      <p:grpSpPr>
-        <a:xfrm>
-          <a:off x="0" y="0"/>
-          <a:ext cx="0" cy="0"/>
-          <a:chOff x="0" y="0"/>
-          <a:chExt cx="0" cy="0"/>
-        </a:xfrm>
-      </p:grpSpPr>
-      <p:sp>
-        <p:nvSpPr>
-          <p:cNvPr id="4" name="직사각형 3">
-            <a:extLst>
-              <a:ext uri="{FF2B5EF4-FFF2-40B4-BE49-F238E27FC236}">
-                <a16:creationId xmlns:a16="http://schemas.microsoft.com/office/drawing/2014/main" xmlns="" id="{827CBD14-205C-455C-BAB0-9D54EBB80528}"/>
-              </a:ext>
-            </a:extLst>
-          </p:cNvPr>
-          <p:cNvSpPr/>
-          <p:nvPr/>
-        </p:nvSpPr>
-        <p:spPr>
-          <a:xfrm>
-            <a:off x="0" y="3991"/>
-            <a:ext cx="12192000" cy="6858000"/>
-          </a:xfrm>
-          <a:prstGeom prst="rect">
-            <a:avLst/>
-          </a:prstGeom>
-          <a:solidFill>
-            <a:schemeClr val="accent1">
-              <a:lumMod val="50000"/>
-            </a:schemeClr>
-          </a:solidFill>
-        </p:spPr>
-        <p:style>
-          <a:lnRef idx="2">
-            <a:schemeClr val="accent1">
-              <a:shade val="50000"/>
-            </a:schemeClr>
-          </a:lnRef>
-          <a:fillRef idx="1">
-            <a:schemeClr val="accent1"/>
-          </a:fillRef>
-          <a:effectRef idx="0">
-            <a:schemeClr val="accent1"/>
-          </a:effectRef>
-          <a:fontRef idx="minor">
-            <a:schemeClr val="lt1"/>
-          </a:fontRef>
-        </p:style>
-        <p:txBody>
-          <a:bodyPr rtlCol="0" anchor="ctr"/>
-          <a:lstStyle/>
-          <a:p>
-            <a:pPr algn="ctr"/>
-            <a:endParaRPr lang="ko-KR" altLang="en-US"/>
-          </a:p>
-        </p:txBody>
-      </p:sp>
-      <p:sp>
-        <p:nvSpPr>
-          <p:cNvPr id="8" name="TextBox 7">
-            <a:extLst>
-              <a:ext uri="{FF2B5EF4-FFF2-40B4-BE49-F238E27FC236}">
-                <a16:creationId xmlns:a16="http://schemas.microsoft.com/office/drawing/2014/main" xmlns="" id="{722612CD-3BFF-4C2C-9806-463600493546}"/>
-              </a:ext>
-            </a:extLst>
-          </p:cNvPr>
-          <p:cNvSpPr txBox="1"/>
-          <p:nvPr/>
-        </p:nvSpPr>
-        <p:spPr>
-          <a:xfrm>
-            <a:off x="152401" y="134256"/>
-            <a:ext cx="3106056" cy="646331"/>
-          </a:xfrm>
-          <a:prstGeom prst="rect">
-            <a:avLst/>
-          </a:prstGeom>
-          <a:noFill/>
-        </p:spPr>
-        <p:txBody>
-          <a:bodyPr rot="0" spcFirstLastPara="0" vertOverflow="overflow" horzOverflow="overflow" vert="horz" wrap="square" lIns="91440" tIns="45720" rIns="91440" bIns="45720" numCol="1" spcCol="0" rtlCol="0" fromWordArt="0" anchor="t" anchorCtr="0" forceAA="0" compatLnSpc="1">
-            <a:prstTxWarp prst="textNoShape">
-              <a:avLst/>
-            </a:prstTxWarp>
-            <a:spAutoFit/>
-          </a:bodyPr>
-          <a:lstStyle/>
-          <a:p>
-            <a:r>
-              <a:rPr lang="ko-KR" altLang="en-US" sz="3600" dirty="0">
-                <a:solidFill>
-                  <a:schemeClr val="bg1"/>
-                </a:solidFill>
-                <a:ea typeface="맑은 고딕"/>
-              </a:rPr>
-              <a:t>목차</a:t>
-            </a:r>
-          </a:p>
-        </p:txBody>
-      </p:sp>
-      <p:sp>
-        <p:nvSpPr>
-          <p:cNvPr id="9" name="직사각형 8">
-            <a:extLst>
-              <a:ext uri="{FF2B5EF4-FFF2-40B4-BE49-F238E27FC236}">
-                <a16:creationId xmlns:a16="http://schemas.microsoft.com/office/drawing/2014/main" xmlns="" id="{A6F8CFEF-47C2-4A03-92C9-7296106D053E}"/>
-              </a:ext>
-            </a:extLst>
-          </p:cNvPr>
-          <p:cNvSpPr/>
-          <p:nvPr/>
-        </p:nvSpPr>
-        <p:spPr>
-          <a:xfrm>
-            <a:off x="3175" y="728889"/>
-            <a:ext cx="3510642" cy="90715"/>
-          </a:xfrm>
-          <a:prstGeom prst="rect">
-            <a:avLst/>
-          </a:prstGeom>
-          <a:solidFill>
-            <a:schemeClr val="bg1"/>
-          </a:solidFill>
-          <a:ln>
-            <a:noFill/>
-          </a:ln>
-        </p:spPr>
-        <p:style>
-          <a:lnRef idx="2">
-            <a:schemeClr val="accent1">
-              <a:shade val="50000"/>
-            </a:schemeClr>
-          </a:lnRef>
-          <a:fillRef idx="1">
-            <a:schemeClr val="accent1"/>
-          </a:fillRef>
-          <a:effectRef idx="0">
-            <a:schemeClr val="accent1"/>
-          </a:effectRef>
-          <a:fontRef idx="minor">
-            <a:schemeClr val="lt1"/>
-          </a:fontRef>
-        </p:style>
-        <p:txBody>
-          <a:bodyPr rtlCol="0" anchor="ctr"/>
-          <a:lstStyle/>
-          <a:p>
-            <a:pPr algn="ctr"/>
-            <a:endParaRPr lang="ko-KR" altLang="en-US"/>
-          </a:p>
-        </p:txBody>
-      </p:sp>
-      <p:pic>
-        <p:nvPicPr>
-          <p:cNvPr id="5" name="그림 9">
-            <a:extLst>
-              <a:ext uri="{FF2B5EF4-FFF2-40B4-BE49-F238E27FC236}">
-                <a16:creationId xmlns:a16="http://schemas.microsoft.com/office/drawing/2014/main" xmlns="" id="{5F108894-A2DB-4D18-94BA-C8A2B561CC32}"/>
-              </a:ext>
-            </a:extLst>
-          </p:cNvPr>
-          <p:cNvPicPr>
-            <a:picLocks noChangeAspect="1"/>
-          </p:cNvPicPr>
-          <p:nvPr/>
-        </p:nvPicPr>
-        <p:blipFill>
-          <a:blip r:embed="rId2"/>
-          <a:stretch>
-            <a:fillRect/>
-          </a:stretch>
-        </p:blipFill>
-        <p:spPr>
-          <a:xfrm>
-            <a:off x="5472024" y="971931"/>
-            <a:ext cx="6538821" cy="5302327"/>
-          </a:xfrm>
-          <a:prstGeom prst="rect">
-            <a:avLst/>
-          </a:prstGeom>
-        </p:spPr>
-      </p:pic>
-    </p:spTree>
-    <p:extLst>
-      <p:ext uri="{BB962C8B-B14F-4D97-AF65-F5344CB8AC3E}">
-        <p14:creationId xmlns:p14="http://schemas.microsoft.com/office/powerpoint/2010/main" val="3859735018"/>
-      </p:ext>
-    </p:extLst>
-  </p:cSld>
-  <p:clrMapOvr>
-    <a:masterClrMapping/>
-  </p:clrMapOvr>
-  <p:transition spd="slow">
-    <p:fade/>
-  </p:transition>
-  <p:timing>
-    <p:tnLst>
-      <p:par>
-        <p:cTn id="1" dur="indefinite" restart="never" nodeType="tmRoot"/>
-      </p:par>
-    </p:tnLst>
-  </p:timing>
-</p:sld>
-</file>
-
-<file path=ppt/slides/slide15.xml><?xml version="1.0" encoding="utf-8"?>
-<p:sld xmlns:a="http://schemas.openxmlformats.org/drawingml/2006/main" xmlns:r="http://schemas.openxmlformats.org/officeDocument/2006/relationships" xmlns:p="http://schemas.openxmlformats.org/presentationml/2006/main">
-  <p:cSld>
-    <p:spTree>
-      <p:nvGrpSpPr>
-        <p:cNvPr id="1" name=""/>
-        <p:cNvGrpSpPr/>
-        <p:nvPr/>
-      </p:nvGrpSpPr>
-      <p:grpSpPr>
-        <a:xfrm>
-          <a:off x="0" y="0"/>
-          <a:ext cx="0" cy="0"/>
-          <a:chOff x="0" y="0"/>
-          <a:chExt cx="0" cy="0"/>
-        </a:xfrm>
-      </p:grpSpPr>
-      <p:sp>
-        <p:nvSpPr>
-          <p:cNvPr id="4" name="직사각형 3">
-            <a:extLst>
-              <a:ext uri="{FF2B5EF4-FFF2-40B4-BE49-F238E27FC236}">
-                <a16:creationId xmlns:a16="http://schemas.microsoft.com/office/drawing/2014/main" xmlns="" id="{827CBD14-205C-455C-BAB0-9D54EBB80528}"/>
-              </a:ext>
-            </a:extLst>
-          </p:cNvPr>
-          <p:cNvSpPr/>
-          <p:nvPr/>
-        </p:nvSpPr>
-        <p:spPr>
-          <a:xfrm>
-            <a:off x="0" y="3991"/>
-            <a:ext cx="12192000" cy="6858000"/>
-          </a:xfrm>
-          <a:prstGeom prst="rect">
-            <a:avLst/>
-          </a:prstGeom>
-          <a:solidFill>
-            <a:schemeClr val="accent1">
-              <a:lumMod val="50000"/>
-            </a:schemeClr>
-          </a:solidFill>
-        </p:spPr>
-        <p:style>
-          <a:lnRef idx="2">
-            <a:schemeClr val="accent1">
-              <a:shade val="50000"/>
-            </a:schemeClr>
-          </a:lnRef>
-          <a:fillRef idx="1">
-            <a:schemeClr val="accent1"/>
-          </a:fillRef>
-          <a:effectRef idx="0">
-            <a:schemeClr val="accent1"/>
-          </a:effectRef>
-          <a:fontRef idx="minor">
-            <a:schemeClr val="lt1"/>
-          </a:fontRef>
-        </p:style>
-        <p:txBody>
-          <a:bodyPr rtlCol="0" anchor="ctr"/>
-          <a:lstStyle/>
-          <a:p>
-            <a:pPr algn="ctr"/>
-            <a:endParaRPr lang="ko-KR" altLang="en-US"/>
-          </a:p>
-        </p:txBody>
-      </p:sp>
-      <p:sp>
-        <p:nvSpPr>
-          <p:cNvPr id="6" name="직사각형 5">
-            <a:extLst>
-              <a:ext uri="{FF2B5EF4-FFF2-40B4-BE49-F238E27FC236}">
-                <a16:creationId xmlns:a16="http://schemas.microsoft.com/office/drawing/2014/main" xmlns="" id="{45E0CFFD-1570-4FFE-97E4-F1E07A8D7360}"/>
-              </a:ext>
-            </a:extLst>
-          </p:cNvPr>
-          <p:cNvSpPr/>
-          <p:nvPr/>
-        </p:nvSpPr>
-        <p:spPr>
-          <a:xfrm>
-            <a:off x="437791" y="1159739"/>
-            <a:ext cx="4522192" cy="6728773"/>
-          </a:xfrm>
-          <a:prstGeom prst="rect">
-            <a:avLst/>
-          </a:prstGeom>
-          <a:solidFill>
-            <a:schemeClr val="accent4">
-              <a:lumMod val="60000"/>
-              <a:lumOff val="40000"/>
-            </a:schemeClr>
-          </a:solidFill>
-        </p:spPr>
-        <p:style>
-          <a:lnRef idx="2">
-            <a:schemeClr val="accent1">
-              <a:shade val="50000"/>
-            </a:schemeClr>
-          </a:lnRef>
-          <a:fillRef idx="1">
-            <a:schemeClr val="accent1"/>
-          </a:fillRef>
-          <a:effectRef idx="0">
-            <a:schemeClr val="accent1"/>
-          </a:effectRef>
-          <a:fontRef idx="minor">
-            <a:schemeClr val="lt1"/>
-          </a:fontRef>
-        </p:style>
-        <p:txBody>
-          <a:bodyPr lIns="91440" tIns="45720" rIns="91440" bIns="45720" rtlCol="0" anchor="ctr"/>
-          <a:lstStyle/>
-          <a:p>
-            <a:pPr algn="ctr"/>
-            <a:endParaRPr lang="ko-KR" altLang="en-US" sz="3600" dirty="0">
-              <a:solidFill>
-                <a:schemeClr val="tx1"/>
-              </a:solidFill>
-              <a:ea typeface="맑은 고딕"/>
-            </a:endParaRPr>
-          </a:p>
-        </p:txBody>
-      </p:sp>
-      <p:sp>
-        <p:nvSpPr>
-          <p:cNvPr id="8" name="TextBox 7">
-            <a:extLst>
-              <a:ext uri="{FF2B5EF4-FFF2-40B4-BE49-F238E27FC236}">
-                <a16:creationId xmlns:a16="http://schemas.microsoft.com/office/drawing/2014/main" xmlns="" id="{722612CD-3BFF-4C2C-9806-463600493546}"/>
-              </a:ext>
-            </a:extLst>
-          </p:cNvPr>
-          <p:cNvSpPr txBox="1"/>
-          <p:nvPr/>
-        </p:nvSpPr>
-        <p:spPr>
-          <a:xfrm>
-            <a:off x="152401" y="134256"/>
-            <a:ext cx="3106056" cy="646331"/>
-          </a:xfrm>
-          <a:prstGeom prst="rect">
-            <a:avLst/>
-          </a:prstGeom>
-          <a:noFill/>
-        </p:spPr>
-        <p:txBody>
-          <a:bodyPr rot="0" spcFirstLastPara="0" vertOverflow="overflow" horzOverflow="overflow" vert="horz" wrap="square" lIns="91440" tIns="45720" rIns="91440" bIns="45720" numCol="1" spcCol="0" rtlCol="0" fromWordArt="0" anchor="t" anchorCtr="0" forceAA="0" compatLnSpc="1">
-            <a:prstTxWarp prst="textNoShape">
-              <a:avLst/>
-            </a:prstTxWarp>
-            <a:spAutoFit/>
-          </a:bodyPr>
-          <a:lstStyle/>
-          <a:p>
-            <a:r>
-              <a:rPr lang="ko-KR" altLang="en-US" sz="3600">
-                <a:solidFill>
-                  <a:schemeClr val="bg1"/>
-                </a:solidFill>
-                <a:ea typeface="맑은 고딕"/>
-              </a:rPr>
-              <a:t>목차</a:t>
-            </a:r>
-            <a:endParaRPr lang="ko-KR" altLang="en-US" sz="3600" dirty="0">
-              <a:solidFill>
-                <a:schemeClr val="bg1"/>
-              </a:solidFill>
-              <a:ea typeface="맑은 고딕"/>
-            </a:endParaRPr>
-          </a:p>
-        </p:txBody>
-      </p:sp>
-      <p:sp>
-        <p:nvSpPr>
-          <p:cNvPr id="9" name="직사각형 8">
-            <a:extLst>
-              <a:ext uri="{FF2B5EF4-FFF2-40B4-BE49-F238E27FC236}">
-                <a16:creationId xmlns:a16="http://schemas.microsoft.com/office/drawing/2014/main" xmlns="" id="{A6F8CFEF-47C2-4A03-92C9-7296106D053E}"/>
-              </a:ext>
-            </a:extLst>
-          </p:cNvPr>
-          <p:cNvSpPr/>
-          <p:nvPr/>
-        </p:nvSpPr>
-        <p:spPr>
-          <a:xfrm>
-            <a:off x="3175" y="728889"/>
-            <a:ext cx="3510642" cy="90715"/>
-          </a:xfrm>
-          <a:prstGeom prst="rect">
-            <a:avLst/>
-          </a:prstGeom>
-          <a:solidFill>
-            <a:schemeClr val="bg1"/>
-          </a:solidFill>
-          <a:ln>
-            <a:noFill/>
-          </a:ln>
-        </p:spPr>
-        <p:style>
-          <a:lnRef idx="2">
-            <a:schemeClr val="accent1">
-              <a:shade val="50000"/>
-            </a:schemeClr>
-          </a:lnRef>
-          <a:fillRef idx="1">
-            <a:schemeClr val="accent1"/>
-          </a:fillRef>
-          <a:effectRef idx="0">
-            <a:schemeClr val="accent1"/>
-          </a:effectRef>
-          <a:fontRef idx="minor">
-            <a:schemeClr val="lt1"/>
-          </a:fontRef>
-        </p:style>
-        <p:txBody>
-          <a:bodyPr rtlCol="0" anchor="ctr"/>
-          <a:lstStyle/>
-          <a:p>
-            <a:pPr algn="ctr"/>
-            <a:endParaRPr lang="ko-KR" altLang="en-US"/>
-          </a:p>
-        </p:txBody>
-      </p:sp>
-      <p:sp>
-        <p:nvSpPr>
-          <p:cNvPr id="7" name="TextBox 6">
-            <a:extLst>
-              <a:ext uri="{FF2B5EF4-FFF2-40B4-BE49-F238E27FC236}">
-                <a16:creationId xmlns:a16="http://schemas.microsoft.com/office/drawing/2014/main" xmlns="" id="{18181A22-DD7C-4211-814D-42ABBBA4FA59}"/>
-              </a:ext>
-            </a:extLst>
-          </p:cNvPr>
-          <p:cNvSpPr txBox="1"/>
-          <p:nvPr/>
-        </p:nvSpPr>
-        <p:spPr>
-          <a:xfrm>
-            <a:off x="540589" y="1341954"/>
-            <a:ext cx="4730697" cy="3970318"/>
-          </a:xfrm>
-          <a:prstGeom prst="rect">
-            <a:avLst/>
-          </a:prstGeom>
-          <a:noFill/>
-        </p:spPr>
-        <p:txBody>
-          <a:bodyPr rot="0" spcFirstLastPara="0" vertOverflow="overflow" horzOverflow="overflow" vert="horz" wrap="square" lIns="91440" tIns="45720" rIns="91440" bIns="45720" numCol="1" spcCol="0" rtlCol="0" fromWordArt="0" anchor="t" anchorCtr="0" forceAA="0" compatLnSpc="1">
-            <a:prstTxWarp prst="textNoShape">
-              <a:avLst/>
-            </a:prstTxWarp>
-            <a:spAutoFit/>
-          </a:bodyPr>
-          <a:lstStyle/>
-          <a:p>
-            <a:r>
-              <a:rPr lang="ko-KR" altLang="en-US" sz="2800" dirty="0" smtClean="0">
-                <a:latin typeface="Malgun Gothic"/>
-                <a:ea typeface="Malgun Gothic"/>
-              </a:rPr>
-              <a:t>프로젝트 </a:t>
-            </a:r>
-            <a:r>
-              <a:rPr lang="ko-KR" altLang="en-US" sz="2800" dirty="0">
-                <a:latin typeface="Malgun Gothic"/>
-                <a:ea typeface="Malgun Gothic"/>
-              </a:rPr>
-              <a:t>수행조직도</a:t>
-            </a:r>
-            <a:endParaRPr lang="ko-KR" sz="2800" dirty="0">
-              <a:latin typeface="Malgun Gothic"/>
-              <a:ea typeface="Malgun Gothic"/>
-            </a:endParaRPr>
-          </a:p>
-          <a:p>
-            <a:r>
-              <a:rPr lang="ko-KR" altLang="en-US" sz="2800" dirty="0">
-                <a:latin typeface="Malgun Gothic"/>
-                <a:ea typeface="Malgun Gothic"/>
-              </a:rPr>
-              <a:t>고객 요구사항</a:t>
-            </a:r>
-            <a:endParaRPr lang="ko-KR" sz="2800" dirty="0">
-              <a:ea typeface="+mn-lt"/>
-              <a:cs typeface="+mn-lt"/>
-            </a:endParaRPr>
-          </a:p>
-          <a:p>
-            <a:r>
-              <a:rPr lang="ko-KR" sz="2800" dirty="0">
-                <a:latin typeface="Malgun Gothic"/>
-                <a:ea typeface="Malgun Gothic"/>
-              </a:rPr>
-              <a:t>제작 </a:t>
-            </a:r>
-            <a:r>
-              <a:rPr lang="ko-KR" altLang="en-US" sz="2800" dirty="0">
-                <a:latin typeface="Malgun Gothic"/>
-                <a:ea typeface="Malgun Gothic"/>
-              </a:rPr>
-              <a:t>일정</a:t>
-            </a:r>
-            <a:endParaRPr lang="ko-KR" altLang="en-US" sz="2800" dirty="0">
-              <a:latin typeface="Malgun Gothic"/>
-              <a:ea typeface="Malgun Gothic"/>
-              <a:cs typeface="+mn-lt"/>
-            </a:endParaRPr>
-          </a:p>
-          <a:p>
-            <a:r>
-              <a:rPr lang="ko-KR" altLang="en-US" sz="2800" dirty="0">
-                <a:ea typeface="맑은 고딕"/>
-              </a:rPr>
-              <a:t>프로젝트 구성도</a:t>
-            </a:r>
-          </a:p>
-          <a:p>
-            <a:r>
-              <a:rPr lang="ko-KR" altLang="en-US" sz="2800" dirty="0">
-                <a:ea typeface="맑은 고딕"/>
-              </a:rPr>
-              <a:t>GitHub 활용</a:t>
-            </a:r>
-          </a:p>
-          <a:p>
-            <a:r>
-              <a:rPr lang="ko-KR" altLang="en-US" sz="2800" dirty="0">
-                <a:ea typeface="맑은 고딕"/>
-              </a:rPr>
-              <a:t>화면구성</a:t>
-            </a:r>
-            <a:endParaRPr lang="ko-KR" sz="2000" dirty="0">
-              <a:ea typeface="맑은 고딕"/>
-            </a:endParaRPr>
-          </a:p>
-          <a:p>
-            <a:r>
-              <a:rPr lang="ko-KR" altLang="en-US" sz="2800" dirty="0">
-                <a:ea typeface="맑은 고딕"/>
-              </a:rPr>
-              <a:t>시연</a:t>
-            </a:r>
-          </a:p>
-          <a:p>
-            <a:r>
-              <a:rPr lang="ko-KR" altLang="en-US" sz="2800" dirty="0">
-                <a:ea typeface="맑은 고딕"/>
-              </a:rPr>
-              <a:t>간단한 소스 설명</a:t>
-            </a:r>
-          </a:p>
-          <a:p>
-            <a:r>
-              <a:rPr lang="ko-KR" sz="2800" dirty="0">
-                <a:latin typeface="Malgun Gothic"/>
-                <a:ea typeface="Malgun Gothic"/>
-              </a:rPr>
-              <a:t>QnA</a:t>
-            </a:r>
-            <a:endParaRPr lang="ko-KR" sz="2800" dirty="0">
-              <a:ea typeface="+mn-lt"/>
-              <a:cs typeface="+mn-lt"/>
-            </a:endParaRPr>
-          </a:p>
-        </p:txBody>
-      </p:sp>
-      <p:sp>
-        <p:nvSpPr>
-          <p:cNvPr id="3" name="이등변 삼각형 2">
-            <a:extLst>
-              <a:ext uri="{FF2B5EF4-FFF2-40B4-BE49-F238E27FC236}">
-                <a16:creationId xmlns:a16="http://schemas.microsoft.com/office/drawing/2014/main" xmlns="" id="{B5C2D509-980A-4925-A6BF-9DDBFC91E477}"/>
-              </a:ext>
-            </a:extLst>
-          </p:cNvPr>
-          <p:cNvSpPr/>
-          <p:nvPr/>
-        </p:nvSpPr>
-        <p:spPr>
-          <a:xfrm rot="5400000">
-            <a:off x="109678" y="2149656"/>
-            <a:ext cx="584200" cy="499534"/>
-          </a:xfrm>
-          <a:prstGeom prst="triangle">
-            <a:avLst/>
-          </a:prstGeom>
-          <a:solidFill>
-            <a:srgbClr val="FF0000"/>
-          </a:solidFill>
-        </p:spPr>
-        <p:style>
-          <a:lnRef idx="2">
-            <a:schemeClr val="accent1">
-              <a:shade val="50000"/>
-            </a:schemeClr>
-          </a:lnRef>
-          <a:fillRef idx="1">
-            <a:schemeClr val="accent1"/>
-          </a:fillRef>
-          <a:effectRef idx="0">
-            <a:schemeClr val="accent1"/>
-          </a:effectRef>
-          <a:fontRef idx="minor">
-            <a:schemeClr val="lt1"/>
-          </a:fontRef>
-        </p:style>
-        <p:txBody>
-          <a:bodyPr rtlCol="0" anchor="ctr"/>
-          <a:lstStyle/>
-          <a:p>
-            <a:pPr algn="ctr"/>
-            <a:endParaRPr lang="ko-KR" altLang="en-US"/>
-          </a:p>
-        </p:txBody>
-      </p:sp>
-      <p:pic>
-        <p:nvPicPr>
-          <p:cNvPr id="5" name="그림 9">
-            <a:extLst>
-              <a:ext uri="{FF2B5EF4-FFF2-40B4-BE49-F238E27FC236}">
-                <a16:creationId xmlns:a16="http://schemas.microsoft.com/office/drawing/2014/main" xmlns="" id="{5F108894-A2DB-4D18-94BA-C8A2B561CC32}"/>
-              </a:ext>
-            </a:extLst>
-          </p:cNvPr>
-          <p:cNvPicPr>
-            <a:picLocks noChangeAspect="1"/>
-          </p:cNvPicPr>
-          <p:nvPr/>
-        </p:nvPicPr>
-        <p:blipFill>
-          <a:blip r:embed="rId2"/>
-          <a:stretch>
-            <a:fillRect/>
-          </a:stretch>
-        </p:blipFill>
-        <p:spPr>
-          <a:xfrm>
-            <a:off x="4293081" y="-6662447"/>
-            <a:ext cx="7804028" cy="6351874"/>
-          </a:xfrm>
-          <a:prstGeom prst="rect">
-            <a:avLst/>
-          </a:prstGeom>
-        </p:spPr>
-      </p:pic>
-      <p:pic>
-        <p:nvPicPr>
-          <p:cNvPr id="2" name="그림 9" descr="스크린샷이(가) 표시된 사진&#10;&#10;자동 생성된 설명">
-            <a:extLst>
-              <a:ext uri="{FF2B5EF4-FFF2-40B4-BE49-F238E27FC236}">
-                <a16:creationId xmlns:a16="http://schemas.microsoft.com/office/drawing/2014/main" xmlns="" id="{3B9A686E-7989-4813-B85D-6275A92650ED}"/>
-              </a:ext>
-            </a:extLst>
-          </p:cNvPr>
-          <p:cNvPicPr>
-            <a:picLocks noChangeAspect="1"/>
-          </p:cNvPicPr>
-          <p:nvPr/>
-        </p:nvPicPr>
-        <p:blipFill>
-          <a:blip r:embed="rId3"/>
-          <a:stretch>
-            <a:fillRect/>
-          </a:stretch>
-        </p:blipFill>
-        <p:spPr>
-          <a:xfrm>
-            <a:off x="2970363" y="628766"/>
-            <a:ext cx="9040482" cy="6146808"/>
-          </a:xfrm>
-          <a:prstGeom prst="rect">
-            <a:avLst/>
-          </a:prstGeom>
-        </p:spPr>
-      </p:pic>
-      <p:pic>
-        <p:nvPicPr>
-          <p:cNvPr id="10" name="그림 10" descr="스크린샷이(가) 표시된 사진&#10;&#10;자동 생성된 설명">
-            <a:extLst>
-              <a:ext uri="{FF2B5EF4-FFF2-40B4-BE49-F238E27FC236}">
-                <a16:creationId xmlns:a16="http://schemas.microsoft.com/office/drawing/2014/main" xmlns="" id="{F911A9F7-F2DA-4E93-BC15-28FADAFC4F16}"/>
-              </a:ext>
-            </a:extLst>
-          </p:cNvPr>
-          <p:cNvPicPr>
-            <a:picLocks noChangeAspect="1"/>
-          </p:cNvPicPr>
-          <p:nvPr/>
-        </p:nvPicPr>
-        <p:blipFill>
-          <a:blip r:embed="rId4"/>
-          <a:stretch>
-            <a:fillRect/>
-          </a:stretch>
-        </p:blipFill>
-        <p:spPr>
-          <a:xfrm>
-            <a:off x="2970362" y="7244014"/>
-            <a:ext cx="9083615" cy="6143480"/>
-          </a:xfrm>
-          <a:prstGeom prst="rect">
-            <a:avLst/>
-          </a:prstGeom>
-        </p:spPr>
-      </p:pic>
-      <p:pic>
-        <p:nvPicPr>
-          <p:cNvPr id="12" name="그림 15">
-            <a:extLst>
-              <a:ext uri="{FF2B5EF4-FFF2-40B4-BE49-F238E27FC236}">
-                <a16:creationId xmlns:a16="http://schemas.microsoft.com/office/drawing/2014/main" xmlns="" id="{2BF7043A-CCB2-4CD5-9F77-58DC4920804C}"/>
-              </a:ext>
-            </a:extLst>
-          </p:cNvPr>
-          <p:cNvPicPr>
-            <a:picLocks noChangeAspect="1"/>
-          </p:cNvPicPr>
-          <p:nvPr/>
-        </p:nvPicPr>
-        <p:blipFill>
-          <a:blip r:embed="rId5"/>
-          <a:stretch>
-            <a:fillRect/>
-          </a:stretch>
-        </p:blipFill>
-        <p:spPr>
-          <a:xfrm>
-            <a:off x="2927230" y="7049045"/>
-            <a:ext cx="9126747" cy="6058968"/>
-          </a:xfrm>
-          <a:prstGeom prst="rect">
-            <a:avLst/>
-          </a:prstGeom>
-        </p:spPr>
-      </p:pic>
-    </p:spTree>
-    <p:extLst>
-      <p:ext uri="{BB962C8B-B14F-4D97-AF65-F5344CB8AC3E}">
-        <p14:creationId xmlns:p14="http://schemas.microsoft.com/office/powerpoint/2010/main" val="1108750801"/>
-      </p:ext>
-    </p:extLst>
-  </p:cSld>
-  <p:clrMapOvr>
-    <a:masterClrMapping/>
-  </p:clrMapOvr>
-  <p:transition spd="slow">
-    <p:fade/>
-  </p:transition>
-</p:sld>
-</file>
-
-<file path=ppt/slides/slide16.xml><?xml version="1.0" encoding="utf-8"?>
-<p:sld xmlns:a="http://schemas.openxmlformats.org/drawingml/2006/main" xmlns:r="http://schemas.openxmlformats.org/officeDocument/2006/relationships" xmlns:p="http://schemas.openxmlformats.org/presentationml/2006/main">
-  <p:cSld>
-    <p:spTree>
-      <p:nvGrpSpPr>
-        <p:cNvPr id="1" name=""/>
-        <p:cNvGrpSpPr/>
-        <p:nvPr/>
-      </p:nvGrpSpPr>
-      <p:grpSpPr>
-        <a:xfrm>
-          <a:off x="0" y="0"/>
-          <a:ext cx="0" cy="0"/>
-          <a:chOff x="0" y="0"/>
-          <a:chExt cx="0" cy="0"/>
-        </a:xfrm>
-      </p:grpSpPr>
-      <p:sp>
-        <p:nvSpPr>
-          <p:cNvPr id="4" name="직사각형 3">
-            <a:extLst>
-              <a:ext uri="{FF2B5EF4-FFF2-40B4-BE49-F238E27FC236}">
-                <a16:creationId xmlns:a16="http://schemas.microsoft.com/office/drawing/2014/main" xmlns="" id="{827CBD14-205C-455C-BAB0-9D54EBB80528}"/>
-              </a:ext>
-            </a:extLst>
-          </p:cNvPr>
-          <p:cNvSpPr/>
-          <p:nvPr/>
-        </p:nvSpPr>
-        <p:spPr>
-          <a:xfrm>
-            <a:off x="0" y="3991"/>
-            <a:ext cx="12192000" cy="6858000"/>
-          </a:xfrm>
-          <a:prstGeom prst="rect">
-            <a:avLst/>
-          </a:prstGeom>
-          <a:solidFill>
-            <a:schemeClr val="accent1">
-              <a:lumMod val="50000"/>
-            </a:schemeClr>
-          </a:solidFill>
-        </p:spPr>
-        <p:style>
-          <a:lnRef idx="2">
-            <a:schemeClr val="accent1">
-              <a:shade val="50000"/>
-            </a:schemeClr>
-          </a:lnRef>
-          <a:fillRef idx="1">
-            <a:schemeClr val="accent1"/>
-          </a:fillRef>
-          <a:effectRef idx="0">
-            <a:schemeClr val="accent1"/>
-          </a:effectRef>
-          <a:fontRef idx="minor">
-            <a:schemeClr val="lt1"/>
-          </a:fontRef>
-        </p:style>
-        <p:txBody>
-          <a:bodyPr rtlCol="0" anchor="ctr"/>
-          <a:lstStyle/>
-          <a:p>
-            <a:pPr algn="ctr"/>
-            <a:endParaRPr lang="ko-KR" altLang="en-US"/>
-          </a:p>
-        </p:txBody>
-      </p:sp>
-      <p:sp>
-        <p:nvSpPr>
-          <p:cNvPr id="6" name="직사각형 5">
-            <a:extLst>
-              <a:ext uri="{FF2B5EF4-FFF2-40B4-BE49-F238E27FC236}">
-                <a16:creationId xmlns:a16="http://schemas.microsoft.com/office/drawing/2014/main" xmlns="" id="{45E0CFFD-1570-4FFE-97E4-F1E07A8D7360}"/>
-              </a:ext>
-            </a:extLst>
-          </p:cNvPr>
-          <p:cNvSpPr/>
-          <p:nvPr/>
-        </p:nvSpPr>
-        <p:spPr>
-          <a:xfrm>
-            <a:off x="437791" y="1159739"/>
-            <a:ext cx="4522192" cy="6728773"/>
-          </a:xfrm>
-          <a:prstGeom prst="rect">
-            <a:avLst/>
-          </a:prstGeom>
-          <a:solidFill>
-            <a:schemeClr val="accent4">
-              <a:lumMod val="60000"/>
-              <a:lumOff val="40000"/>
-            </a:schemeClr>
-          </a:solidFill>
-        </p:spPr>
-        <p:style>
-          <a:lnRef idx="2">
-            <a:schemeClr val="accent1">
-              <a:shade val="50000"/>
-            </a:schemeClr>
-          </a:lnRef>
-          <a:fillRef idx="1">
-            <a:schemeClr val="accent1"/>
-          </a:fillRef>
-          <a:effectRef idx="0">
-            <a:schemeClr val="accent1"/>
-          </a:effectRef>
-          <a:fontRef idx="minor">
-            <a:schemeClr val="lt1"/>
-          </a:fontRef>
-        </p:style>
-        <p:txBody>
-          <a:bodyPr lIns="91440" tIns="45720" rIns="91440" bIns="45720" rtlCol="0" anchor="ctr"/>
-          <a:lstStyle/>
-          <a:p>
-            <a:pPr algn="ctr"/>
-            <a:endParaRPr lang="ko-KR" altLang="en-US" sz="3600" dirty="0">
-              <a:solidFill>
-                <a:schemeClr val="tx1"/>
-              </a:solidFill>
-              <a:ea typeface="맑은 고딕"/>
-            </a:endParaRPr>
-          </a:p>
-        </p:txBody>
-      </p:sp>
-      <p:sp>
-        <p:nvSpPr>
-          <p:cNvPr id="8" name="TextBox 7">
-            <a:extLst>
-              <a:ext uri="{FF2B5EF4-FFF2-40B4-BE49-F238E27FC236}">
-                <a16:creationId xmlns:a16="http://schemas.microsoft.com/office/drawing/2014/main" xmlns="" id="{722612CD-3BFF-4C2C-9806-463600493546}"/>
-              </a:ext>
-            </a:extLst>
-          </p:cNvPr>
-          <p:cNvSpPr txBox="1"/>
-          <p:nvPr/>
-        </p:nvSpPr>
-        <p:spPr>
-          <a:xfrm>
-            <a:off x="152401" y="134256"/>
-            <a:ext cx="3106056" cy="646331"/>
-          </a:xfrm>
-          <a:prstGeom prst="rect">
-            <a:avLst/>
-          </a:prstGeom>
-          <a:noFill/>
-        </p:spPr>
-        <p:txBody>
-          <a:bodyPr rot="0" spcFirstLastPara="0" vertOverflow="overflow" horzOverflow="overflow" vert="horz" wrap="square" lIns="91440" tIns="45720" rIns="91440" bIns="45720" numCol="1" spcCol="0" rtlCol="0" fromWordArt="0" anchor="t" anchorCtr="0" forceAA="0" compatLnSpc="1">
-            <a:prstTxWarp prst="textNoShape">
-              <a:avLst/>
-            </a:prstTxWarp>
-            <a:spAutoFit/>
-          </a:bodyPr>
-          <a:lstStyle/>
-          <a:p>
-            <a:r>
-              <a:rPr lang="ko-KR" altLang="en-US" sz="3600">
-                <a:solidFill>
-                  <a:schemeClr val="bg1"/>
-                </a:solidFill>
-                <a:ea typeface="맑은 고딕"/>
-              </a:rPr>
-              <a:t>목차</a:t>
-            </a:r>
-            <a:endParaRPr lang="ko-KR" altLang="en-US" sz="3600" dirty="0">
-              <a:solidFill>
-                <a:schemeClr val="bg1"/>
-              </a:solidFill>
-              <a:ea typeface="맑은 고딕"/>
-            </a:endParaRPr>
-          </a:p>
-        </p:txBody>
-      </p:sp>
-      <p:sp>
-        <p:nvSpPr>
-          <p:cNvPr id="9" name="직사각형 8">
-            <a:extLst>
-              <a:ext uri="{FF2B5EF4-FFF2-40B4-BE49-F238E27FC236}">
-                <a16:creationId xmlns:a16="http://schemas.microsoft.com/office/drawing/2014/main" xmlns="" id="{A6F8CFEF-47C2-4A03-92C9-7296106D053E}"/>
-              </a:ext>
-            </a:extLst>
-          </p:cNvPr>
-          <p:cNvSpPr/>
-          <p:nvPr/>
-        </p:nvSpPr>
-        <p:spPr>
-          <a:xfrm>
-            <a:off x="3175" y="728889"/>
-            <a:ext cx="3510642" cy="90715"/>
-          </a:xfrm>
-          <a:prstGeom prst="rect">
-            <a:avLst/>
-          </a:prstGeom>
-          <a:solidFill>
-            <a:schemeClr val="bg1"/>
-          </a:solidFill>
-          <a:ln>
-            <a:noFill/>
-          </a:ln>
-        </p:spPr>
-        <p:style>
-          <a:lnRef idx="2">
-            <a:schemeClr val="accent1">
-              <a:shade val="50000"/>
-            </a:schemeClr>
-          </a:lnRef>
-          <a:fillRef idx="1">
-            <a:schemeClr val="accent1"/>
-          </a:fillRef>
-          <a:effectRef idx="0">
-            <a:schemeClr val="accent1"/>
-          </a:effectRef>
-          <a:fontRef idx="minor">
-            <a:schemeClr val="lt1"/>
-          </a:fontRef>
-        </p:style>
-        <p:txBody>
-          <a:bodyPr rtlCol="0" anchor="ctr"/>
-          <a:lstStyle/>
-          <a:p>
-            <a:pPr algn="ctr"/>
-            <a:endParaRPr lang="ko-KR" altLang="en-US"/>
-          </a:p>
-        </p:txBody>
-      </p:sp>
-      <p:sp>
-        <p:nvSpPr>
-          <p:cNvPr id="7" name="TextBox 6">
-            <a:extLst>
-              <a:ext uri="{FF2B5EF4-FFF2-40B4-BE49-F238E27FC236}">
-                <a16:creationId xmlns:a16="http://schemas.microsoft.com/office/drawing/2014/main" xmlns="" id="{18181A22-DD7C-4211-814D-42ABBBA4FA59}"/>
-              </a:ext>
-            </a:extLst>
-          </p:cNvPr>
-          <p:cNvSpPr txBox="1"/>
-          <p:nvPr/>
-        </p:nvSpPr>
-        <p:spPr>
-          <a:xfrm>
-            <a:off x="540589" y="1341954"/>
-            <a:ext cx="4730697" cy="3970318"/>
-          </a:xfrm>
-          <a:prstGeom prst="rect">
-            <a:avLst/>
-          </a:prstGeom>
-          <a:noFill/>
-        </p:spPr>
-        <p:txBody>
-          <a:bodyPr rot="0" spcFirstLastPara="0" vertOverflow="overflow" horzOverflow="overflow" vert="horz" wrap="square" lIns="91440" tIns="45720" rIns="91440" bIns="45720" numCol="1" spcCol="0" rtlCol="0" fromWordArt="0" anchor="t" anchorCtr="0" forceAA="0" compatLnSpc="1">
-            <a:prstTxWarp prst="textNoShape">
-              <a:avLst/>
-            </a:prstTxWarp>
-            <a:spAutoFit/>
-          </a:bodyPr>
-          <a:lstStyle/>
-          <a:p>
-            <a:r>
-              <a:rPr lang="ko-KR" altLang="en-US" sz="2800" dirty="0" smtClean="0">
-                <a:latin typeface="Malgun Gothic"/>
-                <a:ea typeface="Malgun Gothic"/>
-              </a:rPr>
-              <a:t>프로젝트 </a:t>
-            </a:r>
-            <a:r>
-              <a:rPr lang="ko-KR" altLang="en-US" sz="2800" dirty="0">
-                <a:latin typeface="Malgun Gothic"/>
-                <a:ea typeface="Malgun Gothic"/>
-              </a:rPr>
-              <a:t>수행조직도</a:t>
-            </a:r>
-            <a:endParaRPr lang="ko-KR" sz="2800" dirty="0">
-              <a:latin typeface="Malgun Gothic"/>
-              <a:ea typeface="Malgun Gothic"/>
-            </a:endParaRPr>
-          </a:p>
-          <a:p>
-            <a:r>
-              <a:rPr lang="ko-KR" altLang="en-US" sz="2800" dirty="0">
-                <a:latin typeface="Malgun Gothic"/>
-                <a:ea typeface="Malgun Gothic"/>
-              </a:rPr>
-              <a:t>고객 요구사항</a:t>
-            </a:r>
-            <a:endParaRPr lang="ko-KR" sz="2800" dirty="0">
-              <a:ea typeface="+mn-lt"/>
-              <a:cs typeface="+mn-lt"/>
-            </a:endParaRPr>
-          </a:p>
-          <a:p>
-            <a:r>
-              <a:rPr lang="ko-KR" sz="2800" dirty="0">
-                <a:latin typeface="Malgun Gothic"/>
-                <a:ea typeface="Malgun Gothic"/>
-              </a:rPr>
-              <a:t>제작 </a:t>
-            </a:r>
-            <a:r>
-              <a:rPr lang="ko-KR" altLang="en-US" sz="2800" dirty="0">
-                <a:latin typeface="Malgun Gothic"/>
-                <a:ea typeface="Malgun Gothic"/>
-              </a:rPr>
-              <a:t>일정</a:t>
-            </a:r>
-            <a:endParaRPr lang="ko-KR" altLang="en-US" sz="2800" dirty="0">
-              <a:latin typeface="Malgun Gothic"/>
-              <a:ea typeface="Malgun Gothic"/>
-              <a:cs typeface="+mn-lt"/>
-            </a:endParaRPr>
-          </a:p>
-          <a:p>
-            <a:r>
-              <a:rPr lang="ko-KR" altLang="en-US" sz="2800" dirty="0">
-                <a:ea typeface="맑은 고딕"/>
-              </a:rPr>
-              <a:t>프로젝트 구성도</a:t>
-            </a:r>
-          </a:p>
-          <a:p>
-            <a:r>
-              <a:rPr lang="ko-KR" altLang="en-US" sz="2800" dirty="0">
-                <a:ea typeface="맑은 고딕"/>
-              </a:rPr>
-              <a:t>GitHub 활용</a:t>
-            </a:r>
-          </a:p>
-          <a:p>
-            <a:r>
-              <a:rPr lang="ko-KR" altLang="en-US" sz="2800" dirty="0">
-                <a:ea typeface="맑은 고딕"/>
-              </a:rPr>
-              <a:t>화면구성</a:t>
-            </a:r>
-            <a:endParaRPr lang="ko-KR" sz="2000" dirty="0">
-              <a:ea typeface="맑은 고딕"/>
-            </a:endParaRPr>
-          </a:p>
-          <a:p>
-            <a:r>
-              <a:rPr lang="ko-KR" altLang="en-US" sz="2800" dirty="0">
-                <a:ea typeface="맑은 고딕"/>
-              </a:rPr>
-              <a:t>시연</a:t>
-            </a:r>
-          </a:p>
-          <a:p>
-            <a:r>
-              <a:rPr lang="ko-KR" altLang="en-US" sz="2800" dirty="0">
-                <a:ea typeface="맑은 고딕"/>
-              </a:rPr>
-              <a:t>간단한 소스 설명</a:t>
-            </a:r>
-          </a:p>
-          <a:p>
-            <a:r>
-              <a:rPr lang="ko-KR" sz="2800" dirty="0">
-                <a:latin typeface="Malgun Gothic"/>
-                <a:ea typeface="Malgun Gothic"/>
-              </a:rPr>
-              <a:t>QnA</a:t>
-            </a:r>
-            <a:endParaRPr lang="ko-KR" sz="2800" dirty="0">
-              <a:ea typeface="+mn-lt"/>
-              <a:cs typeface="+mn-lt"/>
-            </a:endParaRPr>
-          </a:p>
-        </p:txBody>
-      </p:sp>
-      <p:sp>
-        <p:nvSpPr>
-          <p:cNvPr id="3" name="이등변 삼각형 2">
-            <a:extLst>
-              <a:ext uri="{FF2B5EF4-FFF2-40B4-BE49-F238E27FC236}">
-                <a16:creationId xmlns:a16="http://schemas.microsoft.com/office/drawing/2014/main" xmlns="" id="{B5C2D509-980A-4925-A6BF-9DDBFC91E477}"/>
-              </a:ext>
-            </a:extLst>
-          </p:cNvPr>
-          <p:cNvSpPr/>
-          <p:nvPr/>
-        </p:nvSpPr>
-        <p:spPr>
-          <a:xfrm rot="5400000">
-            <a:off x="109678" y="2566599"/>
-            <a:ext cx="584200" cy="499534"/>
-          </a:xfrm>
-          <a:prstGeom prst="triangle">
-            <a:avLst/>
-          </a:prstGeom>
-          <a:solidFill>
-            <a:srgbClr val="FF0000"/>
-          </a:solidFill>
-        </p:spPr>
-        <p:style>
-          <a:lnRef idx="2">
-            <a:schemeClr val="accent1">
-              <a:shade val="50000"/>
-            </a:schemeClr>
-          </a:lnRef>
-          <a:fillRef idx="1">
-            <a:schemeClr val="accent1"/>
-          </a:fillRef>
-          <a:effectRef idx="0">
-            <a:schemeClr val="accent1"/>
-          </a:effectRef>
-          <a:fontRef idx="minor">
-            <a:schemeClr val="lt1"/>
-          </a:fontRef>
-        </p:style>
-        <p:txBody>
-          <a:bodyPr rtlCol="0" anchor="ctr"/>
-          <a:lstStyle/>
-          <a:p>
-            <a:pPr algn="ctr"/>
-            <a:endParaRPr lang="ko-KR" altLang="en-US"/>
-          </a:p>
-        </p:txBody>
-      </p:sp>
-      <p:pic>
-        <p:nvPicPr>
-          <p:cNvPr id="5" name="그림 9">
-            <a:extLst>
-              <a:ext uri="{FF2B5EF4-FFF2-40B4-BE49-F238E27FC236}">
-                <a16:creationId xmlns:a16="http://schemas.microsoft.com/office/drawing/2014/main" xmlns="" id="{5F108894-A2DB-4D18-94BA-C8A2B561CC32}"/>
-              </a:ext>
-            </a:extLst>
-          </p:cNvPr>
-          <p:cNvPicPr>
-            <a:picLocks noChangeAspect="1"/>
-          </p:cNvPicPr>
-          <p:nvPr/>
-        </p:nvPicPr>
-        <p:blipFill>
-          <a:blip r:embed="rId2"/>
-          <a:stretch>
-            <a:fillRect/>
-          </a:stretch>
-        </p:blipFill>
-        <p:spPr>
-          <a:xfrm>
-            <a:off x="4293081" y="-6662447"/>
-            <a:ext cx="7804028" cy="6351874"/>
-          </a:xfrm>
-          <a:prstGeom prst="rect">
-            <a:avLst/>
-          </a:prstGeom>
-        </p:spPr>
-      </p:pic>
-      <p:pic>
-        <p:nvPicPr>
-          <p:cNvPr id="2" name="그림 9" descr="스크린샷이(가) 표시된 사진&#10;&#10;자동 생성된 설명">
-            <a:extLst>
-              <a:ext uri="{FF2B5EF4-FFF2-40B4-BE49-F238E27FC236}">
-                <a16:creationId xmlns:a16="http://schemas.microsoft.com/office/drawing/2014/main" xmlns="" id="{3B9A686E-7989-4813-B85D-6275A92650ED}"/>
-              </a:ext>
-            </a:extLst>
-          </p:cNvPr>
-          <p:cNvPicPr>
-            <a:picLocks noChangeAspect="1"/>
-          </p:cNvPicPr>
-          <p:nvPr/>
-        </p:nvPicPr>
-        <p:blipFill>
-          <a:blip r:embed="rId3"/>
-          <a:stretch>
-            <a:fillRect/>
-          </a:stretch>
-        </p:blipFill>
-        <p:spPr>
-          <a:xfrm>
-            <a:off x="2438401" y="-1614102"/>
-            <a:ext cx="759124" cy="539639"/>
-          </a:xfrm>
-          <a:prstGeom prst="rect">
-            <a:avLst/>
-          </a:prstGeom>
-        </p:spPr>
-      </p:pic>
-      <p:pic>
-        <p:nvPicPr>
-          <p:cNvPr id="14" name="그림 10" descr="스크린샷이(가) 표시된 사진&#10;&#10;자동 생성된 설명">
-            <a:extLst>
-              <a:ext uri="{FF2B5EF4-FFF2-40B4-BE49-F238E27FC236}">
-                <a16:creationId xmlns:a16="http://schemas.microsoft.com/office/drawing/2014/main" xmlns="" id="{98645443-6CEE-42F4-964C-2D889E4BB682}"/>
-              </a:ext>
-            </a:extLst>
-          </p:cNvPr>
-          <p:cNvPicPr>
-            <a:picLocks noChangeAspect="1"/>
-          </p:cNvPicPr>
-          <p:nvPr/>
-        </p:nvPicPr>
-        <p:blipFill>
-          <a:blip r:embed="rId4"/>
-          <a:stretch>
-            <a:fillRect/>
-          </a:stretch>
-        </p:blipFill>
-        <p:spPr>
-          <a:xfrm>
-            <a:off x="2970362" y="601674"/>
-            <a:ext cx="9083615" cy="6143480"/>
-          </a:xfrm>
-          <a:prstGeom prst="rect">
-            <a:avLst/>
-          </a:prstGeom>
-        </p:spPr>
-      </p:pic>
-      <p:pic>
-        <p:nvPicPr>
-          <p:cNvPr id="15" name="그림 15">
-            <a:extLst>
-              <a:ext uri="{FF2B5EF4-FFF2-40B4-BE49-F238E27FC236}">
-                <a16:creationId xmlns:a16="http://schemas.microsoft.com/office/drawing/2014/main" xmlns="" id="{5C09D9B1-A8F6-4F1B-9021-03E424E0C0E4}"/>
-              </a:ext>
-            </a:extLst>
-          </p:cNvPr>
-          <p:cNvPicPr>
-            <a:picLocks noChangeAspect="1"/>
-          </p:cNvPicPr>
-          <p:nvPr/>
-        </p:nvPicPr>
-        <p:blipFill>
-          <a:blip r:embed="rId5"/>
-          <a:stretch>
-            <a:fillRect/>
-          </a:stretch>
-        </p:blipFill>
-        <p:spPr>
-          <a:xfrm>
-            <a:off x="2970362" y="607988"/>
-            <a:ext cx="9126747" cy="6058968"/>
-          </a:xfrm>
-          <a:prstGeom prst="rect">
-            <a:avLst/>
-          </a:prstGeom>
-        </p:spPr>
-      </p:pic>
-    </p:spTree>
-    <p:extLst>
-      <p:ext uri="{BB962C8B-B14F-4D97-AF65-F5344CB8AC3E}">
-        <p14:creationId xmlns:p14="http://schemas.microsoft.com/office/powerpoint/2010/main" val="2431787527"/>
-      </p:ext>
-    </p:extLst>
-  </p:cSld>
-  <p:clrMapOvr>
-    <a:masterClrMapping/>
-  </p:clrMapOvr>
-  <p:transition spd="slow">
-    <p:fade/>
-  </p:transition>
-</p:sld>
-</file>
-
-<file path=ppt/slides/slide17.xml><?xml version="1.0" encoding="utf-8"?>
-<p:sld xmlns:a="http://schemas.openxmlformats.org/drawingml/2006/main" xmlns:r="http://schemas.openxmlformats.org/officeDocument/2006/relationships" xmlns:p="http://schemas.openxmlformats.org/presentationml/2006/main">
-  <p:cSld>
-    <p:spTree>
-      <p:nvGrpSpPr>
-        <p:cNvPr id="1" name=""/>
-        <p:cNvGrpSpPr/>
-        <p:nvPr/>
-      </p:nvGrpSpPr>
-      <p:grpSpPr>
-        <a:xfrm>
-          <a:off x="0" y="0"/>
-          <a:ext cx="0" cy="0"/>
-          <a:chOff x="0" y="0"/>
-          <a:chExt cx="0" cy="0"/>
-        </a:xfrm>
-      </p:grpSpPr>
-      <p:sp>
-        <p:nvSpPr>
-          <p:cNvPr id="4" name="직사각형 3">
-            <a:extLst>
-              <a:ext uri="{FF2B5EF4-FFF2-40B4-BE49-F238E27FC236}">
-                <a16:creationId xmlns:a16="http://schemas.microsoft.com/office/drawing/2014/main" xmlns="" id="{827CBD14-205C-455C-BAB0-9D54EBB80528}"/>
-              </a:ext>
-            </a:extLst>
-          </p:cNvPr>
-          <p:cNvSpPr/>
-          <p:nvPr/>
-        </p:nvSpPr>
-        <p:spPr>
-          <a:xfrm>
-            <a:off x="0" y="3991"/>
-            <a:ext cx="12192000" cy="6858000"/>
-          </a:xfrm>
-          <a:prstGeom prst="rect">
-            <a:avLst/>
-          </a:prstGeom>
-          <a:solidFill>
-            <a:schemeClr val="accent1">
-              <a:lumMod val="50000"/>
-            </a:schemeClr>
-          </a:solidFill>
-        </p:spPr>
-        <p:style>
-          <a:lnRef idx="2">
-            <a:schemeClr val="accent1">
-              <a:shade val="50000"/>
-            </a:schemeClr>
-          </a:lnRef>
-          <a:fillRef idx="1">
-            <a:schemeClr val="accent1"/>
-          </a:fillRef>
-          <a:effectRef idx="0">
-            <a:schemeClr val="accent1"/>
-          </a:effectRef>
-          <a:fontRef idx="minor">
-            <a:schemeClr val="lt1"/>
-          </a:fontRef>
-        </p:style>
-        <p:txBody>
-          <a:bodyPr rtlCol="0" anchor="ctr"/>
-          <a:lstStyle/>
-          <a:p>
-            <a:pPr algn="ctr"/>
-            <a:endParaRPr lang="ko-KR" altLang="en-US"/>
-          </a:p>
-        </p:txBody>
-      </p:sp>
-      <p:sp>
-        <p:nvSpPr>
-          <p:cNvPr id="6" name="직사각형 5">
-            <a:extLst>
-              <a:ext uri="{FF2B5EF4-FFF2-40B4-BE49-F238E27FC236}">
-                <a16:creationId xmlns:a16="http://schemas.microsoft.com/office/drawing/2014/main" xmlns="" id="{45E0CFFD-1570-4FFE-97E4-F1E07A8D7360}"/>
-              </a:ext>
-            </a:extLst>
-          </p:cNvPr>
-          <p:cNvSpPr/>
-          <p:nvPr/>
-        </p:nvSpPr>
-        <p:spPr>
-          <a:xfrm>
-            <a:off x="437791" y="1159739"/>
-            <a:ext cx="4522192" cy="6728773"/>
-          </a:xfrm>
-          <a:prstGeom prst="rect">
-            <a:avLst/>
-          </a:prstGeom>
-          <a:solidFill>
-            <a:schemeClr val="accent4">
-              <a:lumMod val="60000"/>
-              <a:lumOff val="40000"/>
-            </a:schemeClr>
-          </a:solidFill>
-        </p:spPr>
-        <p:style>
-          <a:lnRef idx="2">
-            <a:schemeClr val="accent1">
-              <a:shade val="50000"/>
-            </a:schemeClr>
-          </a:lnRef>
-          <a:fillRef idx="1">
-            <a:schemeClr val="accent1"/>
-          </a:fillRef>
-          <a:effectRef idx="0">
-            <a:schemeClr val="accent1"/>
-          </a:effectRef>
-          <a:fontRef idx="minor">
-            <a:schemeClr val="lt1"/>
-          </a:fontRef>
-        </p:style>
-        <p:txBody>
-          <a:bodyPr lIns="91440" tIns="45720" rIns="91440" bIns="45720" rtlCol="0" anchor="ctr"/>
-          <a:lstStyle/>
-          <a:p>
-            <a:pPr algn="ctr"/>
-            <a:endParaRPr lang="ko-KR" altLang="en-US" sz="3600" dirty="0">
-              <a:solidFill>
-                <a:schemeClr val="tx1"/>
-              </a:solidFill>
-              <a:ea typeface="맑은 고딕"/>
-            </a:endParaRPr>
-          </a:p>
-        </p:txBody>
-      </p:sp>
-      <p:sp>
-        <p:nvSpPr>
-          <p:cNvPr id="8" name="TextBox 7">
-            <a:extLst>
-              <a:ext uri="{FF2B5EF4-FFF2-40B4-BE49-F238E27FC236}">
-                <a16:creationId xmlns:a16="http://schemas.microsoft.com/office/drawing/2014/main" xmlns="" id="{722612CD-3BFF-4C2C-9806-463600493546}"/>
-              </a:ext>
-            </a:extLst>
-          </p:cNvPr>
-          <p:cNvSpPr txBox="1"/>
-          <p:nvPr/>
-        </p:nvSpPr>
-        <p:spPr>
-          <a:xfrm>
-            <a:off x="152401" y="134256"/>
-            <a:ext cx="3106056" cy="646331"/>
-          </a:xfrm>
-          <a:prstGeom prst="rect">
-            <a:avLst/>
-          </a:prstGeom>
-          <a:noFill/>
-        </p:spPr>
-        <p:txBody>
-          <a:bodyPr rot="0" spcFirstLastPara="0" vertOverflow="overflow" horzOverflow="overflow" vert="horz" wrap="square" lIns="91440" tIns="45720" rIns="91440" bIns="45720" numCol="1" spcCol="0" rtlCol="0" fromWordArt="0" anchor="t" anchorCtr="0" forceAA="0" compatLnSpc="1">
-            <a:prstTxWarp prst="textNoShape">
-              <a:avLst/>
-            </a:prstTxWarp>
-            <a:spAutoFit/>
-          </a:bodyPr>
-          <a:lstStyle/>
-          <a:p>
-            <a:r>
-              <a:rPr lang="ko-KR" altLang="en-US" sz="3600">
-                <a:solidFill>
-                  <a:schemeClr val="bg1"/>
-                </a:solidFill>
-                <a:ea typeface="맑은 고딕"/>
-              </a:rPr>
-              <a:t>목차</a:t>
-            </a:r>
-            <a:endParaRPr lang="ko-KR" altLang="en-US" sz="3600" dirty="0">
-              <a:solidFill>
-                <a:schemeClr val="bg1"/>
-              </a:solidFill>
-              <a:ea typeface="맑은 고딕"/>
-            </a:endParaRPr>
-          </a:p>
-        </p:txBody>
-      </p:sp>
-      <p:sp>
-        <p:nvSpPr>
-          <p:cNvPr id="9" name="직사각형 8">
-            <a:extLst>
-              <a:ext uri="{FF2B5EF4-FFF2-40B4-BE49-F238E27FC236}">
-                <a16:creationId xmlns:a16="http://schemas.microsoft.com/office/drawing/2014/main" xmlns="" id="{A6F8CFEF-47C2-4A03-92C9-7296106D053E}"/>
-              </a:ext>
-            </a:extLst>
-          </p:cNvPr>
-          <p:cNvSpPr/>
-          <p:nvPr/>
-        </p:nvSpPr>
-        <p:spPr>
-          <a:xfrm>
-            <a:off x="3175" y="728889"/>
-            <a:ext cx="3510642" cy="90715"/>
-          </a:xfrm>
-          <a:prstGeom prst="rect">
-            <a:avLst/>
-          </a:prstGeom>
-          <a:solidFill>
-            <a:schemeClr val="bg1"/>
-          </a:solidFill>
-          <a:ln>
-            <a:noFill/>
-          </a:ln>
-        </p:spPr>
-        <p:style>
-          <a:lnRef idx="2">
-            <a:schemeClr val="accent1">
-              <a:shade val="50000"/>
-            </a:schemeClr>
-          </a:lnRef>
-          <a:fillRef idx="1">
-            <a:schemeClr val="accent1"/>
-          </a:fillRef>
-          <a:effectRef idx="0">
-            <a:schemeClr val="accent1"/>
-          </a:effectRef>
-          <a:fontRef idx="minor">
-            <a:schemeClr val="lt1"/>
-          </a:fontRef>
-        </p:style>
-        <p:txBody>
-          <a:bodyPr rtlCol="0" anchor="ctr"/>
-          <a:lstStyle/>
-          <a:p>
-            <a:pPr algn="ctr"/>
-            <a:endParaRPr lang="ko-KR" altLang="en-US"/>
-          </a:p>
-        </p:txBody>
-      </p:sp>
-      <p:sp>
-        <p:nvSpPr>
-          <p:cNvPr id="7" name="TextBox 6">
-            <a:extLst>
-              <a:ext uri="{FF2B5EF4-FFF2-40B4-BE49-F238E27FC236}">
-                <a16:creationId xmlns:a16="http://schemas.microsoft.com/office/drawing/2014/main" xmlns="" id="{18181A22-DD7C-4211-814D-42ABBBA4FA59}"/>
-              </a:ext>
-            </a:extLst>
-          </p:cNvPr>
-          <p:cNvSpPr txBox="1"/>
-          <p:nvPr/>
-        </p:nvSpPr>
-        <p:spPr>
-          <a:xfrm>
-            <a:off x="540589" y="1341954"/>
-            <a:ext cx="4730697" cy="4401205"/>
-          </a:xfrm>
-          <a:prstGeom prst="rect">
-            <a:avLst/>
-          </a:prstGeom>
-          <a:noFill/>
-        </p:spPr>
-        <p:txBody>
-          <a:bodyPr rot="0" spcFirstLastPara="0" vertOverflow="overflow" horzOverflow="overflow" vert="horz" wrap="square" lIns="91440" tIns="45720" rIns="91440" bIns="45720" numCol="1" spcCol="0" rtlCol="0" fromWordArt="0" anchor="t" anchorCtr="0" forceAA="0" compatLnSpc="1">
-            <a:prstTxWarp prst="textNoShape">
-              <a:avLst/>
-            </a:prstTxWarp>
-            <a:spAutoFit/>
-          </a:bodyPr>
-          <a:lstStyle/>
-          <a:p>
-            <a:r>
-              <a:rPr lang="ko-KR" altLang="en-US" sz="2800">
-                <a:ea typeface="맑은 고딕"/>
-              </a:rPr>
-              <a:t>인사</a:t>
-            </a:r>
-            <a:endParaRPr lang="ko-KR" sz="2800">
-              <a:ea typeface="맑은 고딕"/>
-            </a:endParaRPr>
-          </a:p>
-          <a:p>
-            <a:r>
-              <a:rPr lang="ko-KR" altLang="en-US" sz="2800">
-                <a:latin typeface="Malgun Gothic"/>
-                <a:ea typeface="Malgun Gothic"/>
-              </a:rPr>
-              <a:t>프로젝트 수행조직도</a:t>
-            </a:r>
-            <a:endParaRPr lang="ko-KR" sz="2800">
-              <a:latin typeface="Malgun Gothic"/>
-              <a:ea typeface="Malgun Gothic"/>
-            </a:endParaRPr>
-          </a:p>
-          <a:p>
-            <a:r>
-              <a:rPr lang="ko-KR" altLang="en-US" sz="2800">
-                <a:latin typeface="Malgun Gothic"/>
-                <a:ea typeface="Malgun Gothic"/>
-              </a:rPr>
-              <a:t>고객 요구사항</a:t>
-            </a:r>
-            <a:endParaRPr lang="ko-KR" sz="2800">
-              <a:ea typeface="+mn-lt"/>
-              <a:cs typeface="+mn-lt"/>
-            </a:endParaRPr>
-          </a:p>
-          <a:p>
-            <a:r>
-              <a:rPr lang="ko-KR" sz="2800">
-                <a:latin typeface="Malgun Gothic"/>
-                <a:ea typeface="Malgun Gothic"/>
-              </a:rPr>
-              <a:t>제작 </a:t>
-            </a:r>
-            <a:r>
-              <a:rPr lang="ko-KR" altLang="en-US" sz="2800">
-                <a:latin typeface="Malgun Gothic"/>
-                <a:ea typeface="Malgun Gothic"/>
-              </a:rPr>
-              <a:t>일정</a:t>
-            </a:r>
-            <a:endParaRPr lang="ko-KR" altLang="en-US" sz="2800">
-              <a:latin typeface="Malgun Gothic"/>
-              <a:ea typeface="Malgun Gothic"/>
-              <a:cs typeface="+mn-lt"/>
-            </a:endParaRPr>
-          </a:p>
-          <a:p>
-            <a:r>
-              <a:rPr lang="ko-KR" altLang="en-US" sz="2800">
-                <a:ea typeface="맑은 고딕"/>
-              </a:rPr>
-              <a:t>프로젝트 구성도</a:t>
-            </a:r>
-            <a:endParaRPr lang="ko-KR" altLang="en-US" sz="2800" dirty="0">
-              <a:ea typeface="맑은 고딕"/>
-            </a:endParaRPr>
-          </a:p>
-          <a:p>
-            <a:r>
-              <a:rPr lang="ko-KR" altLang="en-US" sz="2800">
-                <a:ea typeface="맑은 고딕"/>
-              </a:rPr>
-              <a:t>GitHub 활용</a:t>
-            </a:r>
-            <a:endParaRPr lang="ko-KR" altLang="en-US" sz="2800" dirty="0">
-              <a:ea typeface="맑은 고딕"/>
-            </a:endParaRPr>
-          </a:p>
-          <a:p>
-            <a:r>
-              <a:rPr lang="ko-KR" altLang="en-US" sz="2800">
-                <a:ea typeface="맑은 고딕"/>
-              </a:rPr>
-              <a:t>화면구성</a:t>
-            </a:r>
-            <a:endParaRPr lang="ko-KR" sz="2000">
-              <a:ea typeface="맑은 고딕"/>
-            </a:endParaRPr>
-          </a:p>
-          <a:p>
-            <a:r>
-              <a:rPr lang="ko-KR" altLang="en-US" sz="2800">
-                <a:ea typeface="맑은 고딕"/>
-              </a:rPr>
-              <a:t>시연</a:t>
-            </a:r>
-            <a:endParaRPr lang="ko-KR" altLang="en-US" sz="2800" dirty="0">
-              <a:ea typeface="맑은 고딕"/>
-            </a:endParaRPr>
-          </a:p>
-          <a:p>
-            <a:r>
-              <a:rPr lang="ko-KR" altLang="en-US" sz="2800">
-                <a:ea typeface="맑은 고딕"/>
-              </a:rPr>
-              <a:t>간단한 소스 </a:t>
-            </a:r>
-            <a:r>
-              <a:rPr lang="ko-KR" altLang="en-US" sz="2800" dirty="0">
-                <a:ea typeface="맑은 고딕"/>
-              </a:rPr>
-              <a:t>설명</a:t>
-            </a:r>
-          </a:p>
-          <a:p>
-            <a:r>
-              <a:rPr lang="ko-KR" sz="2800">
-                <a:latin typeface="Malgun Gothic"/>
-                <a:ea typeface="Malgun Gothic"/>
-              </a:rPr>
-              <a:t>QnA</a:t>
-            </a:r>
-            <a:endParaRPr lang="ko-KR" sz="2800">
-              <a:ea typeface="+mn-lt"/>
-              <a:cs typeface="+mn-lt"/>
-            </a:endParaRPr>
-          </a:p>
-        </p:txBody>
-      </p:sp>
-      <p:sp>
-        <p:nvSpPr>
-          <p:cNvPr id="3" name="이등변 삼각형 2">
-            <a:extLst>
-              <a:ext uri="{FF2B5EF4-FFF2-40B4-BE49-F238E27FC236}">
-                <a16:creationId xmlns:a16="http://schemas.microsoft.com/office/drawing/2014/main" xmlns="" id="{B5C2D509-980A-4925-A6BF-9DDBFC91E477}"/>
-              </a:ext>
-            </a:extLst>
-          </p:cNvPr>
-          <p:cNvSpPr/>
-          <p:nvPr/>
-        </p:nvSpPr>
-        <p:spPr>
-          <a:xfrm rot="5400000">
-            <a:off x="109678" y="3012297"/>
-            <a:ext cx="584200" cy="499534"/>
-          </a:xfrm>
-          <a:prstGeom prst="triangle">
-            <a:avLst/>
-          </a:prstGeom>
-          <a:solidFill>
-            <a:srgbClr val="FF0000"/>
-          </a:solidFill>
-        </p:spPr>
-        <p:style>
-          <a:lnRef idx="2">
-            <a:schemeClr val="accent1">
-              <a:shade val="50000"/>
-            </a:schemeClr>
-          </a:lnRef>
-          <a:fillRef idx="1">
-            <a:schemeClr val="accent1"/>
-          </a:fillRef>
-          <a:effectRef idx="0">
-            <a:schemeClr val="accent1"/>
-          </a:effectRef>
-          <a:fontRef idx="minor">
-            <a:schemeClr val="lt1"/>
-          </a:fontRef>
-        </p:style>
-        <p:txBody>
-          <a:bodyPr rtlCol="0" anchor="ctr"/>
-          <a:lstStyle/>
-          <a:p>
-            <a:pPr algn="ctr"/>
-            <a:endParaRPr lang="ko-KR" altLang="en-US"/>
-          </a:p>
-        </p:txBody>
-      </p:sp>
-      <p:pic>
-        <p:nvPicPr>
-          <p:cNvPr id="5" name="그림 9">
-            <a:extLst>
-              <a:ext uri="{FF2B5EF4-FFF2-40B4-BE49-F238E27FC236}">
-                <a16:creationId xmlns:a16="http://schemas.microsoft.com/office/drawing/2014/main" xmlns="" id="{5F108894-A2DB-4D18-94BA-C8A2B561CC32}"/>
-              </a:ext>
-            </a:extLst>
-          </p:cNvPr>
-          <p:cNvPicPr>
-            <a:picLocks noChangeAspect="1"/>
-          </p:cNvPicPr>
-          <p:nvPr/>
-        </p:nvPicPr>
-        <p:blipFill>
-          <a:blip r:embed="rId2"/>
-          <a:stretch>
-            <a:fillRect/>
-          </a:stretch>
-        </p:blipFill>
-        <p:spPr>
-          <a:xfrm>
-            <a:off x="4293081" y="-6662447"/>
-            <a:ext cx="7804028" cy="6351874"/>
-          </a:xfrm>
-          <a:prstGeom prst="rect">
-            <a:avLst/>
-          </a:prstGeom>
-        </p:spPr>
-      </p:pic>
-      <p:pic>
-        <p:nvPicPr>
-          <p:cNvPr id="2" name="그림 9" descr="스크린샷이(가) 표시된 사진&#10;&#10;자동 생성된 설명">
-            <a:extLst>
-              <a:ext uri="{FF2B5EF4-FFF2-40B4-BE49-F238E27FC236}">
-                <a16:creationId xmlns:a16="http://schemas.microsoft.com/office/drawing/2014/main" xmlns="" id="{3B9A686E-7989-4813-B85D-6275A92650ED}"/>
-              </a:ext>
-            </a:extLst>
-          </p:cNvPr>
-          <p:cNvPicPr>
-            <a:picLocks noChangeAspect="1"/>
-          </p:cNvPicPr>
-          <p:nvPr/>
-        </p:nvPicPr>
-        <p:blipFill>
-          <a:blip r:embed="rId3"/>
-          <a:stretch>
-            <a:fillRect/>
-          </a:stretch>
-        </p:blipFill>
-        <p:spPr>
-          <a:xfrm>
-            <a:off x="2438401" y="-1614102"/>
-            <a:ext cx="759124" cy="539639"/>
-          </a:xfrm>
-          <a:prstGeom prst="rect">
-            <a:avLst/>
-          </a:prstGeom>
-        </p:spPr>
-      </p:pic>
-      <p:pic>
-        <p:nvPicPr>
-          <p:cNvPr id="14" name="그림 10" descr="스크린샷이(가) 표시된 사진&#10;&#10;자동 생성된 설명">
-            <a:extLst>
-              <a:ext uri="{FF2B5EF4-FFF2-40B4-BE49-F238E27FC236}">
-                <a16:creationId xmlns:a16="http://schemas.microsoft.com/office/drawing/2014/main" xmlns="" id="{98645443-6CEE-42F4-964C-2D889E4BB682}"/>
-              </a:ext>
-            </a:extLst>
-          </p:cNvPr>
-          <p:cNvPicPr>
-            <a:picLocks noChangeAspect="1"/>
-          </p:cNvPicPr>
-          <p:nvPr/>
-        </p:nvPicPr>
-        <p:blipFill>
-          <a:blip r:embed="rId4"/>
-          <a:stretch>
-            <a:fillRect/>
-          </a:stretch>
-        </p:blipFill>
-        <p:spPr>
-          <a:xfrm>
-            <a:off x="3933645" y="601674"/>
-            <a:ext cx="9083615" cy="6143480"/>
-          </a:xfrm>
-          <a:prstGeom prst="rect">
-            <a:avLst/>
-          </a:prstGeom>
-        </p:spPr>
-      </p:pic>
-      <p:pic>
-        <p:nvPicPr>
-          <p:cNvPr id="15" name="그림 15">
-            <a:extLst>
-              <a:ext uri="{FF2B5EF4-FFF2-40B4-BE49-F238E27FC236}">
-                <a16:creationId xmlns:a16="http://schemas.microsoft.com/office/drawing/2014/main" xmlns="" id="{5C09D9B1-A8F6-4F1B-9021-03E424E0C0E4}"/>
-              </a:ext>
-            </a:extLst>
-          </p:cNvPr>
-          <p:cNvPicPr>
-            <a:picLocks noChangeAspect="1"/>
-          </p:cNvPicPr>
-          <p:nvPr/>
-        </p:nvPicPr>
-        <p:blipFill>
-          <a:blip r:embed="rId5"/>
-          <a:stretch>
-            <a:fillRect/>
-          </a:stretch>
-        </p:blipFill>
-        <p:spPr>
-          <a:xfrm>
-            <a:off x="3818626" y="607988"/>
-            <a:ext cx="9126747" cy="6058968"/>
-          </a:xfrm>
-          <a:prstGeom prst="rect">
-            <a:avLst/>
-          </a:prstGeom>
-        </p:spPr>
-      </p:pic>
-      <p:pic>
-        <p:nvPicPr>
-          <p:cNvPr id="10" name="그림 10" descr="텍스트이(가) 표시된 사진&#10;&#10;자동 생성된 설명">
-            <a:extLst>
-              <a:ext uri="{FF2B5EF4-FFF2-40B4-BE49-F238E27FC236}">
-                <a16:creationId xmlns:a16="http://schemas.microsoft.com/office/drawing/2014/main" xmlns="" id="{35E9DE28-F711-4612-9812-552A581C0C8A}"/>
-              </a:ext>
-            </a:extLst>
-          </p:cNvPr>
-          <p:cNvPicPr>
-            <a:picLocks noChangeAspect="1"/>
-          </p:cNvPicPr>
-          <p:nvPr/>
-        </p:nvPicPr>
-        <p:blipFill>
-          <a:blip r:embed="rId6"/>
-          <a:stretch>
-            <a:fillRect/>
-          </a:stretch>
-        </p:blipFill>
-        <p:spPr>
-          <a:xfrm>
-            <a:off x="2780714" y="496713"/>
-            <a:ext cx="9492837" cy="6377342"/>
-          </a:xfrm>
-          <a:prstGeom prst="rect">
-            <a:avLst/>
-          </a:prstGeom>
-        </p:spPr>
-      </p:pic>
-    </p:spTree>
-    <p:extLst>
-      <p:ext uri="{BB962C8B-B14F-4D97-AF65-F5344CB8AC3E}">
-        <p14:creationId xmlns:p14="http://schemas.microsoft.com/office/powerpoint/2010/main" val="1543982998"/>
-      </p:ext>
-    </p:extLst>
-  </p:cSld>
-  <p:clrMapOvr>
-    <a:masterClrMapping/>
-  </p:clrMapOvr>
-  <p:transition spd="slow">
-    <p:fade/>
-  </p:transition>
-</p:sld>
-</file>
-
-<file path=ppt/slides/slide18.xml><?xml version="1.0" encoding="utf-8"?>
-<p:sld xmlns:a="http://schemas.openxmlformats.org/drawingml/2006/main" xmlns:r="http://schemas.openxmlformats.org/officeDocument/2006/relationships" xmlns:p="http://schemas.openxmlformats.org/presentationml/2006/main">
-  <p:cSld>
-    <p:spTree>
-      <p:nvGrpSpPr>
-        <p:cNvPr id="1" name=""/>
-        <p:cNvGrpSpPr/>
-        <p:nvPr/>
-      </p:nvGrpSpPr>
-      <p:grpSpPr>
-        <a:xfrm>
-          <a:off x="0" y="0"/>
-          <a:ext cx="0" cy="0"/>
-          <a:chOff x="0" y="0"/>
-          <a:chExt cx="0" cy="0"/>
-        </a:xfrm>
-      </p:grpSpPr>
-      <p:sp>
-        <p:nvSpPr>
-          <p:cNvPr id="4" name="직사각형 3">
-            <a:extLst>
-              <a:ext uri="{FF2B5EF4-FFF2-40B4-BE49-F238E27FC236}">
-                <a16:creationId xmlns:a16="http://schemas.microsoft.com/office/drawing/2014/main" xmlns="" id="{827CBD14-205C-455C-BAB0-9D54EBB80528}"/>
-              </a:ext>
-            </a:extLst>
-          </p:cNvPr>
-          <p:cNvSpPr/>
-          <p:nvPr/>
-        </p:nvSpPr>
-        <p:spPr>
-          <a:xfrm>
-            <a:off x="0" y="3991"/>
-            <a:ext cx="12192000" cy="6858000"/>
-          </a:xfrm>
-          <a:prstGeom prst="rect">
-            <a:avLst/>
-          </a:prstGeom>
-          <a:solidFill>
-            <a:schemeClr val="accent1">
-              <a:lumMod val="50000"/>
-            </a:schemeClr>
-          </a:solidFill>
-        </p:spPr>
-        <p:style>
-          <a:lnRef idx="2">
-            <a:schemeClr val="accent1">
-              <a:shade val="50000"/>
-            </a:schemeClr>
-          </a:lnRef>
-          <a:fillRef idx="1">
-            <a:schemeClr val="accent1"/>
-          </a:fillRef>
-          <a:effectRef idx="0">
-            <a:schemeClr val="accent1"/>
-          </a:effectRef>
-          <a:fontRef idx="minor">
-            <a:schemeClr val="lt1"/>
-          </a:fontRef>
-        </p:style>
-        <p:txBody>
-          <a:bodyPr rtlCol="0" anchor="ctr"/>
-          <a:lstStyle/>
-          <a:p>
-            <a:pPr algn="ctr"/>
-            <a:endParaRPr lang="ko-KR" altLang="en-US"/>
-          </a:p>
-        </p:txBody>
-      </p:sp>
-      <p:sp>
-        <p:nvSpPr>
-          <p:cNvPr id="6" name="직사각형 5">
-            <a:extLst>
-              <a:ext uri="{FF2B5EF4-FFF2-40B4-BE49-F238E27FC236}">
-                <a16:creationId xmlns:a16="http://schemas.microsoft.com/office/drawing/2014/main" xmlns="" id="{45E0CFFD-1570-4FFE-97E4-F1E07A8D7360}"/>
-              </a:ext>
-            </a:extLst>
-          </p:cNvPr>
-          <p:cNvSpPr/>
-          <p:nvPr/>
-        </p:nvSpPr>
-        <p:spPr>
-          <a:xfrm>
-            <a:off x="437791" y="1159739"/>
-            <a:ext cx="4522192" cy="6728773"/>
-          </a:xfrm>
-          <a:prstGeom prst="rect">
-            <a:avLst/>
-          </a:prstGeom>
-          <a:solidFill>
-            <a:schemeClr val="accent4">
-              <a:lumMod val="60000"/>
-              <a:lumOff val="40000"/>
-            </a:schemeClr>
-          </a:solidFill>
-        </p:spPr>
-        <p:style>
-          <a:lnRef idx="2">
-            <a:schemeClr val="accent1">
-              <a:shade val="50000"/>
-            </a:schemeClr>
-          </a:lnRef>
-          <a:fillRef idx="1">
-            <a:schemeClr val="accent1"/>
-          </a:fillRef>
-          <a:effectRef idx="0">
-            <a:schemeClr val="accent1"/>
-          </a:effectRef>
-          <a:fontRef idx="minor">
-            <a:schemeClr val="lt1"/>
-          </a:fontRef>
-        </p:style>
-        <p:txBody>
-          <a:bodyPr lIns="91440" tIns="45720" rIns="91440" bIns="45720" rtlCol="0" anchor="ctr"/>
-          <a:lstStyle/>
-          <a:p>
-            <a:pPr algn="ctr"/>
-            <a:endParaRPr lang="ko-KR" altLang="en-US" sz="3600" dirty="0">
-              <a:solidFill>
-                <a:schemeClr val="tx1"/>
-              </a:solidFill>
-              <a:ea typeface="맑은 고딕"/>
-            </a:endParaRPr>
-          </a:p>
-        </p:txBody>
-      </p:sp>
-      <p:sp>
-        <p:nvSpPr>
-          <p:cNvPr id="8" name="TextBox 7">
-            <a:extLst>
-              <a:ext uri="{FF2B5EF4-FFF2-40B4-BE49-F238E27FC236}">
-                <a16:creationId xmlns:a16="http://schemas.microsoft.com/office/drawing/2014/main" xmlns="" id="{722612CD-3BFF-4C2C-9806-463600493546}"/>
-              </a:ext>
-            </a:extLst>
-          </p:cNvPr>
-          <p:cNvSpPr txBox="1"/>
-          <p:nvPr/>
-        </p:nvSpPr>
-        <p:spPr>
-          <a:xfrm>
-            <a:off x="152401" y="134256"/>
-            <a:ext cx="3106056" cy="646331"/>
-          </a:xfrm>
-          <a:prstGeom prst="rect">
-            <a:avLst/>
-          </a:prstGeom>
-          <a:noFill/>
-        </p:spPr>
-        <p:txBody>
-          <a:bodyPr rot="0" spcFirstLastPara="0" vertOverflow="overflow" horzOverflow="overflow" vert="horz" wrap="square" lIns="91440" tIns="45720" rIns="91440" bIns="45720" numCol="1" spcCol="0" rtlCol="0" fromWordArt="0" anchor="t" anchorCtr="0" forceAA="0" compatLnSpc="1">
-            <a:prstTxWarp prst="textNoShape">
-              <a:avLst/>
-            </a:prstTxWarp>
-            <a:spAutoFit/>
-          </a:bodyPr>
-          <a:lstStyle/>
-          <a:p>
-            <a:r>
-              <a:rPr lang="ko-KR" altLang="en-US" sz="3600">
-                <a:solidFill>
-                  <a:schemeClr val="bg1"/>
-                </a:solidFill>
-                <a:ea typeface="맑은 고딕"/>
-              </a:rPr>
-              <a:t>목차</a:t>
-            </a:r>
-            <a:endParaRPr lang="ko-KR" altLang="en-US" sz="3600" dirty="0">
-              <a:solidFill>
-                <a:schemeClr val="bg1"/>
-              </a:solidFill>
-              <a:ea typeface="맑은 고딕"/>
-            </a:endParaRPr>
-          </a:p>
-        </p:txBody>
-      </p:sp>
-      <p:sp>
-        <p:nvSpPr>
-          <p:cNvPr id="9" name="직사각형 8">
-            <a:extLst>
-              <a:ext uri="{FF2B5EF4-FFF2-40B4-BE49-F238E27FC236}">
-                <a16:creationId xmlns:a16="http://schemas.microsoft.com/office/drawing/2014/main" xmlns="" id="{A6F8CFEF-47C2-4A03-92C9-7296106D053E}"/>
-              </a:ext>
-            </a:extLst>
-          </p:cNvPr>
-          <p:cNvSpPr/>
-          <p:nvPr/>
-        </p:nvSpPr>
-        <p:spPr>
-          <a:xfrm>
-            <a:off x="3175" y="728889"/>
-            <a:ext cx="3510642" cy="90715"/>
-          </a:xfrm>
-          <a:prstGeom prst="rect">
-            <a:avLst/>
-          </a:prstGeom>
-          <a:solidFill>
-            <a:schemeClr val="bg1"/>
-          </a:solidFill>
-          <a:ln>
-            <a:noFill/>
-          </a:ln>
-        </p:spPr>
-        <p:style>
-          <a:lnRef idx="2">
-            <a:schemeClr val="accent1">
-              <a:shade val="50000"/>
-            </a:schemeClr>
-          </a:lnRef>
-          <a:fillRef idx="1">
-            <a:schemeClr val="accent1"/>
-          </a:fillRef>
-          <a:effectRef idx="0">
-            <a:schemeClr val="accent1"/>
-          </a:effectRef>
-          <a:fontRef idx="minor">
-            <a:schemeClr val="lt1"/>
-          </a:fontRef>
-        </p:style>
-        <p:txBody>
-          <a:bodyPr rtlCol="0" anchor="ctr"/>
-          <a:lstStyle/>
-          <a:p>
-            <a:pPr algn="ctr"/>
-            <a:endParaRPr lang="ko-KR" altLang="en-US"/>
-          </a:p>
-        </p:txBody>
-      </p:sp>
-      <p:sp>
-        <p:nvSpPr>
-          <p:cNvPr id="7" name="TextBox 6">
-            <a:extLst>
-              <a:ext uri="{FF2B5EF4-FFF2-40B4-BE49-F238E27FC236}">
-                <a16:creationId xmlns:a16="http://schemas.microsoft.com/office/drawing/2014/main" xmlns="" id="{18181A22-DD7C-4211-814D-42ABBBA4FA59}"/>
-              </a:ext>
-            </a:extLst>
-          </p:cNvPr>
-          <p:cNvSpPr txBox="1"/>
-          <p:nvPr/>
-        </p:nvSpPr>
-        <p:spPr>
-          <a:xfrm>
-            <a:off x="540589" y="1341954"/>
-            <a:ext cx="4730697" cy="4401205"/>
-          </a:xfrm>
-          <a:prstGeom prst="rect">
-            <a:avLst/>
-          </a:prstGeom>
-          <a:noFill/>
-        </p:spPr>
-        <p:txBody>
-          <a:bodyPr rot="0" spcFirstLastPara="0" vertOverflow="overflow" horzOverflow="overflow" vert="horz" wrap="square" lIns="91440" tIns="45720" rIns="91440" bIns="45720" numCol="1" spcCol="0" rtlCol="0" fromWordArt="0" anchor="t" anchorCtr="0" forceAA="0" compatLnSpc="1">
-            <a:prstTxWarp prst="textNoShape">
-              <a:avLst/>
-            </a:prstTxWarp>
-            <a:spAutoFit/>
-          </a:bodyPr>
-          <a:lstStyle/>
-          <a:p>
-            <a:r>
-              <a:rPr lang="ko-KR" altLang="en-US" sz="2800">
-                <a:ea typeface="맑은 고딕"/>
-              </a:rPr>
-              <a:t>인사</a:t>
-            </a:r>
-            <a:endParaRPr lang="ko-KR" sz="2800">
-              <a:ea typeface="맑은 고딕"/>
-            </a:endParaRPr>
-          </a:p>
-          <a:p>
-            <a:r>
-              <a:rPr lang="ko-KR" altLang="en-US" sz="2800">
-                <a:latin typeface="Malgun Gothic"/>
-                <a:ea typeface="Malgun Gothic"/>
-              </a:rPr>
-              <a:t>프로젝트 수행조직도</a:t>
-            </a:r>
-            <a:endParaRPr lang="ko-KR" sz="2800">
-              <a:latin typeface="Malgun Gothic"/>
-              <a:ea typeface="Malgun Gothic"/>
-            </a:endParaRPr>
-          </a:p>
-          <a:p>
-            <a:r>
-              <a:rPr lang="ko-KR" altLang="en-US" sz="2800">
-                <a:latin typeface="Malgun Gothic"/>
-                <a:ea typeface="Malgun Gothic"/>
-              </a:rPr>
-              <a:t>고객 요구사항</a:t>
-            </a:r>
-            <a:endParaRPr lang="ko-KR" sz="2800">
-              <a:ea typeface="+mn-lt"/>
-              <a:cs typeface="+mn-lt"/>
-            </a:endParaRPr>
-          </a:p>
-          <a:p>
-            <a:r>
-              <a:rPr lang="ko-KR" sz="2800">
-                <a:latin typeface="Malgun Gothic"/>
-                <a:ea typeface="Malgun Gothic"/>
-              </a:rPr>
-              <a:t>제작 </a:t>
-            </a:r>
-            <a:r>
-              <a:rPr lang="ko-KR" altLang="en-US" sz="2800">
-                <a:latin typeface="Malgun Gothic"/>
-                <a:ea typeface="Malgun Gothic"/>
-              </a:rPr>
-              <a:t>일정</a:t>
-            </a:r>
-            <a:endParaRPr lang="ko-KR" altLang="en-US" sz="2800">
-              <a:latin typeface="Malgun Gothic"/>
-              <a:ea typeface="Malgun Gothic"/>
-              <a:cs typeface="+mn-lt"/>
-            </a:endParaRPr>
-          </a:p>
-          <a:p>
-            <a:r>
-              <a:rPr lang="ko-KR" altLang="en-US" sz="2800">
-                <a:ea typeface="맑은 고딕"/>
-              </a:rPr>
-              <a:t>프로젝트 구성도</a:t>
-            </a:r>
-            <a:endParaRPr lang="ko-KR" altLang="en-US" sz="2800" dirty="0">
-              <a:ea typeface="맑은 고딕"/>
-            </a:endParaRPr>
-          </a:p>
-          <a:p>
-            <a:r>
-              <a:rPr lang="ko-KR" altLang="en-US" sz="2800">
-                <a:ea typeface="맑은 고딕"/>
-              </a:rPr>
-              <a:t>GitHub 활용</a:t>
-            </a:r>
-            <a:endParaRPr lang="ko-KR" altLang="en-US" sz="2800" dirty="0">
-              <a:ea typeface="맑은 고딕"/>
-            </a:endParaRPr>
-          </a:p>
-          <a:p>
-            <a:r>
-              <a:rPr lang="ko-KR" altLang="en-US" sz="2800">
-                <a:ea typeface="맑은 고딕"/>
-              </a:rPr>
-              <a:t>화면구성</a:t>
-            </a:r>
-            <a:endParaRPr lang="ko-KR" sz="2000">
-              <a:ea typeface="맑은 고딕"/>
-            </a:endParaRPr>
-          </a:p>
-          <a:p>
-            <a:r>
-              <a:rPr lang="ko-KR" altLang="en-US" sz="2800">
-                <a:ea typeface="맑은 고딕"/>
-              </a:rPr>
-              <a:t>시연</a:t>
-            </a:r>
-            <a:endParaRPr lang="ko-KR" altLang="en-US" sz="2800" dirty="0">
-              <a:ea typeface="맑은 고딕"/>
-            </a:endParaRPr>
-          </a:p>
-          <a:p>
-            <a:r>
-              <a:rPr lang="ko-KR" altLang="en-US" sz="2800">
-                <a:ea typeface="맑은 고딕"/>
-              </a:rPr>
-              <a:t>간단한 소스 </a:t>
-            </a:r>
-            <a:r>
-              <a:rPr lang="ko-KR" altLang="en-US" sz="2800" dirty="0">
-                <a:ea typeface="맑은 고딕"/>
-              </a:rPr>
-              <a:t>설명</a:t>
-            </a:r>
-          </a:p>
-          <a:p>
-            <a:r>
-              <a:rPr lang="ko-KR" sz="2800">
-                <a:latin typeface="Malgun Gothic"/>
-                <a:ea typeface="Malgun Gothic"/>
-              </a:rPr>
-              <a:t>QnA</a:t>
-            </a:r>
-            <a:endParaRPr lang="ko-KR" sz="2800">
-              <a:ea typeface="+mn-lt"/>
-              <a:cs typeface="+mn-lt"/>
-            </a:endParaRPr>
-          </a:p>
-        </p:txBody>
-      </p:sp>
-      <p:sp>
-        <p:nvSpPr>
-          <p:cNvPr id="3" name="이등변 삼각형 2">
-            <a:extLst>
-              <a:ext uri="{FF2B5EF4-FFF2-40B4-BE49-F238E27FC236}">
-                <a16:creationId xmlns:a16="http://schemas.microsoft.com/office/drawing/2014/main" xmlns="" id="{B5C2D509-980A-4925-A6BF-9DDBFC91E477}"/>
-              </a:ext>
-            </a:extLst>
-          </p:cNvPr>
-          <p:cNvSpPr/>
-          <p:nvPr/>
-        </p:nvSpPr>
-        <p:spPr>
-          <a:xfrm rot="5400000">
-            <a:off x="109678" y="3476123"/>
-            <a:ext cx="584200" cy="499534"/>
-          </a:xfrm>
-          <a:prstGeom prst="triangle">
-            <a:avLst/>
-          </a:prstGeom>
-          <a:solidFill>
-            <a:srgbClr val="FF0000"/>
-          </a:solidFill>
-        </p:spPr>
-        <p:style>
-          <a:lnRef idx="2">
-            <a:schemeClr val="accent1">
-              <a:shade val="50000"/>
-            </a:schemeClr>
-          </a:lnRef>
-          <a:fillRef idx="1">
-            <a:schemeClr val="accent1"/>
-          </a:fillRef>
-          <a:effectRef idx="0">
-            <a:schemeClr val="accent1"/>
-          </a:effectRef>
-          <a:fontRef idx="minor">
-            <a:schemeClr val="lt1"/>
-          </a:fontRef>
-        </p:style>
-        <p:txBody>
-          <a:bodyPr rtlCol="0" anchor="ctr"/>
-          <a:lstStyle/>
-          <a:p>
-            <a:pPr algn="ctr"/>
-            <a:endParaRPr lang="ko-KR" altLang="en-US"/>
-          </a:p>
-        </p:txBody>
-      </p:sp>
-      <p:pic>
-        <p:nvPicPr>
-          <p:cNvPr id="5" name="그림 9">
-            <a:extLst>
-              <a:ext uri="{FF2B5EF4-FFF2-40B4-BE49-F238E27FC236}">
-                <a16:creationId xmlns:a16="http://schemas.microsoft.com/office/drawing/2014/main" xmlns="" id="{5F108894-A2DB-4D18-94BA-C8A2B561CC32}"/>
-              </a:ext>
-            </a:extLst>
-          </p:cNvPr>
-          <p:cNvPicPr>
-            <a:picLocks noChangeAspect="1"/>
-          </p:cNvPicPr>
-          <p:nvPr/>
-        </p:nvPicPr>
-        <p:blipFill>
-          <a:blip r:embed="rId2"/>
-          <a:stretch>
-            <a:fillRect/>
-          </a:stretch>
-        </p:blipFill>
-        <p:spPr>
-          <a:xfrm>
-            <a:off x="4293081" y="-6662447"/>
-            <a:ext cx="7804028" cy="6351874"/>
-          </a:xfrm>
-          <a:prstGeom prst="rect">
-            <a:avLst/>
-          </a:prstGeom>
-        </p:spPr>
-      </p:pic>
-      <p:pic>
-        <p:nvPicPr>
-          <p:cNvPr id="2" name="그림 9" descr="스크린샷이(가) 표시된 사진&#10;&#10;자동 생성된 설명">
-            <a:extLst>
-              <a:ext uri="{FF2B5EF4-FFF2-40B4-BE49-F238E27FC236}">
-                <a16:creationId xmlns:a16="http://schemas.microsoft.com/office/drawing/2014/main" xmlns="" id="{3B9A686E-7989-4813-B85D-6275A92650ED}"/>
-              </a:ext>
-            </a:extLst>
-          </p:cNvPr>
-          <p:cNvPicPr>
-            <a:picLocks noChangeAspect="1"/>
-          </p:cNvPicPr>
-          <p:nvPr/>
-        </p:nvPicPr>
-        <p:blipFill>
-          <a:blip r:embed="rId3"/>
-          <a:stretch>
-            <a:fillRect/>
-          </a:stretch>
-        </p:blipFill>
-        <p:spPr>
-          <a:xfrm>
-            <a:off x="2438401" y="-1614102"/>
-            <a:ext cx="759124" cy="539639"/>
-          </a:xfrm>
-          <a:prstGeom prst="rect">
-            <a:avLst/>
-          </a:prstGeom>
-        </p:spPr>
-      </p:pic>
-      <p:pic>
-        <p:nvPicPr>
-          <p:cNvPr id="14" name="그림 10" descr="스크린샷이(가) 표시된 사진&#10;&#10;자동 생성된 설명">
-            <a:extLst>
-              <a:ext uri="{FF2B5EF4-FFF2-40B4-BE49-F238E27FC236}">
-                <a16:creationId xmlns:a16="http://schemas.microsoft.com/office/drawing/2014/main" xmlns="" id="{98645443-6CEE-42F4-964C-2D889E4BB682}"/>
-              </a:ext>
-            </a:extLst>
-          </p:cNvPr>
-          <p:cNvPicPr>
-            <a:picLocks noChangeAspect="1"/>
-          </p:cNvPicPr>
-          <p:nvPr/>
-        </p:nvPicPr>
-        <p:blipFill>
-          <a:blip r:embed="rId4"/>
-          <a:stretch>
-            <a:fillRect/>
-          </a:stretch>
-        </p:blipFill>
-        <p:spPr>
-          <a:xfrm>
-            <a:off x="3933645" y="601674"/>
-            <a:ext cx="9083615" cy="6143480"/>
-          </a:xfrm>
-          <a:prstGeom prst="rect">
-            <a:avLst/>
-          </a:prstGeom>
-        </p:spPr>
-      </p:pic>
-      <p:pic>
-        <p:nvPicPr>
-          <p:cNvPr id="15" name="그림 15">
-            <a:extLst>
-              <a:ext uri="{FF2B5EF4-FFF2-40B4-BE49-F238E27FC236}">
-                <a16:creationId xmlns:a16="http://schemas.microsoft.com/office/drawing/2014/main" xmlns="" id="{5C09D9B1-A8F6-4F1B-9021-03E424E0C0E4}"/>
-              </a:ext>
-            </a:extLst>
-          </p:cNvPr>
-          <p:cNvPicPr>
-            <a:picLocks noChangeAspect="1"/>
-          </p:cNvPicPr>
-          <p:nvPr/>
-        </p:nvPicPr>
-        <p:blipFill>
-          <a:blip r:embed="rId5"/>
-          <a:stretch>
-            <a:fillRect/>
-          </a:stretch>
-        </p:blipFill>
-        <p:spPr>
-          <a:xfrm>
-            <a:off x="3818626" y="607988"/>
-            <a:ext cx="9126747" cy="6058968"/>
-          </a:xfrm>
-          <a:prstGeom prst="rect">
-            <a:avLst/>
-          </a:prstGeom>
-        </p:spPr>
-      </p:pic>
-      <p:pic>
-        <p:nvPicPr>
-          <p:cNvPr id="10" name="그림 10" descr="텍스트이(가) 표시된 사진&#10;&#10;자동 생성된 설명">
-            <a:extLst>
-              <a:ext uri="{FF2B5EF4-FFF2-40B4-BE49-F238E27FC236}">
-                <a16:creationId xmlns:a16="http://schemas.microsoft.com/office/drawing/2014/main" xmlns="" id="{35E9DE28-F711-4612-9812-552A581C0C8A}"/>
-              </a:ext>
-            </a:extLst>
-          </p:cNvPr>
-          <p:cNvPicPr>
-            <a:picLocks noChangeAspect="1"/>
-          </p:cNvPicPr>
-          <p:nvPr/>
-        </p:nvPicPr>
-        <p:blipFill>
-          <a:blip r:embed="rId6"/>
-          <a:stretch>
-            <a:fillRect/>
-          </a:stretch>
-        </p:blipFill>
-        <p:spPr>
-          <a:xfrm>
-            <a:off x="2780714" y="496713"/>
-            <a:ext cx="9492837" cy="6377342"/>
-          </a:xfrm>
-          <a:prstGeom prst="rect">
-            <a:avLst/>
-          </a:prstGeom>
-        </p:spPr>
-      </p:pic>
-      <p:pic>
-        <p:nvPicPr>
-          <p:cNvPr id="11" name="그림 11" descr="스크린샷이(가) 표시된 사진&#10;&#10;자동 생성된 설명">
-            <a:extLst>
-              <a:ext uri="{FF2B5EF4-FFF2-40B4-BE49-F238E27FC236}">
-                <a16:creationId xmlns:a16="http://schemas.microsoft.com/office/drawing/2014/main" xmlns="" id="{8EC5999F-43C2-4951-82F0-CF5A45D74302}"/>
-              </a:ext>
-            </a:extLst>
-          </p:cNvPr>
-          <p:cNvPicPr>
-            <a:picLocks noChangeAspect="1"/>
-          </p:cNvPicPr>
-          <p:nvPr/>
-        </p:nvPicPr>
-        <p:blipFill>
-          <a:blip r:embed="rId7"/>
-          <a:stretch>
-            <a:fillRect/>
-          </a:stretch>
-        </p:blipFill>
-        <p:spPr>
-          <a:xfrm>
-            <a:off x="2692400" y="459964"/>
-            <a:ext cx="9899373" cy="6401897"/>
-          </a:xfrm>
-          <a:prstGeom prst="rect">
-            <a:avLst/>
-          </a:prstGeom>
-        </p:spPr>
-      </p:pic>
-    </p:spTree>
-    <p:extLst>
-      <p:ext uri="{BB962C8B-B14F-4D97-AF65-F5344CB8AC3E}">
-        <p14:creationId xmlns:p14="http://schemas.microsoft.com/office/powerpoint/2010/main" val="1017943086"/>
-      </p:ext>
-    </p:extLst>
-  </p:cSld>
-  <p:clrMapOvr>
-    <a:masterClrMapping/>
-  </p:clrMapOvr>
-  <p:transition spd="slow">
-    <p:fade/>
-  </p:transition>
-</p:sld>
-</file>
-
-<file path=ppt/slides/slide19.xml><?xml version="1.0" encoding="utf-8"?>
-<p:sld xmlns:a="http://schemas.openxmlformats.org/drawingml/2006/main" xmlns:r="http://schemas.openxmlformats.org/officeDocument/2006/relationships" xmlns:p="http://schemas.openxmlformats.org/presentationml/2006/main">
-  <p:cSld>
-    <p:spTree>
-      <p:nvGrpSpPr>
-        <p:cNvPr id="1" name=""/>
-        <p:cNvGrpSpPr/>
-        <p:nvPr/>
-      </p:nvGrpSpPr>
-      <p:grpSpPr>
-        <a:xfrm>
-          <a:off x="0" y="0"/>
-          <a:ext cx="0" cy="0"/>
-          <a:chOff x="0" y="0"/>
-          <a:chExt cx="0" cy="0"/>
-        </a:xfrm>
-      </p:grpSpPr>
-      <p:sp>
-        <p:nvSpPr>
-          <p:cNvPr id="4" name="직사각형 3">
-            <a:extLst>
-              <a:ext uri="{FF2B5EF4-FFF2-40B4-BE49-F238E27FC236}">
-                <a16:creationId xmlns:a16="http://schemas.microsoft.com/office/drawing/2014/main" xmlns="" id="{827CBD14-205C-455C-BAB0-9D54EBB80528}"/>
-              </a:ext>
-            </a:extLst>
-          </p:cNvPr>
-          <p:cNvSpPr/>
-          <p:nvPr/>
-        </p:nvSpPr>
-        <p:spPr>
-          <a:xfrm>
-            <a:off x="0" y="3991"/>
-            <a:ext cx="12192000" cy="6858000"/>
-          </a:xfrm>
-          <a:prstGeom prst="rect">
-            <a:avLst/>
-          </a:prstGeom>
-          <a:solidFill>
-            <a:schemeClr val="accent1">
-              <a:lumMod val="50000"/>
-            </a:schemeClr>
-          </a:solidFill>
-        </p:spPr>
-        <p:style>
-          <a:lnRef idx="2">
-            <a:schemeClr val="accent1">
-              <a:shade val="50000"/>
-            </a:schemeClr>
-          </a:lnRef>
-          <a:fillRef idx="1">
-            <a:schemeClr val="accent1"/>
-          </a:fillRef>
-          <a:effectRef idx="0">
-            <a:schemeClr val="accent1"/>
-          </a:effectRef>
-          <a:fontRef idx="minor">
-            <a:schemeClr val="lt1"/>
-          </a:fontRef>
-        </p:style>
-        <p:txBody>
-          <a:bodyPr rtlCol="0" anchor="ctr"/>
-          <a:lstStyle/>
-          <a:p>
-            <a:pPr algn="ctr"/>
-            <a:endParaRPr lang="ko-KR" altLang="en-US"/>
-          </a:p>
-        </p:txBody>
-      </p:sp>
-      <p:sp>
-        <p:nvSpPr>
-          <p:cNvPr id="6" name="직사각형 5">
-            <a:extLst>
-              <a:ext uri="{FF2B5EF4-FFF2-40B4-BE49-F238E27FC236}">
-                <a16:creationId xmlns:a16="http://schemas.microsoft.com/office/drawing/2014/main" xmlns="" id="{45E0CFFD-1570-4FFE-97E4-F1E07A8D7360}"/>
-              </a:ext>
-            </a:extLst>
-          </p:cNvPr>
-          <p:cNvSpPr/>
-          <p:nvPr/>
-        </p:nvSpPr>
-        <p:spPr>
-          <a:xfrm>
-            <a:off x="437791" y="1159739"/>
-            <a:ext cx="4522192" cy="6728773"/>
-          </a:xfrm>
-          <a:prstGeom prst="rect">
-            <a:avLst/>
-          </a:prstGeom>
-          <a:solidFill>
-            <a:schemeClr val="accent4">
-              <a:lumMod val="60000"/>
-              <a:lumOff val="40000"/>
-            </a:schemeClr>
-          </a:solidFill>
-        </p:spPr>
-        <p:style>
-          <a:lnRef idx="2">
-            <a:schemeClr val="accent1">
-              <a:shade val="50000"/>
-            </a:schemeClr>
-          </a:lnRef>
-          <a:fillRef idx="1">
-            <a:schemeClr val="accent1"/>
-          </a:fillRef>
-          <a:effectRef idx="0">
-            <a:schemeClr val="accent1"/>
-          </a:effectRef>
-          <a:fontRef idx="minor">
-            <a:schemeClr val="lt1"/>
-          </a:fontRef>
-        </p:style>
-        <p:txBody>
-          <a:bodyPr lIns="91440" tIns="45720" rIns="91440" bIns="45720" rtlCol="0" anchor="ctr"/>
-          <a:lstStyle/>
-          <a:p>
-            <a:pPr algn="ctr"/>
-            <a:endParaRPr lang="ko-KR" altLang="en-US" sz="3600" dirty="0">
-              <a:solidFill>
-                <a:schemeClr val="tx1"/>
-              </a:solidFill>
-              <a:ea typeface="맑은 고딕"/>
-            </a:endParaRPr>
-          </a:p>
-        </p:txBody>
-      </p:sp>
-      <p:sp>
-        <p:nvSpPr>
-          <p:cNvPr id="8" name="TextBox 7">
-            <a:extLst>
-              <a:ext uri="{FF2B5EF4-FFF2-40B4-BE49-F238E27FC236}">
-                <a16:creationId xmlns:a16="http://schemas.microsoft.com/office/drawing/2014/main" xmlns="" id="{722612CD-3BFF-4C2C-9806-463600493546}"/>
-              </a:ext>
-            </a:extLst>
-          </p:cNvPr>
-          <p:cNvSpPr txBox="1"/>
-          <p:nvPr/>
-        </p:nvSpPr>
-        <p:spPr>
-          <a:xfrm>
-            <a:off x="152401" y="134256"/>
-            <a:ext cx="3106056" cy="646331"/>
-          </a:xfrm>
-          <a:prstGeom prst="rect">
-            <a:avLst/>
-          </a:prstGeom>
-          <a:noFill/>
-        </p:spPr>
-        <p:txBody>
-          <a:bodyPr rot="0" spcFirstLastPara="0" vertOverflow="overflow" horzOverflow="overflow" vert="horz" wrap="square" lIns="91440" tIns="45720" rIns="91440" bIns="45720" numCol="1" spcCol="0" rtlCol="0" fromWordArt="0" anchor="t" anchorCtr="0" forceAA="0" compatLnSpc="1">
-            <a:prstTxWarp prst="textNoShape">
-              <a:avLst/>
-            </a:prstTxWarp>
-            <a:spAutoFit/>
-          </a:bodyPr>
-          <a:lstStyle/>
-          <a:p>
-            <a:r>
-              <a:rPr lang="ko-KR" altLang="en-US" sz="3600">
-                <a:solidFill>
-                  <a:schemeClr val="bg1"/>
-                </a:solidFill>
-                <a:ea typeface="맑은 고딕"/>
-              </a:rPr>
-              <a:t>목차</a:t>
-            </a:r>
-            <a:endParaRPr lang="ko-KR" altLang="en-US" sz="3600" dirty="0">
-              <a:solidFill>
-                <a:schemeClr val="bg1"/>
-              </a:solidFill>
-              <a:ea typeface="맑은 고딕"/>
-            </a:endParaRPr>
-          </a:p>
-        </p:txBody>
-      </p:sp>
-      <p:sp>
-        <p:nvSpPr>
-          <p:cNvPr id="9" name="직사각형 8">
-            <a:extLst>
-              <a:ext uri="{FF2B5EF4-FFF2-40B4-BE49-F238E27FC236}">
-                <a16:creationId xmlns:a16="http://schemas.microsoft.com/office/drawing/2014/main" xmlns="" id="{A6F8CFEF-47C2-4A03-92C9-7296106D053E}"/>
-              </a:ext>
-            </a:extLst>
-          </p:cNvPr>
-          <p:cNvSpPr/>
-          <p:nvPr/>
-        </p:nvSpPr>
-        <p:spPr>
-          <a:xfrm>
-            <a:off x="3175" y="728889"/>
-            <a:ext cx="3510642" cy="90715"/>
-          </a:xfrm>
-          <a:prstGeom prst="rect">
-            <a:avLst/>
-          </a:prstGeom>
-          <a:solidFill>
-            <a:schemeClr val="bg1"/>
-          </a:solidFill>
-          <a:ln>
-            <a:noFill/>
-          </a:ln>
-        </p:spPr>
-        <p:style>
-          <a:lnRef idx="2">
-            <a:schemeClr val="accent1">
-              <a:shade val="50000"/>
-            </a:schemeClr>
-          </a:lnRef>
-          <a:fillRef idx="1">
-            <a:schemeClr val="accent1"/>
-          </a:fillRef>
-          <a:effectRef idx="0">
-            <a:schemeClr val="accent1"/>
-          </a:effectRef>
-          <a:fontRef idx="minor">
-            <a:schemeClr val="lt1"/>
-          </a:fontRef>
-        </p:style>
-        <p:txBody>
-          <a:bodyPr rtlCol="0" anchor="ctr"/>
-          <a:lstStyle/>
-          <a:p>
-            <a:pPr algn="ctr"/>
-            <a:endParaRPr lang="ko-KR" altLang="en-US"/>
-          </a:p>
-        </p:txBody>
-      </p:sp>
-      <p:sp>
-        <p:nvSpPr>
-          <p:cNvPr id="7" name="TextBox 6">
-            <a:extLst>
-              <a:ext uri="{FF2B5EF4-FFF2-40B4-BE49-F238E27FC236}">
-                <a16:creationId xmlns:a16="http://schemas.microsoft.com/office/drawing/2014/main" xmlns="" id="{18181A22-DD7C-4211-814D-42ABBBA4FA59}"/>
-              </a:ext>
-            </a:extLst>
-          </p:cNvPr>
-          <p:cNvSpPr txBox="1"/>
-          <p:nvPr/>
-        </p:nvSpPr>
-        <p:spPr>
-          <a:xfrm>
-            <a:off x="540589" y="1341954"/>
-            <a:ext cx="4730697" cy="4401205"/>
-          </a:xfrm>
-          <a:prstGeom prst="rect">
-            <a:avLst/>
-          </a:prstGeom>
-          <a:noFill/>
-        </p:spPr>
-        <p:txBody>
-          <a:bodyPr rot="0" spcFirstLastPara="0" vertOverflow="overflow" horzOverflow="overflow" vert="horz" wrap="square" lIns="91440" tIns="45720" rIns="91440" bIns="45720" numCol="1" spcCol="0" rtlCol="0" fromWordArt="0" anchor="t" anchorCtr="0" forceAA="0" compatLnSpc="1">
-            <a:prstTxWarp prst="textNoShape">
-              <a:avLst/>
-            </a:prstTxWarp>
-            <a:spAutoFit/>
-          </a:bodyPr>
-          <a:lstStyle/>
-          <a:p>
-            <a:r>
-              <a:rPr lang="ko-KR" altLang="en-US" sz="2800">
-                <a:ea typeface="맑은 고딕"/>
-              </a:rPr>
-              <a:t>인사</a:t>
-            </a:r>
-            <a:endParaRPr lang="ko-KR" sz="2800">
-              <a:ea typeface="맑은 고딕"/>
-            </a:endParaRPr>
-          </a:p>
-          <a:p>
-            <a:r>
-              <a:rPr lang="ko-KR" altLang="en-US" sz="2800">
-                <a:latin typeface="Malgun Gothic"/>
-                <a:ea typeface="Malgun Gothic"/>
-              </a:rPr>
-              <a:t>프로젝트 수행조직도</a:t>
-            </a:r>
-            <a:endParaRPr lang="ko-KR" sz="2800">
-              <a:latin typeface="Malgun Gothic"/>
-              <a:ea typeface="Malgun Gothic"/>
-            </a:endParaRPr>
-          </a:p>
-          <a:p>
-            <a:r>
-              <a:rPr lang="ko-KR" altLang="en-US" sz="2800">
-                <a:latin typeface="Malgun Gothic"/>
-                <a:ea typeface="Malgun Gothic"/>
-              </a:rPr>
-              <a:t>고객 요구사항</a:t>
-            </a:r>
-            <a:endParaRPr lang="ko-KR" sz="2800">
-              <a:ea typeface="+mn-lt"/>
-              <a:cs typeface="+mn-lt"/>
-            </a:endParaRPr>
-          </a:p>
-          <a:p>
-            <a:r>
-              <a:rPr lang="ko-KR" sz="2800">
-                <a:latin typeface="Malgun Gothic"/>
-                <a:ea typeface="Malgun Gothic"/>
-              </a:rPr>
-              <a:t>제작 </a:t>
-            </a:r>
-            <a:r>
-              <a:rPr lang="ko-KR" altLang="en-US" sz="2800">
-                <a:latin typeface="Malgun Gothic"/>
-                <a:ea typeface="Malgun Gothic"/>
-              </a:rPr>
-              <a:t>일정</a:t>
-            </a:r>
-            <a:endParaRPr lang="ko-KR" altLang="en-US" sz="2800">
-              <a:latin typeface="Malgun Gothic"/>
-              <a:ea typeface="Malgun Gothic"/>
-              <a:cs typeface="+mn-lt"/>
-            </a:endParaRPr>
-          </a:p>
-          <a:p>
-            <a:r>
-              <a:rPr lang="ko-KR" altLang="en-US" sz="2800">
-                <a:ea typeface="맑은 고딕"/>
-              </a:rPr>
-              <a:t>프로젝트 구성도</a:t>
-            </a:r>
-            <a:endParaRPr lang="ko-KR" altLang="en-US" sz="2800" dirty="0">
-              <a:ea typeface="맑은 고딕"/>
-            </a:endParaRPr>
-          </a:p>
-          <a:p>
-            <a:r>
-              <a:rPr lang="ko-KR" altLang="en-US" sz="2800">
-                <a:ea typeface="맑은 고딕"/>
-              </a:rPr>
-              <a:t>GitHub 활용</a:t>
-            </a:r>
-            <a:endParaRPr lang="ko-KR" altLang="en-US" sz="2800" dirty="0">
-              <a:ea typeface="맑은 고딕"/>
-            </a:endParaRPr>
-          </a:p>
-          <a:p>
-            <a:r>
-              <a:rPr lang="ko-KR" altLang="en-US" sz="2800">
-                <a:ea typeface="맑은 고딕"/>
-              </a:rPr>
-              <a:t>화면구성</a:t>
-            </a:r>
-            <a:endParaRPr lang="ko-KR" sz="2000">
-              <a:ea typeface="맑은 고딕"/>
-            </a:endParaRPr>
-          </a:p>
-          <a:p>
-            <a:r>
-              <a:rPr lang="ko-KR" altLang="en-US" sz="2800">
-                <a:ea typeface="맑은 고딕"/>
-              </a:rPr>
-              <a:t>시연</a:t>
-            </a:r>
-            <a:endParaRPr lang="ko-KR" altLang="en-US" sz="2800" dirty="0">
-              <a:ea typeface="맑은 고딕"/>
-            </a:endParaRPr>
-          </a:p>
-          <a:p>
-            <a:r>
-              <a:rPr lang="ko-KR" altLang="en-US" sz="2800">
-                <a:ea typeface="맑은 고딕"/>
-              </a:rPr>
-              <a:t>간단한 소스 </a:t>
-            </a:r>
-            <a:r>
-              <a:rPr lang="ko-KR" altLang="en-US" sz="2800" dirty="0">
-                <a:ea typeface="맑은 고딕"/>
-              </a:rPr>
-              <a:t>설명</a:t>
-            </a:r>
-          </a:p>
-          <a:p>
-            <a:r>
-              <a:rPr lang="ko-KR" sz="2800">
-                <a:latin typeface="Malgun Gothic"/>
-                <a:ea typeface="Malgun Gothic"/>
-              </a:rPr>
-              <a:t>QnA</a:t>
-            </a:r>
-            <a:endParaRPr lang="ko-KR" sz="2800">
-              <a:ea typeface="+mn-lt"/>
-              <a:cs typeface="+mn-lt"/>
-            </a:endParaRPr>
-          </a:p>
-        </p:txBody>
-      </p:sp>
-      <p:sp>
-        <p:nvSpPr>
-          <p:cNvPr id="3" name="이등변 삼각형 2">
-            <a:extLst>
-              <a:ext uri="{FF2B5EF4-FFF2-40B4-BE49-F238E27FC236}">
-                <a16:creationId xmlns:a16="http://schemas.microsoft.com/office/drawing/2014/main" xmlns="" id="{B5C2D509-980A-4925-A6BF-9DDBFC91E477}"/>
-              </a:ext>
-            </a:extLst>
-          </p:cNvPr>
-          <p:cNvSpPr/>
-          <p:nvPr/>
-        </p:nvSpPr>
-        <p:spPr>
-          <a:xfrm rot="5400000">
-            <a:off x="109678" y="3476123"/>
-            <a:ext cx="584200" cy="499534"/>
-          </a:xfrm>
-          <a:prstGeom prst="triangle">
-            <a:avLst/>
-          </a:prstGeom>
-          <a:solidFill>
-            <a:srgbClr val="FF0000"/>
-          </a:solidFill>
-        </p:spPr>
-        <p:style>
-          <a:lnRef idx="2">
-            <a:schemeClr val="accent1">
-              <a:shade val="50000"/>
-            </a:schemeClr>
-          </a:lnRef>
-          <a:fillRef idx="1">
-            <a:schemeClr val="accent1"/>
-          </a:fillRef>
-          <a:effectRef idx="0">
-            <a:schemeClr val="accent1"/>
-          </a:effectRef>
-          <a:fontRef idx="minor">
-            <a:schemeClr val="lt1"/>
-          </a:fontRef>
-        </p:style>
-        <p:txBody>
-          <a:bodyPr rtlCol="0" anchor="ctr"/>
-          <a:lstStyle/>
-          <a:p>
-            <a:pPr algn="ctr"/>
-            <a:endParaRPr lang="ko-KR" altLang="en-US"/>
-          </a:p>
-        </p:txBody>
-      </p:sp>
-      <p:pic>
-        <p:nvPicPr>
-          <p:cNvPr id="5" name="그림 9">
-            <a:extLst>
-              <a:ext uri="{FF2B5EF4-FFF2-40B4-BE49-F238E27FC236}">
-                <a16:creationId xmlns:a16="http://schemas.microsoft.com/office/drawing/2014/main" xmlns="" id="{5F108894-A2DB-4D18-94BA-C8A2B561CC32}"/>
-              </a:ext>
-            </a:extLst>
-          </p:cNvPr>
-          <p:cNvPicPr>
-            <a:picLocks noChangeAspect="1"/>
-          </p:cNvPicPr>
-          <p:nvPr/>
-        </p:nvPicPr>
-        <p:blipFill>
-          <a:blip r:embed="rId2"/>
-          <a:stretch>
-            <a:fillRect/>
-          </a:stretch>
-        </p:blipFill>
-        <p:spPr>
-          <a:xfrm>
-            <a:off x="4293081" y="-6662447"/>
-            <a:ext cx="7804028" cy="6351874"/>
-          </a:xfrm>
-          <a:prstGeom prst="rect">
-            <a:avLst/>
-          </a:prstGeom>
-        </p:spPr>
-      </p:pic>
-      <p:pic>
-        <p:nvPicPr>
-          <p:cNvPr id="2" name="그림 9" descr="스크린샷이(가) 표시된 사진&#10;&#10;자동 생성된 설명">
-            <a:extLst>
-              <a:ext uri="{FF2B5EF4-FFF2-40B4-BE49-F238E27FC236}">
-                <a16:creationId xmlns:a16="http://schemas.microsoft.com/office/drawing/2014/main" xmlns="" id="{3B9A686E-7989-4813-B85D-6275A92650ED}"/>
-              </a:ext>
-            </a:extLst>
-          </p:cNvPr>
-          <p:cNvPicPr>
-            <a:picLocks noChangeAspect="1"/>
-          </p:cNvPicPr>
-          <p:nvPr/>
-        </p:nvPicPr>
-        <p:blipFill>
-          <a:blip r:embed="rId3"/>
-          <a:stretch>
-            <a:fillRect/>
-          </a:stretch>
-        </p:blipFill>
-        <p:spPr>
-          <a:xfrm>
-            <a:off x="2438401" y="-1614102"/>
-            <a:ext cx="759124" cy="539639"/>
-          </a:xfrm>
-          <a:prstGeom prst="rect">
-            <a:avLst/>
-          </a:prstGeom>
-        </p:spPr>
-      </p:pic>
-      <p:pic>
-        <p:nvPicPr>
-          <p:cNvPr id="14" name="그림 10" descr="스크린샷이(가) 표시된 사진&#10;&#10;자동 생성된 설명">
-            <a:extLst>
-              <a:ext uri="{FF2B5EF4-FFF2-40B4-BE49-F238E27FC236}">
-                <a16:creationId xmlns:a16="http://schemas.microsoft.com/office/drawing/2014/main" xmlns="" id="{98645443-6CEE-42F4-964C-2D889E4BB682}"/>
-              </a:ext>
-            </a:extLst>
-          </p:cNvPr>
-          <p:cNvPicPr>
-            <a:picLocks noChangeAspect="1"/>
-          </p:cNvPicPr>
-          <p:nvPr/>
-        </p:nvPicPr>
-        <p:blipFill>
-          <a:blip r:embed="rId4"/>
-          <a:stretch>
-            <a:fillRect/>
-          </a:stretch>
-        </p:blipFill>
-        <p:spPr>
-          <a:xfrm>
-            <a:off x="3933645" y="601674"/>
-            <a:ext cx="9083615" cy="6143480"/>
-          </a:xfrm>
-          <a:prstGeom prst="rect">
-            <a:avLst/>
-          </a:prstGeom>
-        </p:spPr>
-      </p:pic>
-      <p:pic>
-        <p:nvPicPr>
-          <p:cNvPr id="15" name="그림 15">
-            <a:extLst>
-              <a:ext uri="{FF2B5EF4-FFF2-40B4-BE49-F238E27FC236}">
-                <a16:creationId xmlns:a16="http://schemas.microsoft.com/office/drawing/2014/main" xmlns="" id="{5C09D9B1-A8F6-4F1B-9021-03E424E0C0E4}"/>
-              </a:ext>
-            </a:extLst>
-          </p:cNvPr>
-          <p:cNvPicPr>
-            <a:picLocks noChangeAspect="1"/>
-          </p:cNvPicPr>
-          <p:nvPr/>
-        </p:nvPicPr>
-        <p:blipFill>
-          <a:blip r:embed="rId5"/>
-          <a:stretch>
-            <a:fillRect/>
-          </a:stretch>
-        </p:blipFill>
-        <p:spPr>
-          <a:xfrm>
-            <a:off x="3818626" y="607988"/>
-            <a:ext cx="9126747" cy="6058968"/>
-          </a:xfrm>
-          <a:prstGeom prst="rect">
-            <a:avLst/>
-          </a:prstGeom>
-        </p:spPr>
-      </p:pic>
-      <p:pic>
-        <p:nvPicPr>
-          <p:cNvPr id="10" name="그림 10" descr="텍스트이(가) 표시된 사진&#10;&#10;자동 생성된 설명">
-            <a:extLst>
-              <a:ext uri="{FF2B5EF4-FFF2-40B4-BE49-F238E27FC236}">
-                <a16:creationId xmlns:a16="http://schemas.microsoft.com/office/drawing/2014/main" xmlns="" id="{35E9DE28-F711-4612-9812-552A581C0C8A}"/>
-              </a:ext>
-            </a:extLst>
-          </p:cNvPr>
-          <p:cNvPicPr>
-            <a:picLocks noChangeAspect="1"/>
-          </p:cNvPicPr>
-          <p:nvPr/>
-        </p:nvPicPr>
-        <p:blipFill>
-          <a:blip r:embed="rId6"/>
-          <a:stretch>
-            <a:fillRect/>
-          </a:stretch>
-        </p:blipFill>
-        <p:spPr>
-          <a:xfrm>
-            <a:off x="2780714" y="496713"/>
-            <a:ext cx="9492837" cy="6377342"/>
-          </a:xfrm>
-          <a:prstGeom prst="rect">
-            <a:avLst/>
-          </a:prstGeom>
-        </p:spPr>
-      </p:pic>
-      <p:pic>
-        <p:nvPicPr>
-          <p:cNvPr id="11" name="그림 11" descr="스크린샷이(가) 표시된 사진&#10;&#10;자동 생성된 설명">
-            <a:extLst>
-              <a:ext uri="{FF2B5EF4-FFF2-40B4-BE49-F238E27FC236}">
-                <a16:creationId xmlns:a16="http://schemas.microsoft.com/office/drawing/2014/main" xmlns="" id="{8EC5999F-43C2-4951-82F0-CF5A45D74302}"/>
-              </a:ext>
-            </a:extLst>
-          </p:cNvPr>
-          <p:cNvPicPr>
-            <a:picLocks noChangeAspect="1"/>
-          </p:cNvPicPr>
-          <p:nvPr/>
-        </p:nvPicPr>
-        <p:blipFill>
-          <a:blip r:embed="rId7"/>
-          <a:stretch>
-            <a:fillRect/>
-          </a:stretch>
-        </p:blipFill>
-        <p:spPr>
-          <a:xfrm>
-            <a:off x="2692400" y="459964"/>
-            <a:ext cx="9899373" cy="6401897"/>
-          </a:xfrm>
-          <a:prstGeom prst="rect">
-            <a:avLst/>
-          </a:prstGeom>
-        </p:spPr>
-      </p:pic>
-      <p:pic>
-        <p:nvPicPr>
-          <p:cNvPr id="12" name="그림 12" descr="스크린샷이(가) 표시된 사진&#10;&#10;자동 생성된 설명">
-            <a:extLst>
-              <a:ext uri="{FF2B5EF4-FFF2-40B4-BE49-F238E27FC236}">
-                <a16:creationId xmlns:a16="http://schemas.microsoft.com/office/drawing/2014/main" xmlns="" id="{22F2BE1C-0045-4C9B-8B44-03BB9B54F81A}"/>
-              </a:ext>
-            </a:extLst>
-          </p:cNvPr>
-          <p:cNvPicPr>
-            <a:picLocks noChangeAspect="1"/>
-          </p:cNvPicPr>
-          <p:nvPr/>
-        </p:nvPicPr>
-        <p:blipFill>
-          <a:blip r:embed="rId8"/>
-          <a:stretch>
-            <a:fillRect/>
-          </a:stretch>
-        </p:blipFill>
-        <p:spPr>
-          <a:xfrm>
-            <a:off x="6171096" y="1568962"/>
-            <a:ext cx="5702852" cy="4426857"/>
-          </a:xfrm>
-          <a:prstGeom prst="rect">
-            <a:avLst/>
-          </a:prstGeom>
-        </p:spPr>
-      </p:pic>
-    </p:spTree>
-    <p:extLst>
-      <p:ext uri="{BB962C8B-B14F-4D97-AF65-F5344CB8AC3E}">
-        <p14:creationId xmlns:p14="http://schemas.microsoft.com/office/powerpoint/2010/main" val="1391050018"/>
-      </p:ext>
-    </p:extLst>
-  </p:cSld>
-  <p:clrMapOvr>
-    <a:masterClrMapping/>
-  </p:clrMapOvr>
-  <p:transition spd="slow">
-    <p:fade/>
-  </p:transition>
-</p:sld>
-</file>
-
 <file path=ppt/slides/slide2.xml><?xml version="1.0" encoding="utf-8"?>
 <p:sld xmlns:a="http://schemas.openxmlformats.org/drawingml/2006/main" xmlns:r="http://schemas.openxmlformats.org/officeDocument/2006/relationships" xmlns:p="http://schemas.openxmlformats.org/presentationml/2006/main">
   <p:cSld>
@@ -25296,1270 +22207,6 @@
       </p:par>
     </p:tnLst>
   </p:timing>
-</p:sld>
-</file>
-
-<file path=ppt/slides/slide20.xml><?xml version="1.0" encoding="utf-8"?>
-<p:sld xmlns:a="http://schemas.openxmlformats.org/drawingml/2006/main" xmlns:r="http://schemas.openxmlformats.org/officeDocument/2006/relationships" xmlns:p="http://schemas.openxmlformats.org/presentationml/2006/main">
-  <p:cSld>
-    <p:spTree>
-      <p:nvGrpSpPr>
-        <p:cNvPr id="1" name=""/>
-        <p:cNvGrpSpPr/>
-        <p:nvPr/>
-      </p:nvGrpSpPr>
-      <p:grpSpPr>
-        <a:xfrm>
-          <a:off x="0" y="0"/>
-          <a:ext cx="0" cy="0"/>
-          <a:chOff x="0" y="0"/>
-          <a:chExt cx="0" cy="0"/>
-        </a:xfrm>
-      </p:grpSpPr>
-      <p:sp>
-        <p:nvSpPr>
-          <p:cNvPr id="4" name="직사각형 3">
-            <a:extLst>
-              <a:ext uri="{FF2B5EF4-FFF2-40B4-BE49-F238E27FC236}">
-                <a16:creationId xmlns:a16="http://schemas.microsoft.com/office/drawing/2014/main" xmlns="" id="{827CBD14-205C-455C-BAB0-9D54EBB80528}"/>
-              </a:ext>
-            </a:extLst>
-          </p:cNvPr>
-          <p:cNvSpPr/>
-          <p:nvPr/>
-        </p:nvSpPr>
-        <p:spPr>
-          <a:xfrm>
-            <a:off x="0" y="3991"/>
-            <a:ext cx="12192000" cy="6858000"/>
-          </a:xfrm>
-          <a:prstGeom prst="rect">
-            <a:avLst/>
-          </a:prstGeom>
-          <a:solidFill>
-            <a:schemeClr val="accent1">
-              <a:lumMod val="50000"/>
-            </a:schemeClr>
-          </a:solidFill>
-        </p:spPr>
-        <p:style>
-          <a:lnRef idx="2">
-            <a:schemeClr val="accent1">
-              <a:shade val="50000"/>
-            </a:schemeClr>
-          </a:lnRef>
-          <a:fillRef idx="1">
-            <a:schemeClr val="accent1"/>
-          </a:fillRef>
-          <a:effectRef idx="0">
-            <a:schemeClr val="accent1"/>
-          </a:effectRef>
-          <a:fontRef idx="minor">
-            <a:schemeClr val="lt1"/>
-          </a:fontRef>
-        </p:style>
-        <p:txBody>
-          <a:bodyPr rtlCol="0" anchor="ctr"/>
-          <a:lstStyle/>
-          <a:p>
-            <a:pPr algn="ctr"/>
-            <a:endParaRPr lang="ko-KR" altLang="en-US"/>
-          </a:p>
-        </p:txBody>
-      </p:sp>
-      <p:sp>
-        <p:nvSpPr>
-          <p:cNvPr id="6" name="직사각형 5">
-            <a:extLst>
-              <a:ext uri="{FF2B5EF4-FFF2-40B4-BE49-F238E27FC236}">
-                <a16:creationId xmlns:a16="http://schemas.microsoft.com/office/drawing/2014/main" xmlns="" id="{45E0CFFD-1570-4FFE-97E4-F1E07A8D7360}"/>
-              </a:ext>
-            </a:extLst>
-          </p:cNvPr>
-          <p:cNvSpPr/>
-          <p:nvPr/>
-        </p:nvSpPr>
-        <p:spPr>
-          <a:xfrm>
-            <a:off x="437791" y="1159739"/>
-            <a:ext cx="4522192" cy="6728773"/>
-          </a:xfrm>
-          <a:prstGeom prst="rect">
-            <a:avLst/>
-          </a:prstGeom>
-          <a:solidFill>
-            <a:schemeClr val="accent4">
-              <a:lumMod val="60000"/>
-              <a:lumOff val="40000"/>
-            </a:schemeClr>
-          </a:solidFill>
-        </p:spPr>
-        <p:style>
-          <a:lnRef idx="2">
-            <a:schemeClr val="accent1">
-              <a:shade val="50000"/>
-            </a:schemeClr>
-          </a:lnRef>
-          <a:fillRef idx="1">
-            <a:schemeClr val="accent1"/>
-          </a:fillRef>
-          <a:effectRef idx="0">
-            <a:schemeClr val="accent1"/>
-          </a:effectRef>
-          <a:fontRef idx="minor">
-            <a:schemeClr val="lt1"/>
-          </a:fontRef>
-        </p:style>
-        <p:txBody>
-          <a:bodyPr lIns="91440" tIns="45720" rIns="91440" bIns="45720" rtlCol="0" anchor="ctr"/>
-          <a:lstStyle/>
-          <a:p>
-            <a:pPr algn="ctr"/>
-            <a:endParaRPr lang="ko-KR" altLang="en-US" sz="3600" dirty="0">
-              <a:solidFill>
-                <a:schemeClr val="tx1"/>
-              </a:solidFill>
-              <a:ea typeface="맑은 고딕"/>
-            </a:endParaRPr>
-          </a:p>
-        </p:txBody>
-      </p:sp>
-      <p:sp>
-        <p:nvSpPr>
-          <p:cNvPr id="8" name="TextBox 7">
-            <a:extLst>
-              <a:ext uri="{FF2B5EF4-FFF2-40B4-BE49-F238E27FC236}">
-                <a16:creationId xmlns:a16="http://schemas.microsoft.com/office/drawing/2014/main" xmlns="" id="{722612CD-3BFF-4C2C-9806-463600493546}"/>
-              </a:ext>
-            </a:extLst>
-          </p:cNvPr>
-          <p:cNvSpPr txBox="1"/>
-          <p:nvPr/>
-        </p:nvSpPr>
-        <p:spPr>
-          <a:xfrm>
-            <a:off x="152401" y="134256"/>
-            <a:ext cx="3106056" cy="646331"/>
-          </a:xfrm>
-          <a:prstGeom prst="rect">
-            <a:avLst/>
-          </a:prstGeom>
-          <a:noFill/>
-        </p:spPr>
-        <p:txBody>
-          <a:bodyPr rot="0" spcFirstLastPara="0" vertOverflow="overflow" horzOverflow="overflow" vert="horz" wrap="square" lIns="91440" tIns="45720" rIns="91440" bIns="45720" numCol="1" spcCol="0" rtlCol="0" fromWordArt="0" anchor="t" anchorCtr="0" forceAA="0" compatLnSpc="1">
-            <a:prstTxWarp prst="textNoShape">
-              <a:avLst/>
-            </a:prstTxWarp>
-            <a:spAutoFit/>
-          </a:bodyPr>
-          <a:lstStyle/>
-          <a:p>
-            <a:r>
-              <a:rPr lang="ko-KR" altLang="en-US" sz="3600">
-                <a:solidFill>
-                  <a:schemeClr val="bg1"/>
-                </a:solidFill>
-                <a:ea typeface="맑은 고딕"/>
-              </a:rPr>
-              <a:t>목차</a:t>
-            </a:r>
-            <a:endParaRPr lang="ko-KR" altLang="en-US" sz="3600" dirty="0">
-              <a:solidFill>
-                <a:schemeClr val="bg1"/>
-              </a:solidFill>
-              <a:ea typeface="맑은 고딕"/>
-            </a:endParaRPr>
-          </a:p>
-        </p:txBody>
-      </p:sp>
-      <p:sp>
-        <p:nvSpPr>
-          <p:cNvPr id="9" name="직사각형 8">
-            <a:extLst>
-              <a:ext uri="{FF2B5EF4-FFF2-40B4-BE49-F238E27FC236}">
-                <a16:creationId xmlns:a16="http://schemas.microsoft.com/office/drawing/2014/main" xmlns="" id="{A6F8CFEF-47C2-4A03-92C9-7296106D053E}"/>
-              </a:ext>
-            </a:extLst>
-          </p:cNvPr>
-          <p:cNvSpPr/>
-          <p:nvPr/>
-        </p:nvSpPr>
-        <p:spPr>
-          <a:xfrm>
-            <a:off x="3175" y="728889"/>
-            <a:ext cx="3510642" cy="90715"/>
-          </a:xfrm>
-          <a:prstGeom prst="rect">
-            <a:avLst/>
-          </a:prstGeom>
-          <a:solidFill>
-            <a:schemeClr val="bg1"/>
-          </a:solidFill>
-          <a:ln>
-            <a:noFill/>
-          </a:ln>
-        </p:spPr>
-        <p:style>
-          <a:lnRef idx="2">
-            <a:schemeClr val="accent1">
-              <a:shade val="50000"/>
-            </a:schemeClr>
-          </a:lnRef>
-          <a:fillRef idx="1">
-            <a:schemeClr val="accent1"/>
-          </a:fillRef>
-          <a:effectRef idx="0">
-            <a:schemeClr val="accent1"/>
-          </a:effectRef>
-          <a:fontRef idx="minor">
-            <a:schemeClr val="lt1"/>
-          </a:fontRef>
-        </p:style>
-        <p:txBody>
-          <a:bodyPr rtlCol="0" anchor="ctr"/>
-          <a:lstStyle/>
-          <a:p>
-            <a:pPr algn="ctr"/>
-            <a:endParaRPr lang="ko-KR" altLang="en-US"/>
-          </a:p>
-        </p:txBody>
-      </p:sp>
-      <p:sp>
-        <p:nvSpPr>
-          <p:cNvPr id="7" name="TextBox 6">
-            <a:extLst>
-              <a:ext uri="{FF2B5EF4-FFF2-40B4-BE49-F238E27FC236}">
-                <a16:creationId xmlns:a16="http://schemas.microsoft.com/office/drawing/2014/main" xmlns="" id="{18181A22-DD7C-4211-814D-42ABBBA4FA59}"/>
-              </a:ext>
-            </a:extLst>
-          </p:cNvPr>
-          <p:cNvSpPr txBox="1"/>
-          <p:nvPr/>
-        </p:nvSpPr>
-        <p:spPr>
-          <a:xfrm>
-            <a:off x="540589" y="1341954"/>
-            <a:ext cx="4730697" cy="4401205"/>
-          </a:xfrm>
-          <a:prstGeom prst="rect">
-            <a:avLst/>
-          </a:prstGeom>
-          <a:noFill/>
-        </p:spPr>
-        <p:txBody>
-          <a:bodyPr rot="0" spcFirstLastPara="0" vertOverflow="overflow" horzOverflow="overflow" vert="horz" wrap="square" lIns="91440" tIns="45720" rIns="91440" bIns="45720" numCol="1" spcCol="0" rtlCol="0" fromWordArt="0" anchor="t" anchorCtr="0" forceAA="0" compatLnSpc="1">
-            <a:prstTxWarp prst="textNoShape">
-              <a:avLst/>
-            </a:prstTxWarp>
-            <a:spAutoFit/>
-          </a:bodyPr>
-          <a:lstStyle/>
-          <a:p>
-            <a:r>
-              <a:rPr lang="ko-KR" altLang="en-US" sz="2800">
-                <a:ea typeface="맑은 고딕"/>
-              </a:rPr>
-              <a:t>인사</a:t>
-            </a:r>
-            <a:endParaRPr lang="ko-KR" sz="2800">
-              <a:ea typeface="맑은 고딕"/>
-            </a:endParaRPr>
-          </a:p>
-          <a:p>
-            <a:r>
-              <a:rPr lang="ko-KR" altLang="en-US" sz="2800">
-                <a:latin typeface="Malgun Gothic"/>
-                <a:ea typeface="Malgun Gothic"/>
-              </a:rPr>
-              <a:t>프로젝트 수행조직도</a:t>
-            </a:r>
-            <a:endParaRPr lang="ko-KR" sz="2800">
-              <a:latin typeface="Malgun Gothic"/>
-              <a:ea typeface="Malgun Gothic"/>
-            </a:endParaRPr>
-          </a:p>
-          <a:p>
-            <a:r>
-              <a:rPr lang="ko-KR" altLang="en-US" sz="2800">
-                <a:latin typeface="Malgun Gothic"/>
-                <a:ea typeface="Malgun Gothic"/>
-              </a:rPr>
-              <a:t>고객 요구사항</a:t>
-            </a:r>
-            <a:endParaRPr lang="ko-KR" sz="2800">
-              <a:ea typeface="+mn-lt"/>
-              <a:cs typeface="+mn-lt"/>
-            </a:endParaRPr>
-          </a:p>
-          <a:p>
-            <a:r>
-              <a:rPr lang="ko-KR" sz="2800">
-                <a:latin typeface="Malgun Gothic"/>
-                <a:ea typeface="Malgun Gothic"/>
-              </a:rPr>
-              <a:t>제작 </a:t>
-            </a:r>
-            <a:r>
-              <a:rPr lang="ko-KR" altLang="en-US" sz="2800">
-                <a:latin typeface="Malgun Gothic"/>
-                <a:ea typeface="Malgun Gothic"/>
-              </a:rPr>
-              <a:t>일정</a:t>
-            </a:r>
-            <a:endParaRPr lang="ko-KR" altLang="en-US" sz="2800">
-              <a:latin typeface="Malgun Gothic"/>
-              <a:ea typeface="Malgun Gothic"/>
-              <a:cs typeface="+mn-lt"/>
-            </a:endParaRPr>
-          </a:p>
-          <a:p>
-            <a:r>
-              <a:rPr lang="ko-KR" altLang="en-US" sz="2800">
-                <a:ea typeface="맑은 고딕"/>
-              </a:rPr>
-              <a:t>프로젝트 구성도</a:t>
-            </a:r>
-            <a:endParaRPr lang="ko-KR" altLang="en-US" sz="2800" dirty="0">
-              <a:ea typeface="맑은 고딕"/>
-            </a:endParaRPr>
-          </a:p>
-          <a:p>
-            <a:r>
-              <a:rPr lang="ko-KR" altLang="en-US" sz="2800">
-                <a:ea typeface="맑은 고딕"/>
-              </a:rPr>
-              <a:t>GitHub 활용</a:t>
-            </a:r>
-            <a:endParaRPr lang="ko-KR" altLang="en-US" sz="2800" dirty="0">
-              <a:ea typeface="맑은 고딕"/>
-            </a:endParaRPr>
-          </a:p>
-          <a:p>
-            <a:r>
-              <a:rPr lang="ko-KR" altLang="en-US" sz="2800">
-                <a:ea typeface="맑은 고딕"/>
-              </a:rPr>
-              <a:t>화면구성</a:t>
-            </a:r>
-            <a:endParaRPr lang="ko-KR" sz="2000">
-              <a:ea typeface="맑은 고딕"/>
-            </a:endParaRPr>
-          </a:p>
-          <a:p>
-            <a:r>
-              <a:rPr lang="ko-KR" altLang="en-US" sz="2800">
-                <a:ea typeface="맑은 고딕"/>
-              </a:rPr>
-              <a:t>시연</a:t>
-            </a:r>
-            <a:endParaRPr lang="ko-KR" altLang="en-US" sz="2800" dirty="0">
-              <a:ea typeface="맑은 고딕"/>
-            </a:endParaRPr>
-          </a:p>
-          <a:p>
-            <a:r>
-              <a:rPr lang="ko-KR" altLang="en-US" sz="2800">
-                <a:ea typeface="맑은 고딕"/>
-              </a:rPr>
-              <a:t>간단한 소스 </a:t>
-            </a:r>
-            <a:r>
-              <a:rPr lang="ko-KR" altLang="en-US" sz="2800" dirty="0">
-                <a:ea typeface="맑은 고딕"/>
-              </a:rPr>
-              <a:t>설명</a:t>
-            </a:r>
-          </a:p>
-          <a:p>
-            <a:r>
-              <a:rPr lang="ko-KR" sz="2800">
-                <a:latin typeface="Malgun Gothic"/>
-                <a:ea typeface="Malgun Gothic"/>
-              </a:rPr>
-              <a:t>QnA</a:t>
-            </a:r>
-            <a:endParaRPr lang="ko-KR" sz="2800">
-              <a:ea typeface="+mn-lt"/>
-              <a:cs typeface="+mn-lt"/>
-            </a:endParaRPr>
-          </a:p>
-        </p:txBody>
-      </p:sp>
-      <p:sp>
-        <p:nvSpPr>
-          <p:cNvPr id="3" name="이등변 삼각형 2">
-            <a:extLst>
-              <a:ext uri="{FF2B5EF4-FFF2-40B4-BE49-F238E27FC236}">
-                <a16:creationId xmlns:a16="http://schemas.microsoft.com/office/drawing/2014/main" xmlns="" id="{B5C2D509-980A-4925-A6BF-9DDBFC91E477}"/>
-              </a:ext>
-            </a:extLst>
-          </p:cNvPr>
-          <p:cNvSpPr/>
-          <p:nvPr/>
-        </p:nvSpPr>
-        <p:spPr>
-          <a:xfrm rot="5400000">
-            <a:off x="109678" y="3476123"/>
-            <a:ext cx="584200" cy="499534"/>
-          </a:xfrm>
-          <a:prstGeom prst="triangle">
-            <a:avLst/>
-          </a:prstGeom>
-          <a:solidFill>
-            <a:srgbClr val="FF0000"/>
-          </a:solidFill>
-        </p:spPr>
-        <p:style>
-          <a:lnRef idx="2">
-            <a:schemeClr val="accent1">
-              <a:shade val="50000"/>
-            </a:schemeClr>
-          </a:lnRef>
-          <a:fillRef idx="1">
-            <a:schemeClr val="accent1"/>
-          </a:fillRef>
-          <a:effectRef idx="0">
-            <a:schemeClr val="accent1"/>
-          </a:effectRef>
-          <a:fontRef idx="minor">
-            <a:schemeClr val="lt1"/>
-          </a:fontRef>
-        </p:style>
-        <p:txBody>
-          <a:bodyPr rtlCol="0" anchor="ctr"/>
-          <a:lstStyle/>
-          <a:p>
-            <a:pPr algn="ctr"/>
-            <a:endParaRPr lang="ko-KR" altLang="en-US"/>
-          </a:p>
-        </p:txBody>
-      </p:sp>
-      <p:pic>
-        <p:nvPicPr>
-          <p:cNvPr id="5" name="그림 9">
-            <a:extLst>
-              <a:ext uri="{FF2B5EF4-FFF2-40B4-BE49-F238E27FC236}">
-                <a16:creationId xmlns:a16="http://schemas.microsoft.com/office/drawing/2014/main" xmlns="" id="{5F108894-A2DB-4D18-94BA-C8A2B561CC32}"/>
-              </a:ext>
-            </a:extLst>
-          </p:cNvPr>
-          <p:cNvPicPr>
-            <a:picLocks noChangeAspect="1"/>
-          </p:cNvPicPr>
-          <p:nvPr/>
-        </p:nvPicPr>
-        <p:blipFill>
-          <a:blip r:embed="rId2"/>
-          <a:stretch>
-            <a:fillRect/>
-          </a:stretch>
-        </p:blipFill>
-        <p:spPr>
-          <a:xfrm>
-            <a:off x="4293081" y="-6662447"/>
-            <a:ext cx="7804028" cy="6351874"/>
-          </a:xfrm>
-          <a:prstGeom prst="rect">
-            <a:avLst/>
-          </a:prstGeom>
-        </p:spPr>
-      </p:pic>
-      <p:pic>
-        <p:nvPicPr>
-          <p:cNvPr id="2" name="그림 9" descr="스크린샷이(가) 표시된 사진&#10;&#10;자동 생성된 설명">
-            <a:extLst>
-              <a:ext uri="{FF2B5EF4-FFF2-40B4-BE49-F238E27FC236}">
-                <a16:creationId xmlns:a16="http://schemas.microsoft.com/office/drawing/2014/main" xmlns="" id="{3B9A686E-7989-4813-B85D-6275A92650ED}"/>
-              </a:ext>
-            </a:extLst>
-          </p:cNvPr>
-          <p:cNvPicPr>
-            <a:picLocks noChangeAspect="1"/>
-          </p:cNvPicPr>
-          <p:nvPr/>
-        </p:nvPicPr>
-        <p:blipFill>
-          <a:blip r:embed="rId3"/>
-          <a:stretch>
-            <a:fillRect/>
-          </a:stretch>
-        </p:blipFill>
-        <p:spPr>
-          <a:xfrm>
-            <a:off x="2438401" y="-1614102"/>
-            <a:ext cx="759124" cy="539639"/>
-          </a:xfrm>
-          <a:prstGeom prst="rect">
-            <a:avLst/>
-          </a:prstGeom>
-        </p:spPr>
-      </p:pic>
-      <p:pic>
-        <p:nvPicPr>
-          <p:cNvPr id="14" name="그림 10" descr="스크린샷이(가) 표시된 사진&#10;&#10;자동 생성된 설명">
-            <a:extLst>
-              <a:ext uri="{FF2B5EF4-FFF2-40B4-BE49-F238E27FC236}">
-                <a16:creationId xmlns:a16="http://schemas.microsoft.com/office/drawing/2014/main" xmlns="" id="{98645443-6CEE-42F4-964C-2D889E4BB682}"/>
-              </a:ext>
-            </a:extLst>
-          </p:cNvPr>
-          <p:cNvPicPr>
-            <a:picLocks noChangeAspect="1"/>
-          </p:cNvPicPr>
-          <p:nvPr/>
-        </p:nvPicPr>
-        <p:blipFill>
-          <a:blip r:embed="rId4"/>
-          <a:stretch>
-            <a:fillRect/>
-          </a:stretch>
-        </p:blipFill>
-        <p:spPr>
-          <a:xfrm>
-            <a:off x="3933645" y="601674"/>
-            <a:ext cx="9083615" cy="6143480"/>
-          </a:xfrm>
-          <a:prstGeom prst="rect">
-            <a:avLst/>
-          </a:prstGeom>
-        </p:spPr>
-      </p:pic>
-      <p:pic>
-        <p:nvPicPr>
-          <p:cNvPr id="15" name="그림 15">
-            <a:extLst>
-              <a:ext uri="{FF2B5EF4-FFF2-40B4-BE49-F238E27FC236}">
-                <a16:creationId xmlns:a16="http://schemas.microsoft.com/office/drawing/2014/main" xmlns="" id="{5C09D9B1-A8F6-4F1B-9021-03E424E0C0E4}"/>
-              </a:ext>
-            </a:extLst>
-          </p:cNvPr>
-          <p:cNvPicPr>
-            <a:picLocks noChangeAspect="1"/>
-          </p:cNvPicPr>
-          <p:nvPr/>
-        </p:nvPicPr>
-        <p:blipFill>
-          <a:blip r:embed="rId5"/>
-          <a:stretch>
-            <a:fillRect/>
-          </a:stretch>
-        </p:blipFill>
-        <p:spPr>
-          <a:xfrm>
-            <a:off x="3818626" y="607988"/>
-            <a:ext cx="9126747" cy="6058968"/>
-          </a:xfrm>
-          <a:prstGeom prst="rect">
-            <a:avLst/>
-          </a:prstGeom>
-        </p:spPr>
-      </p:pic>
-      <p:pic>
-        <p:nvPicPr>
-          <p:cNvPr id="10" name="그림 10" descr="텍스트이(가) 표시된 사진&#10;&#10;자동 생성된 설명">
-            <a:extLst>
-              <a:ext uri="{FF2B5EF4-FFF2-40B4-BE49-F238E27FC236}">
-                <a16:creationId xmlns:a16="http://schemas.microsoft.com/office/drawing/2014/main" xmlns="" id="{35E9DE28-F711-4612-9812-552A581C0C8A}"/>
-              </a:ext>
-            </a:extLst>
-          </p:cNvPr>
-          <p:cNvPicPr>
-            <a:picLocks noChangeAspect="1"/>
-          </p:cNvPicPr>
-          <p:nvPr/>
-        </p:nvPicPr>
-        <p:blipFill>
-          <a:blip r:embed="rId6"/>
-          <a:stretch>
-            <a:fillRect/>
-          </a:stretch>
-        </p:blipFill>
-        <p:spPr>
-          <a:xfrm>
-            <a:off x="2780714" y="496713"/>
-            <a:ext cx="9492837" cy="6377342"/>
-          </a:xfrm>
-          <a:prstGeom prst="rect">
-            <a:avLst/>
-          </a:prstGeom>
-        </p:spPr>
-      </p:pic>
-      <p:pic>
-        <p:nvPicPr>
-          <p:cNvPr id="11" name="그림 11" descr="스크린샷이(가) 표시된 사진&#10;&#10;자동 생성된 설명">
-            <a:extLst>
-              <a:ext uri="{FF2B5EF4-FFF2-40B4-BE49-F238E27FC236}">
-                <a16:creationId xmlns:a16="http://schemas.microsoft.com/office/drawing/2014/main" xmlns="" id="{8EC5999F-43C2-4951-82F0-CF5A45D74302}"/>
-              </a:ext>
-            </a:extLst>
-          </p:cNvPr>
-          <p:cNvPicPr>
-            <a:picLocks noChangeAspect="1"/>
-          </p:cNvPicPr>
-          <p:nvPr/>
-        </p:nvPicPr>
-        <p:blipFill>
-          <a:blip r:embed="rId7"/>
-          <a:stretch>
-            <a:fillRect/>
-          </a:stretch>
-        </p:blipFill>
-        <p:spPr>
-          <a:xfrm>
-            <a:off x="2692400" y="459964"/>
-            <a:ext cx="9899373" cy="6401897"/>
-          </a:xfrm>
-          <a:prstGeom prst="rect">
-            <a:avLst/>
-          </a:prstGeom>
-        </p:spPr>
-      </p:pic>
-      <p:pic>
-        <p:nvPicPr>
-          <p:cNvPr id="12" name="그림 12" descr="스크린샷이(가) 표시된 사진&#10;&#10;자동 생성된 설명">
-            <a:extLst>
-              <a:ext uri="{FF2B5EF4-FFF2-40B4-BE49-F238E27FC236}">
-                <a16:creationId xmlns:a16="http://schemas.microsoft.com/office/drawing/2014/main" xmlns="" id="{22F2BE1C-0045-4C9B-8B44-03BB9B54F81A}"/>
-              </a:ext>
-            </a:extLst>
-          </p:cNvPr>
-          <p:cNvPicPr>
-            <a:picLocks noChangeAspect="1"/>
-          </p:cNvPicPr>
-          <p:nvPr/>
-        </p:nvPicPr>
-        <p:blipFill>
-          <a:blip r:embed="rId8"/>
-          <a:stretch>
-            <a:fillRect/>
-          </a:stretch>
-        </p:blipFill>
-        <p:spPr>
-          <a:xfrm>
-            <a:off x="6171096" y="1568962"/>
-            <a:ext cx="5702852" cy="4426857"/>
-          </a:xfrm>
-          <a:prstGeom prst="rect">
-            <a:avLst/>
-          </a:prstGeom>
-        </p:spPr>
-      </p:pic>
-      <p:pic>
-        <p:nvPicPr>
-          <p:cNvPr id="13" name="그림 15" descr="스크린샷이(가) 표시된 사진&#10;&#10;자동 생성된 설명">
-            <a:extLst>
-              <a:ext uri="{FF2B5EF4-FFF2-40B4-BE49-F238E27FC236}">
-                <a16:creationId xmlns:a16="http://schemas.microsoft.com/office/drawing/2014/main" xmlns="" id="{71443292-F5FA-439A-935A-503B1EF9B008}"/>
-              </a:ext>
-            </a:extLst>
-          </p:cNvPr>
-          <p:cNvPicPr>
-            <a:picLocks noChangeAspect="1"/>
-          </p:cNvPicPr>
-          <p:nvPr/>
-        </p:nvPicPr>
-        <p:blipFill>
-          <a:blip r:embed="rId9"/>
-          <a:stretch>
-            <a:fillRect/>
-          </a:stretch>
-        </p:blipFill>
-        <p:spPr>
-          <a:xfrm>
-            <a:off x="2692400" y="464576"/>
-            <a:ext cx="12155311" cy="7594573"/>
-          </a:xfrm>
-          <a:prstGeom prst="rect">
-            <a:avLst/>
-          </a:prstGeom>
-        </p:spPr>
-      </p:pic>
-    </p:spTree>
-    <p:extLst>
-      <p:ext uri="{BB962C8B-B14F-4D97-AF65-F5344CB8AC3E}">
-        <p14:creationId xmlns:p14="http://schemas.microsoft.com/office/powerpoint/2010/main" val="2841993474"/>
-      </p:ext>
-    </p:extLst>
-  </p:cSld>
-  <p:clrMapOvr>
-    <a:masterClrMapping/>
-  </p:clrMapOvr>
-  <p:transition spd="slow">
-    <p:fade/>
-  </p:transition>
-</p:sld>
-</file>
-
-<file path=ppt/slides/slide21.xml><?xml version="1.0" encoding="utf-8"?>
-<p:sld xmlns:a="http://schemas.openxmlformats.org/drawingml/2006/main" xmlns:r="http://schemas.openxmlformats.org/officeDocument/2006/relationships" xmlns:p="http://schemas.openxmlformats.org/presentationml/2006/main">
-  <p:cSld>
-    <p:spTree>
-      <p:nvGrpSpPr>
-        <p:cNvPr id="1" name=""/>
-        <p:cNvGrpSpPr/>
-        <p:nvPr/>
-      </p:nvGrpSpPr>
-      <p:grpSpPr>
-        <a:xfrm>
-          <a:off x="0" y="0"/>
-          <a:ext cx="0" cy="0"/>
-          <a:chOff x="0" y="0"/>
-          <a:chExt cx="0" cy="0"/>
-        </a:xfrm>
-      </p:grpSpPr>
-      <p:sp>
-        <p:nvSpPr>
-          <p:cNvPr id="4" name="직사각형 3">
-            <a:extLst>
-              <a:ext uri="{FF2B5EF4-FFF2-40B4-BE49-F238E27FC236}">
-                <a16:creationId xmlns:a16="http://schemas.microsoft.com/office/drawing/2014/main" xmlns="" id="{827CBD14-205C-455C-BAB0-9D54EBB80528}"/>
-              </a:ext>
-            </a:extLst>
-          </p:cNvPr>
-          <p:cNvSpPr/>
-          <p:nvPr/>
-        </p:nvSpPr>
-        <p:spPr>
-          <a:xfrm>
-            <a:off x="0" y="3991"/>
-            <a:ext cx="12192000" cy="6858000"/>
-          </a:xfrm>
-          <a:prstGeom prst="rect">
-            <a:avLst/>
-          </a:prstGeom>
-          <a:solidFill>
-            <a:schemeClr val="accent1">
-              <a:lumMod val="50000"/>
-            </a:schemeClr>
-          </a:solidFill>
-        </p:spPr>
-        <p:style>
-          <a:lnRef idx="2">
-            <a:schemeClr val="accent1">
-              <a:shade val="50000"/>
-            </a:schemeClr>
-          </a:lnRef>
-          <a:fillRef idx="1">
-            <a:schemeClr val="accent1"/>
-          </a:fillRef>
-          <a:effectRef idx="0">
-            <a:schemeClr val="accent1"/>
-          </a:effectRef>
-          <a:fontRef idx="minor">
-            <a:schemeClr val="lt1"/>
-          </a:fontRef>
-        </p:style>
-        <p:txBody>
-          <a:bodyPr rtlCol="0" anchor="ctr"/>
-          <a:lstStyle/>
-          <a:p>
-            <a:pPr algn="ctr"/>
-            <a:endParaRPr lang="ko-KR" altLang="en-US"/>
-          </a:p>
-        </p:txBody>
-      </p:sp>
-      <p:sp>
-        <p:nvSpPr>
-          <p:cNvPr id="6" name="직사각형 5">
-            <a:extLst>
-              <a:ext uri="{FF2B5EF4-FFF2-40B4-BE49-F238E27FC236}">
-                <a16:creationId xmlns:a16="http://schemas.microsoft.com/office/drawing/2014/main" xmlns="" id="{45E0CFFD-1570-4FFE-97E4-F1E07A8D7360}"/>
-              </a:ext>
-            </a:extLst>
-          </p:cNvPr>
-          <p:cNvSpPr/>
-          <p:nvPr/>
-        </p:nvSpPr>
-        <p:spPr>
-          <a:xfrm>
-            <a:off x="437791" y="1159739"/>
-            <a:ext cx="4522192" cy="6728773"/>
-          </a:xfrm>
-          <a:prstGeom prst="rect">
-            <a:avLst/>
-          </a:prstGeom>
-          <a:solidFill>
-            <a:schemeClr val="accent4">
-              <a:lumMod val="60000"/>
-              <a:lumOff val="40000"/>
-            </a:schemeClr>
-          </a:solidFill>
-        </p:spPr>
-        <p:style>
-          <a:lnRef idx="2">
-            <a:schemeClr val="accent1">
-              <a:shade val="50000"/>
-            </a:schemeClr>
-          </a:lnRef>
-          <a:fillRef idx="1">
-            <a:schemeClr val="accent1"/>
-          </a:fillRef>
-          <a:effectRef idx="0">
-            <a:schemeClr val="accent1"/>
-          </a:effectRef>
-          <a:fontRef idx="minor">
-            <a:schemeClr val="lt1"/>
-          </a:fontRef>
-        </p:style>
-        <p:txBody>
-          <a:bodyPr lIns="91440" tIns="45720" rIns="91440" bIns="45720" rtlCol="0" anchor="ctr"/>
-          <a:lstStyle/>
-          <a:p>
-            <a:pPr algn="ctr"/>
-            <a:endParaRPr lang="ko-KR" altLang="en-US" sz="3600" dirty="0">
-              <a:solidFill>
-                <a:schemeClr val="tx1"/>
-              </a:solidFill>
-              <a:ea typeface="맑은 고딕"/>
-            </a:endParaRPr>
-          </a:p>
-        </p:txBody>
-      </p:sp>
-      <p:sp>
-        <p:nvSpPr>
-          <p:cNvPr id="8" name="TextBox 7">
-            <a:extLst>
-              <a:ext uri="{FF2B5EF4-FFF2-40B4-BE49-F238E27FC236}">
-                <a16:creationId xmlns:a16="http://schemas.microsoft.com/office/drawing/2014/main" xmlns="" id="{722612CD-3BFF-4C2C-9806-463600493546}"/>
-              </a:ext>
-            </a:extLst>
-          </p:cNvPr>
-          <p:cNvSpPr txBox="1"/>
-          <p:nvPr/>
-        </p:nvSpPr>
-        <p:spPr>
-          <a:xfrm>
-            <a:off x="152401" y="134256"/>
-            <a:ext cx="3106056" cy="646331"/>
-          </a:xfrm>
-          <a:prstGeom prst="rect">
-            <a:avLst/>
-          </a:prstGeom>
-          <a:noFill/>
-        </p:spPr>
-        <p:txBody>
-          <a:bodyPr rot="0" spcFirstLastPara="0" vertOverflow="overflow" horzOverflow="overflow" vert="horz" wrap="square" lIns="91440" tIns="45720" rIns="91440" bIns="45720" numCol="1" spcCol="0" rtlCol="0" fromWordArt="0" anchor="t" anchorCtr="0" forceAA="0" compatLnSpc="1">
-            <a:prstTxWarp prst="textNoShape">
-              <a:avLst/>
-            </a:prstTxWarp>
-            <a:spAutoFit/>
-          </a:bodyPr>
-          <a:lstStyle/>
-          <a:p>
-            <a:r>
-              <a:rPr lang="ko-KR" altLang="en-US" sz="3600">
-                <a:solidFill>
-                  <a:schemeClr val="bg1"/>
-                </a:solidFill>
-                <a:ea typeface="맑은 고딕"/>
-              </a:rPr>
-              <a:t>목차</a:t>
-            </a:r>
-            <a:endParaRPr lang="ko-KR" altLang="en-US" sz="3600" dirty="0">
-              <a:solidFill>
-                <a:schemeClr val="bg1"/>
-              </a:solidFill>
-              <a:ea typeface="맑은 고딕"/>
-            </a:endParaRPr>
-          </a:p>
-        </p:txBody>
-      </p:sp>
-      <p:sp>
-        <p:nvSpPr>
-          <p:cNvPr id="9" name="직사각형 8">
-            <a:extLst>
-              <a:ext uri="{FF2B5EF4-FFF2-40B4-BE49-F238E27FC236}">
-                <a16:creationId xmlns:a16="http://schemas.microsoft.com/office/drawing/2014/main" xmlns="" id="{A6F8CFEF-47C2-4A03-92C9-7296106D053E}"/>
-              </a:ext>
-            </a:extLst>
-          </p:cNvPr>
-          <p:cNvSpPr/>
-          <p:nvPr/>
-        </p:nvSpPr>
-        <p:spPr>
-          <a:xfrm>
-            <a:off x="3175" y="728889"/>
-            <a:ext cx="3510642" cy="90715"/>
-          </a:xfrm>
-          <a:prstGeom prst="rect">
-            <a:avLst/>
-          </a:prstGeom>
-          <a:solidFill>
-            <a:schemeClr val="bg1"/>
-          </a:solidFill>
-          <a:ln>
-            <a:noFill/>
-          </a:ln>
-        </p:spPr>
-        <p:style>
-          <a:lnRef idx="2">
-            <a:schemeClr val="accent1">
-              <a:shade val="50000"/>
-            </a:schemeClr>
-          </a:lnRef>
-          <a:fillRef idx="1">
-            <a:schemeClr val="accent1"/>
-          </a:fillRef>
-          <a:effectRef idx="0">
-            <a:schemeClr val="accent1"/>
-          </a:effectRef>
-          <a:fontRef idx="minor">
-            <a:schemeClr val="lt1"/>
-          </a:fontRef>
-        </p:style>
-        <p:txBody>
-          <a:bodyPr rtlCol="0" anchor="ctr"/>
-          <a:lstStyle/>
-          <a:p>
-            <a:pPr algn="ctr"/>
-            <a:endParaRPr lang="ko-KR" altLang="en-US"/>
-          </a:p>
-        </p:txBody>
-      </p:sp>
-      <p:sp>
-        <p:nvSpPr>
-          <p:cNvPr id="7" name="TextBox 6">
-            <a:extLst>
-              <a:ext uri="{FF2B5EF4-FFF2-40B4-BE49-F238E27FC236}">
-                <a16:creationId xmlns:a16="http://schemas.microsoft.com/office/drawing/2014/main" xmlns="" id="{18181A22-DD7C-4211-814D-42ABBBA4FA59}"/>
-              </a:ext>
-            </a:extLst>
-          </p:cNvPr>
-          <p:cNvSpPr txBox="1"/>
-          <p:nvPr/>
-        </p:nvSpPr>
-        <p:spPr>
-          <a:xfrm>
-            <a:off x="540589" y="1341954"/>
-            <a:ext cx="4730697" cy="4401205"/>
-          </a:xfrm>
-          <a:prstGeom prst="rect">
-            <a:avLst/>
-          </a:prstGeom>
-          <a:noFill/>
-        </p:spPr>
-        <p:txBody>
-          <a:bodyPr rot="0" spcFirstLastPara="0" vertOverflow="overflow" horzOverflow="overflow" vert="horz" wrap="square" lIns="91440" tIns="45720" rIns="91440" bIns="45720" numCol="1" spcCol="0" rtlCol="0" fromWordArt="0" anchor="t" anchorCtr="0" forceAA="0" compatLnSpc="1">
-            <a:prstTxWarp prst="textNoShape">
-              <a:avLst/>
-            </a:prstTxWarp>
-            <a:spAutoFit/>
-          </a:bodyPr>
-          <a:lstStyle/>
-          <a:p>
-            <a:r>
-              <a:rPr lang="ko-KR" altLang="en-US" sz="2800">
-                <a:ea typeface="맑은 고딕"/>
-              </a:rPr>
-              <a:t>인사</a:t>
-            </a:r>
-            <a:endParaRPr lang="ko-KR" sz="2800">
-              <a:ea typeface="맑은 고딕"/>
-            </a:endParaRPr>
-          </a:p>
-          <a:p>
-            <a:r>
-              <a:rPr lang="ko-KR" altLang="en-US" sz="2800">
-                <a:latin typeface="Malgun Gothic"/>
-                <a:ea typeface="Malgun Gothic"/>
-              </a:rPr>
-              <a:t>프로젝트 수행조직도</a:t>
-            </a:r>
-            <a:endParaRPr lang="ko-KR" sz="2800">
-              <a:latin typeface="Malgun Gothic"/>
-              <a:ea typeface="Malgun Gothic"/>
-            </a:endParaRPr>
-          </a:p>
-          <a:p>
-            <a:r>
-              <a:rPr lang="ko-KR" altLang="en-US" sz="2800">
-                <a:latin typeface="Malgun Gothic"/>
-                <a:ea typeface="Malgun Gothic"/>
-              </a:rPr>
-              <a:t>고객 요구사항</a:t>
-            </a:r>
-            <a:endParaRPr lang="ko-KR" sz="2800">
-              <a:ea typeface="+mn-lt"/>
-              <a:cs typeface="+mn-lt"/>
-            </a:endParaRPr>
-          </a:p>
-          <a:p>
-            <a:r>
-              <a:rPr lang="ko-KR" sz="2800">
-                <a:latin typeface="Malgun Gothic"/>
-                <a:ea typeface="Malgun Gothic"/>
-              </a:rPr>
-              <a:t>제작 </a:t>
-            </a:r>
-            <a:r>
-              <a:rPr lang="ko-KR" altLang="en-US" sz="2800">
-                <a:latin typeface="Malgun Gothic"/>
-                <a:ea typeface="Malgun Gothic"/>
-              </a:rPr>
-              <a:t>일정</a:t>
-            </a:r>
-            <a:endParaRPr lang="ko-KR" altLang="en-US" sz="2800">
-              <a:latin typeface="Malgun Gothic"/>
-              <a:ea typeface="Malgun Gothic"/>
-              <a:cs typeface="+mn-lt"/>
-            </a:endParaRPr>
-          </a:p>
-          <a:p>
-            <a:r>
-              <a:rPr lang="ko-KR" altLang="en-US" sz="2800">
-                <a:ea typeface="맑은 고딕"/>
-              </a:rPr>
-              <a:t>프로젝트 구성도</a:t>
-            </a:r>
-            <a:endParaRPr lang="ko-KR" altLang="en-US" sz="2800" dirty="0">
-              <a:ea typeface="맑은 고딕"/>
-            </a:endParaRPr>
-          </a:p>
-          <a:p>
-            <a:r>
-              <a:rPr lang="ko-KR" altLang="en-US" sz="2800">
-                <a:ea typeface="맑은 고딕"/>
-              </a:rPr>
-              <a:t>GitHub 활용</a:t>
-            </a:r>
-            <a:endParaRPr lang="ko-KR" altLang="en-US" sz="2800" dirty="0">
-              <a:ea typeface="맑은 고딕"/>
-            </a:endParaRPr>
-          </a:p>
-          <a:p>
-            <a:r>
-              <a:rPr lang="ko-KR" altLang="en-US" sz="2800">
-                <a:ea typeface="맑은 고딕"/>
-              </a:rPr>
-              <a:t>화면구성</a:t>
-            </a:r>
-            <a:endParaRPr lang="ko-KR" sz="2000">
-              <a:ea typeface="맑은 고딕"/>
-            </a:endParaRPr>
-          </a:p>
-          <a:p>
-            <a:r>
-              <a:rPr lang="ko-KR" altLang="en-US" sz="2800">
-                <a:ea typeface="맑은 고딕"/>
-              </a:rPr>
-              <a:t>시연</a:t>
-            </a:r>
-            <a:endParaRPr lang="ko-KR" altLang="en-US" sz="2800" dirty="0">
-              <a:ea typeface="맑은 고딕"/>
-            </a:endParaRPr>
-          </a:p>
-          <a:p>
-            <a:r>
-              <a:rPr lang="ko-KR" altLang="en-US" sz="2800">
-                <a:ea typeface="맑은 고딕"/>
-              </a:rPr>
-              <a:t>간단한 소스 </a:t>
-            </a:r>
-            <a:r>
-              <a:rPr lang="ko-KR" altLang="en-US" sz="2800" dirty="0">
-                <a:ea typeface="맑은 고딕"/>
-              </a:rPr>
-              <a:t>설명</a:t>
-            </a:r>
-          </a:p>
-          <a:p>
-            <a:r>
-              <a:rPr lang="ko-KR" sz="2800">
-                <a:latin typeface="Malgun Gothic"/>
-                <a:ea typeface="Malgun Gothic"/>
-              </a:rPr>
-              <a:t>QnA</a:t>
-            </a:r>
-            <a:endParaRPr lang="ko-KR" sz="2800">
-              <a:ea typeface="+mn-lt"/>
-              <a:cs typeface="+mn-lt"/>
-            </a:endParaRPr>
-          </a:p>
-        </p:txBody>
-      </p:sp>
-      <p:sp>
-        <p:nvSpPr>
-          <p:cNvPr id="3" name="이등변 삼각형 2">
-            <a:extLst>
-              <a:ext uri="{FF2B5EF4-FFF2-40B4-BE49-F238E27FC236}">
-                <a16:creationId xmlns:a16="http://schemas.microsoft.com/office/drawing/2014/main" xmlns="" id="{B5C2D509-980A-4925-A6BF-9DDBFC91E477}"/>
-              </a:ext>
-            </a:extLst>
-          </p:cNvPr>
-          <p:cNvSpPr/>
-          <p:nvPr/>
-        </p:nvSpPr>
-        <p:spPr>
-          <a:xfrm rot="5400000">
-            <a:off x="109678" y="3476123"/>
-            <a:ext cx="584200" cy="499534"/>
-          </a:xfrm>
-          <a:prstGeom prst="triangle">
-            <a:avLst/>
-          </a:prstGeom>
-          <a:solidFill>
-            <a:srgbClr val="FF0000"/>
-          </a:solidFill>
-        </p:spPr>
-        <p:style>
-          <a:lnRef idx="2">
-            <a:schemeClr val="accent1">
-              <a:shade val="50000"/>
-            </a:schemeClr>
-          </a:lnRef>
-          <a:fillRef idx="1">
-            <a:schemeClr val="accent1"/>
-          </a:fillRef>
-          <a:effectRef idx="0">
-            <a:schemeClr val="accent1"/>
-          </a:effectRef>
-          <a:fontRef idx="minor">
-            <a:schemeClr val="lt1"/>
-          </a:fontRef>
-        </p:style>
-        <p:txBody>
-          <a:bodyPr rtlCol="0" anchor="ctr"/>
-          <a:lstStyle/>
-          <a:p>
-            <a:pPr algn="ctr"/>
-            <a:endParaRPr lang="ko-KR" altLang="en-US"/>
-          </a:p>
-        </p:txBody>
-      </p:sp>
-      <p:pic>
-        <p:nvPicPr>
-          <p:cNvPr id="5" name="그림 9">
-            <a:extLst>
-              <a:ext uri="{FF2B5EF4-FFF2-40B4-BE49-F238E27FC236}">
-                <a16:creationId xmlns:a16="http://schemas.microsoft.com/office/drawing/2014/main" xmlns="" id="{5F108894-A2DB-4D18-94BA-C8A2B561CC32}"/>
-              </a:ext>
-            </a:extLst>
-          </p:cNvPr>
-          <p:cNvPicPr>
-            <a:picLocks noChangeAspect="1"/>
-          </p:cNvPicPr>
-          <p:nvPr/>
-        </p:nvPicPr>
-        <p:blipFill>
-          <a:blip r:embed="rId2"/>
-          <a:stretch>
-            <a:fillRect/>
-          </a:stretch>
-        </p:blipFill>
-        <p:spPr>
-          <a:xfrm>
-            <a:off x="4293081" y="-6662447"/>
-            <a:ext cx="7804028" cy="6351874"/>
-          </a:xfrm>
-          <a:prstGeom prst="rect">
-            <a:avLst/>
-          </a:prstGeom>
-        </p:spPr>
-      </p:pic>
-      <p:pic>
-        <p:nvPicPr>
-          <p:cNvPr id="2" name="그림 9" descr="스크린샷이(가) 표시된 사진&#10;&#10;자동 생성된 설명">
-            <a:extLst>
-              <a:ext uri="{FF2B5EF4-FFF2-40B4-BE49-F238E27FC236}">
-                <a16:creationId xmlns:a16="http://schemas.microsoft.com/office/drawing/2014/main" xmlns="" id="{3B9A686E-7989-4813-B85D-6275A92650ED}"/>
-              </a:ext>
-            </a:extLst>
-          </p:cNvPr>
-          <p:cNvPicPr>
-            <a:picLocks noChangeAspect="1"/>
-          </p:cNvPicPr>
-          <p:nvPr/>
-        </p:nvPicPr>
-        <p:blipFill>
-          <a:blip r:embed="rId3"/>
-          <a:stretch>
-            <a:fillRect/>
-          </a:stretch>
-        </p:blipFill>
-        <p:spPr>
-          <a:xfrm>
-            <a:off x="2438401" y="-1614102"/>
-            <a:ext cx="759124" cy="539639"/>
-          </a:xfrm>
-          <a:prstGeom prst="rect">
-            <a:avLst/>
-          </a:prstGeom>
-        </p:spPr>
-      </p:pic>
-      <p:pic>
-        <p:nvPicPr>
-          <p:cNvPr id="12" name="그림 12" descr="스크린샷이(가) 표시된 사진&#10;&#10;자동 생성된 설명">
-            <a:extLst>
-              <a:ext uri="{FF2B5EF4-FFF2-40B4-BE49-F238E27FC236}">
-                <a16:creationId xmlns:a16="http://schemas.microsoft.com/office/drawing/2014/main" xmlns="" id="{22F2BE1C-0045-4C9B-8B44-03BB9B54F81A}"/>
-              </a:ext>
-            </a:extLst>
-          </p:cNvPr>
-          <p:cNvPicPr>
-            <a:picLocks noChangeAspect="1"/>
-          </p:cNvPicPr>
-          <p:nvPr/>
-        </p:nvPicPr>
-        <p:blipFill>
-          <a:blip r:embed="rId4"/>
-          <a:stretch>
-            <a:fillRect/>
-          </a:stretch>
-        </p:blipFill>
-        <p:spPr>
-          <a:xfrm>
-            <a:off x="6171096" y="1568962"/>
-            <a:ext cx="5702852" cy="4426857"/>
-          </a:xfrm>
-          <a:prstGeom prst="rect">
-            <a:avLst/>
-          </a:prstGeom>
-        </p:spPr>
-      </p:pic>
-      <p:pic>
-        <p:nvPicPr>
-          <p:cNvPr id="16" name="그림 16" descr="스크린샷이(가) 표시된 사진&#10;&#10;자동 생성된 설명">
-            <a:extLst>
-              <a:ext uri="{FF2B5EF4-FFF2-40B4-BE49-F238E27FC236}">
-                <a16:creationId xmlns:a16="http://schemas.microsoft.com/office/drawing/2014/main" xmlns="" id="{B67B527F-CAC3-40AA-99D1-AFBFDAF8B11B}"/>
-              </a:ext>
-            </a:extLst>
-          </p:cNvPr>
-          <p:cNvPicPr>
-            <a:picLocks noChangeAspect="1"/>
-          </p:cNvPicPr>
-          <p:nvPr/>
-        </p:nvPicPr>
-        <p:blipFill>
-          <a:blip r:embed="rId5"/>
-          <a:stretch>
-            <a:fillRect/>
-          </a:stretch>
-        </p:blipFill>
-        <p:spPr>
-          <a:xfrm>
-            <a:off x="2670313" y="775927"/>
-            <a:ext cx="10815981" cy="6388403"/>
-          </a:xfrm>
-          <a:prstGeom prst="rect">
-            <a:avLst/>
-          </a:prstGeom>
-        </p:spPr>
-      </p:pic>
-    </p:spTree>
-    <p:extLst>
-      <p:ext uri="{BB962C8B-B14F-4D97-AF65-F5344CB8AC3E}">
-        <p14:creationId xmlns:p14="http://schemas.microsoft.com/office/powerpoint/2010/main" val="256914150"/>
-      </p:ext>
-    </p:extLst>
-  </p:cSld>
-  <p:clrMapOvr>
-    <a:masterClrMapping/>
-  </p:clrMapOvr>
-  <p:transition spd="slow">
-    <p:fade/>
-  </p:transition>
 </p:sld>
 </file>
 
@@ -27125,15 +22772,7 @@
                   <a:schemeClr val="tx1"/>
                 </a:solidFill>
               </a:rPr>
-              <a:t>강의를 듣고 배운 것을 </a:t>
-            </a:r>
-            <a:r>
-              <a:rPr lang="ko-KR" altLang="en-US" dirty="0" smtClean="0">
-                <a:solidFill>
-                  <a:schemeClr val="tx1"/>
-                </a:solidFill>
-              </a:rPr>
-              <a:t>활용하여</a:t>
+              <a:t>강의를 듣고 배운 것을 활용하여</a:t>
             </a:r>
             <a:endParaRPr lang="en-US" altLang="ko-KR" dirty="0">
               <a:solidFill>
@@ -28024,45 +23663,71 @@
               <a:srgbClr val="FFFFFF"/>
             </a:contourClr>
           </a:sp3d>
+          <a:extLst/>
+        </p:spPr>
+      </p:pic>
+      <p:pic>
+        <p:nvPicPr>
+          <p:cNvPr id="3" name="Picture 2"/>
+          <p:cNvPicPr>
+            <a:picLocks noChangeAspect="1" noChangeArrowheads="1"/>
+          </p:cNvPicPr>
+          <p:nvPr/>
+        </p:nvPicPr>
+        <p:blipFill>
+          <a:blip r:embed="rId4" cstate="print">
+            <a:extLst>
+              <a:ext uri="{28A0092B-C50C-407E-A947-70E740481C1C}">
+                <a14:useLocalDpi xmlns:a14="http://schemas.microsoft.com/office/drawing/2010/main" val="0"/>
+              </a:ext>
+            </a:extLst>
+          </a:blip>
+          <a:srcRect/>
+          <a:stretch>
+            <a:fillRect/>
+          </a:stretch>
+        </p:blipFill>
+        <p:spPr bwMode="auto">
+          <a:xfrm>
+            <a:off x="6819512" y="3209924"/>
+            <a:ext cx="5267714" cy="3505201"/>
+          </a:xfrm>
+          <a:prstGeom prst="rect">
+            <a:avLst/>
+          </a:prstGeom>
+          <a:noFill/>
+          <a:ln>
+            <a:noFill/>
+          </a:ln>
+          <a:effectLst/>
           <a:extLst>
             <a:ext uri="{909E8E84-426E-40DD-AFC4-6F175D3DCCD1}">
               <a14:hiddenFill xmlns:a14="http://schemas.microsoft.com/office/drawing/2010/main">
                 <a:solidFill>
-                  <a:srgbClr val="FFFFFF"/>
+                  <a:schemeClr val="accent1"/>
                 </a:solidFill>
               </a14:hiddenFill>
             </a:ext>
+            <a:ext uri="{91240B29-F687-4F45-9708-019B960494DF}">
+              <a14:hiddenLine xmlns:a14="http://schemas.microsoft.com/office/drawing/2010/main" w="9525">
+                <a:solidFill>
+                  <a:schemeClr val="tx1"/>
+                </a:solidFill>
+                <a:miter lim="800000"/>
+                <a:headEnd/>
+                <a:tailEnd/>
+              </a14:hiddenLine>
+            </a:ext>
+            <a:ext uri="{AF507438-7753-43E0-B8FC-AC1667EBCBE1}">
+              <a14:hiddenEffects xmlns:a14="http://schemas.microsoft.com/office/drawing/2010/main">
+                <a:effectLst>
+                  <a:outerShdw dist="35921" dir="2700000" algn="ctr" rotWithShape="0">
+                    <a:schemeClr val="bg2"/>
+                  </a:outerShdw>
+                </a:effectLst>
+              </a14:hiddenEffects>
+            </a:ext>
           </a:extLst>
-        </p:spPr>
-      </p:pic>
-      <p:pic>
-        <p:nvPicPr>
-          <p:cNvPr id="10" name="그림 9" descr="스크린샷이(가) 표시된 사진&#10;&#10;자동 생성된 설명">
-            <a:extLst>
-              <a:ext uri="{FF2B5EF4-FFF2-40B4-BE49-F238E27FC236}">
-                <a16:creationId xmlns:a16="http://schemas.microsoft.com/office/drawing/2014/main" xmlns="" id="{3B9A686E-7989-4813-B85D-6275A92650ED}"/>
-              </a:ext>
-            </a:extLst>
-          </p:cNvPr>
-          <p:cNvPicPr>
-            <a:picLocks noChangeAspect="1"/>
-          </p:cNvPicPr>
-          <p:nvPr/>
-        </p:nvPicPr>
-        <p:blipFill>
-          <a:blip r:embed="rId4"/>
-          <a:stretch>
-            <a:fillRect/>
-          </a:stretch>
-        </p:blipFill>
-        <p:spPr>
-          <a:xfrm>
-            <a:off x="7094946" y="3113599"/>
-            <a:ext cx="4982753" cy="3387875"/>
-          </a:xfrm>
-          <a:prstGeom prst="rect">
-            <a:avLst/>
-          </a:prstGeom>
         </p:spPr>
       </p:pic>
     </p:spTree>
@@ -28418,6 +24083,70 @@
           </a:extLst>
         </p:spPr>
       </p:pic>
+      <p:pic>
+        <p:nvPicPr>
+          <p:cNvPr id="2050" name="Picture 2"/>
+          <p:cNvPicPr>
+            <a:picLocks noChangeAspect="1" noChangeArrowheads="1"/>
+          </p:cNvPicPr>
+          <p:nvPr/>
+        </p:nvPicPr>
+        <p:blipFill>
+          <a:blip r:embed="rId3">
+            <a:extLst>
+              <a:ext uri="{28A0092B-C50C-407E-A947-70E740481C1C}">
+                <a14:useLocalDpi xmlns:a14="http://schemas.microsoft.com/office/drawing/2010/main" val="0"/>
+              </a:ext>
+            </a:extLst>
+          </a:blip>
+          <a:srcRect/>
+          <a:stretch>
+            <a:fillRect/>
+          </a:stretch>
+        </p:blipFill>
+        <p:spPr bwMode="auto">
+          <a:xfrm>
+            <a:off x="2773816" y="1686408"/>
+            <a:ext cx="8944081" cy="4606698"/>
+          </a:xfrm>
+          <a:prstGeom prst="rect">
+            <a:avLst/>
+          </a:prstGeom>
+          <a:noFill/>
+          <a:ln>
+            <a:noFill/>
+          </a:ln>
+          <a:effectLst/>
+          <a:extLst>
+            <a:ext uri="{909E8E84-426E-40DD-AFC4-6F175D3DCCD1}">
+              <a14:hiddenFill xmlns:a14="http://schemas.microsoft.com/office/drawing/2010/main">
+                <a:solidFill>
+                  <a:schemeClr val="accent1"/>
+                </a:solidFill>
+              </a14:hiddenFill>
+            </a:ext>
+            <a:ext uri="{91240B29-F687-4F45-9708-019B960494DF}">
+              <a14:hiddenLine xmlns:a14="http://schemas.microsoft.com/office/drawing/2010/main" w="9525">
+                <a:solidFill>
+                  <a:schemeClr val="tx1"/>
+                </a:solidFill>
+                <a:miter lim="800000"/>
+                <a:headEnd/>
+                <a:tailEnd/>
+              </a14:hiddenLine>
+            </a:ext>
+            <a:ext uri="{AF507438-7753-43E0-B8FC-AC1667EBCBE1}">
+              <a14:hiddenEffects xmlns:a14="http://schemas.microsoft.com/office/drawing/2010/main">
+                <a:effectLst>
+                  <a:outerShdw dist="35921" dir="2700000" algn="ctr" rotWithShape="0">
+                    <a:schemeClr val="bg2"/>
+                  </a:outerShdw>
+                </a:effectLst>
+              </a14:hiddenEffects>
+            </a:ext>
+          </a:extLst>
+        </p:spPr>
+      </p:pic>
     </p:spTree>
     <p:extLst>
       <p:ext uri="{BB962C8B-B14F-4D97-AF65-F5344CB8AC3E}">
@@ -28769,6 +24498,36 @@
               </a14:hiddenFill>
             </a:ext>
           </a:extLst>
+        </p:spPr>
+      </p:pic>
+      <p:pic>
+        <p:nvPicPr>
+          <p:cNvPr id="10" name="그림 10" descr="텍스트이(가) 표시된 사진&#10;&#10;자동 생성된 설명">
+            <a:extLst>
+              <a:ext uri="{FF2B5EF4-FFF2-40B4-BE49-F238E27FC236}">
+                <a16:creationId xmlns:a16="http://schemas.microsoft.com/office/drawing/2014/main" xmlns="" id="{35E9DE28-F711-4612-9812-552A581C0C8A}"/>
+              </a:ext>
+            </a:extLst>
+          </p:cNvPr>
+          <p:cNvPicPr>
+            <a:picLocks noChangeAspect="1"/>
+          </p:cNvPicPr>
+          <p:nvPr/>
+        </p:nvPicPr>
+        <p:blipFill>
+          <a:blip r:embed="rId3"/>
+          <a:stretch>
+            <a:fillRect/>
+          </a:stretch>
+        </p:blipFill>
+        <p:spPr>
+          <a:xfrm>
+            <a:off x="3223759" y="1308292"/>
+            <a:ext cx="7982857" cy="5362929"/>
+          </a:xfrm>
+          <a:prstGeom prst="rect">
+            <a:avLst/>
+          </a:prstGeom>
         </p:spPr>
       </p:pic>
     </p:spTree>
@@ -29140,6 +24899,36 @@
               </a14:hiddenFill>
             </a:ext>
           </a:extLst>
+        </p:spPr>
+      </p:pic>
+      <p:pic>
+        <p:nvPicPr>
+          <p:cNvPr id="10" name="그림 16" descr="스크린샷이(가) 표시된 사진&#10;&#10;자동 생성된 설명">
+            <a:extLst>
+              <a:ext uri="{FF2B5EF4-FFF2-40B4-BE49-F238E27FC236}">
+                <a16:creationId xmlns:a16="http://schemas.microsoft.com/office/drawing/2014/main" xmlns="" id="{B67B527F-CAC3-40AA-99D1-AFBFDAF8B11B}"/>
+              </a:ext>
+            </a:extLst>
+          </p:cNvPr>
+          <p:cNvPicPr>
+            <a:picLocks noChangeAspect="1"/>
+          </p:cNvPicPr>
+          <p:nvPr/>
+        </p:nvPicPr>
+        <p:blipFill>
+          <a:blip r:embed="rId3"/>
+          <a:stretch>
+            <a:fillRect/>
+          </a:stretch>
+        </p:blipFill>
+        <p:spPr>
+          <a:xfrm>
+            <a:off x="2786743" y="1170015"/>
+            <a:ext cx="9332686" cy="5512302"/>
+          </a:xfrm>
+          <a:prstGeom prst="rect">
+            <a:avLst/>
+          </a:prstGeom>
         </p:spPr>
       </p:pic>
     </p:spTree>
